--- a/doc/Apresentação 2ª Fase.pptx
+++ b/doc/Apresentação 2ª Fase.pptx
@@ -4,9 +4,22 @@
   <p:sldMasterIdLst>
     <p:sldMasterId id="2147483648" r:id="rId1"/>
   </p:sldMasterIdLst>
+  <p:notesMasterIdLst>
+    <p:notesMasterId r:id="rId14"/>
+  </p:notesMasterIdLst>
   <p:sldIdLst>
     <p:sldId id="257" r:id="rId2"/>
-    <p:sldId id="258" r:id="rId3"/>
+    <p:sldId id="260" r:id="rId3"/>
+    <p:sldId id="259" r:id="rId4"/>
+    <p:sldId id="261" r:id="rId5"/>
+    <p:sldId id="266" r:id="rId6"/>
+    <p:sldId id="262" r:id="rId7"/>
+    <p:sldId id="263" r:id="rId8"/>
+    <p:sldId id="267" r:id="rId9"/>
+    <p:sldId id="264" r:id="rId10"/>
+    <p:sldId id="268" r:id="rId11"/>
+    <p:sldId id="265" r:id="rId12"/>
+    <p:sldId id="258" r:id="rId13"/>
   </p:sldIdLst>
   <p:sldSz cx="12192000" cy="6858000"/>
   <p:notesSz cx="6858000" cy="9144000"/>
@@ -105,7 +118,361 @@
       </a:defRPr>
     </a:lvl9pPr>
   </p:defaultTextStyle>
+  <p:extLst>
+    <p:ext uri="{EFAFB233-063F-42B5-8137-9DF3F51BA10A}">
+      <p15:sldGuideLst xmlns:p15="http://schemas.microsoft.com/office/powerpoint/2012/main"/>
+    </p:ext>
+  </p:extLst>
 </p:presentation>
+</file>
+
+<file path=ppt/notesMasters/notesMaster1.xml><?xml version="1.0" encoding="utf-8"?>
+<p:notesMaster xmlns:a="http://schemas.openxmlformats.org/drawingml/2006/main" xmlns:r="http://schemas.openxmlformats.org/officeDocument/2006/relationships" xmlns:p="http://schemas.openxmlformats.org/presentationml/2006/main">
+  <p:cSld>
+    <p:bg>
+      <p:bgRef idx="1001">
+        <a:schemeClr val="bg1"/>
+      </p:bgRef>
+    </p:bg>
+    <p:spTree>
+      <p:nvGrpSpPr>
+        <p:cNvPr id="1" name=""/>
+        <p:cNvGrpSpPr/>
+        <p:nvPr/>
+      </p:nvGrpSpPr>
+      <p:grpSpPr>
+        <a:xfrm>
+          <a:off x="0" y="0"/>
+          <a:ext cx="0" cy="0"/>
+          <a:chOff x="0" y="0"/>
+          <a:chExt cx="0" cy="0"/>
+        </a:xfrm>
+      </p:grpSpPr>
+      <p:sp>
+        <p:nvSpPr>
+          <p:cNvPr id="2" name="Marcador de Posição do Cabeçalho 1"/>
+          <p:cNvSpPr>
+            <a:spLocks noGrp="1"/>
+          </p:cNvSpPr>
+          <p:nvPr>
+            <p:ph type="hdr" sz="quarter"/>
+          </p:nvPr>
+        </p:nvSpPr>
+        <p:spPr>
+          <a:xfrm>
+            <a:off x="0" y="0"/>
+            <a:ext cx="2971800" cy="458788"/>
+          </a:xfrm>
+          <a:prstGeom prst="rect">
+            <a:avLst/>
+          </a:prstGeom>
+        </p:spPr>
+        <p:txBody>
+          <a:bodyPr vert="horz" lIns="91440" tIns="45720" rIns="91440" bIns="45720" rtlCol="0"/>
+          <a:lstStyle>
+            <a:lvl1pPr algn="l">
+              <a:defRPr sz="1200"/>
+            </a:lvl1pPr>
+          </a:lstStyle>
+          <a:p>
+            <a:endParaRPr lang="pt-PT"/>
+          </a:p>
+        </p:txBody>
+      </p:sp>
+      <p:sp>
+        <p:nvSpPr>
+          <p:cNvPr id="3" name="Marcador de Posição da Data 2"/>
+          <p:cNvSpPr>
+            <a:spLocks noGrp="1"/>
+          </p:cNvSpPr>
+          <p:nvPr>
+            <p:ph type="dt" idx="1"/>
+          </p:nvPr>
+        </p:nvSpPr>
+        <p:spPr>
+          <a:xfrm>
+            <a:off x="3884613" y="0"/>
+            <a:ext cx="2971800" cy="458788"/>
+          </a:xfrm>
+          <a:prstGeom prst="rect">
+            <a:avLst/>
+          </a:prstGeom>
+        </p:spPr>
+        <p:txBody>
+          <a:bodyPr vert="horz" lIns="91440" tIns="45720" rIns="91440" bIns="45720" rtlCol="0"/>
+          <a:lstStyle>
+            <a:lvl1pPr algn="r">
+              <a:defRPr sz="1200"/>
+            </a:lvl1pPr>
+          </a:lstStyle>
+          <a:p>
+            <a:fld id="{844F53DF-735B-4EC3-B627-85AD901AFB21}" type="datetimeFigureOut">
+              <a:rPr lang="pt-PT" smtClean="0"/>
+              <a:t>17/01/2024</a:t>
+            </a:fld>
+            <a:endParaRPr lang="pt-PT"/>
+          </a:p>
+        </p:txBody>
+      </p:sp>
+      <p:sp>
+        <p:nvSpPr>
+          <p:cNvPr id="4" name="Marcador de Posição da Imagem do Diapositivo 3"/>
+          <p:cNvSpPr>
+            <a:spLocks noGrp="1" noRot="1" noChangeAspect="1"/>
+          </p:cNvSpPr>
+          <p:nvPr>
+            <p:ph type="sldImg" idx="2"/>
+          </p:nvPr>
+        </p:nvSpPr>
+        <p:spPr>
+          <a:xfrm>
+            <a:off x="685800" y="1143000"/>
+            <a:ext cx="5486400" cy="3086100"/>
+          </a:xfrm>
+          <a:prstGeom prst="rect">
+            <a:avLst/>
+          </a:prstGeom>
+          <a:noFill/>
+          <a:ln w="12700">
+            <a:solidFill>
+              <a:prstClr val="black"/>
+            </a:solidFill>
+          </a:ln>
+        </p:spPr>
+        <p:txBody>
+          <a:bodyPr vert="horz" lIns="91440" tIns="45720" rIns="91440" bIns="45720" rtlCol="0" anchor="ctr"/>
+          <a:lstStyle/>
+          <a:p>
+            <a:endParaRPr lang="pt-PT"/>
+          </a:p>
+        </p:txBody>
+      </p:sp>
+      <p:sp>
+        <p:nvSpPr>
+          <p:cNvPr id="5" name="Marcador de Posição de Notas 4"/>
+          <p:cNvSpPr>
+            <a:spLocks noGrp="1"/>
+          </p:cNvSpPr>
+          <p:nvPr>
+            <p:ph type="body" sz="quarter" idx="3"/>
+          </p:nvPr>
+        </p:nvSpPr>
+        <p:spPr>
+          <a:xfrm>
+            <a:off x="685800" y="4400550"/>
+            <a:ext cx="5486400" cy="3600450"/>
+          </a:xfrm>
+          <a:prstGeom prst="rect">
+            <a:avLst/>
+          </a:prstGeom>
+        </p:spPr>
+        <p:txBody>
+          <a:bodyPr vert="horz" lIns="91440" tIns="45720" rIns="91440" bIns="45720" rtlCol="0"/>
+          <a:lstStyle/>
+          <a:p>
+            <a:pPr lvl="0"/>
+            <a:r>
+              <a:rPr lang="pt-PT"/>
+              <a:t>Clique para editar os estilos do texto de Modelo Global</a:t>
+            </a:r>
+          </a:p>
+          <a:p>
+            <a:pPr lvl="1"/>
+            <a:r>
+              <a:rPr lang="pt-PT"/>
+              <a:t>Segundo nível</a:t>
+            </a:r>
+          </a:p>
+          <a:p>
+            <a:pPr lvl="2"/>
+            <a:r>
+              <a:rPr lang="pt-PT"/>
+              <a:t>Terceiro nível</a:t>
+            </a:r>
+          </a:p>
+          <a:p>
+            <a:pPr lvl="3"/>
+            <a:r>
+              <a:rPr lang="pt-PT"/>
+              <a:t>Quarto nível</a:t>
+            </a:r>
+          </a:p>
+          <a:p>
+            <a:pPr lvl="4"/>
+            <a:r>
+              <a:rPr lang="pt-PT"/>
+              <a:t>Quinto nível</a:t>
+            </a:r>
+          </a:p>
+        </p:txBody>
+      </p:sp>
+      <p:sp>
+        <p:nvSpPr>
+          <p:cNvPr id="6" name="Marcador de Posição do Rodapé 5"/>
+          <p:cNvSpPr>
+            <a:spLocks noGrp="1"/>
+          </p:cNvSpPr>
+          <p:nvPr>
+            <p:ph type="ftr" sz="quarter" idx="4"/>
+          </p:nvPr>
+        </p:nvSpPr>
+        <p:spPr>
+          <a:xfrm>
+            <a:off x="0" y="8685213"/>
+            <a:ext cx="2971800" cy="458787"/>
+          </a:xfrm>
+          <a:prstGeom prst="rect">
+            <a:avLst/>
+          </a:prstGeom>
+        </p:spPr>
+        <p:txBody>
+          <a:bodyPr vert="horz" lIns="91440" tIns="45720" rIns="91440" bIns="45720" rtlCol="0" anchor="b"/>
+          <a:lstStyle>
+            <a:lvl1pPr algn="l">
+              <a:defRPr sz="1200"/>
+            </a:lvl1pPr>
+          </a:lstStyle>
+          <a:p>
+            <a:endParaRPr lang="pt-PT"/>
+          </a:p>
+        </p:txBody>
+      </p:sp>
+      <p:sp>
+        <p:nvSpPr>
+          <p:cNvPr id="7" name="Marcador de Posição do Número do Diapositivo 6"/>
+          <p:cNvSpPr>
+            <a:spLocks noGrp="1"/>
+          </p:cNvSpPr>
+          <p:nvPr>
+            <p:ph type="sldNum" sz="quarter" idx="5"/>
+          </p:nvPr>
+        </p:nvSpPr>
+        <p:spPr>
+          <a:xfrm>
+            <a:off x="3884613" y="8685213"/>
+            <a:ext cx="2971800" cy="458787"/>
+          </a:xfrm>
+          <a:prstGeom prst="rect">
+            <a:avLst/>
+          </a:prstGeom>
+        </p:spPr>
+        <p:txBody>
+          <a:bodyPr vert="horz" lIns="91440" tIns="45720" rIns="91440" bIns="45720" rtlCol="0" anchor="b"/>
+          <a:lstStyle>
+            <a:lvl1pPr algn="r">
+              <a:defRPr sz="1200"/>
+            </a:lvl1pPr>
+          </a:lstStyle>
+          <a:p>
+            <a:fld id="{4DA4CCB8-635A-45C2-A3D5-0D8891A9AE7B}" type="slidenum">
+              <a:rPr lang="pt-PT" smtClean="0"/>
+              <a:t>‹nº›</a:t>
+            </a:fld>
+            <a:endParaRPr lang="pt-PT"/>
+          </a:p>
+        </p:txBody>
+      </p:sp>
+    </p:spTree>
+    <p:extLst>
+      <p:ext uri="{BB962C8B-B14F-4D97-AF65-F5344CB8AC3E}">
+        <p14:creationId xmlns:p14="http://schemas.microsoft.com/office/powerpoint/2010/main" val="2968281436"/>
+      </p:ext>
+    </p:extLst>
+  </p:cSld>
+  <p:clrMap bg1="lt1" tx1="dk1" bg2="lt2" tx2="dk2" accent1="accent1" accent2="accent2" accent3="accent3" accent4="accent4" accent5="accent5" accent6="accent6" hlink="hlink" folHlink="folHlink"/>
+  <p:notesStyle>
+    <a:lvl1pPr marL="0" algn="l" defTabSz="914400" rtl="0" eaLnBrk="1" latinLnBrk="0" hangingPunct="1">
+      <a:defRPr sz="1200" kern="1200">
+        <a:solidFill>
+          <a:schemeClr val="tx1"/>
+        </a:solidFill>
+        <a:latin typeface="+mn-lt"/>
+        <a:ea typeface="+mn-ea"/>
+        <a:cs typeface="+mn-cs"/>
+      </a:defRPr>
+    </a:lvl1pPr>
+    <a:lvl2pPr marL="457200" algn="l" defTabSz="914400" rtl="0" eaLnBrk="1" latinLnBrk="0" hangingPunct="1">
+      <a:defRPr sz="1200" kern="1200">
+        <a:solidFill>
+          <a:schemeClr val="tx1"/>
+        </a:solidFill>
+        <a:latin typeface="+mn-lt"/>
+        <a:ea typeface="+mn-ea"/>
+        <a:cs typeface="+mn-cs"/>
+      </a:defRPr>
+    </a:lvl2pPr>
+    <a:lvl3pPr marL="914400" algn="l" defTabSz="914400" rtl="0" eaLnBrk="1" latinLnBrk="0" hangingPunct="1">
+      <a:defRPr sz="1200" kern="1200">
+        <a:solidFill>
+          <a:schemeClr val="tx1"/>
+        </a:solidFill>
+        <a:latin typeface="+mn-lt"/>
+        <a:ea typeface="+mn-ea"/>
+        <a:cs typeface="+mn-cs"/>
+      </a:defRPr>
+    </a:lvl3pPr>
+    <a:lvl4pPr marL="1371600" algn="l" defTabSz="914400" rtl="0" eaLnBrk="1" latinLnBrk="0" hangingPunct="1">
+      <a:defRPr sz="1200" kern="1200">
+        <a:solidFill>
+          <a:schemeClr val="tx1"/>
+        </a:solidFill>
+        <a:latin typeface="+mn-lt"/>
+        <a:ea typeface="+mn-ea"/>
+        <a:cs typeface="+mn-cs"/>
+      </a:defRPr>
+    </a:lvl4pPr>
+    <a:lvl5pPr marL="1828800" algn="l" defTabSz="914400" rtl="0" eaLnBrk="1" latinLnBrk="0" hangingPunct="1">
+      <a:defRPr sz="1200" kern="1200">
+        <a:solidFill>
+          <a:schemeClr val="tx1"/>
+        </a:solidFill>
+        <a:latin typeface="+mn-lt"/>
+        <a:ea typeface="+mn-ea"/>
+        <a:cs typeface="+mn-cs"/>
+      </a:defRPr>
+    </a:lvl5pPr>
+    <a:lvl6pPr marL="2286000" algn="l" defTabSz="914400" rtl="0" eaLnBrk="1" latinLnBrk="0" hangingPunct="1">
+      <a:defRPr sz="1200" kern="1200">
+        <a:solidFill>
+          <a:schemeClr val="tx1"/>
+        </a:solidFill>
+        <a:latin typeface="+mn-lt"/>
+        <a:ea typeface="+mn-ea"/>
+        <a:cs typeface="+mn-cs"/>
+      </a:defRPr>
+    </a:lvl6pPr>
+    <a:lvl7pPr marL="2743200" algn="l" defTabSz="914400" rtl="0" eaLnBrk="1" latinLnBrk="0" hangingPunct="1">
+      <a:defRPr sz="1200" kern="1200">
+        <a:solidFill>
+          <a:schemeClr val="tx1"/>
+        </a:solidFill>
+        <a:latin typeface="+mn-lt"/>
+        <a:ea typeface="+mn-ea"/>
+        <a:cs typeface="+mn-cs"/>
+      </a:defRPr>
+    </a:lvl7pPr>
+    <a:lvl8pPr marL="3200400" algn="l" defTabSz="914400" rtl="0" eaLnBrk="1" latinLnBrk="0" hangingPunct="1">
+      <a:defRPr sz="1200" kern="1200">
+        <a:solidFill>
+          <a:schemeClr val="tx1"/>
+        </a:solidFill>
+        <a:latin typeface="+mn-lt"/>
+        <a:ea typeface="+mn-ea"/>
+        <a:cs typeface="+mn-cs"/>
+      </a:defRPr>
+    </a:lvl8pPr>
+    <a:lvl9pPr marL="3657600" algn="l" defTabSz="914400" rtl="0" eaLnBrk="1" latinLnBrk="0" hangingPunct="1">
+      <a:defRPr sz="1200" kern="1200">
+        <a:solidFill>
+          <a:schemeClr val="tx1"/>
+        </a:solidFill>
+        <a:latin typeface="+mn-lt"/>
+        <a:ea typeface="+mn-ea"/>
+        <a:cs typeface="+mn-cs"/>
+      </a:defRPr>
+    </a:lvl9pPr>
+  </p:notesStyle>
+</p:notesMaster>
 </file>
 
 <file path=ppt/slideLayouts/slideLayout1.xml><?xml version="1.0" encoding="utf-8"?>
@@ -253,9 +620,9 @@
           <a:bodyPr/>
           <a:lstStyle/>
           <a:p>
-            <a:fld id="{012424F6-D351-4D3C-A35D-10894E2D96B2}" type="datetimeFigureOut">
+            <a:fld id="{221E7299-7F99-4B4B-827E-07BBC69CD153}" type="datetime1">
               <a:rPr lang="pt-PT" smtClean="0"/>
-              <a:t>18/12/2023</a:t>
+              <a:t>17/01/2024</a:t>
             </a:fld>
             <a:endParaRPr lang="pt-PT"/>
           </a:p>
@@ -451,9 +818,9 @@
           <a:bodyPr/>
           <a:lstStyle/>
           <a:p>
-            <a:fld id="{012424F6-D351-4D3C-A35D-10894E2D96B2}" type="datetimeFigureOut">
+            <a:fld id="{F632DB7D-677C-4C0E-A753-0ACD6F2C005C}" type="datetime1">
               <a:rPr lang="pt-PT" smtClean="0"/>
-              <a:t>18/12/2023</a:t>
+              <a:t>17/01/2024</a:t>
             </a:fld>
             <a:endParaRPr lang="pt-PT"/>
           </a:p>
@@ -659,9 +1026,9 @@
           <a:bodyPr/>
           <a:lstStyle/>
           <a:p>
-            <a:fld id="{012424F6-D351-4D3C-A35D-10894E2D96B2}" type="datetimeFigureOut">
+            <a:fld id="{9C4A0A45-FCEB-4239-AA01-FA382F820F46}" type="datetime1">
               <a:rPr lang="pt-PT" smtClean="0"/>
-              <a:t>18/12/2023</a:t>
+              <a:t>17/01/2024</a:t>
             </a:fld>
             <a:endParaRPr lang="pt-PT"/>
           </a:p>
@@ -857,9 +1224,9 @@
           <a:bodyPr/>
           <a:lstStyle/>
           <a:p>
-            <a:fld id="{012424F6-D351-4D3C-A35D-10894E2D96B2}" type="datetimeFigureOut">
+            <a:fld id="{F7075558-C7AE-480F-9E4C-A3708F65EDBA}" type="datetime1">
               <a:rPr lang="pt-PT" smtClean="0"/>
-              <a:t>18/12/2023</a:t>
+              <a:t>17/01/2024</a:t>
             </a:fld>
             <a:endParaRPr lang="pt-PT"/>
           </a:p>
@@ -1132,9 +1499,9 @@
           <a:bodyPr/>
           <a:lstStyle/>
           <a:p>
-            <a:fld id="{012424F6-D351-4D3C-A35D-10894E2D96B2}" type="datetimeFigureOut">
+            <a:fld id="{16F04FE1-4597-438D-9DAE-E620ACDC3535}" type="datetime1">
               <a:rPr lang="pt-PT" smtClean="0"/>
-              <a:t>18/12/2023</a:t>
+              <a:t>17/01/2024</a:t>
             </a:fld>
             <a:endParaRPr lang="pt-PT"/>
           </a:p>
@@ -1397,9 +1764,9 @@
           <a:bodyPr/>
           <a:lstStyle/>
           <a:p>
-            <a:fld id="{012424F6-D351-4D3C-A35D-10894E2D96B2}" type="datetimeFigureOut">
+            <a:fld id="{F5675167-F22A-4F27-B860-7009257E6E19}" type="datetime1">
               <a:rPr lang="pt-PT" smtClean="0"/>
-              <a:t>18/12/2023</a:t>
+              <a:t>17/01/2024</a:t>
             </a:fld>
             <a:endParaRPr lang="pt-PT"/>
           </a:p>
@@ -1809,9 +2176,9 @@
           <a:bodyPr/>
           <a:lstStyle/>
           <a:p>
-            <a:fld id="{012424F6-D351-4D3C-A35D-10894E2D96B2}" type="datetimeFigureOut">
+            <a:fld id="{BB18D4E9-9FC1-4946-B393-B93BCF00B9C4}" type="datetime1">
               <a:rPr lang="pt-PT" smtClean="0"/>
-              <a:t>18/12/2023</a:t>
+              <a:t>17/01/2024</a:t>
             </a:fld>
             <a:endParaRPr lang="pt-PT"/>
           </a:p>
@@ -1950,9 +2317,9 @@
           <a:bodyPr/>
           <a:lstStyle/>
           <a:p>
-            <a:fld id="{012424F6-D351-4D3C-A35D-10894E2D96B2}" type="datetimeFigureOut">
+            <a:fld id="{03506BD6-F539-41B9-8AFF-EC5BE7FB4A5A}" type="datetime1">
               <a:rPr lang="pt-PT" smtClean="0"/>
-              <a:t>18/12/2023</a:t>
+              <a:t>17/01/2024</a:t>
             </a:fld>
             <a:endParaRPr lang="pt-PT"/>
           </a:p>
@@ -2063,9 +2430,9 @@
           <a:bodyPr/>
           <a:lstStyle/>
           <a:p>
-            <a:fld id="{012424F6-D351-4D3C-A35D-10894E2D96B2}" type="datetimeFigureOut">
+            <a:fld id="{427E6FE0-31E6-49C1-9CD6-511961926312}" type="datetime1">
               <a:rPr lang="pt-PT" smtClean="0"/>
-              <a:t>18/12/2023</a:t>
+              <a:t>17/01/2024</a:t>
             </a:fld>
             <a:endParaRPr lang="pt-PT"/>
           </a:p>
@@ -2374,9 +2741,9 @@
           <a:bodyPr/>
           <a:lstStyle/>
           <a:p>
-            <a:fld id="{012424F6-D351-4D3C-A35D-10894E2D96B2}" type="datetimeFigureOut">
+            <a:fld id="{EF30E89A-981E-4BDF-A30B-0D6A21C5C259}" type="datetime1">
               <a:rPr lang="pt-PT" smtClean="0"/>
-              <a:t>18/12/2023</a:t>
+              <a:t>17/01/2024</a:t>
             </a:fld>
             <a:endParaRPr lang="pt-PT"/>
           </a:p>
@@ -2662,9 +3029,9 @@
           <a:bodyPr/>
           <a:lstStyle/>
           <a:p>
-            <a:fld id="{012424F6-D351-4D3C-A35D-10894E2D96B2}" type="datetimeFigureOut">
+            <a:fld id="{F604E209-465E-4045-A878-BD2602519B9B}" type="datetime1">
               <a:rPr lang="pt-PT" smtClean="0"/>
-              <a:t>18/12/2023</a:t>
+              <a:t>17/01/2024</a:t>
             </a:fld>
             <a:endParaRPr lang="pt-PT"/>
           </a:p>
@@ -2903,9 +3270,9 @@
             </a:lvl1pPr>
           </a:lstStyle>
           <a:p>
-            <a:fld id="{012424F6-D351-4D3C-A35D-10894E2D96B2}" type="datetimeFigureOut">
+            <a:fld id="{892D1CFD-EF93-4985-A286-46F020B51F52}" type="datetime1">
               <a:rPr lang="pt-PT" smtClean="0"/>
-              <a:t>18/12/2023</a:t>
+              <a:t>17/01/2024</a:t>
             </a:fld>
             <a:endParaRPr lang="pt-PT"/>
           </a:p>
@@ -3022,6 +3389,7 @@
     <p:sldLayoutId id="2147483658" r:id="rId10"/>
     <p:sldLayoutId id="2147483659" r:id="rId11"/>
   </p:sldLayoutIdLst>
+  <p:hf hdr="0" ftr="0" dt="0"/>
   <p:txStyles>
     <p:titleStyle>
       <a:lvl1pPr algn="l" defTabSz="914400" rtl="0" eaLnBrk="1" latinLnBrk="0" hangingPunct="1">
@@ -3783,7 +4151,7 @@
 </p:sld>
 </file>
 
-<file path=ppt/slides/slide2.xml><?xml version="1.0" encoding="utf-8"?>
+<file path=ppt/slides/slide10.xml><?xml version="1.0" encoding="utf-8"?>
 <p:sld xmlns:a="http://schemas.openxmlformats.org/drawingml/2006/main" xmlns:r="http://schemas.openxmlformats.org/officeDocument/2006/relationships" xmlns:p="http://schemas.openxmlformats.org/presentationml/2006/main">
   <p:cSld>
     <p:spTree>
@@ -3856,6 +4224,404 @@
       </p:sp>
       <p:sp>
         <p:nvSpPr>
+          <p:cNvPr id="5" name="CaixaDeTexto 4">
+            <a:extLst>
+              <a:ext uri="{FF2B5EF4-FFF2-40B4-BE49-F238E27FC236}">
+                <a16:creationId xmlns:a16="http://schemas.microsoft.com/office/drawing/2014/main" id="{9651D71E-4C7C-AC36-02A6-0855FEBD87EF}"/>
+              </a:ext>
+            </a:extLst>
+          </p:cNvPr>
+          <p:cNvSpPr txBox="1"/>
+          <p:nvPr/>
+        </p:nvSpPr>
+        <p:spPr>
+          <a:xfrm>
+            <a:off x="508637" y="3198167"/>
+            <a:ext cx="1824538" cy="461665"/>
+          </a:xfrm>
+          <a:prstGeom prst="rect">
+            <a:avLst/>
+          </a:prstGeom>
+          <a:noFill/>
+        </p:spPr>
+        <p:txBody>
+          <a:bodyPr wrap="none" rtlCol="0">
+            <a:spAutoFit/>
+          </a:bodyPr>
+          <a:lstStyle/>
+          <a:p>
+            <a:r>
+              <a:rPr lang="pt-PT" sz="2400" b="1" dirty="0">
+                <a:solidFill>
+                  <a:schemeClr val="bg1"/>
+                </a:solidFill>
+                <a:latin typeface="Times New Roman" panose="02020603050405020304" pitchFamily="18" charset="0"/>
+                <a:cs typeface="Times New Roman" panose="02020603050405020304" pitchFamily="18" charset="0"/>
+              </a:rPr>
+              <a:t>Metodologia</a:t>
+            </a:r>
+          </a:p>
+        </p:txBody>
+      </p:sp>
+      <p:sp>
+        <p:nvSpPr>
+          <p:cNvPr id="6" name="CaixaDeTexto 5">
+            <a:extLst>
+              <a:ext uri="{FF2B5EF4-FFF2-40B4-BE49-F238E27FC236}">
+                <a16:creationId xmlns:a16="http://schemas.microsoft.com/office/drawing/2014/main" id="{682A667B-0068-CFB2-B4A1-53C3F82A6F37}"/>
+              </a:ext>
+            </a:extLst>
+          </p:cNvPr>
+          <p:cNvSpPr txBox="1"/>
+          <p:nvPr/>
+        </p:nvSpPr>
+        <p:spPr>
+          <a:xfrm>
+            <a:off x="6096000" y="3059667"/>
+            <a:ext cx="1820114" cy="369332"/>
+          </a:xfrm>
+          <a:prstGeom prst="rect">
+            <a:avLst/>
+          </a:prstGeom>
+          <a:noFill/>
+        </p:spPr>
+        <p:txBody>
+          <a:bodyPr wrap="none" rtlCol="0">
+            <a:spAutoFit/>
+          </a:bodyPr>
+          <a:lstStyle/>
+          <a:p>
+            <a:r>
+              <a:rPr lang="pt-PT" dirty="0">
+                <a:highlight>
+                  <a:srgbClr val="FFFF00"/>
+                </a:highlight>
+              </a:rPr>
+              <a:t>Incluir tabelas???</a:t>
+            </a:r>
+          </a:p>
+        </p:txBody>
+      </p:sp>
+      <p:sp>
+        <p:nvSpPr>
+          <p:cNvPr id="7" name="Marcador de Posição do Número do Diapositivo 6">
+            <a:extLst>
+              <a:ext uri="{FF2B5EF4-FFF2-40B4-BE49-F238E27FC236}">
+                <a16:creationId xmlns:a16="http://schemas.microsoft.com/office/drawing/2014/main" id="{03198636-EC99-DBB9-F2E7-BC2C0E10D43C}"/>
+              </a:ext>
+            </a:extLst>
+          </p:cNvPr>
+          <p:cNvSpPr>
+            <a:spLocks noGrp="1"/>
+          </p:cNvSpPr>
+          <p:nvPr>
+            <p:ph type="sldNum" sz="quarter" idx="12"/>
+          </p:nvPr>
+        </p:nvSpPr>
+        <p:spPr/>
+        <p:txBody>
+          <a:bodyPr/>
+          <a:lstStyle/>
+          <a:p>
+            <a:fld id="{F01DDC52-AADE-4553-A598-2BD136811E32}" type="slidenum">
+              <a:rPr lang="pt-PT" smtClean="0"/>
+              <a:t>10</a:t>
+            </a:fld>
+            <a:endParaRPr lang="pt-PT"/>
+          </a:p>
+        </p:txBody>
+      </p:sp>
+    </p:spTree>
+    <p:extLst>
+      <p:ext uri="{BB962C8B-B14F-4D97-AF65-F5344CB8AC3E}">
+        <p14:creationId xmlns:p14="http://schemas.microsoft.com/office/powerpoint/2010/main" val="3742173712"/>
+      </p:ext>
+    </p:extLst>
+  </p:cSld>
+  <p:clrMapOvr>
+    <a:masterClrMapping/>
+  </p:clrMapOvr>
+</p:sld>
+</file>
+
+<file path=ppt/slides/slide11.xml><?xml version="1.0" encoding="utf-8"?>
+<p:sld xmlns:a="http://schemas.openxmlformats.org/drawingml/2006/main" xmlns:r="http://schemas.openxmlformats.org/officeDocument/2006/relationships" xmlns:p="http://schemas.openxmlformats.org/presentationml/2006/main">
+  <p:cSld>
+    <p:spTree>
+      <p:nvGrpSpPr>
+        <p:cNvPr id="1" name=""/>
+        <p:cNvGrpSpPr/>
+        <p:nvPr/>
+      </p:nvGrpSpPr>
+      <p:grpSpPr>
+        <a:xfrm>
+          <a:off x="0" y="0"/>
+          <a:ext cx="0" cy="0"/>
+          <a:chOff x="0" y="0"/>
+          <a:chExt cx="0" cy="0"/>
+        </a:xfrm>
+      </p:grpSpPr>
+      <p:sp>
+        <p:nvSpPr>
+          <p:cNvPr id="2" name="Retângulo 1">
+            <a:extLst>
+              <a:ext uri="{FF2B5EF4-FFF2-40B4-BE49-F238E27FC236}">
+                <a16:creationId xmlns:a16="http://schemas.microsoft.com/office/drawing/2014/main" id="{D87D94E4-F82A-1338-FBD4-CDE90BB1FC1E}"/>
+              </a:ext>
+            </a:extLst>
+          </p:cNvPr>
+          <p:cNvSpPr/>
+          <p:nvPr/>
+        </p:nvSpPr>
+        <p:spPr>
+          <a:xfrm>
+            <a:off x="0" y="0"/>
+            <a:ext cx="2841812" cy="6858000"/>
+          </a:xfrm>
+          <a:prstGeom prst="rect">
+            <a:avLst/>
+          </a:prstGeom>
+          <a:solidFill>
+            <a:srgbClr val="FFC06D"/>
+          </a:solidFill>
+          <a:ln>
+            <a:solidFill>
+              <a:srgbClr val="FFC06D"/>
+            </a:solidFill>
+          </a:ln>
+        </p:spPr>
+        <p:style>
+          <a:lnRef idx="2">
+            <a:schemeClr val="accent1">
+              <a:shade val="15000"/>
+            </a:schemeClr>
+          </a:lnRef>
+          <a:fillRef idx="1">
+            <a:schemeClr val="accent1"/>
+          </a:fillRef>
+          <a:effectRef idx="0">
+            <a:schemeClr val="accent1"/>
+          </a:effectRef>
+          <a:fontRef idx="minor">
+            <a:schemeClr val="lt1"/>
+          </a:fontRef>
+        </p:style>
+        <p:txBody>
+          <a:bodyPr rtlCol="0" anchor="ctr"/>
+          <a:lstStyle/>
+          <a:p>
+            <a:pPr algn="ctr"/>
+            <a:endParaRPr lang="pt-PT"/>
+          </a:p>
+        </p:txBody>
+      </p:sp>
+      <p:sp>
+        <p:nvSpPr>
+          <p:cNvPr id="5" name="CaixaDeTexto 4">
+            <a:extLst>
+              <a:ext uri="{FF2B5EF4-FFF2-40B4-BE49-F238E27FC236}">
+                <a16:creationId xmlns:a16="http://schemas.microsoft.com/office/drawing/2014/main" id="{9651D71E-4C7C-AC36-02A6-0855FEBD87EF}"/>
+              </a:ext>
+            </a:extLst>
+          </p:cNvPr>
+          <p:cNvSpPr txBox="1"/>
+          <p:nvPr/>
+        </p:nvSpPr>
+        <p:spPr>
+          <a:xfrm>
+            <a:off x="329100" y="3013501"/>
+            <a:ext cx="2183611" cy="830997"/>
+          </a:xfrm>
+          <a:prstGeom prst="rect">
+            <a:avLst/>
+          </a:prstGeom>
+          <a:noFill/>
+        </p:spPr>
+        <p:txBody>
+          <a:bodyPr wrap="none" rtlCol="0">
+            <a:spAutoFit/>
+          </a:bodyPr>
+          <a:lstStyle/>
+          <a:p>
+            <a:r>
+              <a:rPr lang="pt-PT" sz="2400" b="1" dirty="0">
+                <a:solidFill>
+                  <a:schemeClr val="bg1"/>
+                </a:solidFill>
+                <a:latin typeface="Times New Roman" panose="02020603050405020304" pitchFamily="18" charset="0"/>
+                <a:cs typeface="Times New Roman" panose="02020603050405020304" pitchFamily="18" charset="0"/>
+              </a:rPr>
+              <a:t>Justificação da</a:t>
+            </a:r>
+          </a:p>
+          <a:p>
+            <a:r>
+              <a:rPr lang="pt-PT" sz="2400" b="1" dirty="0">
+                <a:solidFill>
+                  <a:schemeClr val="bg1"/>
+                </a:solidFill>
+                <a:latin typeface="Times New Roman" panose="02020603050405020304" pitchFamily="18" charset="0"/>
+                <a:cs typeface="Times New Roman" panose="02020603050405020304" pitchFamily="18" charset="0"/>
+              </a:rPr>
+              <a:t>implementação</a:t>
+            </a:r>
+          </a:p>
+        </p:txBody>
+      </p:sp>
+      <p:sp>
+        <p:nvSpPr>
+          <p:cNvPr id="4" name="Marcador de Posição do Número do Diapositivo 3">
+            <a:extLst>
+              <a:ext uri="{FF2B5EF4-FFF2-40B4-BE49-F238E27FC236}">
+                <a16:creationId xmlns:a16="http://schemas.microsoft.com/office/drawing/2014/main" id="{4A9DC881-CA6B-B6D5-D727-13FED3B8C6FC}"/>
+              </a:ext>
+            </a:extLst>
+          </p:cNvPr>
+          <p:cNvSpPr>
+            <a:spLocks noGrp="1"/>
+          </p:cNvSpPr>
+          <p:nvPr>
+            <p:ph type="sldNum" sz="quarter" idx="12"/>
+          </p:nvPr>
+        </p:nvSpPr>
+        <p:spPr/>
+        <p:txBody>
+          <a:bodyPr/>
+          <a:lstStyle/>
+          <a:p>
+            <a:fld id="{F01DDC52-AADE-4553-A598-2BD136811E32}" type="slidenum">
+              <a:rPr lang="pt-PT" smtClean="0"/>
+              <a:t>11</a:t>
+            </a:fld>
+            <a:endParaRPr lang="pt-PT"/>
+          </a:p>
+        </p:txBody>
+      </p:sp>
+      <p:sp>
+        <p:nvSpPr>
+          <p:cNvPr id="6" name="CaixaDeTexto 5">
+            <a:extLst>
+              <a:ext uri="{FF2B5EF4-FFF2-40B4-BE49-F238E27FC236}">
+                <a16:creationId xmlns:a16="http://schemas.microsoft.com/office/drawing/2014/main" id="{693325F8-AE52-408E-9906-466A320EB26C}"/>
+              </a:ext>
+            </a:extLst>
+          </p:cNvPr>
+          <p:cNvSpPr txBox="1"/>
+          <p:nvPr/>
+        </p:nvSpPr>
+        <p:spPr>
+          <a:xfrm flipH="1">
+            <a:off x="6096000" y="2644169"/>
+            <a:ext cx="2222352" cy="369332"/>
+          </a:xfrm>
+          <a:prstGeom prst="rect">
+            <a:avLst/>
+          </a:prstGeom>
+          <a:noFill/>
+        </p:spPr>
+        <p:txBody>
+          <a:bodyPr wrap="square" rtlCol="0">
+            <a:spAutoFit/>
+          </a:bodyPr>
+          <a:lstStyle/>
+          <a:p>
+            <a:r>
+              <a:rPr lang="pt-PT" dirty="0">
+                <a:highlight>
+                  <a:srgbClr val="FFFF00"/>
+                </a:highlight>
+              </a:rPr>
+              <a:t>concluir</a:t>
+            </a:r>
+          </a:p>
+        </p:txBody>
+      </p:sp>
+    </p:spTree>
+    <p:extLst>
+      <p:ext uri="{BB962C8B-B14F-4D97-AF65-F5344CB8AC3E}">
+        <p14:creationId xmlns:p14="http://schemas.microsoft.com/office/powerpoint/2010/main" val="565818708"/>
+      </p:ext>
+    </p:extLst>
+  </p:cSld>
+  <p:clrMapOvr>
+    <a:masterClrMapping/>
+  </p:clrMapOvr>
+</p:sld>
+</file>
+
+<file path=ppt/slides/slide12.xml><?xml version="1.0" encoding="utf-8"?>
+<p:sld xmlns:a="http://schemas.openxmlformats.org/drawingml/2006/main" xmlns:r="http://schemas.openxmlformats.org/officeDocument/2006/relationships" xmlns:p="http://schemas.openxmlformats.org/presentationml/2006/main">
+  <p:cSld>
+    <p:spTree>
+      <p:nvGrpSpPr>
+        <p:cNvPr id="1" name=""/>
+        <p:cNvGrpSpPr/>
+        <p:nvPr/>
+      </p:nvGrpSpPr>
+      <p:grpSpPr>
+        <a:xfrm>
+          <a:off x="0" y="0"/>
+          <a:ext cx="0" cy="0"/>
+          <a:chOff x="0" y="0"/>
+          <a:chExt cx="0" cy="0"/>
+        </a:xfrm>
+      </p:grpSpPr>
+      <p:sp>
+        <p:nvSpPr>
+          <p:cNvPr id="2" name="Retângulo 1">
+            <a:extLst>
+              <a:ext uri="{FF2B5EF4-FFF2-40B4-BE49-F238E27FC236}">
+                <a16:creationId xmlns:a16="http://schemas.microsoft.com/office/drawing/2014/main" id="{D87D94E4-F82A-1338-FBD4-CDE90BB1FC1E}"/>
+              </a:ext>
+            </a:extLst>
+          </p:cNvPr>
+          <p:cNvSpPr/>
+          <p:nvPr/>
+        </p:nvSpPr>
+        <p:spPr>
+          <a:xfrm>
+            <a:off x="0" y="0"/>
+            <a:ext cx="2841812" cy="6858000"/>
+          </a:xfrm>
+          <a:prstGeom prst="rect">
+            <a:avLst/>
+          </a:prstGeom>
+          <a:solidFill>
+            <a:srgbClr val="FFC06D"/>
+          </a:solidFill>
+          <a:ln>
+            <a:solidFill>
+              <a:srgbClr val="FFC06D"/>
+            </a:solidFill>
+          </a:ln>
+        </p:spPr>
+        <p:style>
+          <a:lnRef idx="2">
+            <a:schemeClr val="accent1">
+              <a:shade val="15000"/>
+            </a:schemeClr>
+          </a:lnRef>
+          <a:fillRef idx="1">
+            <a:schemeClr val="accent1"/>
+          </a:fillRef>
+          <a:effectRef idx="0">
+            <a:schemeClr val="accent1"/>
+          </a:effectRef>
+          <a:fontRef idx="minor">
+            <a:schemeClr val="lt1"/>
+          </a:fontRef>
+        </p:style>
+        <p:txBody>
+          <a:bodyPr rtlCol="0" anchor="ctr"/>
+          <a:lstStyle/>
+          <a:p>
+            <a:pPr algn="ctr"/>
+            <a:endParaRPr lang="pt-PT"/>
+          </a:p>
+        </p:txBody>
+      </p:sp>
+      <p:sp>
+        <p:nvSpPr>
           <p:cNvPr id="3" name="CaixaDeTexto 2">
             <a:extLst>
               <a:ext uri="{FF2B5EF4-FFF2-40B4-BE49-F238E27FC236}">
@@ -3868,7 +4634,7 @@
         </p:nvSpPr>
         <p:spPr>
           <a:xfrm>
-            <a:off x="4034118" y="2205318"/>
+            <a:off x="4276165" y="2707342"/>
             <a:ext cx="6761466" cy="2862322"/>
           </a:xfrm>
           <a:prstGeom prst="rect">
@@ -3976,10 +4742,7707 @@
           </a:p>
         </p:txBody>
       </p:sp>
+      <p:sp>
+        <p:nvSpPr>
+          <p:cNvPr id="4" name="CaixaDeTexto 3">
+            <a:extLst>
+              <a:ext uri="{FF2B5EF4-FFF2-40B4-BE49-F238E27FC236}">
+                <a16:creationId xmlns:a16="http://schemas.microsoft.com/office/drawing/2014/main" id="{D0C60D48-BB67-CB46-0604-3B1584DAD141}"/>
+              </a:ext>
+            </a:extLst>
+          </p:cNvPr>
+          <p:cNvSpPr txBox="1"/>
+          <p:nvPr/>
+        </p:nvSpPr>
+        <p:spPr>
+          <a:xfrm>
+            <a:off x="420215" y="3198167"/>
+            <a:ext cx="2082621" cy="461665"/>
+          </a:xfrm>
+          <a:prstGeom prst="rect">
+            <a:avLst/>
+          </a:prstGeom>
+          <a:noFill/>
+        </p:spPr>
+        <p:txBody>
+          <a:bodyPr wrap="none" rtlCol="0">
+            <a:spAutoFit/>
+          </a:bodyPr>
+          <a:lstStyle/>
+          <a:p>
+            <a:r>
+              <a:rPr lang="pt-PT" sz="2400" b="1" dirty="0">
+                <a:solidFill>
+                  <a:schemeClr val="bg1"/>
+                </a:solidFill>
+                <a:latin typeface="Times New Roman" panose="02020603050405020304" pitchFamily="18" charset="0"/>
+                <a:cs typeface="Times New Roman" panose="02020603050405020304" pitchFamily="18" charset="0"/>
+              </a:rPr>
+              <a:t>Demonstração</a:t>
+            </a:r>
+          </a:p>
+        </p:txBody>
+      </p:sp>
+      <p:sp>
+        <p:nvSpPr>
+          <p:cNvPr id="5" name="Marcador de Posição do Número do Diapositivo 4">
+            <a:extLst>
+              <a:ext uri="{FF2B5EF4-FFF2-40B4-BE49-F238E27FC236}">
+                <a16:creationId xmlns:a16="http://schemas.microsoft.com/office/drawing/2014/main" id="{6510D6EF-8B9D-5AFF-E1FF-B4E5288CDC42}"/>
+              </a:ext>
+            </a:extLst>
+          </p:cNvPr>
+          <p:cNvSpPr>
+            <a:spLocks noGrp="1"/>
+          </p:cNvSpPr>
+          <p:nvPr>
+            <p:ph type="sldNum" sz="quarter" idx="12"/>
+          </p:nvPr>
+        </p:nvSpPr>
+        <p:spPr/>
+        <p:txBody>
+          <a:bodyPr/>
+          <a:lstStyle/>
+          <a:p>
+            <a:fld id="{F01DDC52-AADE-4553-A598-2BD136811E32}" type="slidenum">
+              <a:rPr lang="pt-PT" smtClean="0"/>
+              <a:t>12</a:t>
+            </a:fld>
+            <a:endParaRPr lang="pt-PT"/>
+          </a:p>
+        </p:txBody>
+      </p:sp>
     </p:spTree>
     <p:extLst>
       <p:ext uri="{BB962C8B-B14F-4D97-AF65-F5344CB8AC3E}">
         <p14:creationId xmlns:p14="http://schemas.microsoft.com/office/powerpoint/2010/main" val="37832051"/>
+      </p:ext>
+    </p:extLst>
+  </p:cSld>
+  <p:clrMapOvr>
+    <a:masterClrMapping/>
+  </p:clrMapOvr>
+</p:sld>
+</file>
+
+<file path=ppt/slides/slide2.xml><?xml version="1.0" encoding="utf-8"?>
+<p:sld xmlns:a="http://schemas.openxmlformats.org/drawingml/2006/main" xmlns:r="http://schemas.openxmlformats.org/officeDocument/2006/relationships" xmlns:p="http://schemas.openxmlformats.org/presentationml/2006/main">
+  <p:cSld>
+    <p:spTree>
+      <p:nvGrpSpPr>
+        <p:cNvPr id="1" name=""/>
+        <p:cNvGrpSpPr/>
+        <p:nvPr/>
+      </p:nvGrpSpPr>
+      <p:grpSpPr>
+        <a:xfrm>
+          <a:off x="0" y="0"/>
+          <a:ext cx="0" cy="0"/>
+          <a:chOff x="0" y="0"/>
+          <a:chExt cx="0" cy="0"/>
+        </a:xfrm>
+      </p:grpSpPr>
+      <p:pic>
+        <p:nvPicPr>
+          <p:cNvPr id="2" name="Imagem 1">
+            <a:extLst>
+              <a:ext uri="{FF2B5EF4-FFF2-40B4-BE49-F238E27FC236}">
+                <a16:creationId xmlns:a16="http://schemas.microsoft.com/office/drawing/2014/main" id="{25337AE2-94C7-119C-1755-B939F35CDCA4}"/>
+              </a:ext>
+            </a:extLst>
+          </p:cNvPr>
+          <p:cNvPicPr>
+            <a:picLocks noChangeAspect="1"/>
+          </p:cNvPicPr>
+          <p:nvPr/>
+        </p:nvPicPr>
+        <p:blipFill>
+          <a:blip r:embed="rId2"/>
+          <a:stretch>
+            <a:fillRect/>
+          </a:stretch>
+        </p:blipFill>
+        <p:spPr>
+          <a:xfrm>
+            <a:off x="-528" y="0"/>
+            <a:ext cx="12192528" cy="6858297"/>
+          </a:xfrm>
+          <a:prstGeom prst="rect">
+            <a:avLst/>
+          </a:prstGeom>
+        </p:spPr>
+      </p:pic>
+      <p:sp>
+        <p:nvSpPr>
+          <p:cNvPr id="3" name="Retângulo 2">
+            <a:extLst>
+              <a:ext uri="{FF2B5EF4-FFF2-40B4-BE49-F238E27FC236}">
+                <a16:creationId xmlns:a16="http://schemas.microsoft.com/office/drawing/2014/main" id="{05C1B6C1-012B-5B22-06D1-DB7B997EB4BB}"/>
+              </a:ext>
+            </a:extLst>
+          </p:cNvPr>
+          <p:cNvSpPr/>
+          <p:nvPr/>
+        </p:nvSpPr>
+        <p:spPr>
+          <a:xfrm>
+            <a:off x="3101788" y="1470212"/>
+            <a:ext cx="7664824" cy="735106"/>
+          </a:xfrm>
+          <a:prstGeom prst="rect">
+            <a:avLst/>
+          </a:prstGeom>
+          <a:solidFill>
+            <a:schemeClr val="bg1"/>
+          </a:solidFill>
+          <a:ln>
+            <a:solidFill>
+              <a:schemeClr val="bg1"/>
+            </a:solidFill>
+          </a:ln>
+        </p:spPr>
+        <p:style>
+          <a:lnRef idx="2">
+            <a:schemeClr val="accent1">
+              <a:shade val="15000"/>
+            </a:schemeClr>
+          </a:lnRef>
+          <a:fillRef idx="1">
+            <a:schemeClr val="accent1"/>
+          </a:fillRef>
+          <a:effectRef idx="0">
+            <a:schemeClr val="accent1"/>
+          </a:effectRef>
+          <a:fontRef idx="minor">
+            <a:schemeClr val="lt1"/>
+          </a:fontRef>
+        </p:style>
+        <p:txBody>
+          <a:bodyPr rtlCol="0" anchor="ctr"/>
+          <a:lstStyle/>
+          <a:p>
+            <a:pPr algn="ctr"/>
+            <a:endParaRPr lang="pt-PT"/>
+          </a:p>
+        </p:txBody>
+      </p:sp>
+      <p:sp>
+        <p:nvSpPr>
+          <p:cNvPr id="4" name="Marcador de Posição do Número do Diapositivo 3">
+            <a:extLst>
+              <a:ext uri="{FF2B5EF4-FFF2-40B4-BE49-F238E27FC236}">
+                <a16:creationId xmlns:a16="http://schemas.microsoft.com/office/drawing/2014/main" id="{20CB832A-FD24-BEE8-088F-1043D84AA6FE}"/>
+              </a:ext>
+            </a:extLst>
+          </p:cNvPr>
+          <p:cNvSpPr>
+            <a:spLocks noGrp="1"/>
+          </p:cNvSpPr>
+          <p:nvPr>
+            <p:ph type="sldNum" sz="quarter" idx="12"/>
+          </p:nvPr>
+        </p:nvSpPr>
+        <p:spPr/>
+        <p:txBody>
+          <a:bodyPr/>
+          <a:lstStyle/>
+          <a:p>
+            <a:fld id="{F01DDC52-AADE-4553-A598-2BD136811E32}" type="slidenum">
+              <a:rPr lang="pt-PT" smtClean="0"/>
+              <a:t>2</a:t>
+            </a:fld>
+            <a:endParaRPr lang="pt-PT" dirty="0"/>
+          </a:p>
+        </p:txBody>
+      </p:sp>
+    </p:spTree>
+    <p:extLst>
+      <p:ext uri="{BB962C8B-B14F-4D97-AF65-F5344CB8AC3E}">
+        <p14:creationId xmlns:p14="http://schemas.microsoft.com/office/powerpoint/2010/main" val="3747778717"/>
+      </p:ext>
+    </p:extLst>
+  </p:cSld>
+  <p:clrMapOvr>
+    <a:masterClrMapping/>
+  </p:clrMapOvr>
+</p:sld>
+</file>
+
+<file path=ppt/slides/slide3.xml><?xml version="1.0" encoding="utf-8"?>
+<p:sld xmlns:a="http://schemas.openxmlformats.org/drawingml/2006/main" xmlns:r="http://schemas.openxmlformats.org/officeDocument/2006/relationships" xmlns:p="http://schemas.openxmlformats.org/presentationml/2006/main">
+  <p:cSld>
+    <p:bg>
+      <p:bgRef idx="1001">
+        <a:schemeClr val="bg1"/>
+      </p:bgRef>
+    </p:bg>
+    <p:spTree>
+      <p:nvGrpSpPr>
+        <p:cNvPr id="1" name=""/>
+        <p:cNvGrpSpPr/>
+        <p:nvPr/>
+      </p:nvGrpSpPr>
+      <p:grpSpPr>
+        <a:xfrm>
+          <a:off x="0" y="0"/>
+          <a:ext cx="0" cy="0"/>
+          <a:chOff x="0" y="0"/>
+          <a:chExt cx="0" cy="0"/>
+        </a:xfrm>
+      </p:grpSpPr>
+      <p:sp>
+        <p:nvSpPr>
+          <p:cNvPr id="2" name="Retângulo 1">
+            <a:extLst>
+              <a:ext uri="{FF2B5EF4-FFF2-40B4-BE49-F238E27FC236}">
+                <a16:creationId xmlns:a16="http://schemas.microsoft.com/office/drawing/2014/main" id="{D87D94E4-F82A-1338-FBD4-CDE90BB1FC1E}"/>
+              </a:ext>
+            </a:extLst>
+          </p:cNvPr>
+          <p:cNvSpPr/>
+          <p:nvPr/>
+        </p:nvSpPr>
+        <p:spPr>
+          <a:xfrm>
+            <a:off x="0" y="0"/>
+            <a:ext cx="2841812" cy="6858000"/>
+          </a:xfrm>
+          <a:prstGeom prst="rect">
+            <a:avLst/>
+          </a:prstGeom>
+          <a:solidFill>
+            <a:srgbClr val="FFC06D"/>
+          </a:solidFill>
+          <a:ln>
+            <a:solidFill>
+              <a:srgbClr val="FFC06D"/>
+            </a:solidFill>
+          </a:ln>
+        </p:spPr>
+        <p:style>
+          <a:lnRef idx="2">
+            <a:schemeClr val="accent1">
+              <a:shade val="15000"/>
+            </a:schemeClr>
+          </a:lnRef>
+          <a:fillRef idx="1">
+            <a:schemeClr val="accent1"/>
+          </a:fillRef>
+          <a:effectRef idx="0">
+            <a:schemeClr val="accent1"/>
+          </a:effectRef>
+          <a:fontRef idx="minor">
+            <a:schemeClr val="lt1"/>
+          </a:fontRef>
+        </p:style>
+        <p:txBody>
+          <a:bodyPr rtlCol="0" anchor="ctr"/>
+          <a:lstStyle/>
+          <a:p>
+            <a:pPr algn="ctr"/>
+            <a:endParaRPr lang="pt-PT"/>
+          </a:p>
+        </p:txBody>
+      </p:sp>
+      <p:sp>
+        <p:nvSpPr>
+          <p:cNvPr id="5" name="CaixaDeTexto 4">
+            <a:extLst>
+              <a:ext uri="{FF2B5EF4-FFF2-40B4-BE49-F238E27FC236}">
+                <a16:creationId xmlns:a16="http://schemas.microsoft.com/office/drawing/2014/main" id="{9651D71E-4C7C-AC36-02A6-0855FEBD87EF}"/>
+              </a:ext>
+            </a:extLst>
+          </p:cNvPr>
+          <p:cNvSpPr txBox="1"/>
+          <p:nvPr/>
+        </p:nvSpPr>
+        <p:spPr>
+          <a:xfrm>
+            <a:off x="208074" y="3013501"/>
+            <a:ext cx="2425664" cy="830997"/>
+          </a:xfrm>
+          <a:prstGeom prst="rect">
+            <a:avLst/>
+          </a:prstGeom>
+          <a:noFill/>
+        </p:spPr>
+        <p:txBody>
+          <a:bodyPr wrap="none" rtlCol="0">
+            <a:spAutoFit/>
+          </a:bodyPr>
+          <a:lstStyle/>
+          <a:p>
+            <a:pPr algn="ctr"/>
+            <a:r>
+              <a:rPr lang="pt-PT" sz="2400" b="1" dirty="0">
+                <a:solidFill>
+                  <a:schemeClr val="bg1"/>
+                </a:solidFill>
+                <a:latin typeface="Times New Roman" panose="02020603050405020304" pitchFamily="18" charset="0"/>
+                <a:cs typeface="Times New Roman" panose="02020603050405020304" pitchFamily="18" charset="0"/>
+              </a:rPr>
+              <a:t>Requisitos finais </a:t>
+            </a:r>
+          </a:p>
+          <a:p>
+            <a:pPr algn="ctr"/>
+            <a:r>
+              <a:rPr lang="pt-PT" sz="2400" b="1" dirty="0">
+                <a:solidFill>
+                  <a:schemeClr val="bg1"/>
+                </a:solidFill>
+                <a:latin typeface="Times New Roman" panose="02020603050405020304" pitchFamily="18" charset="0"/>
+                <a:cs typeface="Times New Roman" panose="02020603050405020304" pitchFamily="18" charset="0"/>
+              </a:rPr>
+              <a:t>implementados</a:t>
+            </a:r>
+          </a:p>
+        </p:txBody>
+      </p:sp>
+      <p:sp>
+        <p:nvSpPr>
+          <p:cNvPr id="3" name="Marcador de Posição do Número do Diapositivo 2">
+            <a:extLst>
+              <a:ext uri="{FF2B5EF4-FFF2-40B4-BE49-F238E27FC236}">
+                <a16:creationId xmlns:a16="http://schemas.microsoft.com/office/drawing/2014/main" id="{34DA06FA-8D5F-69E0-A63D-D52AC846FAFD}"/>
+              </a:ext>
+            </a:extLst>
+          </p:cNvPr>
+          <p:cNvSpPr>
+            <a:spLocks noGrp="1"/>
+          </p:cNvSpPr>
+          <p:nvPr>
+            <p:ph type="sldNum" sz="quarter" idx="12"/>
+          </p:nvPr>
+        </p:nvSpPr>
+        <p:spPr/>
+        <p:txBody>
+          <a:bodyPr/>
+          <a:lstStyle/>
+          <a:p>
+            <a:fld id="{F01DDC52-AADE-4553-A598-2BD136811E32}" type="slidenum">
+              <a:rPr lang="pt-PT" smtClean="0"/>
+              <a:t>3</a:t>
+            </a:fld>
+            <a:endParaRPr lang="pt-PT"/>
+          </a:p>
+        </p:txBody>
+      </p:sp>
+    </p:spTree>
+    <p:extLst>
+      <p:ext uri="{BB962C8B-B14F-4D97-AF65-F5344CB8AC3E}">
+        <p14:creationId xmlns:p14="http://schemas.microsoft.com/office/powerpoint/2010/main" val="346675981"/>
+      </p:ext>
+    </p:extLst>
+  </p:cSld>
+  <p:clrMapOvr>
+    <a:overrideClrMapping bg1="lt1" tx1="dk1" bg2="lt2" tx2="dk2" accent1="accent1" accent2="accent2" accent3="accent3" accent4="accent4" accent5="accent5" accent6="accent6" hlink="hlink" folHlink="folHlink"/>
+  </p:clrMapOvr>
+</p:sld>
+</file>
+
+<file path=ppt/slides/slide4.xml><?xml version="1.0" encoding="utf-8"?>
+<p:sld xmlns:a="http://schemas.openxmlformats.org/drawingml/2006/main" xmlns:r="http://schemas.openxmlformats.org/officeDocument/2006/relationships" xmlns:p="http://schemas.openxmlformats.org/presentationml/2006/main">
+  <p:cSld>
+    <p:spTree>
+      <p:nvGrpSpPr>
+        <p:cNvPr id="1" name=""/>
+        <p:cNvGrpSpPr/>
+        <p:nvPr/>
+      </p:nvGrpSpPr>
+      <p:grpSpPr>
+        <a:xfrm>
+          <a:off x="0" y="0"/>
+          <a:ext cx="0" cy="0"/>
+          <a:chOff x="0" y="0"/>
+          <a:chExt cx="0" cy="0"/>
+        </a:xfrm>
+      </p:grpSpPr>
+      <p:sp>
+        <p:nvSpPr>
+          <p:cNvPr id="2" name="Retângulo 1">
+            <a:extLst>
+              <a:ext uri="{FF2B5EF4-FFF2-40B4-BE49-F238E27FC236}">
+                <a16:creationId xmlns:a16="http://schemas.microsoft.com/office/drawing/2014/main" id="{D87D94E4-F82A-1338-FBD4-CDE90BB1FC1E}"/>
+              </a:ext>
+            </a:extLst>
+          </p:cNvPr>
+          <p:cNvSpPr/>
+          <p:nvPr/>
+        </p:nvSpPr>
+        <p:spPr>
+          <a:xfrm>
+            <a:off x="0" y="0"/>
+            <a:ext cx="2841812" cy="6858000"/>
+          </a:xfrm>
+          <a:prstGeom prst="rect">
+            <a:avLst/>
+          </a:prstGeom>
+          <a:solidFill>
+            <a:srgbClr val="FFC06D"/>
+          </a:solidFill>
+          <a:ln>
+            <a:solidFill>
+              <a:srgbClr val="FFC06D"/>
+            </a:solidFill>
+          </a:ln>
+        </p:spPr>
+        <p:style>
+          <a:lnRef idx="2">
+            <a:schemeClr val="accent1">
+              <a:shade val="15000"/>
+            </a:schemeClr>
+          </a:lnRef>
+          <a:fillRef idx="1">
+            <a:schemeClr val="accent1"/>
+          </a:fillRef>
+          <a:effectRef idx="0">
+            <a:schemeClr val="accent1"/>
+          </a:effectRef>
+          <a:fontRef idx="minor">
+            <a:schemeClr val="lt1"/>
+          </a:fontRef>
+        </p:style>
+        <p:txBody>
+          <a:bodyPr rtlCol="0" anchor="ctr"/>
+          <a:lstStyle/>
+          <a:p>
+            <a:pPr algn="ctr"/>
+            <a:endParaRPr lang="pt-PT"/>
+          </a:p>
+        </p:txBody>
+      </p:sp>
+      <p:sp>
+        <p:nvSpPr>
+          <p:cNvPr id="5" name="CaixaDeTexto 4">
+            <a:extLst>
+              <a:ext uri="{FF2B5EF4-FFF2-40B4-BE49-F238E27FC236}">
+                <a16:creationId xmlns:a16="http://schemas.microsoft.com/office/drawing/2014/main" id="{9651D71E-4C7C-AC36-02A6-0855FEBD87EF}"/>
+              </a:ext>
+            </a:extLst>
+          </p:cNvPr>
+          <p:cNvSpPr txBox="1"/>
+          <p:nvPr/>
+        </p:nvSpPr>
+        <p:spPr>
+          <a:xfrm>
+            <a:off x="82815" y="3198166"/>
+            <a:ext cx="2676182" cy="461665"/>
+          </a:xfrm>
+          <a:prstGeom prst="rect">
+            <a:avLst/>
+          </a:prstGeom>
+          <a:noFill/>
+        </p:spPr>
+        <p:txBody>
+          <a:bodyPr wrap="none" rtlCol="0">
+            <a:spAutoFit/>
+          </a:bodyPr>
+          <a:lstStyle/>
+          <a:p>
+            <a:r>
+              <a:rPr lang="pt-PT" sz="2400" b="1" dirty="0">
+                <a:solidFill>
+                  <a:schemeClr val="bg1"/>
+                </a:solidFill>
+                <a:latin typeface="Times New Roman" panose="02020603050405020304" pitchFamily="18" charset="0"/>
+                <a:cs typeface="Times New Roman" panose="02020603050405020304" pitchFamily="18" charset="0"/>
+              </a:rPr>
+              <a:t>Trabalho realizado</a:t>
+            </a:r>
+          </a:p>
+        </p:txBody>
+      </p:sp>
+      <p:graphicFrame>
+        <p:nvGraphicFramePr>
+          <p:cNvPr id="3" name="Tabela 2">
+            <a:extLst>
+              <a:ext uri="{FF2B5EF4-FFF2-40B4-BE49-F238E27FC236}">
+                <a16:creationId xmlns:a16="http://schemas.microsoft.com/office/drawing/2014/main" id="{17311E22-6A99-D1B2-AFD4-A4AD66280C8E}"/>
+              </a:ext>
+            </a:extLst>
+          </p:cNvPr>
+          <p:cNvGraphicFramePr>
+            <a:graphicFrameLocks noGrp="1"/>
+          </p:cNvGraphicFramePr>
+          <p:nvPr>
+            <p:extLst>
+              <p:ext uri="{D42A27DB-BD31-4B8C-83A1-F6EECF244321}">
+                <p14:modId xmlns:p14="http://schemas.microsoft.com/office/powerpoint/2010/main" val="3581459610"/>
+              </p:ext>
+            </p:extLst>
+          </p:nvPr>
+        </p:nvGraphicFramePr>
+        <p:xfrm>
+          <a:off x="3343835" y="91439"/>
+          <a:ext cx="8128000" cy="6675120"/>
+        </p:xfrm>
+        <a:graphic>
+          <a:graphicData uri="http://schemas.openxmlformats.org/drawingml/2006/table">
+            <a:tbl>
+              <a:tblPr firstRow="1" bandRow="1">
+                <a:tableStyleId>{5C22544A-7EE6-4342-B048-85BDC9FD1C3A}</a:tableStyleId>
+              </a:tblPr>
+              <a:tblGrid>
+                <a:gridCol w="1387934">
+                  <a:extLst>
+                    <a:ext uri="{9D8B030D-6E8A-4147-A177-3AD203B41FA5}">
+                      <a16:colId xmlns:a16="http://schemas.microsoft.com/office/drawing/2014/main" val="3626579494"/>
+                    </a:ext>
+                  </a:extLst>
+                </a:gridCol>
+                <a:gridCol w="3123087">
+                  <a:extLst>
+                    <a:ext uri="{9D8B030D-6E8A-4147-A177-3AD203B41FA5}">
+                      <a16:colId xmlns:a16="http://schemas.microsoft.com/office/drawing/2014/main" val="2360776279"/>
+                    </a:ext>
+                  </a:extLst>
+                </a:gridCol>
+                <a:gridCol w="1384461">
+                  <a:extLst>
+                    <a:ext uri="{9D8B030D-6E8A-4147-A177-3AD203B41FA5}">
+                      <a16:colId xmlns:a16="http://schemas.microsoft.com/office/drawing/2014/main" val="3358493901"/>
+                    </a:ext>
+                  </a:extLst>
+                </a:gridCol>
+                <a:gridCol w="1116259">
+                  <a:extLst>
+                    <a:ext uri="{9D8B030D-6E8A-4147-A177-3AD203B41FA5}">
+                      <a16:colId xmlns:a16="http://schemas.microsoft.com/office/drawing/2014/main" val="1331635365"/>
+                    </a:ext>
+                  </a:extLst>
+                </a:gridCol>
+                <a:gridCol w="1116259">
+                  <a:extLst>
+                    <a:ext uri="{9D8B030D-6E8A-4147-A177-3AD203B41FA5}">
+                      <a16:colId xmlns:a16="http://schemas.microsoft.com/office/drawing/2014/main" val="1336945196"/>
+                    </a:ext>
+                  </a:extLst>
+                </a:gridCol>
+              </a:tblGrid>
+              <a:tr h="361332">
+                <a:tc>
+                  <a:txBody>
+                    <a:bodyPr/>
+                    <a:lstStyle/>
+                    <a:p>
+                      <a:pPr algn="ctr"/>
+                      <a:r>
+                        <a:rPr lang="pt-PT" sz="1800" b="0" u="sng" dirty="0">
+                          <a:solidFill>
+                            <a:schemeClr val="tx1"/>
+                          </a:solidFill>
+                          <a:latin typeface="Times New Roman" panose="02020603050405020304" pitchFamily="18" charset="0"/>
+                          <a:cs typeface="Times New Roman" panose="02020603050405020304" pitchFamily="18" charset="0"/>
+                        </a:rPr>
+                        <a:t>Atividades</a:t>
+                      </a:r>
+                    </a:p>
+                  </a:txBody>
+                  <a:tcPr>
+                    <a:lnL w="12700" cap="flat" cmpd="sng" algn="ctr">
+                      <a:solidFill>
+                        <a:schemeClr val="tx1"/>
+                      </a:solidFill>
+                      <a:prstDash val="solid"/>
+                      <a:round/>
+                      <a:headEnd type="none" w="med" len="med"/>
+                      <a:tailEnd type="none" w="med" len="med"/>
+                    </a:lnL>
+                    <a:lnR w="12700" cap="flat" cmpd="sng" algn="ctr">
+                      <a:solidFill>
+                        <a:schemeClr val="tx1"/>
+                      </a:solidFill>
+                      <a:prstDash val="solid"/>
+                      <a:round/>
+                      <a:headEnd type="none" w="med" len="med"/>
+                      <a:tailEnd type="none" w="med" len="med"/>
+                    </a:lnR>
+                    <a:lnT w="12700" cap="flat" cmpd="sng" algn="ctr">
+                      <a:solidFill>
+                        <a:schemeClr val="tx1"/>
+                      </a:solidFill>
+                      <a:prstDash val="solid"/>
+                      <a:round/>
+                      <a:headEnd type="none" w="med" len="med"/>
+                      <a:tailEnd type="none" w="med" len="med"/>
+                    </a:lnT>
+                    <a:lnB w="12700" cap="flat" cmpd="sng" algn="ctr">
+                      <a:solidFill>
+                        <a:schemeClr val="tx1"/>
+                      </a:solidFill>
+                      <a:prstDash val="solid"/>
+                      <a:round/>
+                      <a:headEnd type="none" w="med" len="med"/>
+                      <a:tailEnd type="none" w="med" len="med"/>
+                    </a:lnB>
+                    <a:solidFill>
+                      <a:srgbClr val="FFC06D"/>
+                    </a:solidFill>
+                  </a:tcPr>
+                </a:tc>
+                <a:tc>
+                  <a:txBody>
+                    <a:bodyPr/>
+                    <a:lstStyle/>
+                    <a:p>
+                      <a:pPr algn="ctr"/>
+                      <a:r>
+                        <a:rPr lang="pt-PT" sz="1800" b="0" u="sng" dirty="0">
+                          <a:solidFill>
+                            <a:schemeClr val="tx1"/>
+                          </a:solidFill>
+                          <a:latin typeface="Times New Roman" panose="02020603050405020304" pitchFamily="18" charset="0"/>
+                          <a:cs typeface="Times New Roman" panose="02020603050405020304" pitchFamily="18" charset="0"/>
+                        </a:rPr>
+                        <a:t>Tarefas</a:t>
+                      </a:r>
+                    </a:p>
+                  </a:txBody>
+                  <a:tcPr>
+                    <a:lnL w="12700" cap="flat" cmpd="sng" algn="ctr">
+                      <a:solidFill>
+                        <a:schemeClr val="tx1"/>
+                      </a:solidFill>
+                      <a:prstDash val="solid"/>
+                      <a:round/>
+                      <a:headEnd type="none" w="med" len="med"/>
+                      <a:tailEnd type="none" w="med" len="med"/>
+                    </a:lnL>
+                    <a:lnR w="12700" cap="flat" cmpd="sng" algn="ctr">
+                      <a:solidFill>
+                        <a:schemeClr val="tx1"/>
+                      </a:solidFill>
+                      <a:prstDash val="solid"/>
+                      <a:round/>
+                      <a:headEnd type="none" w="med" len="med"/>
+                      <a:tailEnd type="none" w="med" len="med"/>
+                    </a:lnR>
+                    <a:lnT w="12700" cap="flat" cmpd="sng" algn="ctr">
+                      <a:solidFill>
+                        <a:schemeClr val="tx1"/>
+                      </a:solidFill>
+                      <a:prstDash val="solid"/>
+                      <a:round/>
+                      <a:headEnd type="none" w="med" len="med"/>
+                      <a:tailEnd type="none" w="med" len="med"/>
+                    </a:lnT>
+                    <a:lnB w="12700" cap="flat" cmpd="sng" algn="ctr">
+                      <a:solidFill>
+                        <a:schemeClr val="tx1"/>
+                      </a:solidFill>
+                      <a:prstDash val="solid"/>
+                      <a:round/>
+                      <a:headEnd type="none" w="med" len="med"/>
+                      <a:tailEnd type="none" w="med" len="med"/>
+                    </a:lnB>
+                    <a:solidFill>
+                      <a:srgbClr val="FFC06D"/>
+                    </a:solidFill>
+                  </a:tcPr>
+                </a:tc>
+                <a:tc>
+                  <a:txBody>
+                    <a:bodyPr/>
+                    <a:lstStyle/>
+                    <a:p>
+                      <a:pPr algn="ctr"/>
+                      <a:r>
+                        <a:rPr lang="pt-PT" sz="1800" b="0" u="sng" dirty="0">
+                          <a:solidFill>
+                            <a:schemeClr val="tx1"/>
+                          </a:solidFill>
+                          <a:latin typeface="Times New Roman" panose="02020603050405020304" pitchFamily="18" charset="0"/>
+                          <a:cs typeface="Times New Roman" panose="02020603050405020304" pitchFamily="18" charset="0"/>
+                        </a:rPr>
+                        <a:t>Alunos</a:t>
+                      </a:r>
+                    </a:p>
+                  </a:txBody>
+                  <a:tcPr>
+                    <a:lnL w="12700" cap="flat" cmpd="sng" algn="ctr">
+                      <a:solidFill>
+                        <a:schemeClr val="tx1"/>
+                      </a:solidFill>
+                      <a:prstDash val="solid"/>
+                      <a:round/>
+                      <a:headEnd type="none" w="med" len="med"/>
+                      <a:tailEnd type="none" w="med" len="med"/>
+                    </a:lnL>
+                    <a:lnR w="12700" cap="flat" cmpd="sng" algn="ctr">
+                      <a:solidFill>
+                        <a:schemeClr val="tx1"/>
+                      </a:solidFill>
+                      <a:prstDash val="solid"/>
+                      <a:round/>
+                      <a:headEnd type="none" w="med" len="med"/>
+                      <a:tailEnd type="none" w="med" len="med"/>
+                    </a:lnR>
+                    <a:lnT w="12700" cap="flat" cmpd="sng" algn="ctr">
+                      <a:solidFill>
+                        <a:schemeClr val="tx1"/>
+                      </a:solidFill>
+                      <a:prstDash val="solid"/>
+                      <a:round/>
+                      <a:headEnd type="none" w="med" len="med"/>
+                      <a:tailEnd type="none" w="med" len="med"/>
+                    </a:lnT>
+                    <a:lnB w="12700" cap="flat" cmpd="sng" algn="ctr">
+                      <a:solidFill>
+                        <a:schemeClr val="tx1"/>
+                      </a:solidFill>
+                      <a:prstDash val="solid"/>
+                      <a:round/>
+                      <a:headEnd type="none" w="med" len="med"/>
+                      <a:tailEnd type="none" w="med" len="med"/>
+                    </a:lnB>
+                    <a:solidFill>
+                      <a:srgbClr val="FFC06D"/>
+                    </a:solidFill>
+                  </a:tcPr>
+                </a:tc>
+                <a:tc>
+                  <a:txBody>
+                    <a:bodyPr/>
+                    <a:lstStyle/>
+                    <a:p>
+                      <a:pPr algn="ctr"/>
+                      <a:r>
+                        <a:rPr lang="pt-PT" sz="1800" b="0" u="sng" dirty="0">
+                          <a:solidFill>
+                            <a:schemeClr val="tx1"/>
+                          </a:solidFill>
+                          <a:latin typeface="Times New Roman" panose="02020603050405020304" pitchFamily="18" charset="0"/>
+                          <a:cs typeface="Times New Roman" panose="02020603050405020304" pitchFamily="18" charset="0"/>
+                        </a:rPr>
+                        <a:t>Duração Estimada</a:t>
+                      </a:r>
+                    </a:p>
+                  </a:txBody>
+                  <a:tcPr>
+                    <a:lnL w="12700" cap="flat" cmpd="sng" algn="ctr">
+                      <a:solidFill>
+                        <a:schemeClr val="tx1"/>
+                      </a:solidFill>
+                      <a:prstDash val="solid"/>
+                      <a:round/>
+                      <a:headEnd type="none" w="med" len="med"/>
+                      <a:tailEnd type="none" w="med" len="med"/>
+                    </a:lnL>
+                    <a:lnR w="12700" cap="flat" cmpd="sng" algn="ctr">
+                      <a:solidFill>
+                        <a:schemeClr val="tx1"/>
+                      </a:solidFill>
+                      <a:prstDash val="solid"/>
+                      <a:round/>
+                      <a:headEnd type="none" w="med" len="med"/>
+                      <a:tailEnd type="none" w="med" len="med"/>
+                    </a:lnR>
+                    <a:lnT w="12700" cap="flat" cmpd="sng" algn="ctr">
+                      <a:solidFill>
+                        <a:schemeClr val="tx1"/>
+                      </a:solidFill>
+                      <a:prstDash val="solid"/>
+                      <a:round/>
+                      <a:headEnd type="none" w="med" len="med"/>
+                      <a:tailEnd type="none" w="med" len="med"/>
+                    </a:lnT>
+                    <a:lnB w="12700" cap="flat" cmpd="sng" algn="ctr">
+                      <a:solidFill>
+                        <a:schemeClr val="tx1"/>
+                      </a:solidFill>
+                      <a:prstDash val="solid"/>
+                      <a:round/>
+                      <a:headEnd type="none" w="med" len="med"/>
+                      <a:tailEnd type="none" w="med" len="med"/>
+                    </a:lnB>
+                    <a:solidFill>
+                      <a:srgbClr val="FFC06D"/>
+                    </a:solidFill>
+                  </a:tcPr>
+                </a:tc>
+                <a:tc>
+                  <a:txBody>
+                    <a:bodyPr/>
+                    <a:lstStyle/>
+                    <a:p>
+                      <a:pPr algn="ctr"/>
+                      <a:r>
+                        <a:rPr lang="pt-PT" sz="1800" b="0" u="sng" dirty="0">
+                          <a:solidFill>
+                            <a:schemeClr val="tx1"/>
+                          </a:solidFill>
+                          <a:latin typeface="Times New Roman" panose="02020603050405020304" pitchFamily="18" charset="0"/>
+                          <a:cs typeface="Times New Roman" panose="02020603050405020304" pitchFamily="18" charset="0"/>
+                        </a:rPr>
+                        <a:t>Duração</a:t>
+                      </a:r>
+                    </a:p>
+                    <a:p>
+                      <a:pPr algn="ctr"/>
+                      <a:r>
+                        <a:rPr lang="pt-PT" sz="1800" b="0" u="sng" dirty="0">
+                          <a:solidFill>
+                            <a:schemeClr val="tx1"/>
+                          </a:solidFill>
+                          <a:latin typeface="Times New Roman" panose="02020603050405020304" pitchFamily="18" charset="0"/>
+                          <a:cs typeface="Times New Roman" panose="02020603050405020304" pitchFamily="18" charset="0"/>
+                        </a:rPr>
+                        <a:t>real</a:t>
+                      </a:r>
+                    </a:p>
+                  </a:txBody>
+                  <a:tcPr>
+                    <a:lnL w="12700" cap="flat" cmpd="sng" algn="ctr">
+                      <a:solidFill>
+                        <a:schemeClr val="tx1"/>
+                      </a:solidFill>
+                      <a:prstDash val="solid"/>
+                      <a:round/>
+                      <a:headEnd type="none" w="med" len="med"/>
+                      <a:tailEnd type="none" w="med" len="med"/>
+                    </a:lnL>
+                    <a:lnR w="12700" cap="flat" cmpd="sng" algn="ctr">
+                      <a:solidFill>
+                        <a:schemeClr val="tx1"/>
+                      </a:solidFill>
+                      <a:prstDash val="solid"/>
+                      <a:round/>
+                      <a:headEnd type="none" w="med" len="med"/>
+                      <a:tailEnd type="none" w="med" len="med"/>
+                    </a:lnR>
+                    <a:lnT w="12700" cap="flat" cmpd="sng" algn="ctr">
+                      <a:solidFill>
+                        <a:schemeClr val="tx1"/>
+                      </a:solidFill>
+                      <a:prstDash val="solid"/>
+                      <a:round/>
+                      <a:headEnd type="none" w="med" len="med"/>
+                      <a:tailEnd type="none" w="med" len="med"/>
+                    </a:lnT>
+                    <a:lnB w="12700" cap="flat" cmpd="sng" algn="ctr">
+                      <a:solidFill>
+                        <a:schemeClr val="tx1"/>
+                      </a:solidFill>
+                      <a:prstDash val="solid"/>
+                      <a:round/>
+                      <a:headEnd type="none" w="med" len="med"/>
+                      <a:tailEnd type="none" w="med" len="med"/>
+                    </a:lnB>
+                    <a:solidFill>
+                      <a:srgbClr val="FFC06D"/>
+                    </a:solidFill>
+                  </a:tcPr>
+                </a:tc>
+                <a:extLst>
+                  <a:ext uri="{0D108BD9-81ED-4DB2-BD59-A6C34878D82A}">
+                    <a16:rowId xmlns:a16="http://schemas.microsoft.com/office/drawing/2014/main" val="556529404"/>
+                  </a:ext>
+                </a:extLst>
+              </a:tr>
+              <a:tr h="370840">
+                <a:tc>
+                  <a:txBody>
+                    <a:bodyPr/>
+                    <a:lstStyle/>
+                    <a:p>
+                      <a:pPr algn="ctr"/>
+                      <a:r>
+                        <a:rPr lang="pt-PT" sz="1800" b="0" u="sng" dirty="0">
+                          <a:latin typeface="Times New Roman" panose="02020603050405020304" pitchFamily="18" charset="0"/>
+                          <a:cs typeface="Times New Roman" panose="02020603050405020304" pitchFamily="18" charset="0"/>
+                        </a:rPr>
+                        <a:t>Registo e Login</a:t>
+                      </a:r>
+                    </a:p>
+                  </a:txBody>
+                  <a:tcPr>
+                    <a:lnL w="12700" cap="flat" cmpd="sng" algn="ctr">
+                      <a:solidFill>
+                        <a:schemeClr val="tx1"/>
+                      </a:solidFill>
+                      <a:prstDash val="solid"/>
+                      <a:round/>
+                      <a:headEnd type="none" w="med" len="med"/>
+                      <a:tailEnd type="none" w="med" len="med"/>
+                    </a:lnL>
+                    <a:lnR w="12700" cap="flat" cmpd="sng" algn="ctr">
+                      <a:solidFill>
+                        <a:schemeClr val="tx1"/>
+                      </a:solidFill>
+                      <a:prstDash val="solid"/>
+                      <a:round/>
+                      <a:headEnd type="none" w="med" len="med"/>
+                      <a:tailEnd type="none" w="med" len="med"/>
+                    </a:lnR>
+                    <a:lnT w="12700" cap="flat" cmpd="sng" algn="ctr">
+                      <a:solidFill>
+                        <a:schemeClr val="tx1"/>
+                      </a:solidFill>
+                      <a:prstDash val="solid"/>
+                      <a:round/>
+                      <a:headEnd type="none" w="med" len="med"/>
+                      <a:tailEnd type="none" w="med" len="med"/>
+                    </a:lnT>
+                    <a:lnB w="12700" cap="flat" cmpd="sng" algn="ctr">
+                      <a:solidFill>
+                        <a:schemeClr val="tx1"/>
+                      </a:solidFill>
+                      <a:prstDash val="solid"/>
+                      <a:round/>
+                      <a:headEnd type="none" w="med" len="med"/>
+                      <a:tailEnd type="none" w="med" len="med"/>
+                    </a:lnB>
+                    <a:solidFill>
+                      <a:schemeClr val="bg1"/>
+                    </a:solidFill>
+                  </a:tcPr>
+                </a:tc>
+                <a:tc>
+                  <a:txBody>
+                    <a:bodyPr/>
+                    <a:lstStyle/>
+                    <a:p>
+                      <a:pPr marL="285750" marR="0" lvl="0" indent="-285750" algn="l" defTabSz="914400" rtl="0" eaLnBrk="1" fontAlgn="auto" latinLnBrk="0" hangingPunct="1">
+                        <a:lnSpc>
+                          <a:spcPct val="100000"/>
+                        </a:lnSpc>
+                        <a:spcBef>
+                          <a:spcPts val="0"/>
+                        </a:spcBef>
+                        <a:spcAft>
+                          <a:spcPts val="0"/>
+                        </a:spcAft>
+                        <a:buClrTx/>
+                        <a:buSzTx/>
+                        <a:buFont typeface="Wingdings" panose="05000000000000000000" pitchFamily="2" charset="2"/>
+                        <a:buChar char="ü"/>
+                        <a:tabLst/>
+                        <a:defRPr/>
+                      </a:pPr>
+                      <a:r>
+                        <a:rPr lang="pt-PT" sz="1800" dirty="0">
+                          <a:latin typeface="Times New Roman" panose="02020603050405020304" pitchFamily="18" charset="0"/>
+                          <a:cs typeface="Times New Roman" panose="02020603050405020304" pitchFamily="18" charset="0"/>
+                        </a:rPr>
+                        <a:t>Layout</a:t>
+                      </a:r>
+                    </a:p>
+                    <a:p>
+                      <a:pPr marL="285750" indent="-285750" algn="l">
+                        <a:buFont typeface="Wingdings" panose="05000000000000000000" pitchFamily="2" charset="2"/>
+                        <a:buChar char="ü"/>
+                      </a:pPr>
+                      <a:r>
+                        <a:rPr lang="pt-PT" sz="1800" dirty="0">
+                          <a:latin typeface="Times New Roman" panose="02020603050405020304" pitchFamily="18" charset="0"/>
+                          <a:cs typeface="Times New Roman" panose="02020603050405020304" pitchFamily="18" charset="0"/>
+                        </a:rPr>
+                        <a:t>Integração com a API</a:t>
+                      </a:r>
+                    </a:p>
+                  </a:txBody>
+                  <a:tcPr>
+                    <a:lnL w="12700" cap="flat" cmpd="sng" algn="ctr">
+                      <a:solidFill>
+                        <a:schemeClr val="tx1"/>
+                      </a:solidFill>
+                      <a:prstDash val="solid"/>
+                      <a:round/>
+                      <a:headEnd type="none" w="med" len="med"/>
+                      <a:tailEnd type="none" w="med" len="med"/>
+                    </a:lnL>
+                    <a:lnR w="12700" cap="flat" cmpd="sng" algn="ctr">
+                      <a:solidFill>
+                        <a:schemeClr val="tx1"/>
+                      </a:solidFill>
+                      <a:prstDash val="solid"/>
+                      <a:round/>
+                      <a:headEnd type="none" w="med" len="med"/>
+                      <a:tailEnd type="none" w="med" len="med"/>
+                    </a:lnR>
+                    <a:lnT w="12700" cap="flat" cmpd="sng" algn="ctr">
+                      <a:solidFill>
+                        <a:schemeClr val="tx1"/>
+                      </a:solidFill>
+                      <a:prstDash val="solid"/>
+                      <a:round/>
+                      <a:headEnd type="none" w="med" len="med"/>
+                      <a:tailEnd type="none" w="med" len="med"/>
+                    </a:lnT>
+                    <a:lnB w="12700" cap="flat" cmpd="sng" algn="ctr">
+                      <a:solidFill>
+                        <a:schemeClr val="tx1"/>
+                      </a:solidFill>
+                      <a:prstDash val="solid"/>
+                      <a:round/>
+                      <a:headEnd type="none" w="med" len="med"/>
+                      <a:tailEnd type="none" w="med" len="med"/>
+                    </a:lnB>
+                    <a:solidFill>
+                      <a:schemeClr val="bg1"/>
+                    </a:solidFill>
+                  </a:tcPr>
+                </a:tc>
+                <a:tc>
+                  <a:txBody>
+                    <a:bodyPr/>
+                    <a:lstStyle/>
+                    <a:p>
+                      <a:pPr algn="ctr"/>
+                      <a:r>
+                        <a:rPr lang="pt-PT" sz="1800" dirty="0">
+                          <a:latin typeface="Times New Roman" panose="02020603050405020304" pitchFamily="18" charset="0"/>
+                          <a:cs typeface="Times New Roman" panose="02020603050405020304" pitchFamily="18" charset="0"/>
+                        </a:rPr>
+                        <a:t>Diana</a:t>
+                      </a:r>
+                    </a:p>
+                    <a:p>
+                      <a:pPr algn="ctr"/>
+                      <a:r>
+                        <a:rPr lang="pt-PT" sz="1800" dirty="0">
+                          <a:latin typeface="Times New Roman" panose="02020603050405020304" pitchFamily="18" charset="0"/>
+                          <a:cs typeface="Times New Roman" panose="02020603050405020304" pitchFamily="18" charset="0"/>
+                        </a:rPr>
+                        <a:t>Diana</a:t>
+                      </a:r>
+                    </a:p>
+                  </a:txBody>
+                  <a:tcPr>
+                    <a:lnL w="12700" cap="flat" cmpd="sng" algn="ctr">
+                      <a:solidFill>
+                        <a:schemeClr val="tx1"/>
+                      </a:solidFill>
+                      <a:prstDash val="solid"/>
+                      <a:round/>
+                      <a:headEnd type="none" w="med" len="med"/>
+                      <a:tailEnd type="none" w="med" len="med"/>
+                    </a:lnL>
+                    <a:lnR w="12700" cap="flat" cmpd="sng" algn="ctr">
+                      <a:solidFill>
+                        <a:schemeClr val="tx1"/>
+                      </a:solidFill>
+                      <a:prstDash val="solid"/>
+                      <a:round/>
+                      <a:headEnd type="none" w="med" len="med"/>
+                      <a:tailEnd type="none" w="med" len="med"/>
+                    </a:lnR>
+                    <a:lnT w="12700" cap="flat" cmpd="sng" algn="ctr">
+                      <a:solidFill>
+                        <a:schemeClr val="tx1"/>
+                      </a:solidFill>
+                      <a:prstDash val="solid"/>
+                      <a:round/>
+                      <a:headEnd type="none" w="med" len="med"/>
+                      <a:tailEnd type="none" w="med" len="med"/>
+                    </a:lnT>
+                    <a:lnB w="12700" cap="flat" cmpd="sng" algn="ctr">
+                      <a:solidFill>
+                        <a:schemeClr val="tx1"/>
+                      </a:solidFill>
+                      <a:prstDash val="solid"/>
+                      <a:round/>
+                      <a:headEnd type="none" w="med" len="med"/>
+                      <a:tailEnd type="none" w="med" len="med"/>
+                    </a:lnB>
+                    <a:solidFill>
+                      <a:schemeClr val="bg1"/>
+                    </a:solidFill>
+                  </a:tcPr>
+                </a:tc>
+                <a:tc>
+                  <a:txBody>
+                    <a:bodyPr/>
+                    <a:lstStyle/>
+                    <a:p>
+                      <a:pPr algn="ctr"/>
+                      <a:r>
+                        <a:rPr lang="pt-PT" sz="1800" dirty="0">
+                          <a:latin typeface="Times New Roman" panose="02020603050405020304" pitchFamily="18" charset="0"/>
+                          <a:cs typeface="Times New Roman" panose="02020603050405020304" pitchFamily="18" charset="0"/>
+                        </a:rPr>
+                        <a:t>1h</a:t>
+                      </a:r>
+                    </a:p>
+                    <a:p>
+                      <a:pPr algn="ctr"/>
+                      <a:r>
+                        <a:rPr lang="pt-PT" sz="1800" dirty="0">
+                          <a:latin typeface="Times New Roman" panose="02020603050405020304" pitchFamily="18" charset="0"/>
+                          <a:cs typeface="Times New Roman" panose="02020603050405020304" pitchFamily="18" charset="0"/>
+                        </a:rPr>
+                        <a:t>3h</a:t>
+                      </a:r>
+                    </a:p>
+                  </a:txBody>
+                  <a:tcPr>
+                    <a:lnL w="12700" cap="flat" cmpd="sng" algn="ctr">
+                      <a:solidFill>
+                        <a:schemeClr val="tx1"/>
+                      </a:solidFill>
+                      <a:prstDash val="solid"/>
+                      <a:round/>
+                      <a:headEnd type="none" w="med" len="med"/>
+                      <a:tailEnd type="none" w="med" len="med"/>
+                    </a:lnL>
+                    <a:lnR w="12700" cap="flat" cmpd="sng" algn="ctr">
+                      <a:solidFill>
+                        <a:schemeClr val="tx1"/>
+                      </a:solidFill>
+                      <a:prstDash val="solid"/>
+                      <a:round/>
+                      <a:headEnd type="none" w="med" len="med"/>
+                      <a:tailEnd type="none" w="med" len="med"/>
+                    </a:lnR>
+                    <a:lnT w="12700" cap="flat" cmpd="sng" algn="ctr">
+                      <a:solidFill>
+                        <a:schemeClr val="tx1"/>
+                      </a:solidFill>
+                      <a:prstDash val="solid"/>
+                      <a:round/>
+                      <a:headEnd type="none" w="med" len="med"/>
+                      <a:tailEnd type="none" w="med" len="med"/>
+                    </a:lnT>
+                    <a:lnB w="12700" cap="flat" cmpd="sng" algn="ctr">
+                      <a:solidFill>
+                        <a:schemeClr val="tx1"/>
+                      </a:solidFill>
+                      <a:prstDash val="solid"/>
+                      <a:round/>
+                      <a:headEnd type="none" w="med" len="med"/>
+                      <a:tailEnd type="none" w="med" len="med"/>
+                    </a:lnB>
+                    <a:solidFill>
+                      <a:schemeClr val="bg1"/>
+                    </a:solidFill>
+                  </a:tcPr>
+                </a:tc>
+                <a:tc>
+                  <a:txBody>
+                    <a:bodyPr/>
+                    <a:lstStyle/>
+                    <a:p>
+                      <a:pPr algn="ctr"/>
+                      <a:endParaRPr lang="pt-PT" sz="1800" dirty="0">
+                        <a:latin typeface="Times New Roman" panose="02020603050405020304" pitchFamily="18" charset="0"/>
+                        <a:cs typeface="Times New Roman" panose="02020603050405020304" pitchFamily="18" charset="0"/>
+                      </a:endParaRPr>
+                    </a:p>
+                  </a:txBody>
+                  <a:tcPr>
+                    <a:lnL w="12700" cap="flat" cmpd="sng" algn="ctr">
+                      <a:solidFill>
+                        <a:schemeClr val="tx1"/>
+                      </a:solidFill>
+                      <a:prstDash val="solid"/>
+                      <a:round/>
+                      <a:headEnd type="none" w="med" len="med"/>
+                      <a:tailEnd type="none" w="med" len="med"/>
+                    </a:lnL>
+                    <a:lnR w="12700" cap="flat" cmpd="sng" algn="ctr">
+                      <a:solidFill>
+                        <a:schemeClr val="tx1"/>
+                      </a:solidFill>
+                      <a:prstDash val="solid"/>
+                      <a:round/>
+                      <a:headEnd type="none" w="med" len="med"/>
+                      <a:tailEnd type="none" w="med" len="med"/>
+                    </a:lnR>
+                    <a:lnT w="12700" cap="flat" cmpd="sng" algn="ctr">
+                      <a:solidFill>
+                        <a:schemeClr val="tx1"/>
+                      </a:solidFill>
+                      <a:prstDash val="solid"/>
+                      <a:round/>
+                      <a:headEnd type="none" w="med" len="med"/>
+                      <a:tailEnd type="none" w="med" len="med"/>
+                    </a:lnT>
+                    <a:lnB w="12700" cap="flat" cmpd="sng" algn="ctr">
+                      <a:solidFill>
+                        <a:schemeClr val="tx1"/>
+                      </a:solidFill>
+                      <a:prstDash val="solid"/>
+                      <a:round/>
+                      <a:headEnd type="none" w="med" len="med"/>
+                      <a:tailEnd type="none" w="med" len="med"/>
+                    </a:lnB>
+                    <a:solidFill>
+                      <a:schemeClr val="bg1"/>
+                    </a:solidFill>
+                  </a:tcPr>
+                </a:tc>
+                <a:extLst>
+                  <a:ext uri="{0D108BD9-81ED-4DB2-BD59-A6C34878D82A}">
+                    <a16:rowId xmlns:a16="http://schemas.microsoft.com/office/drawing/2014/main" val="4254248161"/>
+                  </a:ext>
+                </a:extLst>
+              </a:tr>
+              <a:tr h="370840">
+                <a:tc>
+                  <a:txBody>
+                    <a:bodyPr/>
+                    <a:lstStyle/>
+                    <a:p>
+                      <a:pPr algn="ctr"/>
+                      <a:endParaRPr lang="pt-PT" sz="1800" b="0" u="sng" dirty="0"/>
+                    </a:p>
+                    <a:p>
+                      <a:pPr algn="ctr"/>
+                      <a:r>
+                        <a:rPr lang="pt-PT" sz="1800" b="0" u="sng" dirty="0">
+                          <a:latin typeface="Times New Roman" panose="02020603050405020304" pitchFamily="18" charset="0"/>
+                          <a:cs typeface="Times New Roman" panose="02020603050405020304" pitchFamily="18" charset="0"/>
+                        </a:rPr>
+                        <a:t>Login</a:t>
+                      </a:r>
+                    </a:p>
+                  </a:txBody>
+                  <a:tcPr>
+                    <a:lnL w="12700" cap="flat" cmpd="sng" algn="ctr">
+                      <a:solidFill>
+                        <a:schemeClr val="tx1"/>
+                      </a:solidFill>
+                      <a:prstDash val="solid"/>
+                      <a:round/>
+                      <a:headEnd type="none" w="med" len="med"/>
+                      <a:tailEnd type="none" w="med" len="med"/>
+                    </a:lnL>
+                    <a:lnR w="12700" cap="flat" cmpd="sng" algn="ctr">
+                      <a:solidFill>
+                        <a:schemeClr val="tx1"/>
+                      </a:solidFill>
+                      <a:prstDash val="solid"/>
+                      <a:round/>
+                      <a:headEnd type="none" w="med" len="med"/>
+                      <a:tailEnd type="none" w="med" len="med"/>
+                    </a:lnR>
+                    <a:lnT w="12700" cap="flat" cmpd="sng" algn="ctr">
+                      <a:solidFill>
+                        <a:schemeClr val="tx1"/>
+                      </a:solidFill>
+                      <a:prstDash val="solid"/>
+                      <a:round/>
+                      <a:headEnd type="none" w="med" len="med"/>
+                      <a:tailEnd type="none" w="med" len="med"/>
+                    </a:lnT>
+                    <a:lnB w="12700" cap="flat" cmpd="sng" algn="ctr">
+                      <a:solidFill>
+                        <a:schemeClr val="tx1"/>
+                      </a:solidFill>
+                      <a:prstDash val="solid"/>
+                      <a:round/>
+                      <a:headEnd type="none" w="med" len="med"/>
+                      <a:tailEnd type="none" w="med" len="med"/>
+                    </a:lnB>
+                    <a:solidFill>
+                      <a:schemeClr val="bg1"/>
+                    </a:solidFill>
+                  </a:tcPr>
+                </a:tc>
+                <a:tc>
+                  <a:txBody>
+                    <a:bodyPr/>
+                    <a:lstStyle/>
+                    <a:p>
+                      <a:pPr marL="285750" indent="-285750" algn="l">
+                        <a:buFont typeface="Wingdings" panose="05000000000000000000" pitchFamily="2" charset="2"/>
+                        <a:buChar char="ü"/>
+                      </a:pPr>
+                      <a:r>
+                        <a:rPr lang="pt-PT" sz="1800" dirty="0">
+                          <a:latin typeface="Times New Roman" panose="02020603050405020304" pitchFamily="18" charset="0"/>
+                          <a:cs typeface="Times New Roman" panose="02020603050405020304" pitchFamily="18" charset="0"/>
+                        </a:rPr>
+                        <a:t>Layout</a:t>
+                      </a:r>
+                    </a:p>
+                    <a:p>
+                      <a:pPr marL="285750" indent="-285750" algn="l">
+                        <a:buFont typeface="Wingdings" panose="05000000000000000000" pitchFamily="2" charset="2"/>
+                        <a:buChar char="ü"/>
+                      </a:pPr>
+                      <a:r>
+                        <a:rPr lang="pt-PT" sz="1800" dirty="0" err="1">
+                          <a:latin typeface="Times New Roman" panose="02020603050405020304" pitchFamily="18" charset="0"/>
+                          <a:cs typeface="Times New Roman" panose="02020603050405020304" pitchFamily="18" charset="0"/>
+                        </a:rPr>
+                        <a:t>Logar</a:t>
+                      </a:r>
+                      <a:r>
+                        <a:rPr lang="pt-PT" sz="1800" dirty="0">
+                          <a:latin typeface="Times New Roman" panose="02020603050405020304" pitchFamily="18" charset="0"/>
+                          <a:cs typeface="Times New Roman" panose="02020603050405020304" pitchFamily="18" charset="0"/>
+                        </a:rPr>
+                        <a:t> na API</a:t>
+                      </a:r>
+                    </a:p>
+                    <a:p>
+                      <a:pPr marL="285750" indent="-285750" algn="l">
+                        <a:buFont typeface="Wingdings" panose="05000000000000000000" pitchFamily="2" charset="2"/>
+                        <a:buChar char="ü"/>
+                      </a:pPr>
+                      <a:r>
+                        <a:rPr lang="pt-PT" sz="1800" dirty="0">
+                          <a:latin typeface="Times New Roman" panose="02020603050405020304" pitchFamily="18" charset="0"/>
+                          <a:cs typeface="Times New Roman" panose="02020603050405020304" pitchFamily="18" charset="0"/>
+                        </a:rPr>
+                        <a:t>Verificação de email/telemóvel</a:t>
+                      </a:r>
+                    </a:p>
+                  </a:txBody>
+                  <a:tcPr>
+                    <a:lnL w="12700" cap="flat" cmpd="sng" algn="ctr">
+                      <a:solidFill>
+                        <a:schemeClr val="tx1"/>
+                      </a:solidFill>
+                      <a:prstDash val="solid"/>
+                      <a:round/>
+                      <a:headEnd type="none" w="med" len="med"/>
+                      <a:tailEnd type="none" w="med" len="med"/>
+                    </a:lnL>
+                    <a:lnR w="12700" cap="flat" cmpd="sng" algn="ctr">
+                      <a:solidFill>
+                        <a:schemeClr val="tx1"/>
+                      </a:solidFill>
+                      <a:prstDash val="solid"/>
+                      <a:round/>
+                      <a:headEnd type="none" w="med" len="med"/>
+                      <a:tailEnd type="none" w="med" len="med"/>
+                    </a:lnR>
+                    <a:lnT w="12700" cap="flat" cmpd="sng" algn="ctr">
+                      <a:solidFill>
+                        <a:schemeClr val="tx1"/>
+                      </a:solidFill>
+                      <a:prstDash val="solid"/>
+                      <a:round/>
+                      <a:headEnd type="none" w="med" len="med"/>
+                      <a:tailEnd type="none" w="med" len="med"/>
+                    </a:lnT>
+                    <a:lnB w="12700" cap="flat" cmpd="sng" algn="ctr">
+                      <a:solidFill>
+                        <a:schemeClr val="tx1"/>
+                      </a:solidFill>
+                      <a:prstDash val="solid"/>
+                      <a:round/>
+                      <a:headEnd type="none" w="med" len="med"/>
+                      <a:tailEnd type="none" w="med" len="med"/>
+                    </a:lnB>
+                    <a:solidFill>
+                      <a:schemeClr val="bg1"/>
+                    </a:solidFill>
+                  </a:tcPr>
+                </a:tc>
+                <a:tc>
+                  <a:txBody>
+                    <a:bodyPr/>
+                    <a:lstStyle/>
+                    <a:p>
+                      <a:pPr algn="ctr"/>
+                      <a:r>
+                        <a:rPr lang="pt-PT" sz="1800" dirty="0">
+                          <a:latin typeface="Times New Roman" panose="02020603050405020304" pitchFamily="18" charset="0"/>
+                          <a:cs typeface="Times New Roman" panose="02020603050405020304" pitchFamily="18" charset="0"/>
+                        </a:rPr>
+                        <a:t>Maria</a:t>
+                      </a:r>
+                    </a:p>
+                    <a:p>
+                      <a:pPr algn="ctr"/>
+                      <a:r>
+                        <a:rPr lang="pt-PT" sz="1800" dirty="0">
+                          <a:latin typeface="Times New Roman" panose="02020603050405020304" pitchFamily="18" charset="0"/>
+                          <a:cs typeface="Times New Roman" panose="02020603050405020304" pitchFamily="18" charset="0"/>
+                        </a:rPr>
+                        <a:t>Diana</a:t>
+                      </a:r>
+                    </a:p>
+                    <a:p>
+                      <a:pPr algn="ctr"/>
+                      <a:r>
+                        <a:rPr lang="pt-PT" sz="1800" dirty="0">
+                          <a:latin typeface="Times New Roman" panose="02020603050405020304" pitchFamily="18" charset="0"/>
+                          <a:cs typeface="Times New Roman" panose="02020603050405020304" pitchFamily="18" charset="0"/>
+                        </a:rPr>
+                        <a:t>Maria</a:t>
+                      </a:r>
+                    </a:p>
+                  </a:txBody>
+                  <a:tcPr>
+                    <a:lnL w="12700" cap="flat" cmpd="sng" algn="ctr">
+                      <a:solidFill>
+                        <a:schemeClr val="tx1"/>
+                      </a:solidFill>
+                      <a:prstDash val="solid"/>
+                      <a:round/>
+                      <a:headEnd type="none" w="med" len="med"/>
+                      <a:tailEnd type="none" w="med" len="med"/>
+                    </a:lnL>
+                    <a:lnR w="12700" cap="flat" cmpd="sng" algn="ctr">
+                      <a:solidFill>
+                        <a:schemeClr val="tx1"/>
+                      </a:solidFill>
+                      <a:prstDash val="solid"/>
+                      <a:round/>
+                      <a:headEnd type="none" w="med" len="med"/>
+                      <a:tailEnd type="none" w="med" len="med"/>
+                    </a:lnR>
+                    <a:lnT w="12700" cap="flat" cmpd="sng" algn="ctr">
+                      <a:solidFill>
+                        <a:schemeClr val="tx1"/>
+                      </a:solidFill>
+                      <a:prstDash val="solid"/>
+                      <a:round/>
+                      <a:headEnd type="none" w="med" len="med"/>
+                      <a:tailEnd type="none" w="med" len="med"/>
+                    </a:lnT>
+                    <a:lnB w="12700" cap="flat" cmpd="sng" algn="ctr">
+                      <a:solidFill>
+                        <a:schemeClr val="tx1"/>
+                      </a:solidFill>
+                      <a:prstDash val="solid"/>
+                      <a:round/>
+                      <a:headEnd type="none" w="med" len="med"/>
+                      <a:tailEnd type="none" w="med" len="med"/>
+                    </a:lnB>
+                    <a:solidFill>
+                      <a:schemeClr val="bg1"/>
+                    </a:solidFill>
+                  </a:tcPr>
+                </a:tc>
+                <a:tc>
+                  <a:txBody>
+                    <a:bodyPr/>
+                    <a:lstStyle/>
+                    <a:p>
+                      <a:pPr algn="ctr"/>
+                      <a:r>
+                        <a:rPr lang="pt-PT" sz="1800" dirty="0">
+                          <a:latin typeface="Times New Roman" panose="02020603050405020304" pitchFamily="18" charset="0"/>
+                          <a:cs typeface="Times New Roman" panose="02020603050405020304" pitchFamily="18" charset="0"/>
+                        </a:rPr>
+                        <a:t>1h</a:t>
+                      </a:r>
+                    </a:p>
+                    <a:p>
+                      <a:pPr algn="ctr"/>
+                      <a:r>
+                        <a:rPr lang="pt-PT" sz="1800" dirty="0">
+                          <a:latin typeface="Times New Roman" panose="02020603050405020304" pitchFamily="18" charset="0"/>
+                          <a:cs typeface="Times New Roman" panose="02020603050405020304" pitchFamily="18" charset="0"/>
+                        </a:rPr>
+                        <a:t>3h</a:t>
+                      </a:r>
+                    </a:p>
+                    <a:p>
+                      <a:pPr algn="ctr"/>
+                      <a:r>
+                        <a:rPr lang="pt-PT" sz="1800" dirty="0">
+                          <a:latin typeface="Times New Roman" panose="02020603050405020304" pitchFamily="18" charset="0"/>
+                          <a:cs typeface="Times New Roman" panose="02020603050405020304" pitchFamily="18" charset="0"/>
+                        </a:rPr>
+                        <a:t>2h</a:t>
+                      </a:r>
+                    </a:p>
+                  </a:txBody>
+                  <a:tcPr>
+                    <a:lnL w="12700" cap="flat" cmpd="sng" algn="ctr">
+                      <a:solidFill>
+                        <a:schemeClr val="tx1"/>
+                      </a:solidFill>
+                      <a:prstDash val="solid"/>
+                      <a:round/>
+                      <a:headEnd type="none" w="med" len="med"/>
+                      <a:tailEnd type="none" w="med" len="med"/>
+                    </a:lnL>
+                    <a:lnR w="12700" cap="flat" cmpd="sng" algn="ctr">
+                      <a:solidFill>
+                        <a:schemeClr val="tx1"/>
+                      </a:solidFill>
+                      <a:prstDash val="solid"/>
+                      <a:round/>
+                      <a:headEnd type="none" w="med" len="med"/>
+                      <a:tailEnd type="none" w="med" len="med"/>
+                    </a:lnR>
+                    <a:lnT w="12700" cap="flat" cmpd="sng" algn="ctr">
+                      <a:solidFill>
+                        <a:schemeClr val="tx1"/>
+                      </a:solidFill>
+                      <a:prstDash val="solid"/>
+                      <a:round/>
+                      <a:headEnd type="none" w="med" len="med"/>
+                      <a:tailEnd type="none" w="med" len="med"/>
+                    </a:lnT>
+                    <a:lnB w="12700" cap="flat" cmpd="sng" algn="ctr">
+                      <a:solidFill>
+                        <a:schemeClr val="tx1"/>
+                      </a:solidFill>
+                      <a:prstDash val="solid"/>
+                      <a:round/>
+                      <a:headEnd type="none" w="med" len="med"/>
+                      <a:tailEnd type="none" w="med" len="med"/>
+                    </a:lnB>
+                    <a:solidFill>
+                      <a:schemeClr val="bg1"/>
+                    </a:solidFill>
+                  </a:tcPr>
+                </a:tc>
+                <a:tc>
+                  <a:txBody>
+                    <a:bodyPr/>
+                    <a:lstStyle/>
+                    <a:p>
+                      <a:pPr algn="ctr"/>
+                      <a:endParaRPr lang="pt-PT" sz="1800" dirty="0">
+                        <a:latin typeface="Times New Roman" panose="02020603050405020304" pitchFamily="18" charset="0"/>
+                        <a:cs typeface="Times New Roman" panose="02020603050405020304" pitchFamily="18" charset="0"/>
+                      </a:endParaRPr>
+                    </a:p>
+                  </a:txBody>
+                  <a:tcPr>
+                    <a:lnL w="12700" cap="flat" cmpd="sng" algn="ctr">
+                      <a:solidFill>
+                        <a:schemeClr val="tx1"/>
+                      </a:solidFill>
+                      <a:prstDash val="solid"/>
+                      <a:round/>
+                      <a:headEnd type="none" w="med" len="med"/>
+                      <a:tailEnd type="none" w="med" len="med"/>
+                    </a:lnL>
+                    <a:lnR w="12700" cap="flat" cmpd="sng" algn="ctr">
+                      <a:solidFill>
+                        <a:schemeClr val="tx1"/>
+                      </a:solidFill>
+                      <a:prstDash val="solid"/>
+                      <a:round/>
+                      <a:headEnd type="none" w="med" len="med"/>
+                      <a:tailEnd type="none" w="med" len="med"/>
+                    </a:lnR>
+                    <a:lnT w="12700" cap="flat" cmpd="sng" algn="ctr">
+                      <a:solidFill>
+                        <a:schemeClr val="tx1"/>
+                      </a:solidFill>
+                      <a:prstDash val="solid"/>
+                      <a:round/>
+                      <a:headEnd type="none" w="med" len="med"/>
+                      <a:tailEnd type="none" w="med" len="med"/>
+                    </a:lnT>
+                    <a:lnB w="12700" cap="flat" cmpd="sng" algn="ctr">
+                      <a:solidFill>
+                        <a:schemeClr val="tx1"/>
+                      </a:solidFill>
+                      <a:prstDash val="solid"/>
+                      <a:round/>
+                      <a:headEnd type="none" w="med" len="med"/>
+                      <a:tailEnd type="none" w="med" len="med"/>
+                    </a:lnB>
+                    <a:solidFill>
+                      <a:schemeClr val="bg1"/>
+                    </a:solidFill>
+                  </a:tcPr>
+                </a:tc>
+                <a:extLst>
+                  <a:ext uri="{0D108BD9-81ED-4DB2-BD59-A6C34878D82A}">
+                    <a16:rowId xmlns:a16="http://schemas.microsoft.com/office/drawing/2014/main" val="700809732"/>
+                  </a:ext>
+                </a:extLst>
+              </a:tr>
+              <a:tr h="370840">
+                <a:tc>
+                  <a:txBody>
+                    <a:bodyPr/>
+                    <a:lstStyle/>
+                    <a:p>
+                      <a:pPr algn="ctr"/>
+                      <a:endParaRPr lang="pt-PT" sz="1800" b="0" u="sng" dirty="0">
+                        <a:latin typeface="Times New Roman" panose="02020603050405020304" pitchFamily="18" charset="0"/>
+                        <a:cs typeface="Times New Roman" panose="02020603050405020304" pitchFamily="18" charset="0"/>
+                      </a:endParaRPr>
+                    </a:p>
+                    <a:p>
+                      <a:pPr algn="ctr"/>
+                      <a:r>
+                        <a:rPr lang="pt-PT" sz="1800" b="0" u="sng" dirty="0">
+                          <a:latin typeface="Times New Roman" panose="02020603050405020304" pitchFamily="18" charset="0"/>
+                          <a:cs typeface="Times New Roman" panose="02020603050405020304" pitchFamily="18" charset="0"/>
+                        </a:rPr>
+                        <a:t>Registo</a:t>
+                      </a:r>
+                    </a:p>
+                  </a:txBody>
+                  <a:tcPr>
+                    <a:lnL w="12700" cap="flat" cmpd="sng" algn="ctr">
+                      <a:solidFill>
+                        <a:schemeClr val="tx1"/>
+                      </a:solidFill>
+                      <a:prstDash val="solid"/>
+                      <a:round/>
+                      <a:headEnd type="none" w="med" len="med"/>
+                      <a:tailEnd type="none" w="med" len="med"/>
+                    </a:lnL>
+                    <a:lnR w="12700" cap="flat" cmpd="sng" algn="ctr">
+                      <a:solidFill>
+                        <a:schemeClr val="tx1"/>
+                      </a:solidFill>
+                      <a:prstDash val="solid"/>
+                      <a:round/>
+                      <a:headEnd type="none" w="med" len="med"/>
+                      <a:tailEnd type="none" w="med" len="med"/>
+                    </a:lnR>
+                    <a:lnT w="12700" cap="flat" cmpd="sng" algn="ctr">
+                      <a:solidFill>
+                        <a:schemeClr val="tx1"/>
+                      </a:solidFill>
+                      <a:prstDash val="solid"/>
+                      <a:round/>
+                      <a:headEnd type="none" w="med" len="med"/>
+                      <a:tailEnd type="none" w="med" len="med"/>
+                    </a:lnT>
+                    <a:lnB w="12700" cap="flat" cmpd="sng" algn="ctr">
+                      <a:solidFill>
+                        <a:schemeClr val="tx1"/>
+                      </a:solidFill>
+                      <a:prstDash val="solid"/>
+                      <a:round/>
+                      <a:headEnd type="none" w="med" len="med"/>
+                      <a:tailEnd type="none" w="med" len="med"/>
+                    </a:lnB>
+                    <a:solidFill>
+                      <a:schemeClr val="bg1"/>
+                    </a:solidFill>
+                  </a:tcPr>
+                </a:tc>
+                <a:tc>
+                  <a:txBody>
+                    <a:bodyPr/>
+                    <a:lstStyle/>
+                    <a:p>
+                      <a:pPr marL="285750" indent="-285750" algn="l">
+                        <a:buFont typeface="Wingdings" panose="05000000000000000000" pitchFamily="2" charset="2"/>
+                        <a:buChar char="ü"/>
+                      </a:pPr>
+                      <a:r>
+                        <a:rPr lang="pt-PT" sz="1800" dirty="0">
+                          <a:latin typeface="Times New Roman" panose="02020603050405020304" pitchFamily="18" charset="0"/>
+                          <a:cs typeface="Times New Roman" panose="02020603050405020304" pitchFamily="18" charset="0"/>
+                        </a:rPr>
+                        <a:t>Layout</a:t>
+                      </a:r>
+                    </a:p>
+                    <a:p>
+                      <a:pPr marL="285750" indent="-285750" algn="l">
+                        <a:buFont typeface="Wingdings" panose="05000000000000000000" pitchFamily="2" charset="2"/>
+                        <a:buChar char="ü"/>
+                      </a:pPr>
+                      <a:r>
+                        <a:rPr lang="pt-PT" sz="1800" dirty="0">
+                          <a:latin typeface="Times New Roman" panose="02020603050405020304" pitchFamily="18" charset="0"/>
+                          <a:cs typeface="Times New Roman" panose="02020603050405020304" pitchFamily="18" charset="0"/>
+                        </a:rPr>
+                        <a:t>Registo na API</a:t>
+                      </a:r>
+                    </a:p>
+                    <a:p>
+                      <a:pPr marL="285750" indent="-285750" algn="l">
+                        <a:buFont typeface="Wingdings" panose="05000000000000000000" pitchFamily="2" charset="2"/>
+                        <a:buChar char="ü"/>
+                      </a:pPr>
+                      <a:r>
+                        <a:rPr lang="pt-PT" sz="1800" dirty="0">
+                          <a:latin typeface="Times New Roman" panose="02020603050405020304" pitchFamily="18" charset="0"/>
+                          <a:cs typeface="Times New Roman" panose="02020603050405020304" pitchFamily="18" charset="0"/>
+                        </a:rPr>
+                        <a:t>Verificação de email/telemóvel</a:t>
+                      </a:r>
+                    </a:p>
+                  </a:txBody>
+                  <a:tcPr>
+                    <a:lnL w="12700" cap="flat" cmpd="sng" algn="ctr">
+                      <a:solidFill>
+                        <a:schemeClr val="tx1"/>
+                      </a:solidFill>
+                      <a:prstDash val="solid"/>
+                      <a:round/>
+                      <a:headEnd type="none" w="med" len="med"/>
+                      <a:tailEnd type="none" w="med" len="med"/>
+                    </a:lnL>
+                    <a:lnR w="12700" cap="flat" cmpd="sng" algn="ctr">
+                      <a:solidFill>
+                        <a:schemeClr val="tx1"/>
+                      </a:solidFill>
+                      <a:prstDash val="solid"/>
+                      <a:round/>
+                      <a:headEnd type="none" w="med" len="med"/>
+                      <a:tailEnd type="none" w="med" len="med"/>
+                    </a:lnR>
+                    <a:lnT w="12700" cap="flat" cmpd="sng" algn="ctr">
+                      <a:solidFill>
+                        <a:schemeClr val="tx1"/>
+                      </a:solidFill>
+                      <a:prstDash val="solid"/>
+                      <a:round/>
+                      <a:headEnd type="none" w="med" len="med"/>
+                      <a:tailEnd type="none" w="med" len="med"/>
+                    </a:lnT>
+                    <a:lnB w="12700" cap="flat" cmpd="sng" algn="ctr">
+                      <a:solidFill>
+                        <a:schemeClr val="tx1"/>
+                      </a:solidFill>
+                      <a:prstDash val="solid"/>
+                      <a:round/>
+                      <a:headEnd type="none" w="med" len="med"/>
+                      <a:tailEnd type="none" w="med" len="med"/>
+                    </a:lnB>
+                    <a:solidFill>
+                      <a:schemeClr val="bg1"/>
+                    </a:solidFill>
+                  </a:tcPr>
+                </a:tc>
+                <a:tc>
+                  <a:txBody>
+                    <a:bodyPr/>
+                    <a:lstStyle/>
+                    <a:p>
+                      <a:pPr algn="ctr"/>
+                      <a:r>
+                        <a:rPr lang="pt-PT" sz="1800" dirty="0">
+                          <a:latin typeface="Times New Roman" panose="02020603050405020304" pitchFamily="18" charset="0"/>
+                          <a:cs typeface="Times New Roman" panose="02020603050405020304" pitchFamily="18" charset="0"/>
+                        </a:rPr>
+                        <a:t>Maria</a:t>
+                      </a:r>
+                    </a:p>
+                    <a:p>
+                      <a:pPr algn="ctr"/>
+                      <a:r>
+                        <a:rPr lang="pt-PT" sz="1800" dirty="0">
+                          <a:latin typeface="Times New Roman" panose="02020603050405020304" pitchFamily="18" charset="0"/>
+                          <a:cs typeface="Times New Roman" panose="02020603050405020304" pitchFamily="18" charset="0"/>
+                        </a:rPr>
+                        <a:t>Diana</a:t>
+                      </a:r>
+                    </a:p>
+                    <a:p>
+                      <a:pPr algn="ctr"/>
+                      <a:r>
+                        <a:rPr lang="pt-PT" sz="1800" dirty="0">
+                          <a:latin typeface="Times New Roman" panose="02020603050405020304" pitchFamily="18" charset="0"/>
+                          <a:cs typeface="Times New Roman" panose="02020603050405020304" pitchFamily="18" charset="0"/>
+                        </a:rPr>
+                        <a:t>Maria</a:t>
+                      </a:r>
+                    </a:p>
+                  </a:txBody>
+                  <a:tcPr>
+                    <a:lnL w="12700" cap="flat" cmpd="sng" algn="ctr">
+                      <a:solidFill>
+                        <a:schemeClr val="tx1"/>
+                      </a:solidFill>
+                      <a:prstDash val="solid"/>
+                      <a:round/>
+                      <a:headEnd type="none" w="med" len="med"/>
+                      <a:tailEnd type="none" w="med" len="med"/>
+                    </a:lnL>
+                    <a:lnR w="12700" cap="flat" cmpd="sng" algn="ctr">
+                      <a:solidFill>
+                        <a:schemeClr val="tx1"/>
+                      </a:solidFill>
+                      <a:prstDash val="solid"/>
+                      <a:round/>
+                      <a:headEnd type="none" w="med" len="med"/>
+                      <a:tailEnd type="none" w="med" len="med"/>
+                    </a:lnR>
+                    <a:lnT w="12700" cap="flat" cmpd="sng" algn="ctr">
+                      <a:solidFill>
+                        <a:schemeClr val="tx1"/>
+                      </a:solidFill>
+                      <a:prstDash val="solid"/>
+                      <a:round/>
+                      <a:headEnd type="none" w="med" len="med"/>
+                      <a:tailEnd type="none" w="med" len="med"/>
+                    </a:lnT>
+                    <a:lnB w="12700" cap="flat" cmpd="sng" algn="ctr">
+                      <a:solidFill>
+                        <a:schemeClr val="tx1"/>
+                      </a:solidFill>
+                      <a:prstDash val="solid"/>
+                      <a:round/>
+                      <a:headEnd type="none" w="med" len="med"/>
+                      <a:tailEnd type="none" w="med" len="med"/>
+                    </a:lnB>
+                    <a:solidFill>
+                      <a:schemeClr val="bg1"/>
+                    </a:solidFill>
+                  </a:tcPr>
+                </a:tc>
+                <a:tc>
+                  <a:txBody>
+                    <a:bodyPr/>
+                    <a:lstStyle/>
+                    <a:p>
+                      <a:pPr algn="ctr"/>
+                      <a:r>
+                        <a:rPr lang="pt-PT" sz="1800" dirty="0">
+                          <a:latin typeface="Times New Roman" panose="02020603050405020304" pitchFamily="18" charset="0"/>
+                          <a:cs typeface="Times New Roman" panose="02020603050405020304" pitchFamily="18" charset="0"/>
+                        </a:rPr>
+                        <a:t>1h</a:t>
+                      </a:r>
+                    </a:p>
+                    <a:p>
+                      <a:pPr algn="ctr"/>
+                      <a:r>
+                        <a:rPr lang="pt-PT" sz="1800" dirty="0">
+                          <a:latin typeface="Times New Roman" panose="02020603050405020304" pitchFamily="18" charset="0"/>
+                          <a:cs typeface="Times New Roman" panose="02020603050405020304" pitchFamily="18" charset="0"/>
+                        </a:rPr>
+                        <a:t>3h</a:t>
+                      </a:r>
+                    </a:p>
+                    <a:p>
+                      <a:pPr algn="ctr"/>
+                      <a:r>
+                        <a:rPr lang="pt-PT" sz="1800" dirty="0">
+                          <a:latin typeface="Times New Roman" panose="02020603050405020304" pitchFamily="18" charset="0"/>
+                          <a:cs typeface="Times New Roman" panose="02020603050405020304" pitchFamily="18" charset="0"/>
+                        </a:rPr>
+                        <a:t>2h</a:t>
+                      </a:r>
+                    </a:p>
+                  </a:txBody>
+                  <a:tcPr>
+                    <a:lnL w="12700" cap="flat" cmpd="sng" algn="ctr">
+                      <a:solidFill>
+                        <a:schemeClr val="tx1"/>
+                      </a:solidFill>
+                      <a:prstDash val="solid"/>
+                      <a:round/>
+                      <a:headEnd type="none" w="med" len="med"/>
+                      <a:tailEnd type="none" w="med" len="med"/>
+                    </a:lnL>
+                    <a:lnR w="12700" cap="flat" cmpd="sng" algn="ctr">
+                      <a:solidFill>
+                        <a:schemeClr val="tx1"/>
+                      </a:solidFill>
+                      <a:prstDash val="solid"/>
+                      <a:round/>
+                      <a:headEnd type="none" w="med" len="med"/>
+                      <a:tailEnd type="none" w="med" len="med"/>
+                    </a:lnR>
+                    <a:lnT w="12700" cap="flat" cmpd="sng" algn="ctr">
+                      <a:solidFill>
+                        <a:schemeClr val="tx1"/>
+                      </a:solidFill>
+                      <a:prstDash val="solid"/>
+                      <a:round/>
+                      <a:headEnd type="none" w="med" len="med"/>
+                      <a:tailEnd type="none" w="med" len="med"/>
+                    </a:lnT>
+                    <a:lnB w="12700" cap="flat" cmpd="sng" algn="ctr">
+                      <a:solidFill>
+                        <a:schemeClr val="tx1"/>
+                      </a:solidFill>
+                      <a:prstDash val="solid"/>
+                      <a:round/>
+                      <a:headEnd type="none" w="med" len="med"/>
+                      <a:tailEnd type="none" w="med" len="med"/>
+                    </a:lnB>
+                    <a:solidFill>
+                      <a:schemeClr val="bg1"/>
+                    </a:solidFill>
+                  </a:tcPr>
+                </a:tc>
+                <a:tc>
+                  <a:txBody>
+                    <a:bodyPr/>
+                    <a:lstStyle/>
+                    <a:p>
+                      <a:pPr algn="ctr"/>
+                      <a:endParaRPr lang="pt-PT" sz="1800" dirty="0">
+                        <a:latin typeface="Times New Roman" panose="02020603050405020304" pitchFamily="18" charset="0"/>
+                        <a:cs typeface="Times New Roman" panose="02020603050405020304" pitchFamily="18" charset="0"/>
+                      </a:endParaRPr>
+                    </a:p>
+                  </a:txBody>
+                  <a:tcPr>
+                    <a:lnL w="12700" cap="flat" cmpd="sng" algn="ctr">
+                      <a:solidFill>
+                        <a:schemeClr val="tx1"/>
+                      </a:solidFill>
+                      <a:prstDash val="solid"/>
+                      <a:round/>
+                      <a:headEnd type="none" w="med" len="med"/>
+                      <a:tailEnd type="none" w="med" len="med"/>
+                    </a:lnL>
+                    <a:lnR w="12700" cap="flat" cmpd="sng" algn="ctr">
+                      <a:solidFill>
+                        <a:schemeClr val="tx1"/>
+                      </a:solidFill>
+                      <a:prstDash val="solid"/>
+                      <a:round/>
+                      <a:headEnd type="none" w="med" len="med"/>
+                      <a:tailEnd type="none" w="med" len="med"/>
+                    </a:lnR>
+                    <a:lnT w="12700" cap="flat" cmpd="sng" algn="ctr">
+                      <a:solidFill>
+                        <a:schemeClr val="tx1"/>
+                      </a:solidFill>
+                      <a:prstDash val="solid"/>
+                      <a:round/>
+                      <a:headEnd type="none" w="med" len="med"/>
+                      <a:tailEnd type="none" w="med" len="med"/>
+                    </a:lnT>
+                    <a:lnB w="12700" cap="flat" cmpd="sng" algn="ctr">
+                      <a:solidFill>
+                        <a:schemeClr val="tx1"/>
+                      </a:solidFill>
+                      <a:prstDash val="solid"/>
+                      <a:round/>
+                      <a:headEnd type="none" w="med" len="med"/>
+                      <a:tailEnd type="none" w="med" len="med"/>
+                    </a:lnB>
+                    <a:solidFill>
+                      <a:schemeClr val="bg1"/>
+                    </a:solidFill>
+                  </a:tcPr>
+                </a:tc>
+                <a:extLst>
+                  <a:ext uri="{0D108BD9-81ED-4DB2-BD59-A6C34878D82A}">
+                    <a16:rowId xmlns:a16="http://schemas.microsoft.com/office/drawing/2014/main" val="3636893808"/>
+                  </a:ext>
+                </a:extLst>
+              </a:tr>
+              <a:tr h="370840">
+                <a:tc>
+                  <a:txBody>
+                    <a:bodyPr/>
+                    <a:lstStyle/>
+                    <a:p>
+                      <a:pPr algn="ctr"/>
+                      <a:endParaRPr lang="pt-PT" sz="1800" b="0" u="sng" dirty="0">
+                        <a:latin typeface="Times New Roman" panose="02020603050405020304" pitchFamily="18" charset="0"/>
+                        <a:cs typeface="Times New Roman" panose="02020603050405020304" pitchFamily="18" charset="0"/>
+                      </a:endParaRPr>
+                    </a:p>
+                    <a:p>
+                      <a:pPr algn="ctr"/>
+                      <a:r>
+                        <a:rPr lang="pt-PT" sz="1800" b="0" u="sng" dirty="0">
+                          <a:latin typeface="Times New Roman" panose="02020603050405020304" pitchFamily="18" charset="0"/>
+                          <a:cs typeface="Times New Roman" panose="02020603050405020304" pitchFamily="18" charset="0"/>
+                        </a:rPr>
+                        <a:t>Menu Principal</a:t>
+                      </a:r>
+                    </a:p>
+                  </a:txBody>
+                  <a:tcPr>
+                    <a:lnL w="12700" cap="flat" cmpd="sng" algn="ctr">
+                      <a:solidFill>
+                        <a:schemeClr val="tx1"/>
+                      </a:solidFill>
+                      <a:prstDash val="solid"/>
+                      <a:round/>
+                      <a:headEnd type="none" w="med" len="med"/>
+                      <a:tailEnd type="none" w="med" len="med"/>
+                    </a:lnL>
+                    <a:lnR w="12700" cap="flat" cmpd="sng" algn="ctr">
+                      <a:solidFill>
+                        <a:schemeClr val="tx1"/>
+                      </a:solidFill>
+                      <a:prstDash val="solid"/>
+                      <a:round/>
+                      <a:headEnd type="none" w="med" len="med"/>
+                      <a:tailEnd type="none" w="med" len="med"/>
+                    </a:lnR>
+                    <a:lnT w="12700" cap="flat" cmpd="sng" algn="ctr">
+                      <a:solidFill>
+                        <a:schemeClr val="tx1"/>
+                      </a:solidFill>
+                      <a:prstDash val="solid"/>
+                      <a:round/>
+                      <a:headEnd type="none" w="med" len="med"/>
+                      <a:tailEnd type="none" w="med" len="med"/>
+                    </a:lnT>
+                    <a:lnB w="12700" cap="flat" cmpd="sng" algn="ctr">
+                      <a:solidFill>
+                        <a:schemeClr val="tx1"/>
+                      </a:solidFill>
+                      <a:prstDash val="solid"/>
+                      <a:round/>
+                      <a:headEnd type="none" w="med" len="med"/>
+                      <a:tailEnd type="none" w="med" len="med"/>
+                    </a:lnB>
+                    <a:solidFill>
+                      <a:schemeClr val="bg1"/>
+                    </a:solidFill>
+                  </a:tcPr>
+                </a:tc>
+                <a:tc>
+                  <a:txBody>
+                    <a:bodyPr/>
+                    <a:lstStyle/>
+                    <a:p>
+                      <a:pPr marL="285750" indent="-285750" algn="l">
+                        <a:buFont typeface="Wingdings" panose="05000000000000000000" pitchFamily="2" charset="2"/>
+                        <a:buChar char="ü"/>
+                      </a:pPr>
+                      <a:r>
+                        <a:rPr lang="pt-PT" sz="1800" dirty="0">
+                          <a:latin typeface="Times New Roman" panose="02020603050405020304" pitchFamily="18" charset="0"/>
+                          <a:cs typeface="Times New Roman" panose="02020603050405020304" pitchFamily="18" charset="0"/>
+                        </a:rPr>
+                        <a:t>Layout</a:t>
+                      </a:r>
+                    </a:p>
+                    <a:p>
+                      <a:pPr marL="285750" indent="-285750" algn="l">
+                        <a:buFont typeface="Wingdings" panose="05000000000000000000" pitchFamily="2" charset="2"/>
+                        <a:buChar char="ü"/>
+                      </a:pPr>
+                      <a:r>
+                        <a:rPr lang="pt-PT" sz="1800" dirty="0">
+                          <a:latin typeface="Times New Roman" panose="02020603050405020304" pitchFamily="18" charset="0"/>
+                          <a:cs typeface="Times New Roman" panose="02020603050405020304" pitchFamily="18" charset="0"/>
+                        </a:rPr>
+                        <a:t>Implementação das opções do menu</a:t>
+                      </a:r>
+                    </a:p>
+                  </a:txBody>
+                  <a:tcPr>
+                    <a:lnL w="12700" cap="flat" cmpd="sng" algn="ctr">
+                      <a:solidFill>
+                        <a:schemeClr val="tx1"/>
+                      </a:solidFill>
+                      <a:prstDash val="solid"/>
+                      <a:round/>
+                      <a:headEnd type="none" w="med" len="med"/>
+                      <a:tailEnd type="none" w="med" len="med"/>
+                    </a:lnL>
+                    <a:lnR w="12700" cap="flat" cmpd="sng" algn="ctr">
+                      <a:solidFill>
+                        <a:schemeClr val="tx1"/>
+                      </a:solidFill>
+                      <a:prstDash val="solid"/>
+                      <a:round/>
+                      <a:headEnd type="none" w="med" len="med"/>
+                      <a:tailEnd type="none" w="med" len="med"/>
+                    </a:lnR>
+                    <a:lnT w="12700" cap="flat" cmpd="sng" algn="ctr">
+                      <a:solidFill>
+                        <a:schemeClr val="tx1"/>
+                      </a:solidFill>
+                      <a:prstDash val="solid"/>
+                      <a:round/>
+                      <a:headEnd type="none" w="med" len="med"/>
+                      <a:tailEnd type="none" w="med" len="med"/>
+                    </a:lnT>
+                    <a:lnB w="12700" cap="flat" cmpd="sng" algn="ctr">
+                      <a:solidFill>
+                        <a:schemeClr val="tx1"/>
+                      </a:solidFill>
+                      <a:prstDash val="solid"/>
+                      <a:round/>
+                      <a:headEnd type="none" w="med" len="med"/>
+                      <a:tailEnd type="none" w="med" len="med"/>
+                    </a:lnB>
+                    <a:solidFill>
+                      <a:schemeClr val="bg1"/>
+                    </a:solidFill>
+                  </a:tcPr>
+                </a:tc>
+                <a:tc>
+                  <a:txBody>
+                    <a:bodyPr/>
+                    <a:lstStyle/>
+                    <a:p>
+                      <a:pPr algn="ctr"/>
+                      <a:r>
+                        <a:rPr lang="pt-PT" sz="1800" dirty="0">
+                          <a:latin typeface="Times New Roman" panose="02020603050405020304" pitchFamily="18" charset="0"/>
+                          <a:cs typeface="Times New Roman" panose="02020603050405020304" pitchFamily="18" charset="0"/>
+                        </a:rPr>
+                        <a:t>Diana</a:t>
+                      </a:r>
+                    </a:p>
+                    <a:p>
+                      <a:pPr algn="ctr"/>
+                      <a:r>
+                        <a:rPr lang="pt-PT" sz="1800" dirty="0">
+                          <a:latin typeface="Times New Roman" panose="02020603050405020304" pitchFamily="18" charset="0"/>
+                          <a:cs typeface="Times New Roman" panose="02020603050405020304" pitchFamily="18" charset="0"/>
+                        </a:rPr>
+                        <a:t>Maria</a:t>
+                      </a:r>
+                    </a:p>
+                  </a:txBody>
+                  <a:tcPr>
+                    <a:lnL w="12700" cap="flat" cmpd="sng" algn="ctr">
+                      <a:solidFill>
+                        <a:schemeClr val="tx1"/>
+                      </a:solidFill>
+                      <a:prstDash val="solid"/>
+                      <a:round/>
+                      <a:headEnd type="none" w="med" len="med"/>
+                      <a:tailEnd type="none" w="med" len="med"/>
+                    </a:lnL>
+                    <a:lnR w="12700" cap="flat" cmpd="sng" algn="ctr">
+                      <a:solidFill>
+                        <a:schemeClr val="tx1"/>
+                      </a:solidFill>
+                      <a:prstDash val="solid"/>
+                      <a:round/>
+                      <a:headEnd type="none" w="med" len="med"/>
+                      <a:tailEnd type="none" w="med" len="med"/>
+                    </a:lnR>
+                    <a:lnT w="12700" cap="flat" cmpd="sng" algn="ctr">
+                      <a:solidFill>
+                        <a:schemeClr val="tx1"/>
+                      </a:solidFill>
+                      <a:prstDash val="solid"/>
+                      <a:round/>
+                      <a:headEnd type="none" w="med" len="med"/>
+                      <a:tailEnd type="none" w="med" len="med"/>
+                    </a:lnT>
+                    <a:lnB w="12700" cap="flat" cmpd="sng" algn="ctr">
+                      <a:solidFill>
+                        <a:schemeClr val="tx1"/>
+                      </a:solidFill>
+                      <a:prstDash val="solid"/>
+                      <a:round/>
+                      <a:headEnd type="none" w="med" len="med"/>
+                      <a:tailEnd type="none" w="med" len="med"/>
+                    </a:lnB>
+                    <a:solidFill>
+                      <a:schemeClr val="bg1"/>
+                    </a:solidFill>
+                  </a:tcPr>
+                </a:tc>
+                <a:tc>
+                  <a:txBody>
+                    <a:bodyPr/>
+                    <a:lstStyle/>
+                    <a:p>
+                      <a:pPr algn="ctr"/>
+                      <a:r>
+                        <a:rPr lang="pt-PT" sz="1800" dirty="0">
+                          <a:latin typeface="Times New Roman" panose="02020603050405020304" pitchFamily="18" charset="0"/>
+                          <a:cs typeface="Times New Roman" panose="02020603050405020304" pitchFamily="18" charset="0"/>
+                        </a:rPr>
+                        <a:t>2h</a:t>
+                      </a:r>
+                    </a:p>
+                    <a:p>
+                      <a:pPr algn="ctr"/>
+                      <a:r>
+                        <a:rPr lang="pt-PT" sz="1800" dirty="0">
+                          <a:latin typeface="Times New Roman" panose="02020603050405020304" pitchFamily="18" charset="0"/>
+                          <a:cs typeface="Times New Roman" panose="02020603050405020304" pitchFamily="18" charset="0"/>
+                        </a:rPr>
+                        <a:t>4h</a:t>
+                      </a:r>
+                    </a:p>
+                  </a:txBody>
+                  <a:tcPr>
+                    <a:lnL w="12700" cap="flat" cmpd="sng" algn="ctr">
+                      <a:solidFill>
+                        <a:schemeClr val="tx1"/>
+                      </a:solidFill>
+                      <a:prstDash val="solid"/>
+                      <a:round/>
+                      <a:headEnd type="none" w="med" len="med"/>
+                      <a:tailEnd type="none" w="med" len="med"/>
+                    </a:lnL>
+                    <a:lnR w="12700" cap="flat" cmpd="sng" algn="ctr">
+                      <a:solidFill>
+                        <a:schemeClr val="tx1"/>
+                      </a:solidFill>
+                      <a:prstDash val="solid"/>
+                      <a:round/>
+                      <a:headEnd type="none" w="med" len="med"/>
+                      <a:tailEnd type="none" w="med" len="med"/>
+                    </a:lnR>
+                    <a:lnT w="12700" cap="flat" cmpd="sng" algn="ctr">
+                      <a:solidFill>
+                        <a:schemeClr val="tx1"/>
+                      </a:solidFill>
+                      <a:prstDash val="solid"/>
+                      <a:round/>
+                      <a:headEnd type="none" w="med" len="med"/>
+                      <a:tailEnd type="none" w="med" len="med"/>
+                    </a:lnT>
+                    <a:lnB w="12700" cap="flat" cmpd="sng" algn="ctr">
+                      <a:solidFill>
+                        <a:schemeClr val="tx1"/>
+                      </a:solidFill>
+                      <a:prstDash val="solid"/>
+                      <a:round/>
+                      <a:headEnd type="none" w="med" len="med"/>
+                      <a:tailEnd type="none" w="med" len="med"/>
+                    </a:lnB>
+                    <a:solidFill>
+                      <a:schemeClr val="bg1"/>
+                    </a:solidFill>
+                  </a:tcPr>
+                </a:tc>
+                <a:tc>
+                  <a:txBody>
+                    <a:bodyPr/>
+                    <a:lstStyle/>
+                    <a:p>
+                      <a:pPr algn="ctr"/>
+                      <a:endParaRPr lang="pt-PT" sz="1800" dirty="0">
+                        <a:latin typeface="Times New Roman" panose="02020603050405020304" pitchFamily="18" charset="0"/>
+                        <a:cs typeface="Times New Roman" panose="02020603050405020304" pitchFamily="18" charset="0"/>
+                      </a:endParaRPr>
+                    </a:p>
+                  </a:txBody>
+                  <a:tcPr>
+                    <a:lnL w="12700" cap="flat" cmpd="sng" algn="ctr">
+                      <a:solidFill>
+                        <a:schemeClr val="tx1"/>
+                      </a:solidFill>
+                      <a:prstDash val="solid"/>
+                      <a:round/>
+                      <a:headEnd type="none" w="med" len="med"/>
+                      <a:tailEnd type="none" w="med" len="med"/>
+                    </a:lnL>
+                    <a:lnR w="12700" cap="flat" cmpd="sng" algn="ctr">
+                      <a:solidFill>
+                        <a:schemeClr val="tx1"/>
+                      </a:solidFill>
+                      <a:prstDash val="solid"/>
+                      <a:round/>
+                      <a:headEnd type="none" w="med" len="med"/>
+                      <a:tailEnd type="none" w="med" len="med"/>
+                    </a:lnR>
+                    <a:lnT w="12700" cap="flat" cmpd="sng" algn="ctr">
+                      <a:solidFill>
+                        <a:schemeClr val="tx1"/>
+                      </a:solidFill>
+                      <a:prstDash val="solid"/>
+                      <a:round/>
+                      <a:headEnd type="none" w="med" len="med"/>
+                      <a:tailEnd type="none" w="med" len="med"/>
+                    </a:lnT>
+                    <a:lnB w="12700" cap="flat" cmpd="sng" algn="ctr">
+                      <a:solidFill>
+                        <a:schemeClr val="tx1"/>
+                      </a:solidFill>
+                      <a:prstDash val="solid"/>
+                      <a:round/>
+                      <a:headEnd type="none" w="med" len="med"/>
+                      <a:tailEnd type="none" w="med" len="med"/>
+                    </a:lnB>
+                    <a:solidFill>
+                      <a:schemeClr val="bg1"/>
+                    </a:solidFill>
+                  </a:tcPr>
+                </a:tc>
+                <a:extLst>
+                  <a:ext uri="{0D108BD9-81ED-4DB2-BD59-A6C34878D82A}">
+                    <a16:rowId xmlns:a16="http://schemas.microsoft.com/office/drawing/2014/main" val="2416201739"/>
+                  </a:ext>
+                </a:extLst>
+              </a:tr>
+              <a:tr h="370840">
+                <a:tc>
+                  <a:txBody>
+                    <a:bodyPr/>
+                    <a:lstStyle/>
+                    <a:p>
+                      <a:pPr algn="ctr"/>
+                      <a:endParaRPr lang="pt-PT" sz="1800" b="0" u="sng" dirty="0">
+                        <a:latin typeface="Times New Roman" panose="02020603050405020304" pitchFamily="18" charset="0"/>
+                        <a:cs typeface="Times New Roman" panose="02020603050405020304" pitchFamily="18" charset="0"/>
+                      </a:endParaRPr>
+                    </a:p>
+                    <a:p>
+                      <a:pPr algn="ctr"/>
+                      <a:r>
+                        <a:rPr lang="pt-PT" sz="1800" b="0" u="sng" dirty="0">
+                          <a:latin typeface="Times New Roman" panose="02020603050405020304" pitchFamily="18" charset="0"/>
+                          <a:cs typeface="Times New Roman" panose="02020603050405020304" pitchFamily="18" charset="0"/>
+                        </a:rPr>
+                        <a:t>Localização</a:t>
+                      </a:r>
+                    </a:p>
+                  </a:txBody>
+                  <a:tcPr>
+                    <a:lnL w="12700" cap="flat" cmpd="sng" algn="ctr">
+                      <a:solidFill>
+                        <a:schemeClr val="tx1"/>
+                      </a:solidFill>
+                      <a:prstDash val="solid"/>
+                      <a:round/>
+                      <a:headEnd type="none" w="med" len="med"/>
+                      <a:tailEnd type="none" w="med" len="med"/>
+                    </a:lnL>
+                    <a:lnR w="12700" cap="flat" cmpd="sng" algn="ctr">
+                      <a:solidFill>
+                        <a:schemeClr val="tx1"/>
+                      </a:solidFill>
+                      <a:prstDash val="solid"/>
+                      <a:round/>
+                      <a:headEnd type="none" w="med" len="med"/>
+                      <a:tailEnd type="none" w="med" len="med"/>
+                    </a:lnR>
+                    <a:lnT w="12700" cap="flat" cmpd="sng" algn="ctr">
+                      <a:solidFill>
+                        <a:schemeClr val="tx1"/>
+                      </a:solidFill>
+                      <a:prstDash val="solid"/>
+                      <a:round/>
+                      <a:headEnd type="none" w="med" len="med"/>
+                      <a:tailEnd type="none" w="med" len="med"/>
+                    </a:lnT>
+                    <a:lnB w="12700" cap="flat" cmpd="sng" algn="ctr">
+                      <a:solidFill>
+                        <a:schemeClr val="tx1"/>
+                      </a:solidFill>
+                      <a:prstDash val="solid"/>
+                      <a:round/>
+                      <a:headEnd type="none" w="med" len="med"/>
+                      <a:tailEnd type="none" w="med" len="med"/>
+                    </a:lnB>
+                    <a:solidFill>
+                      <a:schemeClr val="bg1"/>
+                    </a:solidFill>
+                  </a:tcPr>
+                </a:tc>
+                <a:tc>
+                  <a:txBody>
+                    <a:bodyPr/>
+                    <a:lstStyle/>
+                    <a:p>
+                      <a:pPr marL="285750" indent="-285750" algn="l">
+                        <a:buFont typeface="Wingdings" panose="05000000000000000000" pitchFamily="2" charset="2"/>
+                        <a:buChar char="ü"/>
+                      </a:pPr>
+                      <a:r>
+                        <a:rPr lang="pt-PT" sz="1800" dirty="0">
+                          <a:latin typeface="Times New Roman" panose="02020603050405020304" pitchFamily="18" charset="0"/>
+                          <a:cs typeface="Times New Roman" panose="02020603050405020304" pitchFamily="18" charset="0"/>
+                        </a:rPr>
+                        <a:t>Layout</a:t>
+                      </a:r>
+                    </a:p>
+                    <a:p>
+                      <a:pPr marL="285750" indent="-285750" algn="l">
+                        <a:buFont typeface="Wingdings" panose="05000000000000000000" pitchFamily="2" charset="2"/>
+                        <a:buChar char="ü"/>
+                      </a:pPr>
+                      <a:r>
+                        <a:rPr lang="pt-PT" sz="1800" dirty="0">
+                          <a:latin typeface="Times New Roman" panose="02020603050405020304" pitchFamily="18" charset="0"/>
+                          <a:cs typeface="Times New Roman" panose="02020603050405020304" pitchFamily="18" charset="0"/>
+                        </a:rPr>
+                        <a:t>Exibição e filtração de resultados</a:t>
+                      </a:r>
+                    </a:p>
+                    <a:p>
+                      <a:pPr marL="285750" indent="-285750" algn="l">
+                        <a:buFont typeface="Wingdings" panose="05000000000000000000" pitchFamily="2" charset="2"/>
+                        <a:buChar char="ü"/>
+                      </a:pPr>
+                      <a:r>
+                        <a:rPr lang="pt-PT" sz="1800" dirty="0" err="1">
+                          <a:latin typeface="Times New Roman" panose="02020603050405020304" pitchFamily="18" charset="0"/>
+                          <a:cs typeface="Times New Roman" panose="02020603050405020304" pitchFamily="18" charset="0"/>
+                        </a:rPr>
+                        <a:t>Geolocalização</a:t>
+                      </a:r>
+                      <a:endParaRPr lang="pt-PT" sz="1800" dirty="0">
+                        <a:latin typeface="Times New Roman" panose="02020603050405020304" pitchFamily="18" charset="0"/>
+                        <a:cs typeface="Times New Roman" panose="02020603050405020304" pitchFamily="18" charset="0"/>
+                      </a:endParaRPr>
+                    </a:p>
+                  </a:txBody>
+                  <a:tcPr>
+                    <a:lnL w="12700" cap="flat" cmpd="sng" algn="ctr">
+                      <a:solidFill>
+                        <a:schemeClr val="tx1"/>
+                      </a:solidFill>
+                      <a:prstDash val="solid"/>
+                      <a:round/>
+                      <a:headEnd type="none" w="med" len="med"/>
+                      <a:tailEnd type="none" w="med" len="med"/>
+                    </a:lnL>
+                    <a:lnR w="12700" cap="flat" cmpd="sng" algn="ctr">
+                      <a:solidFill>
+                        <a:schemeClr val="tx1"/>
+                      </a:solidFill>
+                      <a:prstDash val="solid"/>
+                      <a:round/>
+                      <a:headEnd type="none" w="med" len="med"/>
+                      <a:tailEnd type="none" w="med" len="med"/>
+                    </a:lnR>
+                    <a:lnT w="12700" cap="flat" cmpd="sng" algn="ctr">
+                      <a:solidFill>
+                        <a:schemeClr val="tx1"/>
+                      </a:solidFill>
+                      <a:prstDash val="solid"/>
+                      <a:round/>
+                      <a:headEnd type="none" w="med" len="med"/>
+                      <a:tailEnd type="none" w="med" len="med"/>
+                    </a:lnT>
+                    <a:lnB w="12700" cap="flat" cmpd="sng" algn="ctr">
+                      <a:solidFill>
+                        <a:schemeClr val="tx1"/>
+                      </a:solidFill>
+                      <a:prstDash val="solid"/>
+                      <a:round/>
+                      <a:headEnd type="none" w="med" len="med"/>
+                      <a:tailEnd type="none" w="med" len="med"/>
+                    </a:lnB>
+                    <a:solidFill>
+                      <a:schemeClr val="bg1"/>
+                    </a:solidFill>
+                  </a:tcPr>
+                </a:tc>
+                <a:tc>
+                  <a:txBody>
+                    <a:bodyPr/>
+                    <a:lstStyle/>
+                    <a:p>
+                      <a:pPr algn="ctr"/>
+                      <a:r>
+                        <a:rPr lang="pt-PT" sz="1800" dirty="0">
+                          <a:latin typeface="Times New Roman" panose="02020603050405020304" pitchFamily="18" charset="0"/>
+                          <a:cs typeface="Times New Roman" panose="02020603050405020304" pitchFamily="18" charset="0"/>
+                        </a:rPr>
+                        <a:t>Diana</a:t>
+                      </a:r>
+                    </a:p>
+                    <a:p>
+                      <a:pPr algn="ctr"/>
+                      <a:r>
+                        <a:rPr lang="pt-PT" sz="1800" dirty="0">
+                          <a:latin typeface="Times New Roman" panose="02020603050405020304" pitchFamily="18" charset="0"/>
+                          <a:cs typeface="Times New Roman" panose="02020603050405020304" pitchFamily="18" charset="0"/>
+                        </a:rPr>
+                        <a:t>Diana</a:t>
+                      </a:r>
+                    </a:p>
+                    <a:p>
+                      <a:pPr algn="ctr"/>
+                      <a:r>
+                        <a:rPr lang="pt-PT" sz="1800" dirty="0">
+                          <a:latin typeface="Times New Roman" panose="02020603050405020304" pitchFamily="18" charset="0"/>
+                          <a:cs typeface="Times New Roman" panose="02020603050405020304" pitchFamily="18" charset="0"/>
+                        </a:rPr>
+                        <a:t>Maria</a:t>
+                      </a:r>
+                    </a:p>
+                  </a:txBody>
+                  <a:tcPr>
+                    <a:lnL w="12700" cap="flat" cmpd="sng" algn="ctr">
+                      <a:solidFill>
+                        <a:schemeClr val="tx1"/>
+                      </a:solidFill>
+                      <a:prstDash val="solid"/>
+                      <a:round/>
+                      <a:headEnd type="none" w="med" len="med"/>
+                      <a:tailEnd type="none" w="med" len="med"/>
+                    </a:lnL>
+                    <a:lnR w="12700" cap="flat" cmpd="sng" algn="ctr">
+                      <a:solidFill>
+                        <a:schemeClr val="tx1"/>
+                      </a:solidFill>
+                      <a:prstDash val="solid"/>
+                      <a:round/>
+                      <a:headEnd type="none" w="med" len="med"/>
+                      <a:tailEnd type="none" w="med" len="med"/>
+                    </a:lnR>
+                    <a:lnT w="12700" cap="flat" cmpd="sng" algn="ctr">
+                      <a:solidFill>
+                        <a:schemeClr val="tx1"/>
+                      </a:solidFill>
+                      <a:prstDash val="solid"/>
+                      <a:round/>
+                      <a:headEnd type="none" w="med" len="med"/>
+                      <a:tailEnd type="none" w="med" len="med"/>
+                    </a:lnT>
+                    <a:lnB w="12700" cap="flat" cmpd="sng" algn="ctr">
+                      <a:solidFill>
+                        <a:schemeClr val="tx1"/>
+                      </a:solidFill>
+                      <a:prstDash val="solid"/>
+                      <a:round/>
+                      <a:headEnd type="none" w="med" len="med"/>
+                      <a:tailEnd type="none" w="med" len="med"/>
+                    </a:lnB>
+                    <a:solidFill>
+                      <a:schemeClr val="bg1"/>
+                    </a:solidFill>
+                  </a:tcPr>
+                </a:tc>
+                <a:tc>
+                  <a:txBody>
+                    <a:bodyPr/>
+                    <a:lstStyle/>
+                    <a:p>
+                      <a:pPr algn="ctr"/>
+                      <a:r>
+                        <a:rPr lang="pt-PT" sz="1800" dirty="0">
+                          <a:latin typeface="Times New Roman" panose="02020603050405020304" pitchFamily="18" charset="0"/>
+                          <a:cs typeface="Times New Roman" panose="02020603050405020304" pitchFamily="18" charset="0"/>
+                        </a:rPr>
+                        <a:t>1h</a:t>
+                      </a:r>
+                    </a:p>
+                    <a:p>
+                      <a:pPr algn="ctr"/>
+                      <a:r>
+                        <a:rPr lang="pt-PT" sz="1800" dirty="0">
+                          <a:latin typeface="Times New Roman" panose="02020603050405020304" pitchFamily="18" charset="0"/>
+                          <a:cs typeface="Times New Roman" panose="02020603050405020304" pitchFamily="18" charset="0"/>
+                        </a:rPr>
+                        <a:t>3h</a:t>
+                      </a:r>
+                    </a:p>
+                    <a:p>
+                      <a:pPr algn="ctr"/>
+                      <a:r>
+                        <a:rPr lang="pt-PT" sz="1800" dirty="0">
+                          <a:latin typeface="Times New Roman" panose="02020603050405020304" pitchFamily="18" charset="0"/>
+                          <a:cs typeface="Times New Roman" panose="02020603050405020304" pitchFamily="18" charset="0"/>
+                        </a:rPr>
+                        <a:t>2h</a:t>
+                      </a:r>
+                    </a:p>
+                  </a:txBody>
+                  <a:tcPr>
+                    <a:lnL w="12700" cap="flat" cmpd="sng" algn="ctr">
+                      <a:solidFill>
+                        <a:schemeClr val="tx1"/>
+                      </a:solidFill>
+                      <a:prstDash val="solid"/>
+                      <a:round/>
+                      <a:headEnd type="none" w="med" len="med"/>
+                      <a:tailEnd type="none" w="med" len="med"/>
+                    </a:lnL>
+                    <a:lnR w="12700" cap="flat" cmpd="sng" algn="ctr">
+                      <a:solidFill>
+                        <a:schemeClr val="tx1"/>
+                      </a:solidFill>
+                      <a:prstDash val="solid"/>
+                      <a:round/>
+                      <a:headEnd type="none" w="med" len="med"/>
+                      <a:tailEnd type="none" w="med" len="med"/>
+                    </a:lnR>
+                    <a:lnT w="12700" cap="flat" cmpd="sng" algn="ctr">
+                      <a:solidFill>
+                        <a:schemeClr val="tx1"/>
+                      </a:solidFill>
+                      <a:prstDash val="solid"/>
+                      <a:round/>
+                      <a:headEnd type="none" w="med" len="med"/>
+                      <a:tailEnd type="none" w="med" len="med"/>
+                    </a:lnT>
+                    <a:lnB w="12700" cap="flat" cmpd="sng" algn="ctr">
+                      <a:solidFill>
+                        <a:schemeClr val="tx1"/>
+                      </a:solidFill>
+                      <a:prstDash val="solid"/>
+                      <a:round/>
+                      <a:headEnd type="none" w="med" len="med"/>
+                      <a:tailEnd type="none" w="med" len="med"/>
+                    </a:lnB>
+                    <a:solidFill>
+                      <a:schemeClr val="bg1"/>
+                    </a:solidFill>
+                  </a:tcPr>
+                </a:tc>
+                <a:tc>
+                  <a:txBody>
+                    <a:bodyPr/>
+                    <a:lstStyle/>
+                    <a:p>
+                      <a:pPr algn="ctr"/>
+                      <a:endParaRPr lang="pt-PT" sz="1800" dirty="0">
+                        <a:latin typeface="Times New Roman" panose="02020603050405020304" pitchFamily="18" charset="0"/>
+                        <a:cs typeface="Times New Roman" panose="02020603050405020304" pitchFamily="18" charset="0"/>
+                      </a:endParaRPr>
+                    </a:p>
+                  </a:txBody>
+                  <a:tcPr>
+                    <a:lnL w="12700" cap="flat" cmpd="sng" algn="ctr">
+                      <a:solidFill>
+                        <a:schemeClr val="tx1"/>
+                      </a:solidFill>
+                      <a:prstDash val="solid"/>
+                      <a:round/>
+                      <a:headEnd type="none" w="med" len="med"/>
+                      <a:tailEnd type="none" w="med" len="med"/>
+                    </a:lnL>
+                    <a:lnR w="12700" cap="flat" cmpd="sng" algn="ctr">
+                      <a:solidFill>
+                        <a:schemeClr val="tx1"/>
+                      </a:solidFill>
+                      <a:prstDash val="solid"/>
+                      <a:round/>
+                      <a:headEnd type="none" w="med" len="med"/>
+                      <a:tailEnd type="none" w="med" len="med"/>
+                    </a:lnR>
+                    <a:lnT w="12700" cap="flat" cmpd="sng" algn="ctr">
+                      <a:solidFill>
+                        <a:schemeClr val="tx1"/>
+                      </a:solidFill>
+                      <a:prstDash val="solid"/>
+                      <a:round/>
+                      <a:headEnd type="none" w="med" len="med"/>
+                      <a:tailEnd type="none" w="med" len="med"/>
+                    </a:lnT>
+                    <a:lnB w="12700" cap="flat" cmpd="sng" algn="ctr">
+                      <a:solidFill>
+                        <a:schemeClr val="tx1"/>
+                      </a:solidFill>
+                      <a:prstDash val="solid"/>
+                      <a:round/>
+                      <a:headEnd type="none" w="med" len="med"/>
+                      <a:tailEnd type="none" w="med" len="med"/>
+                    </a:lnB>
+                    <a:solidFill>
+                      <a:schemeClr val="bg1"/>
+                    </a:solidFill>
+                  </a:tcPr>
+                </a:tc>
+                <a:extLst>
+                  <a:ext uri="{0D108BD9-81ED-4DB2-BD59-A6C34878D82A}">
+                    <a16:rowId xmlns:a16="http://schemas.microsoft.com/office/drawing/2014/main" val="1261382594"/>
+                  </a:ext>
+                </a:extLst>
+              </a:tr>
+              <a:tr h="370840">
+                <a:tc>
+                  <a:txBody>
+                    <a:bodyPr/>
+                    <a:lstStyle/>
+                    <a:p>
+                      <a:pPr algn="ctr"/>
+                      <a:endParaRPr lang="pt-PT" sz="1800" b="0" u="sng" dirty="0">
+                        <a:latin typeface="Times New Roman" panose="02020603050405020304" pitchFamily="18" charset="0"/>
+                        <a:cs typeface="Times New Roman" panose="02020603050405020304" pitchFamily="18" charset="0"/>
+                      </a:endParaRPr>
+                    </a:p>
+                    <a:p>
+                      <a:pPr algn="ctr"/>
+                      <a:r>
+                        <a:rPr lang="pt-PT" sz="1800" b="0" u="sng" dirty="0">
+                          <a:latin typeface="Times New Roman" panose="02020603050405020304" pitchFamily="18" charset="0"/>
+                          <a:cs typeface="Times New Roman" panose="02020603050405020304" pitchFamily="18" charset="0"/>
+                        </a:rPr>
+                        <a:t>Favoritos</a:t>
+                      </a:r>
+                    </a:p>
+                  </a:txBody>
+                  <a:tcPr>
+                    <a:lnL w="12700" cap="flat" cmpd="sng" algn="ctr">
+                      <a:solidFill>
+                        <a:schemeClr val="tx1"/>
+                      </a:solidFill>
+                      <a:prstDash val="solid"/>
+                      <a:round/>
+                      <a:headEnd type="none" w="med" len="med"/>
+                      <a:tailEnd type="none" w="med" len="med"/>
+                    </a:lnL>
+                    <a:lnR w="12700" cap="flat" cmpd="sng" algn="ctr">
+                      <a:solidFill>
+                        <a:schemeClr val="tx1"/>
+                      </a:solidFill>
+                      <a:prstDash val="solid"/>
+                      <a:round/>
+                      <a:headEnd type="none" w="med" len="med"/>
+                      <a:tailEnd type="none" w="med" len="med"/>
+                    </a:lnR>
+                    <a:lnT w="12700" cap="flat" cmpd="sng" algn="ctr">
+                      <a:solidFill>
+                        <a:schemeClr val="tx1"/>
+                      </a:solidFill>
+                      <a:prstDash val="solid"/>
+                      <a:round/>
+                      <a:headEnd type="none" w="med" len="med"/>
+                      <a:tailEnd type="none" w="med" len="med"/>
+                    </a:lnT>
+                    <a:lnB w="12700" cap="flat" cmpd="sng" algn="ctr">
+                      <a:solidFill>
+                        <a:schemeClr val="tx1"/>
+                      </a:solidFill>
+                      <a:prstDash val="solid"/>
+                      <a:round/>
+                      <a:headEnd type="none" w="med" len="med"/>
+                      <a:tailEnd type="none" w="med" len="med"/>
+                    </a:lnB>
+                    <a:solidFill>
+                      <a:schemeClr val="bg1"/>
+                    </a:solidFill>
+                  </a:tcPr>
+                </a:tc>
+                <a:tc>
+                  <a:txBody>
+                    <a:bodyPr/>
+                    <a:lstStyle/>
+                    <a:p>
+                      <a:pPr marL="285750" indent="-285750" algn="l">
+                        <a:buFont typeface="Wingdings" panose="05000000000000000000" pitchFamily="2" charset="2"/>
+                        <a:buChar char="ü"/>
+                      </a:pPr>
+                      <a:r>
+                        <a:rPr lang="pt-PT" sz="1800" dirty="0">
+                          <a:latin typeface="Times New Roman" panose="02020603050405020304" pitchFamily="18" charset="0"/>
+                          <a:cs typeface="Times New Roman" panose="02020603050405020304" pitchFamily="18" charset="0"/>
+                        </a:rPr>
+                        <a:t>Layout</a:t>
+                      </a:r>
+                    </a:p>
+                    <a:p>
+                      <a:pPr marL="285750" indent="-285750" algn="l">
+                        <a:buFont typeface="Wingdings" panose="05000000000000000000" pitchFamily="2" charset="2"/>
+                        <a:buChar char="ü"/>
+                      </a:pPr>
+                      <a:r>
+                        <a:rPr lang="pt-PT" sz="1800" dirty="0">
+                          <a:latin typeface="Times New Roman" panose="02020603050405020304" pitchFamily="18" charset="0"/>
+                          <a:cs typeface="Times New Roman" panose="02020603050405020304" pitchFamily="18" charset="0"/>
+                        </a:rPr>
+                        <a:t>Adicionar funcionalidade favoritos</a:t>
+                      </a:r>
+                    </a:p>
+                  </a:txBody>
+                  <a:tcPr>
+                    <a:lnL w="12700" cap="flat" cmpd="sng" algn="ctr">
+                      <a:solidFill>
+                        <a:schemeClr val="tx1"/>
+                      </a:solidFill>
+                      <a:prstDash val="solid"/>
+                      <a:round/>
+                      <a:headEnd type="none" w="med" len="med"/>
+                      <a:tailEnd type="none" w="med" len="med"/>
+                    </a:lnL>
+                    <a:lnR w="12700" cap="flat" cmpd="sng" algn="ctr">
+                      <a:solidFill>
+                        <a:schemeClr val="tx1"/>
+                      </a:solidFill>
+                      <a:prstDash val="solid"/>
+                      <a:round/>
+                      <a:headEnd type="none" w="med" len="med"/>
+                      <a:tailEnd type="none" w="med" len="med"/>
+                    </a:lnR>
+                    <a:lnT w="12700" cap="flat" cmpd="sng" algn="ctr">
+                      <a:solidFill>
+                        <a:schemeClr val="tx1"/>
+                      </a:solidFill>
+                      <a:prstDash val="solid"/>
+                      <a:round/>
+                      <a:headEnd type="none" w="med" len="med"/>
+                      <a:tailEnd type="none" w="med" len="med"/>
+                    </a:lnT>
+                    <a:lnB w="12700" cap="flat" cmpd="sng" algn="ctr">
+                      <a:solidFill>
+                        <a:schemeClr val="tx1"/>
+                      </a:solidFill>
+                      <a:prstDash val="solid"/>
+                      <a:round/>
+                      <a:headEnd type="none" w="med" len="med"/>
+                      <a:tailEnd type="none" w="med" len="med"/>
+                    </a:lnB>
+                    <a:solidFill>
+                      <a:schemeClr val="bg1"/>
+                    </a:solidFill>
+                  </a:tcPr>
+                </a:tc>
+                <a:tc>
+                  <a:txBody>
+                    <a:bodyPr/>
+                    <a:lstStyle/>
+                    <a:p>
+                      <a:pPr algn="ctr"/>
+                      <a:r>
+                        <a:rPr lang="pt-PT" sz="1800" dirty="0">
+                          <a:latin typeface="Times New Roman" panose="02020603050405020304" pitchFamily="18" charset="0"/>
+                          <a:cs typeface="Times New Roman" panose="02020603050405020304" pitchFamily="18" charset="0"/>
+                        </a:rPr>
+                        <a:t>Diana</a:t>
+                      </a:r>
+                    </a:p>
+                    <a:p>
+                      <a:pPr algn="ctr"/>
+                      <a:r>
+                        <a:rPr lang="pt-PT" sz="1800" dirty="0">
+                          <a:latin typeface="Times New Roman" panose="02020603050405020304" pitchFamily="18" charset="0"/>
+                          <a:cs typeface="Times New Roman" panose="02020603050405020304" pitchFamily="18" charset="0"/>
+                        </a:rPr>
+                        <a:t>Maria</a:t>
+                      </a:r>
+                    </a:p>
+                  </a:txBody>
+                  <a:tcPr>
+                    <a:lnL w="12700" cap="flat" cmpd="sng" algn="ctr">
+                      <a:solidFill>
+                        <a:schemeClr val="tx1"/>
+                      </a:solidFill>
+                      <a:prstDash val="solid"/>
+                      <a:round/>
+                      <a:headEnd type="none" w="med" len="med"/>
+                      <a:tailEnd type="none" w="med" len="med"/>
+                    </a:lnL>
+                    <a:lnR w="12700" cap="flat" cmpd="sng" algn="ctr">
+                      <a:solidFill>
+                        <a:schemeClr val="tx1"/>
+                      </a:solidFill>
+                      <a:prstDash val="solid"/>
+                      <a:round/>
+                      <a:headEnd type="none" w="med" len="med"/>
+                      <a:tailEnd type="none" w="med" len="med"/>
+                    </a:lnR>
+                    <a:lnT w="12700" cap="flat" cmpd="sng" algn="ctr">
+                      <a:solidFill>
+                        <a:schemeClr val="tx1"/>
+                      </a:solidFill>
+                      <a:prstDash val="solid"/>
+                      <a:round/>
+                      <a:headEnd type="none" w="med" len="med"/>
+                      <a:tailEnd type="none" w="med" len="med"/>
+                    </a:lnT>
+                    <a:lnB w="12700" cap="flat" cmpd="sng" algn="ctr">
+                      <a:solidFill>
+                        <a:schemeClr val="tx1"/>
+                      </a:solidFill>
+                      <a:prstDash val="solid"/>
+                      <a:round/>
+                      <a:headEnd type="none" w="med" len="med"/>
+                      <a:tailEnd type="none" w="med" len="med"/>
+                    </a:lnB>
+                    <a:solidFill>
+                      <a:schemeClr val="bg1"/>
+                    </a:solidFill>
+                  </a:tcPr>
+                </a:tc>
+                <a:tc>
+                  <a:txBody>
+                    <a:bodyPr/>
+                    <a:lstStyle/>
+                    <a:p>
+                      <a:pPr algn="ctr"/>
+                      <a:r>
+                        <a:rPr lang="pt-PT" sz="1800" dirty="0">
+                          <a:latin typeface="Times New Roman" panose="02020603050405020304" pitchFamily="18" charset="0"/>
+                          <a:cs typeface="Times New Roman" panose="02020603050405020304" pitchFamily="18" charset="0"/>
+                        </a:rPr>
+                        <a:t>1h</a:t>
+                      </a:r>
+                    </a:p>
+                    <a:p>
+                      <a:pPr algn="ctr"/>
+                      <a:r>
+                        <a:rPr lang="pt-PT" sz="1800" dirty="0">
+                          <a:latin typeface="Times New Roman" panose="02020603050405020304" pitchFamily="18" charset="0"/>
+                          <a:cs typeface="Times New Roman" panose="02020603050405020304" pitchFamily="18" charset="0"/>
+                        </a:rPr>
+                        <a:t>2h</a:t>
+                      </a:r>
+                    </a:p>
+                  </a:txBody>
+                  <a:tcPr>
+                    <a:lnL w="12700" cap="flat" cmpd="sng" algn="ctr">
+                      <a:solidFill>
+                        <a:schemeClr val="tx1"/>
+                      </a:solidFill>
+                      <a:prstDash val="solid"/>
+                      <a:round/>
+                      <a:headEnd type="none" w="med" len="med"/>
+                      <a:tailEnd type="none" w="med" len="med"/>
+                    </a:lnL>
+                    <a:lnR w="12700" cap="flat" cmpd="sng" algn="ctr">
+                      <a:solidFill>
+                        <a:schemeClr val="tx1"/>
+                      </a:solidFill>
+                      <a:prstDash val="solid"/>
+                      <a:round/>
+                      <a:headEnd type="none" w="med" len="med"/>
+                      <a:tailEnd type="none" w="med" len="med"/>
+                    </a:lnR>
+                    <a:lnT w="12700" cap="flat" cmpd="sng" algn="ctr">
+                      <a:solidFill>
+                        <a:schemeClr val="tx1"/>
+                      </a:solidFill>
+                      <a:prstDash val="solid"/>
+                      <a:round/>
+                      <a:headEnd type="none" w="med" len="med"/>
+                      <a:tailEnd type="none" w="med" len="med"/>
+                    </a:lnT>
+                    <a:lnB w="12700" cap="flat" cmpd="sng" algn="ctr">
+                      <a:solidFill>
+                        <a:schemeClr val="tx1"/>
+                      </a:solidFill>
+                      <a:prstDash val="solid"/>
+                      <a:round/>
+                      <a:headEnd type="none" w="med" len="med"/>
+                      <a:tailEnd type="none" w="med" len="med"/>
+                    </a:lnB>
+                    <a:solidFill>
+                      <a:schemeClr val="bg1"/>
+                    </a:solidFill>
+                  </a:tcPr>
+                </a:tc>
+                <a:tc>
+                  <a:txBody>
+                    <a:bodyPr/>
+                    <a:lstStyle/>
+                    <a:p>
+                      <a:pPr algn="ctr"/>
+                      <a:endParaRPr lang="pt-PT" sz="1800" dirty="0">
+                        <a:latin typeface="Times New Roman" panose="02020603050405020304" pitchFamily="18" charset="0"/>
+                        <a:cs typeface="Times New Roman" panose="02020603050405020304" pitchFamily="18" charset="0"/>
+                      </a:endParaRPr>
+                    </a:p>
+                  </a:txBody>
+                  <a:tcPr>
+                    <a:lnL w="12700" cap="flat" cmpd="sng" algn="ctr">
+                      <a:solidFill>
+                        <a:schemeClr val="tx1"/>
+                      </a:solidFill>
+                      <a:prstDash val="solid"/>
+                      <a:round/>
+                      <a:headEnd type="none" w="med" len="med"/>
+                      <a:tailEnd type="none" w="med" len="med"/>
+                    </a:lnL>
+                    <a:lnR w="12700" cap="flat" cmpd="sng" algn="ctr">
+                      <a:solidFill>
+                        <a:schemeClr val="tx1"/>
+                      </a:solidFill>
+                      <a:prstDash val="solid"/>
+                      <a:round/>
+                      <a:headEnd type="none" w="med" len="med"/>
+                      <a:tailEnd type="none" w="med" len="med"/>
+                    </a:lnR>
+                    <a:lnT w="12700" cap="flat" cmpd="sng" algn="ctr">
+                      <a:solidFill>
+                        <a:schemeClr val="tx1"/>
+                      </a:solidFill>
+                      <a:prstDash val="solid"/>
+                      <a:round/>
+                      <a:headEnd type="none" w="med" len="med"/>
+                      <a:tailEnd type="none" w="med" len="med"/>
+                    </a:lnT>
+                    <a:lnB w="12700" cap="flat" cmpd="sng" algn="ctr">
+                      <a:solidFill>
+                        <a:schemeClr val="tx1"/>
+                      </a:solidFill>
+                      <a:prstDash val="solid"/>
+                      <a:round/>
+                      <a:headEnd type="none" w="med" len="med"/>
+                      <a:tailEnd type="none" w="med" len="med"/>
+                    </a:lnB>
+                    <a:solidFill>
+                      <a:schemeClr val="bg1"/>
+                    </a:solidFill>
+                  </a:tcPr>
+                </a:tc>
+                <a:extLst>
+                  <a:ext uri="{0D108BD9-81ED-4DB2-BD59-A6C34878D82A}">
+                    <a16:rowId xmlns:a16="http://schemas.microsoft.com/office/drawing/2014/main" val="790709373"/>
+                  </a:ext>
+                </a:extLst>
+              </a:tr>
+            </a:tbl>
+          </a:graphicData>
+        </a:graphic>
+      </p:graphicFrame>
+      <p:sp>
+        <p:nvSpPr>
+          <p:cNvPr id="4" name="Marcador de Posição do Número do Diapositivo 3">
+            <a:extLst>
+              <a:ext uri="{FF2B5EF4-FFF2-40B4-BE49-F238E27FC236}">
+                <a16:creationId xmlns:a16="http://schemas.microsoft.com/office/drawing/2014/main" id="{208B2696-D35C-D976-5419-512FB2C762FA}"/>
+              </a:ext>
+            </a:extLst>
+          </p:cNvPr>
+          <p:cNvSpPr>
+            <a:spLocks noGrp="1"/>
+          </p:cNvSpPr>
+          <p:nvPr>
+            <p:ph type="sldNum" sz="quarter" idx="12"/>
+          </p:nvPr>
+        </p:nvSpPr>
+        <p:spPr/>
+        <p:txBody>
+          <a:bodyPr/>
+          <a:lstStyle/>
+          <a:p>
+            <a:fld id="{F01DDC52-AADE-4553-A598-2BD136811E32}" type="slidenum">
+              <a:rPr lang="pt-PT" smtClean="0"/>
+              <a:t>4</a:t>
+            </a:fld>
+            <a:endParaRPr lang="pt-PT"/>
+          </a:p>
+        </p:txBody>
+      </p:sp>
+    </p:spTree>
+    <p:extLst>
+      <p:ext uri="{BB962C8B-B14F-4D97-AF65-F5344CB8AC3E}">
+        <p14:creationId xmlns:p14="http://schemas.microsoft.com/office/powerpoint/2010/main" val="2042668283"/>
+      </p:ext>
+    </p:extLst>
+  </p:cSld>
+  <p:clrMapOvr>
+    <a:masterClrMapping/>
+  </p:clrMapOvr>
+</p:sld>
+</file>
+
+<file path=ppt/slides/slide5.xml><?xml version="1.0" encoding="utf-8"?>
+<p:sld xmlns:a="http://schemas.openxmlformats.org/drawingml/2006/main" xmlns:r="http://schemas.openxmlformats.org/officeDocument/2006/relationships" xmlns:p="http://schemas.openxmlformats.org/presentationml/2006/main">
+  <p:cSld>
+    <p:spTree>
+      <p:nvGrpSpPr>
+        <p:cNvPr id="1" name=""/>
+        <p:cNvGrpSpPr/>
+        <p:nvPr/>
+      </p:nvGrpSpPr>
+      <p:grpSpPr>
+        <a:xfrm>
+          <a:off x="0" y="0"/>
+          <a:ext cx="0" cy="0"/>
+          <a:chOff x="0" y="0"/>
+          <a:chExt cx="0" cy="0"/>
+        </a:xfrm>
+      </p:grpSpPr>
+      <p:sp>
+        <p:nvSpPr>
+          <p:cNvPr id="2" name="Retângulo 1">
+            <a:extLst>
+              <a:ext uri="{FF2B5EF4-FFF2-40B4-BE49-F238E27FC236}">
+                <a16:creationId xmlns:a16="http://schemas.microsoft.com/office/drawing/2014/main" id="{D87D94E4-F82A-1338-FBD4-CDE90BB1FC1E}"/>
+              </a:ext>
+            </a:extLst>
+          </p:cNvPr>
+          <p:cNvSpPr/>
+          <p:nvPr/>
+        </p:nvSpPr>
+        <p:spPr>
+          <a:xfrm>
+            <a:off x="0" y="0"/>
+            <a:ext cx="2841812" cy="6858000"/>
+          </a:xfrm>
+          <a:prstGeom prst="rect">
+            <a:avLst/>
+          </a:prstGeom>
+          <a:solidFill>
+            <a:srgbClr val="FFC06D"/>
+          </a:solidFill>
+          <a:ln>
+            <a:solidFill>
+              <a:srgbClr val="FFC06D"/>
+            </a:solidFill>
+          </a:ln>
+        </p:spPr>
+        <p:style>
+          <a:lnRef idx="2">
+            <a:schemeClr val="accent1">
+              <a:shade val="15000"/>
+            </a:schemeClr>
+          </a:lnRef>
+          <a:fillRef idx="1">
+            <a:schemeClr val="accent1"/>
+          </a:fillRef>
+          <a:effectRef idx="0">
+            <a:schemeClr val="accent1"/>
+          </a:effectRef>
+          <a:fontRef idx="minor">
+            <a:schemeClr val="lt1"/>
+          </a:fontRef>
+        </p:style>
+        <p:txBody>
+          <a:bodyPr rtlCol="0" anchor="ctr"/>
+          <a:lstStyle/>
+          <a:p>
+            <a:pPr algn="ctr"/>
+            <a:endParaRPr lang="pt-PT"/>
+          </a:p>
+        </p:txBody>
+      </p:sp>
+      <p:graphicFrame>
+        <p:nvGraphicFramePr>
+          <p:cNvPr id="4" name="Tabela 3">
+            <a:extLst>
+              <a:ext uri="{FF2B5EF4-FFF2-40B4-BE49-F238E27FC236}">
+                <a16:creationId xmlns:a16="http://schemas.microsoft.com/office/drawing/2014/main" id="{959F05CD-C84C-15A0-4E68-D3A9188596F2}"/>
+              </a:ext>
+            </a:extLst>
+          </p:cNvPr>
+          <p:cNvGraphicFramePr>
+            <a:graphicFrameLocks noGrp="1"/>
+          </p:cNvGraphicFramePr>
+          <p:nvPr>
+            <p:extLst>
+              <p:ext uri="{D42A27DB-BD31-4B8C-83A1-F6EECF244321}">
+                <p14:modId xmlns:p14="http://schemas.microsoft.com/office/powerpoint/2010/main" val="811429993"/>
+              </p:ext>
+            </p:extLst>
+          </p:nvPr>
+        </p:nvGraphicFramePr>
+        <p:xfrm>
+          <a:off x="3478305" y="365759"/>
+          <a:ext cx="8128000" cy="6126480"/>
+        </p:xfrm>
+        <a:graphic>
+          <a:graphicData uri="http://schemas.openxmlformats.org/drawingml/2006/table">
+            <a:tbl>
+              <a:tblPr firstRow="1" bandRow="1">
+                <a:tableStyleId>{5C22544A-7EE6-4342-B048-85BDC9FD1C3A}</a:tableStyleId>
+              </a:tblPr>
+              <a:tblGrid>
+                <a:gridCol w="1387934">
+                  <a:extLst>
+                    <a:ext uri="{9D8B030D-6E8A-4147-A177-3AD203B41FA5}">
+                      <a16:colId xmlns:a16="http://schemas.microsoft.com/office/drawing/2014/main" val="3626579494"/>
+                    </a:ext>
+                  </a:extLst>
+                </a:gridCol>
+                <a:gridCol w="3123087">
+                  <a:extLst>
+                    <a:ext uri="{9D8B030D-6E8A-4147-A177-3AD203B41FA5}">
+                      <a16:colId xmlns:a16="http://schemas.microsoft.com/office/drawing/2014/main" val="2360776279"/>
+                    </a:ext>
+                  </a:extLst>
+                </a:gridCol>
+                <a:gridCol w="1384461">
+                  <a:extLst>
+                    <a:ext uri="{9D8B030D-6E8A-4147-A177-3AD203B41FA5}">
+                      <a16:colId xmlns:a16="http://schemas.microsoft.com/office/drawing/2014/main" val="3358493901"/>
+                    </a:ext>
+                  </a:extLst>
+                </a:gridCol>
+                <a:gridCol w="1116259">
+                  <a:extLst>
+                    <a:ext uri="{9D8B030D-6E8A-4147-A177-3AD203B41FA5}">
+                      <a16:colId xmlns:a16="http://schemas.microsoft.com/office/drawing/2014/main" val="1331635365"/>
+                    </a:ext>
+                  </a:extLst>
+                </a:gridCol>
+                <a:gridCol w="1116259">
+                  <a:extLst>
+                    <a:ext uri="{9D8B030D-6E8A-4147-A177-3AD203B41FA5}">
+                      <a16:colId xmlns:a16="http://schemas.microsoft.com/office/drawing/2014/main" val="2107861166"/>
+                    </a:ext>
+                  </a:extLst>
+                </a:gridCol>
+              </a:tblGrid>
+              <a:tr h="438428">
+                <a:tc>
+                  <a:txBody>
+                    <a:bodyPr/>
+                    <a:lstStyle/>
+                    <a:p>
+                      <a:pPr algn="ctr"/>
+                      <a:r>
+                        <a:rPr lang="pt-PT" sz="1800" b="0" u="sng" dirty="0">
+                          <a:solidFill>
+                            <a:schemeClr val="tx1"/>
+                          </a:solidFill>
+                          <a:latin typeface="Times New Roman" panose="02020603050405020304" pitchFamily="18" charset="0"/>
+                          <a:cs typeface="Times New Roman" panose="02020603050405020304" pitchFamily="18" charset="0"/>
+                        </a:rPr>
+                        <a:t>Atividades</a:t>
+                      </a:r>
+                    </a:p>
+                  </a:txBody>
+                  <a:tcPr>
+                    <a:lnL w="12700" cap="flat" cmpd="sng" algn="ctr">
+                      <a:solidFill>
+                        <a:schemeClr val="tx1"/>
+                      </a:solidFill>
+                      <a:prstDash val="solid"/>
+                      <a:round/>
+                      <a:headEnd type="none" w="med" len="med"/>
+                      <a:tailEnd type="none" w="med" len="med"/>
+                    </a:lnL>
+                    <a:lnR w="12700" cap="flat" cmpd="sng" algn="ctr">
+                      <a:solidFill>
+                        <a:schemeClr val="tx1"/>
+                      </a:solidFill>
+                      <a:prstDash val="solid"/>
+                      <a:round/>
+                      <a:headEnd type="none" w="med" len="med"/>
+                      <a:tailEnd type="none" w="med" len="med"/>
+                    </a:lnR>
+                    <a:lnT w="12700" cap="flat" cmpd="sng" algn="ctr">
+                      <a:solidFill>
+                        <a:schemeClr val="tx1"/>
+                      </a:solidFill>
+                      <a:prstDash val="solid"/>
+                      <a:round/>
+                      <a:headEnd type="none" w="med" len="med"/>
+                      <a:tailEnd type="none" w="med" len="med"/>
+                    </a:lnT>
+                    <a:lnB w="12700" cap="flat" cmpd="sng" algn="ctr">
+                      <a:solidFill>
+                        <a:schemeClr val="tx1"/>
+                      </a:solidFill>
+                      <a:prstDash val="solid"/>
+                      <a:round/>
+                      <a:headEnd type="none" w="med" len="med"/>
+                      <a:tailEnd type="none" w="med" len="med"/>
+                    </a:lnB>
+                    <a:solidFill>
+                      <a:srgbClr val="FFC06D"/>
+                    </a:solidFill>
+                  </a:tcPr>
+                </a:tc>
+                <a:tc>
+                  <a:txBody>
+                    <a:bodyPr/>
+                    <a:lstStyle/>
+                    <a:p>
+                      <a:pPr algn="ctr"/>
+                      <a:r>
+                        <a:rPr lang="pt-PT" sz="1800" b="0" u="sng" dirty="0">
+                          <a:solidFill>
+                            <a:schemeClr val="tx1"/>
+                          </a:solidFill>
+                          <a:latin typeface="Times New Roman" panose="02020603050405020304" pitchFamily="18" charset="0"/>
+                          <a:cs typeface="Times New Roman" panose="02020603050405020304" pitchFamily="18" charset="0"/>
+                        </a:rPr>
+                        <a:t>Tarefas</a:t>
+                      </a:r>
+                    </a:p>
+                  </a:txBody>
+                  <a:tcPr>
+                    <a:lnL w="12700" cap="flat" cmpd="sng" algn="ctr">
+                      <a:solidFill>
+                        <a:schemeClr val="tx1"/>
+                      </a:solidFill>
+                      <a:prstDash val="solid"/>
+                      <a:round/>
+                      <a:headEnd type="none" w="med" len="med"/>
+                      <a:tailEnd type="none" w="med" len="med"/>
+                    </a:lnL>
+                    <a:lnR w="12700" cap="flat" cmpd="sng" algn="ctr">
+                      <a:solidFill>
+                        <a:schemeClr val="tx1"/>
+                      </a:solidFill>
+                      <a:prstDash val="solid"/>
+                      <a:round/>
+                      <a:headEnd type="none" w="med" len="med"/>
+                      <a:tailEnd type="none" w="med" len="med"/>
+                    </a:lnR>
+                    <a:lnT w="12700" cap="flat" cmpd="sng" algn="ctr">
+                      <a:solidFill>
+                        <a:schemeClr val="tx1"/>
+                      </a:solidFill>
+                      <a:prstDash val="solid"/>
+                      <a:round/>
+                      <a:headEnd type="none" w="med" len="med"/>
+                      <a:tailEnd type="none" w="med" len="med"/>
+                    </a:lnT>
+                    <a:lnB w="12700" cap="flat" cmpd="sng" algn="ctr">
+                      <a:solidFill>
+                        <a:schemeClr val="tx1"/>
+                      </a:solidFill>
+                      <a:prstDash val="solid"/>
+                      <a:round/>
+                      <a:headEnd type="none" w="med" len="med"/>
+                      <a:tailEnd type="none" w="med" len="med"/>
+                    </a:lnB>
+                    <a:solidFill>
+                      <a:srgbClr val="FFC06D"/>
+                    </a:solidFill>
+                  </a:tcPr>
+                </a:tc>
+                <a:tc>
+                  <a:txBody>
+                    <a:bodyPr/>
+                    <a:lstStyle/>
+                    <a:p>
+                      <a:pPr algn="ctr"/>
+                      <a:r>
+                        <a:rPr lang="pt-PT" sz="1800" b="0" u="sng" dirty="0">
+                          <a:solidFill>
+                            <a:schemeClr val="tx1"/>
+                          </a:solidFill>
+                          <a:latin typeface="Times New Roman" panose="02020603050405020304" pitchFamily="18" charset="0"/>
+                          <a:cs typeface="Times New Roman" panose="02020603050405020304" pitchFamily="18" charset="0"/>
+                        </a:rPr>
+                        <a:t>Alunos</a:t>
+                      </a:r>
+                    </a:p>
+                  </a:txBody>
+                  <a:tcPr>
+                    <a:lnL w="12700" cap="flat" cmpd="sng" algn="ctr">
+                      <a:solidFill>
+                        <a:schemeClr val="tx1"/>
+                      </a:solidFill>
+                      <a:prstDash val="solid"/>
+                      <a:round/>
+                      <a:headEnd type="none" w="med" len="med"/>
+                      <a:tailEnd type="none" w="med" len="med"/>
+                    </a:lnL>
+                    <a:lnR w="12700" cap="flat" cmpd="sng" algn="ctr">
+                      <a:solidFill>
+                        <a:schemeClr val="tx1"/>
+                      </a:solidFill>
+                      <a:prstDash val="solid"/>
+                      <a:round/>
+                      <a:headEnd type="none" w="med" len="med"/>
+                      <a:tailEnd type="none" w="med" len="med"/>
+                    </a:lnR>
+                    <a:lnT w="12700" cap="flat" cmpd="sng" algn="ctr">
+                      <a:solidFill>
+                        <a:schemeClr val="tx1"/>
+                      </a:solidFill>
+                      <a:prstDash val="solid"/>
+                      <a:round/>
+                      <a:headEnd type="none" w="med" len="med"/>
+                      <a:tailEnd type="none" w="med" len="med"/>
+                    </a:lnT>
+                    <a:lnB w="12700" cap="flat" cmpd="sng" algn="ctr">
+                      <a:solidFill>
+                        <a:schemeClr val="tx1"/>
+                      </a:solidFill>
+                      <a:prstDash val="solid"/>
+                      <a:round/>
+                      <a:headEnd type="none" w="med" len="med"/>
+                      <a:tailEnd type="none" w="med" len="med"/>
+                    </a:lnB>
+                    <a:solidFill>
+                      <a:srgbClr val="FFC06D"/>
+                    </a:solidFill>
+                  </a:tcPr>
+                </a:tc>
+                <a:tc>
+                  <a:txBody>
+                    <a:bodyPr/>
+                    <a:lstStyle/>
+                    <a:p>
+                      <a:pPr algn="ctr"/>
+                      <a:r>
+                        <a:rPr lang="pt-PT" sz="1800" b="0" u="sng" dirty="0">
+                          <a:solidFill>
+                            <a:schemeClr val="tx1"/>
+                          </a:solidFill>
+                          <a:latin typeface="Times New Roman" panose="02020603050405020304" pitchFamily="18" charset="0"/>
+                          <a:cs typeface="Times New Roman" panose="02020603050405020304" pitchFamily="18" charset="0"/>
+                        </a:rPr>
+                        <a:t>Duração estimada</a:t>
+                      </a:r>
+                    </a:p>
+                  </a:txBody>
+                  <a:tcPr>
+                    <a:lnL w="12700" cap="flat" cmpd="sng" algn="ctr">
+                      <a:solidFill>
+                        <a:schemeClr val="tx1"/>
+                      </a:solidFill>
+                      <a:prstDash val="solid"/>
+                      <a:round/>
+                      <a:headEnd type="none" w="med" len="med"/>
+                      <a:tailEnd type="none" w="med" len="med"/>
+                    </a:lnL>
+                    <a:lnR w="12700" cap="flat" cmpd="sng" algn="ctr">
+                      <a:solidFill>
+                        <a:schemeClr val="tx1"/>
+                      </a:solidFill>
+                      <a:prstDash val="solid"/>
+                      <a:round/>
+                      <a:headEnd type="none" w="med" len="med"/>
+                      <a:tailEnd type="none" w="med" len="med"/>
+                    </a:lnR>
+                    <a:lnT w="12700" cap="flat" cmpd="sng" algn="ctr">
+                      <a:solidFill>
+                        <a:schemeClr val="tx1"/>
+                      </a:solidFill>
+                      <a:prstDash val="solid"/>
+                      <a:round/>
+                      <a:headEnd type="none" w="med" len="med"/>
+                      <a:tailEnd type="none" w="med" len="med"/>
+                    </a:lnT>
+                    <a:lnB w="12700" cap="flat" cmpd="sng" algn="ctr">
+                      <a:solidFill>
+                        <a:schemeClr val="tx1"/>
+                      </a:solidFill>
+                      <a:prstDash val="solid"/>
+                      <a:round/>
+                      <a:headEnd type="none" w="med" len="med"/>
+                      <a:tailEnd type="none" w="med" len="med"/>
+                    </a:lnB>
+                    <a:solidFill>
+                      <a:srgbClr val="FFC06D"/>
+                    </a:solidFill>
+                  </a:tcPr>
+                </a:tc>
+                <a:tc>
+                  <a:txBody>
+                    <a:bodyPr/>
+                    <a:lstStyle/>
+                    <a:p>
+                      <a:pPr algn="ctr"/>
+                      <a:r>
+                        <a:rPr lang="pt-PT" sz="1800" b="0" u="sng" dirty="0">
+                          <a:solidFill>
+                            <a:schemeClr val="tx1"/>
+                          </a:solidFill>
+                          <a:latin typeface="Times New Roman" panose="02020603050405020304" pitchFamily="18" charset="0"/>
+                          <a:cs typeface="Times New Roman" panose="02020603050405020304" pitchFamily="18" charset="0"/>
+                        </a:rPr>
+                        <a:t>Duração</a:t>
+                      </a:r>
+                    </a:p>
+                    <a:p>
+                      <a:pPr algn="ctr"/>
+                      <a:r>
+                        <a:rPr lang="pt-PT" sz="1800" b="0" u="sng" dirty="0">
+                          <a:solidFill>
+                            <a:schemeClr val="tx1"/>
+                          </a:solidFill>
+                          <a:latin typeface="Times New Roman" panose="02020603050405020304" pitchFamily="18" charset="0"/>
+                          <a:cs typeface="Times New Roman" panose="02020603050405020304" pitchFamily="18" charset="0"/>
+                        </a:rPr>
+                        <a:t>real</a:t>
+                      </a:r>
+                    </a:p>
+                  </a:txBody>
+                  <a:tcPr>
+                    <a:lnL w="12700" cap="flat" cmpd="sng" algn="ctr">
+                      <a:solidFill>
+                        <a:schemeClr val="tx1"/>
+                      </a:solidFill>
+                      <a:prstDash val="solid"/>
+                      <a:round/>
+                      <a:headEnd type="none" w="med" len="med"/>
+                      <a:tailEnd type="none" w="med" len="med"/>
+                    </a:lnL>
+                    <a:lnR w="12700" cap="flat" cmpd="sng" algn="ctr">
+                      <a:solidFill>
+                        <a:schemeClr val="tx1"/>
+                      </a:solidFill>
+                      <a:prstDash val="solid"/>
+                      <a:round/>
+                      <a:headEnd type="none" w="med" len="med"/>
+                      <a:tailEnd type="none" w="med" len="med"/>
+                    </a:lnR>
+                    <a:lnT w="12700" cap="flat" cmpd="sng" algn="ctr">
+                      <a:solidFill>
+                        <a:schemeClr val="tx1"/>
+                      </a:solidFill>
+                      <a:prstDash val="solid"/>
+                      <a:round/>
+                      <a:headEnd type="none" w="med" len="med"/>
+                      <a:tailEnd type="none" w="med" len="med"/>
+                    </a:lnT>
+                    <a:lnB w="12700" cap="flat" cmpd="sng" algn="ctr">
+                      <a:solidFill>
+                        <a:schemeClr val="tx1"/>
+                      </a:solidFill>
+                      <a:prstDash val="solid"/>
+                      <a:round/>
+                      <a:headEnd type="none" w="med" len="med"/>
+                      <a:tailEnd type="none" w="med" len="med"/>
+                    </a:lnB>
+                    <a:solidFill>
+                      <a:srgbClr val="FFC06D"/>
+                    </a:solidFill>
+                  </a:tcPr>
+                </a:tc>
+                <a:extLst>
+                  <a:ext uri="{0D108BD9-81ED-4DB2-BD59-A6C34878D82A}">
+                    <a16:rowId xmlns:a16="http://schemas.microsoft.com/office/drawing/2014/main" val="556529404"/>
+                  </a:ext>
+                </a:extLst>
+              </a:tr>
+              <a:tr h="370840">
+                <a:tc>
+                  <a:txBody>
+                    <a:bodyPr/>
+                    <a:lstStyle/>
+                    <a:p>
+                      <a:pPr algn="ctr"/>
+                      <a:r>
+                        <a:rPr lang="pt-PT" sz="1800" b="0" u="sng" dirty="0">
+                          <a:latin typeface="Times New Roman" panose="02020603050405020304" pitchFamily="18" charset="0"/>
+                          <a:cs typeface="Times New Roman" panose="02020603050405020304" pitchFamily="18" charset="0"/>
+                        </a:rPr>
+                        <a:t>Utilizador</a:t>
+                      </a:r>
+                    </a:p>
+                  </a:txBody>
+                  <a:tcPr>
+                    <a:lnL w="12700" cap="flat" cmpd="sng" algn="ctr">
+                      <a:solidFill>
+                        <a:schemeClr val="tx1"/>
+                      </a:solidFill>
+                      <a:prstDash val="solid"/>
+                      <a:round/>
+                      <a:headEnd type="none" w="med" len="med"/>
+                      <a:tailEnd type="none" w="med" len="med"/>
+                    </a:lnL>
+                    <a:lnR w="12700" cap="flat" cmpd="sng" algn="ctr">
+                      <a:solidFill>
+                        <a:schemeClr val="tx1"/>
+                      </a:solidFill>
+                      <a:prstDash val="solid"/>
+                      <a:round/>
+                      <a:headEnd type="none" w="med" len="med"/>
+                      <a:tailEnd type="none" w="med" len="med"/>
+                    </a:lnR>
+                    <a:lnT w="12700" cap="flat" cmpd="sng" algn="ctr">
+                      <a:solidFill>
+                        <a:schemeClr val="tx1"/>
+                      </a:solidFill>
+                      <a:prstDash val="solid"/>
+                      <a:round/>
+                      <a:headEnd type="none" w="med" len="med"/>
+                      <a:tailEnd type="none" w="med" len="med"/>
+                    </a:lnT>
+                    <a:lnB w="12700" cap="flat" cmpd="sng" algn="ctr">
+                      <a:solidFill>
+                        <a:schemeClr val="tx1"/>
+                      </a:solidFill>
+                      <a:prstDash val="solid"/>
+                      <a:round/>
+                      <a:headEnd type="none" w="med" len="med"/>
+                      <a:tailEnd type="none" w="med" len="med"/>
+                    </a:lnB>
+                    <a:solidFill>
+                      <a:schemeClr val="bg1"/>
+                    </a:solidFill>
+                  </a:tcPr>
+                </a:tc>
+                <a:tc>
+                  <a:txBody>
+                    <a:bodyPr/>
+                    <a:lstStyle/>
+                    <a:p>
+                      <a:pPr marL="285750" indent="-285750" algn="l">
+                        <a:buFont typeface="Wingdings" panose="05000000000000000000" pitchFamily="2" charset="2"/>
+                        <a:buChar char="ü"/>
+                      </a:pPr>
+                      <a:r>
+                        <a:rPr lang="pt-PT" sz="1800" dirty="0">
+                          <a:latin typeface="Times New Roman" panose="02020603050405020304" pitchFamily="18" charset="0"/>
+                          <a:cs typeface="Times New Roman" panose="02020603050405020304" pitchFamily="18" charset="0"/>
+                        </a:rPr>
+                        <a:t>Layout</a:t>
+                      </a:r>
+                    </a:p>
+                    <a:p>
+                      <a:pPr marL="285750" indent="-285750" algn="l">
+                        <a:buFont typeface="Wingdings" panose="05000000000000000000" pitchFamily="2" charset="2"/>
+                        <a:buChar char="ü"/>
+                      </a:pPr>
+                      <a:r>
+                        <a:rPr lang="pt-PT" sz="1800" dirty="0">
+                          <a:latin typeface="Times New Roman" panose="02020603050405020304" pitchFamily="18" charset="0"/>
+                          <a:cs typeface="Times New Roman" panose="02020603050405020304" pitchFamily="18" charset="0"/>
+                        </a:rPr>
+                        <a:t>Perfil do utilizador</a:t>
+                      </a:r>
+                    </a:p>
+                  </a:txBody>
+                  <a:tcPr>
+                    <a:lnL w="12700" cap="flat" cmpd="sng" algn="ctr">
+                      <a:solidFill>
+                        <a:schemeClr val="tx1"/>
+                      </a:solidFill>
+                      <a:prstDash val="solid"/>
+                      <a:round/>
+                      <a:headEnd type="none" w="med" len="med"/>
+                      <a:tailEnd type="none" w="med" len="med"/>
+                    </a:lnL>
+                    <a:lnR w="12700" cap="flat" cmpd="sng" algn="ctr">
+                      <a:solidFill>
+                        <a:schemeClr val="tx1"/>
+                      </a:solidFill>
+                      <a:prstDash val="solid"/>
+                      <a:round/>
+                      <a:headEnd type="none" w="med" len="med"/>
+                      <a:tailEnd type="none" w="med" len="med"/>
+                    </a:lnR>
+                    <a:lnT w="12700" cap="flat" cmpd="sng" algn="ctr">
+                      <a:solidFill>
+                        <a:schemeClr val="tx1"/>
+                      </a:solidFill>
+                      <a:prstDash val="solid"/>
+                      <a:round/>
+                      <a:headEnd type="none" w="med" len="med"/>
+                      <a:tailEnd type="none" w="med" len="med"/>
+                    </a:lnT>
+                    <a:lnB w="12700" cap="flat" cmpd="sng" algn="ctr">
+                      <a:solidFill>
+                        <a:schemeClr val="tx1"/>
+                      </a:solidFill>
+                      <a:prstDash val="solid"/>
+                      <a:round/>
+                      <a:headEnd type="none" w="med" len="med"/>
+                      <a:tailEnd type="none" w="med" len="med"/>
+                    </a:lnB>
+                    <a:solidFill>
+                      <a:schemeClr val="bg1"/>
+                    </a:solidFill>
+                  </a:tcPr>
+                </a:tc>
+                <a:tc>
+                  <a:txBody>
+                    <a:bodyPr/>
+                    <a:lstStyle/>
+                    <a:p>
+                      <a:pPr algn="ctr"/>
+                      <a:r>
+                        <a:rPr lang="pt-PT" sz="1800" dirty="0">
+                          <a:latin typeface="Times New Roman" panose="02020603050405020304" pitchFamily="18" charset="0"/>
+                          <a:cs typeface="Times New Roman" panose="02020603050405020304" pitchFamily="18" charset="0"/>
+                        </a:rPr>
+                        <a:t>Diana</a:t>
+                      </a:r>
+                    </a:p>
+                    <a:p>
+                      <a:pPr algn="ctr"/>
+                      <a:r>
+                        <a:rPr lang="pt-PT" sz="1800" dirty="0">
+                          <a:latin typeface="Times New Roman" panose="02020603050405020304" pitchFamily="18" charset="0"/>
+                          <a:cs typeface="Times New Roman" panose="02020603050405020304" pitchFamily="18" charset="0"/>
+                        </a:rPr>
+                        <a:t>Maria</a:t>
+                      </a:r>
+                    </a:p>
+                  </a:txBody>
+                  <a:tcPr>
+                    <a:lnL w="12700" cap="flat" cmpd="sng" algn="ctr">
+                      <a:solidFill>
+                        <a:schemeClr val="tx1"/>
+                      </a:solidFill>
+                      <a:prstDash val="solid"/>
+                      <a:round/>
+                      <a:headEnd type="none" w="med" len="med"/>
+                      <a:tailEnd type="none" w="med" len="med"/>
+                    </a:lnL>
+                    <a:lnR w="12700" cap="flat" cmpd="sng" algn="ctr">
+                      <a:solidFill>
+                        <a:schemeClr val="tx1"/>
+                      </a:solidFill>
+                      <a:prstDash val="solid"/>
+                      <a:round/>
+                      <a:headEnd type="none" w="med" len="med"/>
+                      <a:tailEnd type="none" w="med" len="med"/>
+                    </a:lnR>
+                    <a:lnT w="12700" cap="flat" cmpd="sng" algn="ctr">
+                      <a:solidFill>
+                        <a:schemeClr val="tx1"/>
+                      </a:solidFill>
+                      <a:prstDash val="solid"/>
+                      <a:round/>
+                      <a:headEnd type="none" w="med" len="med"/>
+                      <a:tailEnd type="none" w="med" len="med"/>
+                    </a:lnT>
+                    <a:lnB w="12700" cap="flat" cmpd="sng" algn="ctr">
+                      <a:solidFill>
+                        <a:schemeClr val="tx1"/>
+                      </a:solidFill>
+                      <a:prstDash val="solid"/>
+                      <a:round/>
+                      <a:headEnd type="none" w="med" len="med"/>
+                      <a:tailEnd type="none" w="med" len="med"/>
+                    </a:lnB>
+                    <a:solidFill>
+                      <a:schemeClr val="bg1"/>
+                    </a:solidFill>
+                  </a:tcPr>
+                </a:tc>
+                <a:tc>
+                  <a:txBody>
+                    <a:bodyPr/>
+                    <a:lstStyle/>
+                    <a:p>
+                      <a:pPr algn="ctr"/>
+                      <a:r>
+                        <a:rPr lang="pt-PT" sz="1800" dirty="0">
+                          <a:latin typeface="Times New Roman" panose="02020603050405020304" pitchFamily="18" charset="0"/>
+                          <a:cs typeface="Times New Roman" panose="02020603050405020304" pitchFamily="18" charset="0"/>
+                        </a:rPr>
+                        <a:t>1h</a:t>
+                      </a:r>
+                    </a:p>
+                    <a:p>
+                      <a:pPr algn="ctr"/>
+                      <a:r>
+                        <a:rPr lang="pt-PT" sz="1800" dirty="0">
+                          <a:latin typeface="Times New Roman" panose="02020603050405020304" pitchFamily="18" charset="0"/>
+                          <a:cs typeface="Times New Roman" panose="02020603050405020304" pitchFamily="18" charset="0"/>
+                        </a:rPr>
+                        <a:t>3h</a:t>
+                      </a:r>
+                    </a:p>
+                  </a:txBody>
+                  <a:tcPr>
+                    <a:lnL w="12700" cap="flat" cmpd="sng" algn="ctr">
+                      <a:solidFill>
+                        <a:schemeClr val="tx1"/>
+                      </a:solidFill>
+                      <a:prstDash val="solid"/>
+                      <a:round/>
+                      <a:headEnd type="none" w="med" len="med"/>
+                      <a:tailEnd type="none" w="med" len="med"/>
+                    </a:lnL>
+                    <a:lnR w="12700" cap="flat" cmpd="sng" algn="ctr">
+                      <a:solidFill>
+                        <a:schemeClr val="tx1"/>
+                      </a:solidFill>
+                      <a:prstDash val="solid"/>
+                      <a:round/>
+                      <a:headEnd type="none" w="med" len="med"/>
+                      <a:tailEnd type="none" w="med" len="med"/>
+                    </a:lnR>
+                    <a:lnT w="12700" cap="flat" cmpd="sng" algn="ctr">
+                      <a:solidFill>
+                        <a:schemeClr val="tx1"/>
+                      </a:solidFill>
+                      <a:prstDash val="solid"/>
+                      <a:round/>
+                      <a:headEnd type="none" w="med" len="med"/>
+                      <a:tailEnd type="none" w="med" len="med"/>
+                    </a:lnT>
+                    <a:lnB w="12700" cap="flat" cmpd="sng" algn="ctr">
+                      <a:solidFill>
+                        <a:schemeClr val="tx1"/>
+                      </a:solidFill>
+                      <a:prstDash val="solid"/>
+                      <a:round/>
+                      <a:headEnd type="none" w="med" len="med"/>
+                      <a:tailEnd type="none" w="med" len="med"/>
+                    </a:lnB>
+                    <a:solidFill>
+                      <a:schemeClr val="bg1"/>
+                    </a:solidFill>
+                  </a:tcPr>
+                </a:tc>
+                <a:tc>
+                  <a:txBody>
+                    <a:bodyPr/>
+                    <a:lstStyle/>
+                    <a:p>
+                      <a:pPr algn="ctr"/>
+                      <a:endParaRPr lang="pt-PT" sz="1800" dirty="0">
+                        <a:latin typeface="Times New Roman" panose="02020603050405020304" pitchFamily="18" charset="0"/>
+                        <a:cs typeface="Times New Roman" panose="02020603050405020304" pitchFamily="18" charset="0"/>
+                      </a:endParaRPr>
+                    </a:p>
+                  </a:txBody>
+                  <a:tcPr>
+                    <a:lnL w="12700" cap="flat" cmpd="sng" algn="ctr">
+                      <a:solidFill>
+                        <a:schemeClr val="tx1"/>
+                      </a:solidFill>
+                      <a:prstDash val="solid"/>
+                      <a:round/>
+                      <a:headEnd type="none" w="med" len="med"/>
+                      <a:tailEnd type="none" w="med" len="med"/>
+                    </a:lnL>
+                    <a:lnR w="12700" cap="flat" cmpd="sng" algn="ctr">
+                      <a:solidFill>
+                        <a:schemeClr val="tx1"/>
+                      </a:solidFill>
+                      <a:prstDash val="solid"/>
+                      <a:round/>
+                      <a:headEnd type="none" w="med" len="med"/>
+                      <a:tailEnd type="none" w="med" len="med"/>
+                    </a:lnR>
+                    <a:lnT w="12700" cap="flat" cmpd="sng" algn="ctr">
+                      <a:solidFill>
+                        <a:schemeClr val="tx1"/>
+                      </a:solidFill>
+                      <a:prstDash val="solid"/>
+                      <a:round/>
+                      <a:headEnd type="none" w="med" len="med"/>
+                      <a:tailEnd type="none" w="med" len="med"/>
+                    </a:lnT>
+                    <a:lnB w="12700" cap="flat" cmpd="sng" algn="ctr">
+                      <a:solidFill>
+                        <a:schemeClr val="tx1"/>
+                      </a:solidFill>
+                      <a:prstDash val="solid"/>
+                      <a:round/>
+                      <a:headEnd type="none" w="med" len="med"/>
+                      <a:tailEnd type="none" w="med" len="med"/>
+                    </a:lnB>
+                    <a:solidFill>
+                      <a:schemeClr val="bg1"/>
+                    </a:solidFill>
+                  </a:tcPr>
+                </a:tc>
+                <a:extLst>
+                  <a:ext uri="{0D108BD9-81ED-4DB2-BD59-A6C34878D82A}">
+                    <a16:rowId xmlns:a16="http://schemas.microsoft.com/office/drawing/2014/main" val="2302459655"/>
+                  </a:ext>
+                </a:extLst>
+              </a:tr>
+              <a:tr h="370840">
+                <a:tc>
+                  <a:txBody>
+                    <a:bodyPr/>
+                    <a:lstStyle/>
+                    <a:p>
+                      <a:pPr algn="ctr"/>
+                      <a:endParaRPr lang="pt-PT" sz="1800" b="0" u="sng" dirty="0">
+                        <a:latin typeface="Times New Roman" panose="02020603050405020304" pitchFamily="18" charset="0"/>
+                        <a:cs typeface="Times New Roman" panose="02020603050405020304" pitchFamily="18" charset="0"/>
+                      </a:endParaRPr>
+                    </a:p>
+                    <a:p>
+                      <a:pPr algn="ctr"/>
+                      <a:r>
+                        <a:rPr lang="pt-PT" sz="1800" b="0" u="sng" dirty="0">
+                          <a:latin typeface="Times New Roman" panose="02020603050405020304" pitchFamily="18" charset="0"/>
+                          <a:cs typeface="Times New Roman" panose="02020603050405020304" pitchFamily="18" charset="0"/>
+                        </a:rPr>
+                        <a:t>Reserva</a:t>
+                      </a:r>
+                    </a:p>
+                  </a:txBody>
+                  <a:tcPr>
+                    <a:lnL w="12700" cap="flat" cmpd="sng" algn="ctr">
+                      <a:solidFill>
+                        <a:schemeClr val="tx1"/>
+                      </a:solidFill>
+                      <a:prstDash val="solid"/>
+                      <a:round/>
+                      <a:headEnd type="none" w="med" len="med"/>
+                      <a:tailEnd type="none" w="med" len="med"/>
+                    </a:lnL>
+                    <a:lnR w="12700" cap="flat" cmpd="sng" algn="ctr">
+                      <a:solidFill>
+                        <a:schemeClr val="tx1"/>
+                      </a:solidFill>
+                      <a:prstDash val="solid"/>
+                      <a:round/>
+                      <a:headEnd type="none" w="med" len="med"/>
+                      <a:tailEnd type="none" w="med" len="med"/>
+                    </a:lnR>
+                    <a:lnT w="12700" cap="flat" cmpd="sng" algn="ctr">
+                      <a:solidFill>
+                        <a:schemeClr val="tx1"/>
+                      </a:solidFill>
+                      <a:prstDash val="solid"/>
+                      <a:round/>
+                      <a:headEnd type="none" w="med" len="med"/>
+                      <a:tailEnd type="none" w="med" len="med"/>
+                    </a:lnT>
+                    <a:lnB w="12700" cap="flat" cmpd="sng" algn="ctr">
+                      <a:solidFill>
+                        <a:schemeClr val="tx1"/>
+                      </a:solidFill>
+                      <a:prstDash val="solid"/>
+                      <a:round/>
+                      <a:headEnd type="none" w="med" len="med"/>
+                      <a:tailEnd type="none" w="med" len="med"/>
+                    </a:lnB>
+                    <a:solidFill>
+                      <a:schemeClr val="bg1"/>
+                    </a:solidFill>
+                  </a:tcPr>
+                </a:tc>
+                <a:tc>
+                  <a:txBody>
+                    <a:bodyPr/>
+                    <a:lstStyle/>
+                    <a:p>
+                      <a:pPr marL="285750" indent="-285750" algn="l">
+                        <a:buFont typeface="Wingdings" panose="05000000000000000000" pitchFamily="2" charset="2"/>
+                        <a:buChar char="ü"/>
+                      </a:pPr>
+                      <a:r>
+                        <a:rPr lang="pt-PT" sz="1800" dirty="0">
+                          <a:latin typeface="Times New Roman" panose="02020603050405020304" pitchFamily="18" charset="0"/>
+                          <a:cs typeface="Times New Roman" panose="02020603050405020304" pitchFamily="18" charset="0"/>
+                        </a:rPr>
+                        <a:t>Layout</a:t>
+                      </a:r>
+                    </a:p>
+                    <a:p>
+                      <a:pPr marL="285750" indent="-285750" algn="l">
+                        <a:buFont typeface="Wingdings" panose="05000000000000000000" pitchFamily="2" charset="2"/>
+                        <a:buChar char="ü"/>
+                      </a:pPr>
+                      <a:r>
+                        <a:rPr lang="pt-PT" sz="1800" dirty="0">
+                          <a:latin typeface="Times New Roman" panose="02020603050405020304" pitchFamily="18" charset="0"/>
+                          <a:cs typeface="Times New Roman" panose="02020603050405020304" pitchFamily="18" charset="0"/>
+                        </a:rPr>
+                        <a:t>Gestão das Reservas</a:t>
+                      </a:r>
+                    </a:p>
+                    <a:p>
+                      <a:pPr marL="285750" indent="-285750" algn="l">
+                        <a:buFont typeface="Wingdings" panose="05000000000000000000" pitchFamily="2" charset="2"/>
+                        <a:buChar char="ü"/>
+                      </a:pPr>
+                      <a:r>
+                        <a:rPr lang="pt-PT" sz="1800" dirty="0">
+                          <a:latin typeface="Times New Roman" panose="02020603050405020304" pitchFamily="18" charset="0"/>
+                          <a:cs typeface="Times New Roman" panose="02020603050405020304" pitchFamily="18" charset="0"/>
+                        </a:rPr>
+                        <a:t>Histórico das Reservas</a:t>
+                      </a:r>
+                    </a:p>
+                  </a:txBody>
+                  <a:tcPr>
+                    <a:lnL w="12700" cap="flat" cmpd="sng" algn="ctr">
+                      <a:solidFill>
+                        <a:schemeClr val="tx1"/>
+                      </a:solidFill>
+                      <a:prstDash val="solid"/>
+                      <a:round/>
+                      <a:headEnd type="none" w="med" len="med"/>
+                      <a:tailEnd type="none" w="med" len="med"/>
+                    </a:lnL>
+                    <a:lnR w="12700" cap="flat" cmpd="sng" algn="ctr">
+                      <a:solidFill>
+                        <a:schemeClr val="tx1"/>
+                      </a:solidFill>
+                      <a:prstDash val="solid"/>
+                      <a:round/>
+                      <a:headEnd type="none" w="med" len="med"/>
+                      <a:tailEnd type="none" w="med" len="med"/>
+                    </a:lnR>
+                    <a:lnT w="12700" cap="flat" cmpd="sng" algn="ctr">
+                      <a:solidFill>
+                        <a:schemeClr val="tx1"/>
+                      </a:solidFill>
+                      <a:prstDash val="solid"/>
+                      <a:round/>
+                      <a:headEnd type="none" w="med" len="med"/>
+                      <a:tailEnd type="none" w="med" len="med"/>
+                    </a:lnT>
+                    <a:lnB w="12700" cap="flat" cmpd="sng" algn="ctr">
+                      <a:solidFill>
+                        <a:schemeClr val="tx1"/>
+                      </a:solidFill>
+                      <a:prstDash val="solid"/>
+                      <a:round/>
+                      <a:headEnd type="none" w="med" len="med"/>
+                      <a:tailEnd type="none" w="med" len="med"/>
+                    </a:lnB>
+                    <a:solidFill>
+                      <a:schemeClr val="bg1"/>
+                    </a:solidFill>
+                  </a:tcPr>
+                </a:tc>
+                <a:tc>
+                  <a:txBody>
+                    <a:bodyPr/>
+                    <a:lstStyle/>
+                    <a:p>
+                      <a:pPr algn="ctr"/>
+                      <a:r>
+                        <a:rPr lang="pt-PT" sz="1800" dirty="0">
+                          <a:latin typeface="Times New Roman" panose="02020603050405020304" pitchFamily="18" charset="0"/>
+                          <a:cs typeface="Times New Roman" panose="02020603050405020304" pitchFamily="18" charset="0"/>
+                        </a:rPr>
+                        <a:t>Maria</a:t>
+                      </a:r>
+                    </a:p>
+                    <a:p>
+                      <a:pPr algn="ctr"/>
+                      <a:r>
+                        <a:rPr lang="pt-PT" sz="1800" dirty="0">
+                          <a:latin typeface="Times New Roman" panose="02020603050405020304" pitchFamily="18" charset="0"/>
+                          <a:cs typeface="Times New Roman" panose="02020603050405020304" pitchFamily="18" charset="0"/>
+                        </a:rPr>
+                        <a:t>Diana</a:t>
+                      </a:r>
+                    </a:p>
+                    <a:p>
+                      <a:pPr algn="ctr"/>
+                      <a:r>
+                        <a:rPr lang="pt-PT" sz="1800" dirty="0">
+                          <a:latin typeface="Times New Roman" panose="02020603050405020304" pitchFamily="18" charset="0"/>
+                          <a:cs typeface="Times New Roman" panose="02020603050405020304" pitchFamily="18" charset="0"/>
+                        </a:rPr>
+                        <a:t>Diana</a:t>
+                      </a:r>
+                    </a:p>
+                  </a:txBody>
+                  <a:tcPr>
+                    <a:lnL w="12700" cap="flat" cmpd="sng" algn="ctr">
+                      <a:solidFill>
+                        <a:schemeClr val="tx1"/>
+                      </a:solidFill>
+                      <a:prstDash val="solid"/>
+                      <a:round/>
+                      <a:headEnd type="none" w="med" len="med"/>
+                      <a:tailEnd type="none" w="med" len="med"/>
+                    </a:lnL>
+                    <a:lnR w="12700" cap="flat" cmpd="sng" algn="ctr">
+                      <a:solidFill>
+                        <a:schemeClr val="tx1"/>
+                      </a:solidFill>
+                      <a:prstDash val="solid"/>
+                      <a:round/>
+                      <a:headEnd type="none" w="med" len="med"/>
+                      <a:tailEnd type="none" w="med" len="med"/>
+                    </a:lnR>
+                    <a:lnT w="12700" cap="flat" cmpd="sng" algn="ctr">
+                      <a:solidFill>
+                        <a:schemeClr val="tx1"/>
+                      </a:solidFill>
+                      <a:prstDash val="solid"/>
+                      <a:round/>
+                      <a:headEnd type="none" w="med" len="med"/>
+                      <a:tailEnd type="none" w="med" len="med"/>
+                    </a:lnT>
+                    <a:lnB w="12700" cap="flat" cmpd="sng" algn="ctr">
+                      <a:solidFill>
+                        <a:schemeClr val="tx1"/>
+                      </a:solidFill>
+                      <a:prstDash val="solid"/>
+                      <a:round/>
+                      <a:headEnd type="none" w="med" len="med"/>
+                      <a:tailEnd type="none" w="med" len="med"/>
+                    </a:lnB>
+                    <a:solidFill>
+                      <a:schemeClr val="bg1"/>
+                    </a:solidFill>
+                  </a:tcPr>
+                </a:tc>
+                <a:tc>
+                  <a:txBody>
+                    <a:bodyPr/>
+                    <a:lstStyle/>
+                    <a:p>
+                      <a:pPr algn="ctr"/>
+                      <a:r>
+                        <a:rPr lang="pt-PT" sz="1800" dirty="0">
+                          <a:latin typeface="Times New Roman" panose="02020603050405020304" pitchFamily="18" charset="0"/>
+                          <a:cs typeface="Times New Roman" panose="02020603050405020304" pitchFamily="18" charset="0"/>
+                        </a:rPr>
+                        <a:t>1h</a:t>
+                      </a:r>
+                    </a:p>
+                    <a:p>
+                      <a:pPr algn="ctr"/>
+                      <a:r>
+                        <a:rPr lang="pt-PT" sz="1800" dirty="0">
+                          <a:latin typeface="Times New Roman" panose="02020603050405020304" pitchFamily="18" charset="0"/>
+                          <a:cs typeface="Times New Roman" panose="02020603050405020304" pitchFamily="18" charset="0"/>
+                        </a:rPr>
+                        <a:t>4h</a:t>
+                      </a:r>
+                    </a:p>
+                    <a:p>
+                      <a:pPr algn="ctr"/>
+                      <a:r>
+                        <a:rPr lang="pt-PT" sz="1800" dirty="0">
+                          <a:latin typeface="Times New Roman" panose="02020603050405020304" pitchFamily="18" charset="0"/>
+                          <a:cs typeface="Times New Roman" panose="02020603050405020304" pitchFamily="18" charset="0"/>
+                        </a:rPr>
+                        <a:t>3h</a:t>
+                      </a:r>
+                    </a:p>
+                  </a:txBody>
+                  <a:tcPr>
+                    <a:lnL w="12700" cap="flat" cmpd="sng" algn="ctr">
+                      <a:solidFill>
+                        <a:schemeClr val="tx1"/>
+                      </a:solidFill>
+                      <a:prstDash val="solid"/>
+                      <a:round/>
+                      <a:headEnd type="none" w="med" len="med"/>
+                      <a:tailEnd type="none" w="med" len="med"/>
+                    </a:lnL>
+                    <a:lnR w="12700" cap="flat" cmpd="sng" algn="ctr">
+                      <a:solidFill>
+                        <a:schemeClr val="tx1"/>
+                      </a:solidFill>
+                      <a:prstDash val="solid"/>
+                      <a:round/>
+                      <a:headEnd type="none" w="med" len="med"/>
+                      <a:tailEnd type="none" w="med" len="med"/>
+                    </a:lnR>
+                    <a:lnT w="12700" cap="flat" cmpd="sng" algn="ctr">
+                      <a:solidFill>
+                        <a:schemeClr val="tx1"/>
+                      </a:solidFill>
+                      <a:prstDash val="solid"/>
+                      <a:round/>
+                      <a:headEnd type="none" w="med" len="med"/>
+                      <a:tailEnd type="none" w="med" len="med"/>
+                    </a:lnT>
+                    <a:lnB w="12700" cap="flat" cmpd="sng" algn="ctr">
+                      <a:solidFill>
+                        <a:schemeClr val="tx1"/>
+                      </a:solidFill>
+                      <a:prstDash val="solid"/>
+                      <a:round/>
+                      <a:headEnd type="none" w="med" len="med"/>
+                      <a:tailEnd type="none" w="med" len="med"/>
+                    </a:lnB>
+                    <a:solidFill>
+                      <a:schemeClr val="bg1"/>
+                    </a:solidFill>
+                  </a:tcPr>
+                </a:tc>
+                <a:tc>
+                  <a:txBody>
+                    <a:bodyPr/>
+                    <a:lstStyle/>
+                    <a:p>
+                      <a:pPr algn="ctr"/>
+                      <a:endParaRPr lang="pt-PT" sz="1800" dirty="0">
+                        <a:latin typeface="Times New Roman" panose="02020603050405020304" pitchFamily="18" charset="0"/>
+                        <a:cs typeface="Times New Roman" panose="02020603050405020304" pitchFamily="18" charset="0"/>
+                      </a:endParaRPr>
+                    </a:p>
+                  </a:txBody>
+                  <a:tcPr>
+                    <a:lnL w="12700" cap="flat" cmpd="sng" algn="ctr">
+                      <a:solidFill>
+                        <a:schemeClr val="tx1"/>
+                      </a:solidFill>
+                      <a:prstDash val="solid"/>
+                      <a:round/>
+                      <a:headEnd type="none" w="med" len="med"/>
+                      <a:tailEnd type="none" w="med" len="med"/>
+                    </a:lnL>
+                    <a:lnR w="12700" cap="flat" cmpd="sng" algn="ctr">
+                      <a:solidFill>
+                        <a:schemeClr val="tx1"/>
+                      </a:solidFill>
+                      <a:prstDash val="solid"/>
+                      <a:round/>
+                      <a:headEnd type="none" w="med" len="med"/>
+                      <a:tailEnd type="none" w="med" len="med"/>
+                    </a:lnR>
+                    <a:lnT w="12700" cap="flat" cmpd="sng" algn="ctr">
+                      <a:solidFill>
+                        <a:schemeClr val="tx1"/>
+                      </a:solidFill>
+                      <a:prstDash val="solid"/>
+                      <a:round/>
+                      <a:headEnd type="none" w="med" len="med"/>
+                      <a:tailEnd type="none" w="med" len="med"/>
+                    </a:lnT>
+                    <a:lnB w="12700" cap="flat" cmpd="sng" algn="ctr">
+                      <a:solidFill>
+                        <a:schemeClr val="tx1"/>
+                      </a:solidFill>
+                      <a:prstDash val="solid"/>
+                      <a:round/>
+                      <a:headEnd type="none" w="med" len="med"/>
+                      <a:tailEnd type="none" w="med" len="med"/>
+                    </a:lnB>
+                    <a:solidFill>
+                      <a:schemeClr val="bg1"/>
+                    </a:solidFill>
+                  </a:tcPr>
+                </a:tc>
+                <a:extLst>
+                  <a:ext uri="{0D108BD9-81ED-4DB2-BD59-A6C34878D82A}">
+                    <a16:rowId xmlns:a16="http://schemas.microsoft.com/office/drawing/2014/main" val="321558959"/>
+                  </a:ext>
+                </a:extLst>
+              </a:tr>
+              <a:tr h="370840">
+                <a:tc>
+                  <a:txBody>
+                    <a:bodyPr/>
+                    <a:lstStyle/>
+                    <a:p>
+                      <a:pPr algn="ctr"/>
+                      <a:endParaRPr lang="pt-PT" sz="1800" b="0" u="sng" dirty="0">
+                        <a:latin typeface="Times New Roman" panose="02020603050405020304" pitchFamily="18" charset="0"/>
+                        <a:cs typeface="Times New Roman" panose="02020603050405020304" pitchFamily="18" charset="0"/>
+                      </a:endParaRPr>
+                    </a:p>
+                    <a:p>
+                      <a:pPr algn="ctr"/>
+                      <a:r>
+                        <a:rPr lang="pt-PT" sz="1800" b="0" u="sng" dirty="0">
+                          <a:latin typeface="Times New Roman" panose="02020603050405020304" pitchFamily="18" charset="0"/>
+                          <a:cs typeface="Times New Roman" panose="02020603050405020304" pitchFamily="18" charset="0"/>
+                        </a:rPr>
+                        <a:t>Fatura</a:t>
+                      </a:r>
+                    </a:p>
+                  </a:txBody>
+                  <a:tcPr>
+                    <a:lnL w="12700" cap="flat" cmpd="sng" algn="ctr">
+                      <a:solidFill>
+                        <a:schemeClr val="tx1"/>
+                      </a:solidFill>
+                      <a:prstDash val="solid"/>
+                      <a:round/>
+                      <a:headEnd type="none" w="med" len="med"/>
+                      <a:tailEnd type="none" w="med" len="med"/>
+                    </a:lnL>
+                    <a:lnR w="12700" cap="flat" cmpd="sng" algn="ctr">
+                      <a:solidFill>
+                        <a:schemeClr val="tx1"/>
+                      </a:solidFill>
+                      <a:prstDash val="solid"/>
+                      <a:round/>
+                      <a:headEnd type="none" w="med" len="med"/>
+                      <a:tailEnd type="none" w="med" len="med"/>
+                    </a:lnR>
+                    <a:lnT w="12700" cap="flat" cmpd="sng" algn="ctr">
+                      <a:solidFill>
+                        <a:schemeClr val="tx1"/>
+                      </a:solidFill>
+                      <a:prstDash val="solid"/>
+                      <a:round/>
+                      <a:headEnd type="none" w="med" len="med"/>
+                      <a:tailEnd type="none" w="med" len="med"/>
+                    </a:lnT>
+                    <a:lnB w="12700" cap="flat" cmpd="sng" algn="ctr">
+                      <a:solidFill>
+                        <a:schemeClr val="tx1"/>
+                      </a:solidFill>
+                      <a:prstDash val="solid"/>
+                      <a:round/>
+                      <a:headEnd type="none" w="med" len="med"/>
+                      <a:tailEnd type="none" w="med" len="med"/>
+                    </a:lnB>
+                    <a:solidFill>
+                      <a:schemeClr val="bg1"/>
+                    </a:solidFill>
+                  </a:tcPr>
+                </a:tc>
+                <a:tc>
+                  <a:txBody>
+                    <a:bodyPr/>
+                    <a:lstStyle/>
+                    <a:p>
+                      <a:pPr marL="285750" indent="-285750" algn="l">
+                        <a:buFont typeface="Wingdings" panose="05000000000000000000" pitchFamily="2" charset="2"/>
+                        <a:buChar char="ü"/>
+                      </a:pPr>
+                      <a:r>
+                        <a:rPr lang="pt-PT" sz="1800" dirty="0">
+                          <a:latin typeface="Times New Roman" panose="02020603050405020304" pitchFamily="18" charset="0"/>
+                          <a:cs typeface="Times New Roman" panose="02020603050405020304" pitchFamily="18" charset="0"/>
+                        </a:rPr>
+                        <a:t>Layout</a:t>
+                      </a:r>
+                    </a:p>
+                    <a:p>
+                      <a:pPr marL="285750" indent="-285750" algn="l">
+                        <a:buFont typeface="Wingdings" panose="05000000000000000000" pitchFamily="2" charset="2"/>
+                        <a:buChar char="ü"/>
+                      </a:pPr>
+                      <a:r>
+                        <a:rPr lang="pt-PT" sz="1800" dirty="0">
+                          <a:latin typeface="Times New Roman" panose="02020603050405020304" pitchFamily="18" charset="0"/>
+                          <a:cs typeface="Times New Roman" panose="02020603050405020304" pitchFamily="18" charset="0"/>
+                        </a:rPr>
+                        <a:t>Exibição das Faturas</a:t>
+                      </a:r>
+                    </a:p>
+                    <a:p>
+                      <a:pPr marL="285750" indent="-285750" algn="l">
+                        <a:buFont typeface="Wingdings" panose="05000000000000000000" pitchFamily="2" charset="2"/>
+                        <a:buChar char="ü"/>
+                      </a:pPr>
+                      <a:r>
+                        <a:rPr lang="pt-PT" sz="1800" dirty="0">
+                          <a:latin typeface="Times New Roman" panose="02020603050405020304" pitchFamily="18" charset="0"/>
+                          <a:cs typeface="Times New Roman" panose="02020603050405020304" pitchFamily="18" charset="0"/>
+                        </a:rPr>
+                        <a:t>Opção de download</a:t>
+                      </a:r>
+                    </a:p>
+                  </a:txBody>
+                  <a:tcPr>
+                    <a:lnL w="12700" cap="flat" cmpd="sng" algn="ctr">
+                      <a:solidFill>
+                        <a:schemeClr val="tx1"/>
+                      </a:solidFill>
+                      <a:prstDash val="solid"/>
+                      <a:round/>
+                      <a:headEnd type="none" w="med" len="med"/>
+                      <a:tailEnd type="none" w="med" len="med"/>
+                    </a:lnL>
+                    <a:lnR w="12700" cap="flat" cmpd="sng" algn="ctr">
+                      <a:solidFill>
+                        <a:schemeClr val="tx1"/>
+                      </a:solidFill>
+                      <a:prstDash val="solid"/>
+                      <a:round/>
+                      <a:headEnd type="none" w="med" len="med"/>
+                      <a:tailEnd type="none" w="med" len="med"/>
+                    </a:lnR>
+                    <a:lnT w="12700" cap="flat" cmpd="sng" algn="ctr">
+                      <a:solidFill>
+                        <a:schemeClr val="tx1"/>
+                      </a:solidFill>
+                      <a:prstDash val="solid"/>
+                      <a:round/>
+                      <a:headEnd type="none" w="med" len="med"/>
+                      <a:tailEnd type="none" w="med" len="med"/>
+                    </a:lnT>
+                    <a:lnB w="12700" cap="flat" cmpd="sng" algn="ctr">
+                      <a:solidFill>
+                        <a:schemeClr val="tx1"/>
+                      </a:solidFill>
+                      <a:prstDash val="solid"/>
+                      <a:round/>
+                      <a:headEnd type="none" w="med" len="med"/>
+                      <a:tailEnd type="none" w="med" len="med"/>
+                    </a:lnB>
+                    <a:solidFill>
+                      <a:schemeClr val="bg1"/>
+                    </a:solidFill>
+                  </a:tcPr>
+                </a:tc>
+                <a:tc>
+                  <a:txBody>
+                    <a:bodyPr/>
+                    <a:lstStyle/>
+                    <a:p>
+                      <a:pPr algn="ctr"/>
+                      <a:r>
+                        <a:rPr lang="pt-PT" sz="1800" dirty="0">
+                          <a:latin typeface="Times New Roman" panose="02020603050405020304" pitchFamily="18" charset="0"/>
+                          <a:cs typeface="Times New Roman" panose="02020603050405020304" pitchFamily="18" charset="0"/>
+                        </a:rPr>
+                        <a:t>Maria</a:t>
+                      </a:r>
+                    </a:p>
+                    <a:p>
+                      <a:pPr algn="ctr"/>
+                      <a:r>
+                        <a:rPr lang="pt-PT" sz="1800" dirty="0">
+                          <a:latin typeface="Times New Roman" panose="02020603050405020304" pitchFamily="18" charset="0"/>
+                          <a:cs typeface="Times New Roman" panose="02020603050405020304" pitchFamily="18" charset="0"/>
+                        </a:rPr>
+                        <a:t>Diana</a:t>
+                      </a:r>
+                    </a:p>
+                    <a:p>
+                      <a:pPr algn="ctr"/>
+                      <a:r>
+                        <a:rPr lang="pt-PT" sz="1800" dirty="0">
+                          <a:latin typeface="Times New Roman" panose="02020603050405020304" pitchFamily="18" charset="0"/>
+                          <a:cs typeface="Times New Roman" panose="02020603050405020304" pitchFamily="18" charset="0"/>
+                        </a:rPr>
+                        <a:t>Maria</a:t>
+                      </a:r>
+                    </a:p>
+                  </a:txBody>
+                  <a:tcPr>
+                    <a:lnL w="12700" cap="flat" cmpd="sng" algn="ctr">
+                      <a:solidFill>
+                        <a:schemeClr val="tx1"/>
+                      </a:solidFill>
+                      <a:prstDash val="solid"/>
+                      <a:round/>
+                      <a:headEnd type="none" w="med" len="med"/>
+                      <a:tailEnd type="none" w="med" len="med"/>
+                    </a:lnL>
+                    <a:lnR w="12700" cap="flat" cmpd="sng" algn="ctr">
+                      <a:solidFill>
+                        <a:schemeClr val="tx1"/>
+                      </a:solidFill>
+                      <a:prstDash val="solid"/>
+                      <a:round/>
+                      <a:headEnd type="none" w="med" len="med"/>
+                      <a:tailEnd type="none" w="med" len="med"/>
+                    </a:lnR>
+                    <a:lnT w="12700" cap="flat" cmpd="sng" algn="ctr">
+                      <a:solidFill>
+                        <a:schemeClr val="tx1"/>
+                      </a:solidFill>
+                      <a:prstDash val="solid"/>
+                      <a:round/>
+                      <a:headEnd type="none" w="med" len="med"/>
+                      <a:tailEnd type="none" w="med" len="med"/>
+                    </a:lnT>
+                    <a:lnB w="12700" cap="flat" cmpd="sng" algn="ctr">
+                      <a:solidFill>
+                        <a:schemeClr val="tx1"/>
+                      </a:solidFill>
+                      <a:prstDash val="solid"/>
+                      <a:round/>
+                      <a:headEnd type="none" w="med" len="med"/>
+                      <a:tailEnd type="none" w="med" len="med"/>
+                    </a:lnB>
+                    <a:solidFill>
+                      <a:schemeClr val="bg1"/>
+                    </a:solidFill>
+                  </a:tcPr>
+                </a:tc>
+                <a:tc>
+                  <a:txBody>
+                    <a:bodyPr/>
+                    <a:lstStyle/>
+                    <a:p>
+                      <a:pPr algn="ctr"/>
+                      <a:r>
+                        <a:rPr lang="pt-PT" sz="1800" dirty="0">
+                          <a:latin typeface="Times New Roman" panose="02020603050405020304" pitchFamily="18" charset="0"/>
+                          <a:cs typeface="Times New Roman" panose="02020603050405020304" pitchFamily="18" charset="0"/>
+                        </a:rPr>
+                        <a:t>1h</a:t>
+                      </a:r>
+                    </a:p>
+                    <a:p>
+                      <a:pPr algn="ctr"/>
+                      <a:r>
+                        <a:rPr lang="pt-PT" sz="1800" dirty="0">
+                          <a:latin typeface="Times New Roman" panose="02020603050405020304" pitchFamily="18" charset="0"/>
+                          <a:cs typeface="Times New Roman" panose="02020603050405020304" pitchFamily="18" charset="0"/>
+                        </a:rPr>
+                        <a:t>2h</a:t>
+                      </a:r>
+                    </a:p>
+                    <a:p>
+                      <a:pPr algn="ctr"/>
+                      <a:r>
+                        <a:rPr lang="pt-PT" sz="1800" dirty="0">
+                          <a:latin typeface="Times New Roman" panose="02020603050405020304" pitchFamily="18" charset="0"/>
+                          <a:cs typeface="Times New Roman" panose="02020603050405020304" pitchFamily="18" charset="0"/>
+                        </a:rPr>
+                        <a:t>2h</a:t>
+                      </a:r>
+                    </a:p>
+                  </a:txBody>
+                  <a:tcPr>
+                    <a:lnL w="12700" cap="flat" cmpd="sng" algn="ctr">
+                      <a:solidFill>
+                        <a:schemeClr val="tx1"/>
+                      </a:solidFill>
+                      <a:prstDash val="solid"/>
+                      <a:round/>
+                      <a:headEnd type="none" w="med" len="med"/>
+                      <a:tailEnd type="none" w="med" len="med"/>
+                    </a:lnL>
+                    <a:lnR w="12700" cap="flat" cmpd="sng" algn="ctr">
+                      <a:solidFill>
+                        <a:schemeClr val="tx1"/>
+                      </a:solidFill>
+                      <a:prstDash val="solid"/>
+                      <a:round/>
+                      <a:headEnd type="none" w="med" len="med"/>
+                      <a:tailEnd type="none" w="med" len="med"/>
+                    </a:lnR>
+                    <a:lnT w="12700" cap="flat" cmpd="sng" algn="ctr">
+                      <a:solidFill>
+                        <a:schemeClr val="tx1"/>
+                      </a:solidFill>
+                      <a:prstDash val="solid"/>
+                      <a:round/>
+                      <a:headEnd type="none" w="med" len="med"/>
+                      <a:tailEnd type="none" w="med" len="med"/>
+                    </a:lnT>
+                    <a:lnB w="12700" cap="flat" cmpd="sng" algn="ctr">
+                      <a:solidFill>
+                        <a:schemeClr val="tx1"/>
+                      </a:solidFill>
+                      <a:prstDash val="solid"/>
+                      <a:round/>
+                      <a:headEnd type="none" w="med" len="med"/>
+                      <a:tailEnd type="none" w="med" len="med"/>
+                    </a:lnB>
+                    <a:solidFill>
+                      <a:schemeClr val="bg1"/>
+                    </a:solidFill>
+                  </a:tcPr>
+                </a:tc>
+                <a:tc>
+                  <a:txBody>
+                    <a:bodyPr/>
+                    <a:lstStyle/>
+                    <a:p>
+                      <a:pPr algn="ctr"/>
+                      <a:endParaRPr lang="pt-PT" sz="1800" dirty="0">
+                        <a:latin typeface="Times New Roman" panose="02020603050405020304" pitchFamily="18" charset="0"/>
+                        <a:cs typeface="Times New Roman" panose="02020603050405020304" pitchFamily="18" charset="0"/>
+                      </a:endParaRPr>
+                    </a:p>
+                  </a:txBody>
+                  <a:tcPr>
+                    <a:lnL w="12700" cap="flat" cmpd="sng" algn="ctr">
+                      <a:solidFill>
+                        <a:schemeClr val="tx1"/>
+                      </a:solidFill>
+                      <a:prstDash val="solid"/>
+                      <a:round/>
+                      <a:headEnd type="none" w="med" len="med"/>
+                      <a:tailEnd type="none" w="med" len="med"/>
+                    </a:lnL>
+                    <a:lnR w="12700" cap="flat" cmpd="sng" algn="ctr">
+                      <a:solidFill>
+                        <a:schemeClr val="tx1"/>
+                      </a:solidFill>
+                      <a:prstDash val="solid"/>
+                      <a:round/>
+                      <a:headEnd type="none" w="med" len="med"/>
+                      <a:tailEnd type="none" w="med" len="med"/>
+                    </a:lnR>
+                    <a:lnT w="12700" cap="flat" cmpd="sng" algn="ctr">
+                      <a:solidFill>
+                        <a:schemeClr val="tx1"/>
+                      </a:solidFill>
+                      <a:prstDash val="solid"/>
+                      <a:round/>
+                      <a:headEnd type="none" w="med" len="med"/>
+                      <a:tailEnd type="none" w="med" len="med"/>
+                    </a:lnT>
+                    <a:lnB w="12700" cap="flat" cmpd="sng" algn="ctr">
+                      <a:solidFill>
+                        <a:schemeClr val="tx1"/>
+                      </a:solidFill>
+                      <a:prstDash val="solid"/>
+                      <a:round/>
+                      <a:headEnd type="none" w="med" len="med"/>
+                      <a:tailEnd type="none" w="med" len="med"/>
+                    </a:lnB>
+                    <a:solidFill>
+                      <a:schemeClr val="bg1"/>
+                    </a:solidFill>
+                  </a:tcPr>
+                </a:tc>
+                <a:extLst>
+                  <a:ext uri="{0D108BD9-81ED-4DB2-BD59-A6C34878D82A}">
+                    <a16:rowId xmlns:a16="http://schemas.microsoft.com/office/drawing/2014/main" val="700809732"/>
+                  </a:ext>
+                </a:extLst>
+              </a:tr>
+              <a:tr h="370840">
+                <a:tc>
+                  <a:txBody>
+                    <a:bodyPr/>
+                    <a:lstStyle/>
+                    <a:p>
+                      <a:pPr algn="ctr"/>
+                      <a:endParaRPr lang="pt-PT" sz="1800" b="0" u="sng" dirty="0">
+                        <a:latin typeface="Times New Roman" panose="02020603050405020304" pitchFamily="18" charset="0"/>
+                        <a:cs typeface="Times New Roman" panose="02020603050405020304" pitchFamily="18" charset="0"/>
+                      </a:endParaRPr>
+                    </a:p>
+                    <a:p>
+                      <a:pPr algn="ctr"/>
+                      <a:r>
+                        <a:rPr lang="pt-PT" sz="1800" b="0" u="sng" dirty="0">
+                          <a:latin typeface="Times New Roman" panose="02020603050405020304" pitchFamily="18" charset="0"/>
+                          <a:cs typeface="Times New Roman" panose="02020603050405020304" pitchFamily="18" charset="0"/>
+                        </a:rPr>
+                        <a:t>Comentários</a:t>
+                      </a:r>
+                    </a:p>
+                  </a:txBody>
+                  <a:tcPr>
+                    <a:lnL w="12700" cap="flat" cmpd="sng" algn="ctr">
+                      <a:solidFill>
+                        <a:schemeClr val="tx1"/>
+                      </a:solidFill>
+                      <a:prstDash val="solid"/>
+                      <a:round/>
+                      <a:headEnd type="none" w="med" len="med"/>
+                      <a:tailEnd type="none" w="med" len="med"/>
+                    </a:lnL>
+                    <a:lnR w="12700" cap="flat" cmpd="sng" algn="ctr">
+                      <a:solidFill>
+                        <a:schemeClr val="tx1"/>
+                      </a:solidFill>
+                      <a:prstDash val="solid"/>
+                      <a:round/>
+                      <a:headEnd type="none" w="med" len="med"/>
+                      <a:tailEnd type="none" w="med" len="med"/>
+                    </a:lnR>
+                    <a:lnT w="12700" cap="flat" cmpd="sng" algn="ctr">
+                      <a:solidFill>
+                        <a:schemeClr val="tx1"/>
+                      </a:solidFill>
+                      <a:prstDash val="solid"/>
+                      <a:round/>
+                      <a:headEnd type="none" w="med" len="med"/>
+                      <a:tailEnd type="none" w="med" len="med"/>
+                    </a:lnT>
+                    <a:lnB w="12700" cap="flat" cmpd="sng" algn="ctr">
+                      <a:solidFill>
+                        <a:schemeClr val="tx1"/>
+                      </a:solidFill>
+                      <a:prstDash val="solid"/>
+                      <a:round/>
+                      <a:headEnd type="none" w="med" len="med"/>
+                      <a:tailEnd type="none" w="med" len="med"/>
+                    </a:lnB>
+                    <a:solidFill>
+                      <a:schemeClr val="bg1"/>
+                    </a:solidFill>
+                  </a:tcPr>
+                </a:tc>
+                <a:tc>
+                  <a:txBody>
+                    <a:bodyPr/>
+                    <a:lstStyle/>
+                    <a:p>
+                      <a:pPr marL="285750" indent="-285750" algn="l">
+                        <a:buFont typeface="Wingdings" panose="05000000000000000000" pitchFamily="2" charset="2"/>
+                        <a:buChar char="ü"/>
+                      </a:pPr>
+                      <a:r>
+                        <a:rPr lang="pt-PT" sz="1800" dirty="0">
+                          <a:latin typeface="Times New Roman" panose="02020603050405020304" pitchFamily="18" charset="0"/>
+                          <a:cs typeface="Times New Roman" panose="02020603050405020304" pitchFamily="18" charset="0"/>
+                        </a:rPr>
+                        <a:t>Layout</a:t>
+                      </a:r>
+                    </a:p>
+                    <a:p>
+                      <a:pPr marL="285750" indent="-285750" algn="l">
+                        <a:buFont typeface="Wingdings" panose="05000000000000000000" pitchFamily="2" charset="2"/>
+                        <a:buChar char="ü"/>
+                      </a:pPr>
+                      <a:r>
+                        <a:rPr lang="pt-PT" sz="1800" dirty="0">
+                          <a:latin typeface="Times New Roman" panose="02020603050405020304" pitchFamily="18" charset="0"/>
+                          <a:cs typeface="Times New Roman" panose="02020603050405020304" pitchFamily="18" charset="0"/>
+                        </a:rPr>
+                        <a:t>Sistema de avaliação de comentários</a:t>
+                      </a:r>
+                    </a:p>
+                  </a:txBody>
+                  <a:tcPr>
+                    <a:lnL w="12700" cap="flat" cmpd="sng" algn="ctr">
+                      <a:solidFill>
+                        <a:schemeClr val="tx1"/>
+                      </a:solidFill>
+                      <a:prstDash val="solid"/>
+                      <a:round/>
+                      <a:headEnd type="none" w="med" len="med"/>
+                      <a:tailEnd type="none" w="med" len="med"/>
+                    </a:lnL>
+                    <a:lnR w="12700" cap="flat" cmpd="sng" algn="ctr">
+                      <a:solidFill>
+                        <a:schemeClr val="tx1"/>
+                      </a:solidFill>
+                      <a:prstDash val="solid"/>
+                      <a:round/>
+                      <a:headEnd type="none" w="med" len="med"/>
+                      <a:tailEnd type="none" w="med" len="med"/>
+                    </a:lnR>
+                    <a:lnT w="12700" cap="flat" cmpd="sng" algn="ctr">
+                      <a:solidFill>
+                        <a:schemeClr val="tx1"/>
+                      </a:solidFill>
+                      <a:prstDash val="solid"/>
+                      <a:round/>
+                      <a:headEnd type="none" w="med" len="med"/>
+                      <a:tailEnd type="none" w="med" len="med"/>
+                    </a:lnT>
+                    <a:lnB w="12700" cap="flat" cmpd="sng" algn="ctr">
+                      <a:solidFill>
+                        <a:schemeClr val="tx1"/>
+                      </a:solidFill>
+                      <a:prstDash val="solid"/>
+                      <a:round/>
+                      <a:headEnd type="none" w="med" len="med"/>
+                      <a:tailEnd type="none" w="med" len="med"/>
+                    </a:lnB>
+                    <a:solidFill>
+                      <a:schemeClr val="bg1"/>
+                    </a:solidFill>
+                  </a:tcPr>
+                </a:tc>
+                <a:tc>
+                  <a:txBody>
+                    <a:bodyPr/>
+                    <a:lstStyle/>
+                    <a:p>
+                      <a:pPr algn="ctr"/>
+                      <a:r>
+                        <a:rPr lang="pt-PT" sz="1800" dirty="0">
+                          <a:latin typeface="Times New Roman" panose="02020603050405020304" pitchFamily="18" charset="0"/>
+                          <a:cs typeface="Times New Roman" panose="02020603050405020304" pitchFamily="18" charset="0"/>
+                        </a:rPr>
+                        <a:t>Diana</a:t>
+                      </a:r>
+                    </a:p>
+                    <a:p>
+                      <a:pPr algn="ctr"/>
+                      <a:r>
+                        <a:rPr lang="pt-PT" sz="1800" dirty="0">
+                          <a:latin typeface="Times New Roman" panose="02020603050405020304" pitchFamily="18" charset="0"/>
+                          <a:cs typeface="Times New Roman" panose="02020603050405020304" pitchFamily="18" charset="0"/>
+                        </a:rPr>
+                        <a:t>Maria</a:t>
+                      </a:r>
+                    </a:p>
+                  </a:txBody>
+                  <a:tcPr>
+                    <a:lnL w="12700" cap="flat" cmpd="sng" algn="ctr">
+                      <a:solidFill>
+                        <a:schemeClr val="tx1"/>
+                      </a:solidFill>
+                      <a:prstDash val="solid"/>
+                      <a:round/>
+                      <a:headEnd type="none" w="med" len="med"/>
+                      <a:tailEnd type="none" w="med" len="med"/>
+                    </a:lnL>
+                    <a:lnR w="12700" cap="flat" cmpd="sng" algn="ctr">
+                      <a:solidFill>
+                        <a:schemeClr val="tx1"/>
+                      </a:solidFill>
+                      <a:prstDash val="solid"/>
+                      <a:round/>
+                      <a:headEnd type="none" w="med" len="med"/>
+                      <a:tailEnd type="none" w="med" len="med"/>
+                    </a:lnR>
+                    <a:lnT w="12700" cap="flat" cmpd="sng" algn="ctr">
+                      <a:solidFill>
+                        <a:schemeClr val="tx1"/>
+                      </a:solidFill>
+                      <a:prstDash val="solid"/>
+                      <a:round/>
+                      <a:headEnd type="none" w="med" len="med"/>
+                      <a:tailEnd type="none" w="med" len="med"/>
+                    </a:lnT>
+                    <a:lnB w="12700" cap="flat" cmpd="sng" algn="ctr">
+                      <a:solidFill>
+                        <a:schemeClr val="tx1"/>
+                      </a:solidFill>
+                      <a:prstDash val="solid"/>
+                      <a:round/>
+                      <a:headEnd type="none" w="med" len="med"/>
+                      <a:tailEnd type="none" w="med" len="med"/>
+                    </a:lnB>
+                    <a:solidFill>
+                      <a:schemeClr val="bg1"/>
+                    </a:solidFill>
+                  </a:tcPr>
+                </a:tc>
+                <a:tc>
+                  <a:txBody>
+                    <a:bodyPr/>
+                    <a:lstStyle/>
+                    <a:p>
+                      <a:pPr algn="ctr"/>
+                      <a:r>
+                        <a:rPr lang="pt-PT" sz="1800" dirty="0">
+                          <a:latin typeface="Times New Roman" panose="02020603050405020304" pitchFamily="18" charset="0"/>
+                          <a:cs typeface="Times New Roman" panose="02020603050405020304" pitchFamily="18" charset="0"/>
+                        </a:rPr>
+                        <a:t>1h</a:t>
+                      </a:r>
+                    </a:p>
+                    <a:p>
+                      <a:pPr algn="ctr"/>
+                      <a:r>
+                        <a:rPr lang="pt-PT" sz="1800" dirty="0">
+                          <a:latin typeface="Times New Roman" panose="02020603050405020304" pitchFamily="18" charset="0"/>
+                          <a:cs typeface="Times New Roman" panose="02020603050405020304" pitchFamily="18" charset="0"/>
+                        </a:rPr>
+                        <a:t>3h</a:t>
+                      </a:r>
+                    </a:p>
+                  </a:txBody>
+                  <a:tcPr>
+                    <a:lnL w="12700" cap="flat" cmpd="sng" algn="ctr">
+                      <a:solidFill>
+                        <a:schemeClr val="tx1"/>
+                      </a:solidFill>
+                      <a:prstDash val="solid"/>
+                      <a:round/>
+                      <a:headEnd type="none" w="med" len="med"/>
+                      <a:tailEnd type="none" w="med" len="med"/>
+                    </a:lnL>
+                    <a:lnR w="12700" cap="flat" cmpd="sng" algn="ctr">
+                      <a:solidFill>
+                        <a:schemeClr val="tx1"/>
+                      </a:solidFill>
+                      <a:prstDash val="solid"/>
+                      <a:round/>
+                      <a:headEnd type="none" w="med" len="med"/>
+                      <a:tailEnd type="none" w="med" len="med"/>
+                    </a:lnR>
+                    <a:lnT w="12700" cap="flat" cmpd="sng" algn="ctr">
+                      <a:solidFill>
+                        <a:schemeClr val="tx1"/>
+                      </a:solidFill>
+                      <a:prstDash val="solid"/>
+                      <a:round/>
+                      <a:headEnd type="none" w="med" len="med"/>
+                      <a:tailEnd type="none" w="med" len="med"/>
+                    </a:lnT>
+                    <a:lnB w="12700" cap="flat" cmpd="sng" algn="ctr">
+                      <a:solidFill>
+                        <a:schemeClr val="tx1"/>
+                      </a:solidFill>
+                      <a:prstDash val="solid"/>
+                      <a:round/>
+                      <a:headEnd type="none" w="med" len="med"/>
+                      <a:tailEnd type="none" w="med" len="med"/>
+                    </a:lnB>
+                    <a:solidFill>
+                      <a:schemeClr val="bg1"/>
+                    </a:solidFill>
+                  </a:tcPr>
+                </a:tc>
+                <a:tc>
+                  <a:txBody>
+                    <a:bodyPr/>
+                    <a:lstStyle/>
+                    <a:p>
+                      <a:pPr algn="ctr"/>
+                      <a:endParaRPr lang="pt-PT" sz="1800" dirty="0">
+                        <a:latin typeface="Times New Roman" panose="02020603050405020304" pitchFamily="18" charset="0"/>
+                        <a:cs typeface="Times New Roman" panose="02020603050405020304" pitchFamily="18" charset="0"/>
+                      </a:endParaRPr>
+                    </a:p>
+                  </a:txBody>
+                  <a:tcPr>
+                    <a:lnL w="12700" cap="flat" cmpd="sng" algn="ctr">
+                      <a:solidFill>
+                        <a:schemeClr val="tx1"/>
+                      </a:solidFill>
+                      <a:prstDash val="solid"/>
+                      <a:round/>
+                      <a:headEnd type="none" w="med" len="med"/>
+                      <a:tailEnd type="none" w="med" len="med"/>
+                    </a:lnL>
+                    <a:lnR w="12700" cap="flat" cmpd="sng" algn="ctr">
+                      <a:solidFill>
+                        <a:schemeClr val="tx1"/>
+                      </a:solidFill>
+                      <a:prstDash val="solid"/>
+                      <a:round/>
+                      <a:headEnd type="none" w="med" len="med"/>
+                      <a:tailEnd type="none" w="med" len="med"/>
+                    </a:lnR>
+                    <a:lnT w="12700" cap="flat" cmpd="sng" algn="ctr">
+                      <a:solidFill>
+                        <a:schemeClr val="tx1"/>
+                      </a:solidFill>
+                      <a:prstDash val="solid"/>
+                      <a:round/>
+                      <a:headEnd type="none" w="med" len="med"/>
+                      <a:tailEnd type="none" w="med" len="med"/>
+                    </a:lnT>
+                    <a:lnB w="12700" cap="flat" cmpd="sng" algn="ctr">
+                      <a:solidFill>
+                        <a:schemeClr val="tx1"/>
+                      </a:solidFill>
+                      <a:prstDash val="solid"/>
+                      <a:round/>
+                      <a:headEnd type="none" w="med" len="med"/>
+                      <a:tailEnd type="none" w="med" len="med"/>
+                    </a:lnB>
+                    <a:solidFill>
+                      <a:schemeClr val="bg1"/>
+                    </a:solidFill>
+                  </a:tcPr>
+                </a:tc>
+                <a:extLst>
+                  <a:ext uri="{0D108BD9-81ED-4DB2-BD59-A6C34878D82A}">
+                    <a16:rowId xmlns:a16="http://schemas.microsoft.com/office/drawing/2014/main" val="3899202854"/>
+                  </a:ext>
+                </a:extLst>
+              </a:tr>
+              <a:tr h="370840">
+                <a:tc>
+                  <a:txBody>
+                    <a:bodyPr/>
+                    <a:lstStyle/>
+                    <a:p>
+                      <a:pPr algn="ctr"/>
+                      <a:endParaRPr lang="pt-PT" sz="1800" b="0" u="sng" dirty="0">
+                        <a:latin typeface="Times New Roman" panose="02020603050405020304" pitchFamily="18" charset="0"/>
+                        <a:cs typeface="Times New Roman" panose="02020603050405020304" pitchFamily="18" charset="0"/>
+                      </a:endParaRPr>
+                    </a:p>
+                    <a:p>
+                      <a:pPr algn="ctr"/>
+                      <a:r>
+                        <a:rPr lang="pt-PT" sz="1800" b="0" u="sng" dirty="0">
+                          <a:latin typeface="Times New Roman" panose="02020603050405020304" pitchFamily="18" charset="0"/>
+                          <a:cs typeface="Times New Roman" panose="02020603050405020304" pitchFamily="18" charset="0"/>
+                        </a:rPr>
+                        <a:t>Detalhes da Fatura</a:t>
+                      </a:r>
+                    </a:p>
+                  </a:txBody>
+                  <a:tcPr>
+                    <a:lnL w="12700" cap="flat" cmpd="sng" algn="ctr">
+                      <a:solidFill>
+                        <a:schemeClr val="tx1"/>
+                      </a:solidFill>
+                      <a:prstDash val="solid"/>
+                      <a:round/>
+                      <a:headEnd type="none" w="med" len="med"/>
+                      <a:tailEnd type="none" w="med" len="med"/>
+                    </a:lnL>
+                    <a:lnR w="12700" cap="flat" cmpd="sng" algn="ctr">
+                      <a:solidFill>
+                        <a:schemeClr val="tx1"/>
+                      </a:solidFill>
+                      <a:prstDash val="solid"/>
+                      <a:round/>
+                      <a:headEnd type="none" w="med" len="med"/>
+                      <a:tailEnd type="none" w="med" len="med"/>
+                    </a:lnR>
+                    <a:lnT w="12700" cap="flat" cmpd="sng" algn="ctr">
+                      <a:solidFill>
+                        <a:schemeClr val="tx1"/>
+                      </a:solidFill>
+                      <a:prstDash val="solid"/>
+                      <a:round/>
+                      <a:headEnd type="none" w="med" len="med"/>
+                      <a:tailEnd type="none" w="med" len="med"/>
+                    </a:lnT>
+                    <a:lnB w="12700" cap="flat" cmpd="sng" algn="ctr">
+                      <a:solidFill>
+                        <a:schemeClr val="tx1"/>
+                      </a:solidFill>
+                      <a:prstDash val="solid"/>
+                      <a:round/>
+                      <a:headEnd type="none" w="med" len="med"/>
+                      <a:tailEnd type="none" w="med" len="med"/>
+                    </a:lnB>
+                    <a:solidFill>
+                      <a:schemeClr val="bg1"/>
+                    </a:solidFill>
+                  </a:tcPr>
+                </a:tc>
+                <a:tc>
+                  <a:txBody>
+                    <a:bodyPr/>
+                    <a:lstStyle/>
+                    <a:p>
+                      <a:pPr marL="285750" indent="-285750" algn="l">
+                        <a:buFont typeface="Wingdings" panose="05000000000000000000" pitchFamily="2" charset="2"/>
+                        <a:buChar char="ü"/>
+                      </a:pPr>
+                      <a:r>
+                        <a:rPr lang="pt-PT" sz="1800" dirty="0">
+                          <a:latin typeface="Times New Roman" panose="02020603050405020304" pitchFamily="18" charset="0"/>
+                          <a:cs typeface="Times New Roman" panose="02020603050405020304" pitchFamily="18" charset="0"/>
+                        </a:rPr>
+                        <a:t>Layout</a:t>
+                      </a:r>
+                    </a:p>
+                    <a:p>
+                      <a:pPr marL="285750" indent="-285750" algn="l">
+                        <a:buFont typeface="Wingdings" panose="05000000000000000000" pitchFamily="2" charset="2"/>
+                        <a:buChar char="ü"/>
+                      </a:pPr>
+                      <a:r>
+                        <a:rPr lang="pt-PT" sz="1800" dirty="0">
+                          <a:latin typeface="Times New Roman" panose="02020603050405020304" pitchFamily="18" charset="0"/>
+                          <a:cs typeface="Times New Roman" panose="02020603050405020304" pitchFamily="18" charset="0"/>
+                        </a:rPr>
+                        <a:t>Exibição de detalhes</a:t>
+                      </a:r>
+                    </a:p>
+                    <a:p>
+                      <a:pPr marL="285750" indent="-285750" algn="l">
+                        <a:buFont typeface="Wingdings" panose="05000000000000000000" pitchFamily="2" charset="2"/>
+                        <a:buChar char="ü"/>
+                      </a:pPr>
+                      <a:r>
+                        <a:rPr lang="pt-PT" sz="1800" dirty="0">
+                          <a:latin typeface="Times New Roman" panose="02020603050405020304" pitchFamily="18" charset="0"/>
+                          <a:cs typeface="Times New Roman" panose="02020603050405020304" pitchFamily="18" charset="0"/>
+                        </a:rPr>
+                        <a:t>Estado do pagamento</a:t>
+                      </a:r>
+                    </a:p>
+                    <a:p>
+                      <a:pPr marL="285750" indent="-285750" algn="l">
+                        <a:buFont typeface="Wingdings" panose="05000000000000000000" pitchFamily="2" charset="2"/>
+                        <a:buChar char="ü"/>
+                      </a:pPr>
+                      <a:r>
+                        <a:rPr lang="pt-PT" sz="1800" dirty="0">
+                          <a:latin typeface="Times New Roman" panose="02020603050405020304" pitchFamily="18" charset="0"/>
+                          <a:cs typeface="Times New Roman" panose="02020603050405020304" pitchFamily="18" charset="0"/>
+                        </a:rPr>
+                        <a:t>Exibição de cálculos do Iva</a:t>
+                      </a:r>
+                    </a:p>
+                  </a:txBody>
+                  <a:tcPr>
+                    <a:lnL w="12700" cap="flat" cmpd="sng" algn="ctr">
+                      <a:solidFill>
+                        <a:schemeClr val="tx1"/>
+                      </a:solidFill>
+                      <a:prstDash val="solid"/>
+                      <a:round/>
+                      <a:headEnd type="none" w="med" len="med"/>
+                      <a:tailEnd type="none" w="med" len="med"/>
+                    </a:lnL>
+                    <a:lnR w="12700" cap="flat" cmpd="sng" algn="ctr">
+                      <a:solidFill>
+                        <a:schemeClr val="tx1"/>
+                      </a:solidFill>
+                      <a:prstDash val="solid"/>
+                      <a:round/>
+                      <a:headEnd type="none" w="med" len="med"/>
+                      <a:tailEnd type="none" w="med" len="med"/>
+                    </a:lnR>
+                    <a:lnT w="12700" cap="flat" cmpd="sng" algn="ctr">
+                      <a:solidFill>
+                        <a:schemeClr val="tx1"/>
+                      </a:solidFill>
+                      <a:prstDash val="solid"/>
+                      <a:round/>
+                      <a:headEnd type="none" w="med" len="med"/>
+                      <a:tailEnd type="none" w="med" len="med"/>
+                    </a:lnT>
+                    <a:lnB w="12700" cap="flat" cmpd="sng" algn="ctr">
+                      <a:solidFill>
+                        <a:schemeClr val="tx1"/>
+                      </a:solidFill>
+                      <a:prstDash val="solid"/>
+                      <a:round/>
+                      <a:headEnd type="none" w="med" len="med"/>
+                      <a:tailEnd type="none" w="med" len="med"/>
+                    </a:lnB>
+                    <a:solidFill>
+                      <a:schemeClr val="bg1"/>
+                    </a:solidFill>
+                  </a:tcPr>
+                </a:tc>
+                <a:tc>
+                  <a:txBody>
+                    <a:bodyPr/>
+                    <a:lstStyle/>
+                    <a:p>
+                      <a:pPr algn="ctr"/>
+                      <a:r>
+                        <a:rPr lang="pt-PT" sz="1800" dirty="0">
+                          <a:latin typeface="Times New Roman" panose="02020603050405020304" pitchFamily="18" charset="0"/>
+                          <a:cs typeface="Times New Roman" panose="02020603050405020304" pitchFamily="18" charset="0"/>
+                        </a:rPr>
+                        <a:t>Maria</a:t>
+                      </a:r>
+                    </a:p>
+                    <a:p>
+                      <a:pPr algn="ctr"/>
+                      <a:r>
+                        <a:rPr lang="pt-PT" sz="1800" dirty="0">
+                          <a:latin typeface="Times New Roman" panose="02020603050405020304" pitchFamily="18" charset="0"/>
+                          <a:cs typeface="Times New Roman" panose="02020603050405020304" pitchFamily="18" charset="0"/>
+                        </a:rPr>
+                        <a:t>Diana</a:t>
+                      </a:r>
+                    </a:p>
+                    <a:p>
+                      <a:pPr algn="ctr"/>
+                      <a:r>
+                        <a:rPr lang="pt-PT" sz="1800" dirty="0">
+                          <a:latin typeface="Times New Roman" panose="02020603050405020304" pitchFamily="18" charset="0"/>
+                          <a:cs typeface="Times New Roman" panose="02020603050405020304" pitchFamily="18" charset="0"/>
+                        </a:rPr>
+                        <a:t>Maria</a:t>
+                      </a:r>
+                    </a:p>
+                    <a:p>
+                      <a:pPr algn="ctr"/>
+                      <a:r>
+                        <a:rPr lang="pt-PT" sz="1800" dirty="0">
+                          <a:latin typeface="Times New Roman" panose="02020603050405020304" pitchFamily="18" charset="0"/>
+                          <a:cs typeface="Times New Roman" panose="02020603050405020304" pitchFamily="18" charset="0"/>
+                        </a:rPr>
+                        <a:t>Maria</a:t>
+                      </a:r>
+                    </a:p>
+                  </a:txBody>
+                  <a:tcPr>
+                    <a:lnL w="12700" cap="flat" cmpd="sng" algn="ctr">
+                      <a:solidFill>
+                        <a:schemeClr val="tx1"/>
+                      </a:solidFill>
+                      <a:prstDash val="solid"/>
+                      <a:round/>
+                      <a:headEnd type="none" w="med" len="med"/>
+                      <a:tailEnd type="none" w="med" len="med"/>
+                    </a:lnL>
+                    <a:lnR w="12700" cap="flat" cmpd="sng" algn="ctr">
+                      <a:solidFill>
+                        <a:schemeClr val="tx1"/>
+                      </a:solidFill>
+                      <a:prstDash val="solid"/>
+                      <a:round/>
+                      <a:headEnd type="none" w="med" len="med"/>
+                      <a:tailEnd type="none" w="med" len="med"/>
+                    </a:lnR>
+                    <a:lnT w="12700" cap="flat" cmpd="sng" algn="ctr">
+                      <a:solidFill>
+                        <a:schemeClr val="tx1"/>
+                      </a:solidFill>
+                      <a:prstDash val="solid"/>
+                      <a:round/>
+                      <a:headEnd type="none" w="med" len="med"/>
+                      <a:tailEnd type="none" w="med" len="med"/>
+                    </a:lnT>
+                    <a:lnB w="12700" cap="flat" cmpd="sng" algn="ctr">
+                      <a:solidFill>
+                        <a:schemeClr val="tx1"/>
+                      </a:solidFill>
+                      <a:prstDash val="solid"/>
+                      <a:round/>
+                      <a:headEnd type="none" w="med" len="med"/>
+                      <a:tailEnd type="none" w="med" len="med"/>
+                    </a:lnB>
+                    <a:solidFill>
+                      <a:schemeClr val="bg1"/>
+                    </a:solidFill>
+                  </a:tcPr>
+                </a:tc>
+                <a:tc>
+                  <a:txBody>
+                    <a:bodyPr/>
+                    <a:lstStyle/>
+                    <a:p>
+                      <a:pPr algn="ctr"/>
+                      <a:r>
+                        <a:rPr lang="pt-PT" sz="1800" dirty="0">
+                          <a:latin typeface="Times New Roman" panose="02020603050405020304" pitchFamily="18" charset="0"/>
+                          <a:cs typeface="Times New Roman" panose="02020603050405020304" pitchFamily="18" charset="0"/>
+                        </a:rPr>
+                        <a:t>1h</a:t>
+                      </a:r>
+                    </a:p>
+                    <a:p>
+                      <a:pPr algn="ctr"/>
+                      <a:r>
+                        <a:rPr lang="pt-PT" sz="1800" dirty="0">
+                          <a:latin typeface="Times New Roman" panose="02020603050405020304" pitchFamily="18" charset="0"/>
+                          <a:cs typeface="Times New Roman" panose="02020603050405020304" pitchFamily="18" charset="0"/>
+                        </a:rPr>
+                        <a:t>3h</a:t>
+                      </a:r>
+                    </a:p>
+                    <a:p>
+                      <a:pPr algn="ctr"/>
+                      <a:r>
+                        <a:rPr lang="pt-PT" sz="1800" dirty="0">
+                          <a:latin typeface="Times New Roman" panose="02020603050405020304" pitchFamily="18" charset="0"/>
+                          <a:cs typeface="Times New Roman" panose="02020603050405020304" pitchFamily="18" charset="0"/>
+                        </a:rPr>
+                        <a:t>2h</a:t>
+                      </a:r>
+                    </a:p>
+                    <a:p>
+                      <a:pPr algn="ctr"/>
+                      <a:r>
+                        <a:rPr lang="pt-PT" sz="1800" dirty="0">
+                          <a:latin typeface="Times New Roman" panose="02020603050405020304" pitchFamily="18" charset="0"/>
+                          <a:cs typeface="Times New Roman" panose="02020603050405020304" pitchFamily="18" charset="0"/>
+                        </a:rPr>
+                        <a:t>2h</a:t>
+                      </a:r>
+                    </a:p>
+                  </a:txBody>
+                  <a:tcPr>
+                    <a:lnL w="12700" cap="flat" cmpd="sng" algn="ctr">
+                      <a:solidFill>
+                        <a:schemeClr val="tx1"/>
+                      </a:solidFill>
+                      <a:prstDash val="solid"/>
+                      <a:round/>
+                      <a:headEnd type="none" w="med" len="med"/>
+                      <a:tailEnd type="none" w="med" len="med"/>
+                    </a:lnL>
+                    <a:lnR w="12700" cap="flat" cmpd="sng" algn="ctr">
+                      <a:solidFill>
+                        <a:schemeClr val="tx1"/>
+                      </a:solidFill>
+                      <a:prstDash val="solid"/>
+                      <a:round/>
+                      <a:headEnd type="none" w="med" len="med"/>
+                      <a:tailEnd type="none" w="med" len="med"/>
+                    </a:lnR>
+                    <a:lnT w="12700" cap="flat" cmpd="sng" algn="ctr">
+                      <a:solidFill>
+                        <a:schemeClr val="tx1"/>
+                      </a:solidFill>
+                      <a:prstDash val="solid"/>
+                      <a:round/>
+                      <a:headEnd type="none" w="med" len="med"/>
+                      <a:tailEnd type="none" w="med" len="med"/>
+                    </a:lnT>
+                    <a:lnB w="12700" cap="flat" cmpd="sng" algn="ctr">
+                      <a:solidFill>
+                        <a:schemeClr val="tx1"/>
+                      </a:solidFill>
+                      <a:prstDash val="solid"/>
+                      <a:round/>
+                      <a:headEnd type="none" w="med" len="med"/>
+                      <a:tailEnd type="none" w="med" len="med"/>
+                    </a:lnB>
+                    <a:solidFill>
+                      <a:schemeClr val="bg1"/>
+                    </a:solidFill>
+                  </a:tcPr>
+                </a:tc>
+                <a:tc>
+                  <a:txBody>
+                    <a:bodyPr/>
+                    <a:lstStyle/>
+                    <a:p>
+                      <a:pPr algn="ctr"/>
+                      <a:endParaRPr lang="pt-PT" sz="1800" dirty="0">
+                        <a:latin typeface="Times New Roman" panose="02020603050405020304" pitchFamily="18" charset="0"/>
+                        <a:cs typeface="Times New Roman" panose="02020603050405020304" pitchFamily="18" charset="0"/>
+                      </a:endParaRPr>
+                    </a:p>
+                  </a:txBody>
+                  <a:tcPr>
+                    <a:lnL w="12700" cap="flat" cmpd="sng" algn="ctr">
+                      <a:solidFill>
+                        <a:schemeClr val="tx1"/>
+                      </a:solidFill>
+                      <a:prstDash val="solid"/>
+                      <a:round/>
+                      <a:headEnd type="none" w="med" len="med"/>
+                      <a:tailEnd type="none" w="med" len="med"/>
+                    </a:lnL>
+                    <a:lnR w="12700" cap="flat" cmpd="sng" algn="ctr">
+                      <a:solidFill>
+                        <a:schemeClr val="tx1"/>
+                      </a:solidFill>
+                      <a:prstDash val="solid"/>
+                      <a:round/>
+                      <a:headEnd type="none" w="med" len="med"/>
+                      <a:tailEnd type="none" w="med" len="med"/>
+                    </a:lnR>
+                    <a:lnT w="12700" cap="flat" cmpd="sng" algn="ctr">
+                      <a:solidFill>
+                        <a:schemeClr val="tx1"/>
+                      </a:solidFill>
+                      <a:prstDash val="solid"/>
+                      <a:round/>
+                      <a:headEnd type="none" w="med" len="med"/>
+                      <a:tailEnd type="none" w="med" len="med"/>
+                    </a:lnT>
+                    <a:lnB w="12700" cap="flat" cmpd="sng" algn="ctr">
+                      <a:solidFill>
+                        <a:schemeClr val="tx1"/>
+                      </a:solidFill>
+                      <a:prstDash val="solid"/>
+                      <a:round/>
+                      <a:headEnd type="none" w="med" len="med"/>
+                      <a:tailEnd type="none" w="med" len="med"/>
+                    </a:lnB>
+                    <a:solidFill>
+                      <a:schemeClr val="bg1"/>
+                    </a:solidFill>
+                  </a:tcPr>
+                </a:tc>
+                <a:extLst>
+                  <a:ext uri="{0D108BD9-81ED-4DB2-BD59-A6C34878D82A}">
+                    <a16:rowId xmlns:a16="http://schemas.microsoft.com/office/drawing/2014/main" val="4132550649"/>
+                  </a:ext>
+                </a:extLst>
+              </a:tr>
+              <a:tr h="370840">
+                <a:tc>
+                  <a:txBody>
+                    <a:bodyPr/>
+                    <a:lstStyle/>
+                    <a:p>
+                      <a:pPr algn="ctr"/>
+                      <a:endParaRPr lang="pt-PT" sz="1800" b="0" u="sng" dirty="0">
+                        <a:solidFill>
+                          <a:sysClr val="windowText" lastClr="000000"/>
+                        </a:solidFill>
+                        <a:latin typeface="Times New Roman" panose="02020603050405020304" pitchFamily="18" charset="0"/>
+                        <a:cs typeface="Times New Roman" panose="02020603050405020304" pitchFamily="18" charset="0"/>
+                      </a:endParaRPr>
+                    </a:p>
+                  </a:txBody>
+                  <a:tcPr>
+                    <a:lnL w="12700" cap="flat" cmpd="sng" algn="ctr">
+                      <a:solidFill>
+                        <a:schemeClr val="tx1"/>
+                      </a:solidFill>
+                      <a:prstDash val="solid"/>
+                      <a:round/>
+                      <a:headEnd type="none" w="med" len="med"/>
+                      <a:tailEnd type="none" w="med" len="med"/>
+                    </a:lnL>
+                    <a:lnR w="12700" cap="flat" cmpd="sng" algn="ctr">
+                      <a:solidFill>
+                        <a:schemeClr val="tx1"/>
+                      </a:solidFill>
+                      <a:prstDash val="solid"/>
+                      <a:round/>
+                      <a:headEnd type="none" w="med" len="med"/>
+                      <a:tailEnd type="none" w="med" len="med"/>
+                    </a:lnR>
+                    <a:lnT w="12700" cap="flat" cmpd="sng" algn="ctr">
+                      <a:solidFill>
+                        <a:schemeClr val="tx1"/>
+                      </a:solidFill>
+                      <a:prstDash val="solid"/>
+                      <a:round/>
+                      <a:headEnd type="none" w="med" len="med"/>
+                      <a:tailEnd type="none" w="med" len="med"/>
+                    </a:lnT>
+                    <a:lnB w="12700" cap="flat" cmpd="sng" algn="ctr">
+                      <a:solidFill>
+                        <a:schemeClr val="tx1"/>
+                      </a:solidFill>
+                      <a:prstDash val="solid"/>
+                      <a:round/>
+                      <a:headEnd type="none" w="med" len="med"/>
+                      <a:tailEnd type="none" w="med" len="med"/>
+                    </a:lnB>
+                    <a:solidFill>
+                      <a:schemeClr val="bg2"/>
+                    </a:solidFill>
+                  </a:tcPr>
+                </a:tc>
+                <a:tc>
+                  <a:txBody>
+                    <a:bodyPr/>
+                    <a:lstStyle/>
+                    <a:p>
+                      <a:pPr marL="285750" indent="-285750" algn="l">
+                        <a:buFont typeface="Wingdings" panose="05000000000000000000" pitchFamily="2" charset="2"/>
+                        <a:buChar char="ü"/>
+                      </a:pPr>
+                      <a:endParaRPr lang="pt-PT" sz="1800" dirty="0">
+                        <a:solidFill>
+                          <a:sysClr val="windowText" lastClr="000000"/>
+                        </a:solidFill>
+                        <a:latin typeface="Times New Roman" panose="02020603050405020304" pitchFamily="18" charset="0"/>
+                        <a:cs typeface="Times New Roman" panose="02020603050405020304" pitchFamily="18" charset="0"/>
+                      </a:endParaRPr>
+                    </a:p>
+                  </a:txBody>
+                  <a:tcPr>
+                    <a:lnL w="12700" cap="flat" cmpd="sng" algn="ctr">
+                      <a:solidFill>
+                        <a:schemeClr val="tx1"/>
+                      </a:solidFill>
+                      <a:prstDash val="solid"/>
+                      <a:round/>
+                      <a:headEnd type="none" w="med" len="med"/>
+                      <a:tailEnd type="none" w="med" len="med"/>
+                    </a:lnL>
+                    <a:lnR w="12700" cap="flat" cmpd="sng" algn="ctr">
+                      <a:solidFill>
+                        <a:schemeClr val="tx1"/>
+                      </a:solidFill>
+                      <a:prstDash val="solid"/>
+                      <a:round/>
+                      <a:headEnd type="none" w="med" len="med"/>
+                      <a:tailEnd type="none" w="med" len="med"/>
+                    </a:lnR>
+                    <a:lnT w="12700" cap="flat" cmpd="sng" algn="ctr">
+                      <a:solidFill>
+                        <a:schemeClr val="tx1"/>
+                      </a:solidFill>
+                      <a:prstDash val="solid"/>
+                      <a:round/>
+                      <a:headEnd type="none" w="med" len="med"/>
+                      <a:tailEnd type="none" w="med" len="med"/>
+                    </a:lnT>
+                    <a:lnB w="12700" cap="flat" cmpd="sng" algn="ctr">
+                      <a:solidFill>
+                        <a:schemeClr val="tx1"/>
+                      </a:solidFill>
+                      <a:prstDash val="solid"/>
+                      <a:round/>
+                      <a:headEnd type="none" w="med" len="med"/>
+                      <a:tailEnd type="none" w="med" len="med"/>
+                    </a:lnB>
+                    <a:solidFill>
+                      <a:schemeClr val="bg2"/>
+                    </a:solidFill>
+                  </a:tcPr>
+                </a:tc>
+                <a:tc>
+                  <a:txBody>
+                    <a:bodyPr/>
+                    <a:lstStyle/>
+                    <a:p>
+                      <a:pPr algn="ctr"/>
+                      <a:endParaRPr lang="pt-PT" sz="1800" dirty="0">
+                        <a:solidFill>
+                          <a:sysClr val="windowText" lastClr="000000"/>
+                        </a:solidFill>
+                        <a:latin typeface="Times New Roman" panose="02020603050405020304" pitchFamily="18" charset="0"/>
+                        <a:cs typeface="Times New Roman" panose="02020603050405020304" pitchFamily="18" charset="0"/>
+                      </a:endParaRPr>
+                    </a:p>
+                  </a:txBody>
+                  <a:tcPr>
+                    <a:lnL w="12700" cap="flat" cmpd="sng" algn="ctr">
+                      <a:solidFill>
+                        <a:schemeClr val="tx1"/>
+                      </a:solidFill>
+                      <a:prstDash val="solid"/>
+                      <a:round/>
+                      <a:headEnd type="none" w="med" len="med"/>
+                      <a:tailEnd type="none" w="med" len="med"/>
+                    </a:lnL>
+                    <a:lnR w="12700" cap="flat" cmpd="sng" algn="ctr">
+                      <a:solidFill>
+                        <a:schemeClr val="tx1"/>
+                      </a:solidFill>
+                      <a:prstDash val="solid"/>
+                      <a:round/>
+                      <a:headEnd type="none" w="med" len="med"/>
+                      <a:tailEnd type="none" w="med" len="med"/>
+                    </a:lnR>
+                    <a:lnT w="12700" cap="flat" cmpd="sng" algn="ctr">
+                      <a:solidFill>
+                        <a:schemeClr val="tx1"/>
+                      </a:solidFill>
+                      <a:prstDash val="solid"/>
+                      <a:round/>
+                      <a:headEnd type="none" w="med" len="med"/>
+                      <a:tailEnd type="none" w="med" len="med"/>
+                    </a:lnT>
+                    <a:lnB w="12700" cap="flat" cmpd="sng" algn="ctr">
+                      <a:solidFill>
+                        <a:schemeClr val="tx1"/>
+                      </a:solidFill>
+                      <a:prstDash val="solid"/>
+                      <a:round/>
+                      <a:headEnd type="none" w="med" len="med"/>
+                      <a:tailEnd type="none" w="med" len="med"/>
+                    </a:lnB>
+                    <a:solidFill>
+                      <a:schemeClr val="bg2"/>
+                    </a:solidFill>
+                  </a:tcPr>
+                </a:tc>
+                <a:tc>
+                  <a:txBody>
+                    <a:bodyPr/>
+                    <a:lstStyle/>
+                    <a:p>
+                      <a:pPr algn="ctr"/>
+                      <a:r>
+                        <a:rPr lang="pt-PT" sz="1800" dirty="0">
+                          <a:latin typeface="Times New Roman" panose="02020603050405020304" pitchFamily="18" charset="0"/>
+                          <a:cs typeface="Times New Roman" panose="02020603050405020304" pitchFamily="18" charset="0"/>
+                        </a:rPr>
+                        <a:t>Total de Duração: 60h</a:t>
+                      </a:r>
+                    </a:p>
+                  </a:txBody>
+                  <a:tcPr>
+                    <a:lnL w="12700" cap="flat" cmpd="sng" algn="ctr">
+                      <a:solidFill>
+                        <a:schemeClr val="tx1"/>
+                      </a:solidFill>
+                      <a:prstDash val="solid"/>
+                      <a:round/>
+                      <a:headEnd type="none" w="med" len="med"/>
+                      <a:tailEnd type="none" w="med" len="med"/>
+                    </a:lnL>
+                    <a:lnR w="12700" cap="flat" cmpd="sng" algn="ctr">
+                      <a:solidFill>
+                        <a:schemeClr val="tx1"/>
+                      </a:solidFill>
+                      <a:prstDash val="solid"/>
+                      <a:round/>
+                      <a:headEnd type="none" w="med" len="med"/>
+                      <a:tailEnd type="none" w="med" len="med"/>
+                    </a:lnR>
+                    <a:lnT w="12700" cap="flat" cmpd="sng" algn="ctr">
+                      <a:solidFill>
+                        <a:schemeClr val="tx1"/>
+                      </a:solidFill>
+                      <a:prstDash val="solid"/>
+                      <a:round/>
+                      <a:headEnd type="none" w="med" len="med"/>
+                      <a:tailEnd type="none" w="med" len="med"/>
+                    </a:lnT>
+                    <a:lnB w="12700" cap="flat" cmpd="sng" algn="ctr">
+                      <a:solidFill>
+                        <a:schemeClr val="tx1"/>
+                      </a:solidFill>
+                      <a:prstDash val="solid"/>
+                      <a:round/>
+                      <a:headEnd type="none" w="med" len="med"/>
+                      <a:tailEnd type="none" w="med" len="med"/>
+                    </a:lnB>
+                    <a:solidFill>
+                      <a:schemeClr val="bg1"/>
+                    </a:solidFill>
+                  </a:tcPr>
+                </a:tc>
+                <a:tc>
+                  <a:txBody>
+                    <a:bodyPr/>
+                    <a:lstStyle/>
+                    <a:p>
+                      <a:pPr algn="ctr"/>
+                      <a:endParaRPr lang="pt-PT" sz="1800" dirty="0">
+                        <a:latin typeface="Times New Roman" panose="02020603050405020304" pitchFamily="18" charset="0"/>
+                        <a:cs typeface="Times New Roman" panose="02020603050405020304" pitchFamily="18" charset="0"/>
+                      </a:endParaRPr>
+                    </a:p>
+                  </a:txBody>
+                  <a:tcPr>
+                    <a:lnL w="12700" cap="flat" cmpd="sng" algn="ctr">
+                      <a:solidFill>
+                        <a:schemeClr val="tx1"/>
+                      </a:solidFill>
+                      <a:prstDash val="solid"/>
+                      <a:round/>
+                      <a:headEnd type="none" w="med" len="med"/>
+                      <a:tailEnd type="none" w="med" len="med"/>
+                    </a:lnL>
+                    <a:lnR w="12700" cap="flat" cmpd="sng" algn="ctr">
+                      <a:solidFill>
+                        <a:schemeClr val="tx1"/>
+                      </a:solidFill>
+                      <a:prstDash val="solid"/>
+                      <a:round/>
+                      <a:headEnd type="none" w="med" len="med"/>
+                      <a:tailEnd type="none" w="med" len="med"/>
+                    </a:lnR>
+                    <a:lnT w="12700" cap="flat" cmpd="sng" algn="ctr">
+                      <a:solidFill>
+                        <a:schemeClr val="tx1"/>
+                      </a:solidFill>
+                      <a:prstDash val="solid"/>
+                      <a:round/>
+                      <a:headEnd type="none" w="med" len="med"/>
+                      <a:tailEnd type="none" w="med" len="med"/>
+                    </a:lnT>
+                    <a:lnB w="12700" cap="flat" cmpd="sng" algn="ctr">
+                      <a:solidFill>
+                        <a:schemeClr val="tx1"/>
+                      </a:solidFill>
+                      <a:prstDash val="solid"/>
+                      <a:round/>
+                      <a:headEnd type="none" w="med" len="med"/>
+                      <a:tailEnd type="none" w="med" len="med"/>
+                    </a:lnB>
+                    <a:solidFill>
+                      <a:schemeClr val="bg1"/>
+                    </a:solidFill>
+                  </a:tcPr>
+                </a:tc>
+                <a:extLst>
+                  <a:ext uri="{0D108BD9-81ED-4DB2-BD59-A6C34878D82A}">
+                    <a16:rowId xmlns:a16="http://schemas.microsoft.com/office/drawing/2014/main" val="4250487570"/>
+                  </a:ext>
+                </a:extLst>
+              </a:tr>
+            </a:tbl>
+          </a:graphicData>
+        </a:graphic>
+      </p:graphicFrame>
+      <p:sp>
+        <p:nvSpPr>
+          <p:cNvPr id="6" name="CaixaDeTexto 5">
+            <a:extLst>
+              <a:ext uri="{FF2B5EF4-FFF2-40B4-BE49-F238E27FC236}">
+                <a16:creationId xmlns:a16="http://schemas.microsoft.com/office/drawing/2014/main" id="{35248FBA-B86F-6A1B-C8CF-4E59FB181AB6}"/>
+              </a:ext>
+            </a:extLst>
+          </p:cNvPr>
+          <p:cNvSpPr txBox="1"/>
+          <p:nvPr/>
+        </p:nvSpPr>
+        <p:spPr>
+          <a:xfrm>
+            <a:off x="82815" y="3198166"/>
+            <a:ext cx="2676182" cy="461665"/>
+          </a:xfrm>
+          <a:prstGeom prst="rect">
+            <a:avLst/>
+          </a:prstGeom>
+          <a:noFill/>
+        </p:spPr>
+        <p:txBody>
+          <a:bodyPr wrap="none" rtlCol="0">
+            <a:spAutoFit/>
+          </a:bodyPr>
+          <a:lstStyle/>
+          <a:p>
+            <a:r>
+              <a:rPr lang="pt-PT" sz="2400" b="1" dirty="0">
+                <a:solidFill>
+                  <a:schemeClr val="bg1"/>
+                </a:solidFill>
+                <a:latin typeface="Times New Roman" panose="02020603050405020304" pitchFamily="18" charset="0"/>
+                <a:cs typeface="Times New Roman" panose="02020603050405020304" pitchFamily="18" charset="0"/>
+              </a:rPr>
+              <a:t>Trabalho realizado</a:t>
+            </a:r>
+          </a:p>
+        </p:txBody>
+      </p:sp>
+      <p:sp>
+        <p:nvSpPr>
+          <p:cNvPr id="7" name="Marcador de Posição do Número do Diapositivo 6">
+            <a:extLst>
+              <a:ext uri="{FF2B5EF4-FFF2-40B4-BE49-F238E27FC236}">
+                <a16:creationId xmlns:a16="http://schemas.microsoft.com/office/drawing/2014/main" id="{28346711-22EA-8966-AE6F-8929217DCEB6}"/>
+              </a:ext>
+            </a:extLst>
+          </p:cNvPr>
+          <p:cNvSpPr>
+            <a:spLocks noGrp="1"/>
+          </p:cNvSpPr>
+          <p:nvPr>
+            <p:ph type="sldNum" sz="quarter" idx="12"/>
+          </p:nvPr>
+        </p:nvSpPr>
+        <p:spPr/>
+        <p:txBody>
+          <a:bodyPr/>
+          <a:lstStyle/>
+          <a:p>
+            <a:fld id="{F01DDC52-AADE-4553-A598-2BD136811E32}" type="slidenum">
+              <a:rPr lang="pt-PT" smtClean="0"/>
+              <a:t>5</a:t>
+            </a:fld>
+            <a:endParaRPr lang="pt-PT"/>
+          </a:p>
+        </p:txBody>
+      </p:sp>
+    </p:spTree>
+    <p:extLst>
+      <p:ext uri="{BB962C8B-B14F-4D97-AF65-F5344CB8AC3E}">
+        <p14:creationId xmlns:p14="http://schemas.microsoft.com/office/powerpoint/2010/main" val="3885150118"/>
+      </p:ext>
+    </p:extLst>
+  </p:cSld>
+  <p:clrMapOvr>
+    <a:masterClrMapping/>
+  </p:clrMapOvr>
+</p:sld>
+</file>
+
+<file path=ppt/slides/slide6.xml><?xml version="1.0" encoding="utf-8"?>
+<p:sld xmlns:a="http://schemas.openxmlformats.org/drawingml/2006/main" xmlns:r="http://schemas.openxmlformats.org/officeDocument/2006/relationships" xmlns:p="http://schemas.openxmlformats.org/presentationml/2006/main">
+  <p:cSld>
+    <p:spTree>
+      <p:nvGrpSpPr>
+        <p:cNvPr id="1" name=""/>
+        <p:cNvGrpSpPr/>
+        <p:nvPr/>
+      </p:nvGrpSpPr>
+      <p:grpSpPr>
+        <a:xfrm>
+          <a:off x="0" y="0"/>
+          <a:ext cx="0" cy="0"/>
+          <a:chOff x="0" y="0"/>
+          <a:chExt cx="0" cy="0"/>
+        </a:xfrm>
+      </p:grpSpPr>
+      <p:sp>
+        <p:nvSpPr>
+          <p:cNvPr id="2" name="Retângulo 1">
+            <a:extLst>
+              <a:ext uri="{FF2B5EF4-FFF2-40B4-BE49-F238E27FC236}">
+                <a16:creationId xmlns:a16="http://schemas.microsoft.com/office/drawing/2014/main" id="{D87D94E4-F82A-1338-FBD4-CDE90BB1FC1E}"/>
+              </a:ext>
+            </a:extLst>
+          </p:cNvPr>
+          <p:cNvSpPr/>
+          <p:nvPr/>
+        </p:nvSpPr>
+        <p:spPr>
+          <a:xfrm>
+            <a:off x="0" y="0"/>
+            <a:ext cx="2841812" cy="6858000"/>
+          </a:xfrm>
+          <a:prstGeom prst="rect">
+            <a:avLst/>
+          </a:prstGeom>
+          <a:solidFill>
+            <a:srgbClr val="FFC06D"/>
+          </a:solidFill>
+          <a:ln>
+            <a:solidFill>
+              <a:srgbClr val="FFC06D"/>
+            </a:solidFill>
+          </a:ln>
+        </p:spPr>
+        <p:style>
+          <a:lnRef idx="2">
+            <a:schemeClr val="accent1">
+              <a:shade val="15000"/>
+            </a:schemeClr>
+          </a:lnRef>
+          <a:fillRef idx="1">
+            <a:schemeClr val="accent1"/>
+          </a:fillRef>
+          <a:effectRef idx="0">
+            <a:schemeClr val="accent1"/>
+          </a:effectRef>
+          <a:fontRef idx="minor">
+            <a:schemeClr val="lt1"/>
+          </a:fontRef>
+        </p:style>
+        <p:txBody>
+          <a:bodyPr rtlCol="0" anchor="ctr"/>
+          <a:lstStyle/>
+          <a:p>
+            <a:pPr algn="ctr"/>
+            <a:endParaRPr lang="pt-PT"/>
+          </a:p>
+        </p:txBody>
+      </p:sp>
+      <p:sp>
+        <p:nvSpPr>
+          <p:cNvPr id="5" name="CaixaDeTexto 4">
+            <a:extLst>
+              <a:ext uri="{FF2B5EF4-FFF2-40B4-BE49-F238E27FC236}">
+                <a16:creationId xmlns:a16="http://schemas.microsoft.com/office/drawing/2014/main" id="{9651D71E-4C7C-AC36-02A6-0855FEBD87EF}"/>
+              </a:ext>
+            </a:extLst>
+          </p:cNvPr>
+          <p:cNvSpPr txBox="1"/>
+          <p:nvPr/>
+        </p:nvSpPr>
+        <p:spPr>
+          <a:xfrm>
+            <a:off x="671342" y="3198167"/>
+            <a:ext cx="1568058" cy="461665"/>
+          </a:xfrm>
+          <a:prstGeom prst="rect">
+            <a:avLst/>
+          </a:prstGeom>
+          <a:noFill/>
+        </p:spPr>
+        <p:txBody>
+          <a:bodyPr wrap="none" rtlCol="0">
+            <a:spAutoFit/>
+          </a:bodyPr>
+          <a:lstStyle/>
+          <a:p>
+            <a:r>
+              <a:rPr lang="pt-PT" sz="2400" b="1" dirty="0">
+                <a:solidFill>
+                  <a:schemeClr val="bg1"/>
+                </a:solidFill>
+                <a:latin typeface="Times New Roman" panose="02020603050405020304" pitchFamily="18" charset="0"/>
+                <a:cs typeface="Times New Roman" panose="02020603050405020304" pitchFamily="18" charset="0"/>
+              </a:rPr>
+              <a:t>Motivação</a:t>
+            </a:r>
+          </a:p>
+        </p:txBody>
+      </p:sp>
+      <p:sp>
+        <p:nvSpPr>
+          <p:cNvPr id="3" name="CaixaDeTexto 2">
+            <a:extLst>
+              <a:ext uri="{FF2B5EF4-FFF2-40B4-BE49-F238E27FC236}">
+                <a16:creationId xmlns:a16="http://schemas.microsoft.com/office/drawing/2014/main" id="{F6FFE9F1-DF4D-2216-E578-7CD5AB5EF106}"/>
+              </a:ext>
+            </a:extLst>
+          </p:cNvPr>
+          <p:cNvSpPr txBox="1"/>
+          <p:nvPr/>
+        </p:nvSpPr>
+        <p:spPr>
+          <a:xfrm>
+            <a:off x="3424518" y="672353"/>
+            <a:ext cx="8032376" cy="369332"/>
+          </a:xfrm>
+          <a:prstGeom prst="rect">
+            <a:avLst/>
+          </a:prstGeom>
+          <a:noFill/>
+        </p:spPr>
+        <p:txBody>
+          <a:bodyPr wrap="square" rtlCol="0">
+            <a:spAutoFit/>
+          </a:bodyPr>
+          <a:lstStyle/>
+          <a:p>
+            <a:pPr marL="285750" indent="-285750">
+              <a:buFont typeface="Wingdings" panose="05000000000000000000" pitchFamily="2" charset="2"/>
+              <a:buChar char="ü"/>
+            </a:pPr>
+            <a:r>
+              <a:rPr lang="pt-PT" dirty="0">
+                <a:highlight>
+                  <a:srgbClr val="FFFF00"/>
+                </a:highlight>
+              </a:rPr>
+              <a:t>Concluir</a:t>
+            </a:r>
+            <a:r>
+              <a:rPr lang="pt-PT" dirty="0"/>
+              <a:t>;</a:t>
+            </a:r>
+          </a:p>
+        </p:txBody>
+      </p:sp>
+      <p:sp>
+        <p:nvSpPr>
+          <p:cNvPr id="4" name="Marcador de Posição do Número do Diapositivo 3">
+            <a:extLst>
+              <a:ext uri="{FF2B5EF4-FFF2-40B4-BE49-F238E27FC236}">
+                <a16:creationId xmlns:a16="http://schemas.microsoft.com/office/drawing/2014/main" id="{22DF0FC3-B577-3F74-C694-24B65C1DC091}"/>
+              </a:ext>
+            </a:extLst>
+          </p:cNvPr>
+          <p:cNvSpPr>
+            <a:spLocks noGrp="1"/>
+          </p:cNvSpPr>
+          <p:nvPr>
+            <p:ph type="sldNum" sz="quarter" idx="12"/>
+          </p:nvPr>
+        </p:nvSpPr>
+        <p:spPr/>
+        <p:txBody>
+          <a:bodyPr/>
+          <a:lstStyle/>
+          <a:p>
+            <a:fld id="{F01DDC52-AADE-4553-A598-2BD136811E32}" type="slidenum">
+              <a:rPr lang="pt-PT" smtClean="0"/>
+              <a:t>6</a:t>
+            </a:fld>
+            <a:endParaRPr lang="pt-PT"/>
+          </a:p>
+        </p:txBody>
+      </p:sp>
+    </p:spTree>
+    <p:extLst>
+      <p:ext uri="{BB962C8B-B14F-4D97-AF65-F5344CB8AC3E}">
+        <p14:creationId xmlns:p14="http://schemas.microsoft.com/office/powerpoint/2010/main" val="4098960556"/>
+      </p:ext>
+    </p:extLst>
+  </p:cSld>
+  <p:clrMapOvr>
+    <a:masterClrMapping/>
+  </p:clrMapOvr>
+</p:sld>
+</file>
+
+<file path=ppt/slides/slide7.xml><?xml version="1.0" encoding="utf-8"?>
+<p:sld xmlns:a="http://schemas.openxmlformats.org/drawingml/2006/main" xmlns:r="http://schemas.openxmlformats.org/officeDocument/2006/relationships" xmlns:p="http://schemas.openxmlformats.org/presentationml/2006/main">
+  <p:cSld>
+    <p:spTree>
+      <p:nvGrpSpPr>
+        <p:cNvPr id="1" name=""/>
+        <p:cNvGrpSpPr/>
+        <p:nvPr/>
+      </p:nvGrpSpPr>
+      <p:grpSpPr>
+        <a:xfrm>
+          <a:off x="0" y="0"/>
+          <a:ext cx="0" cy="0"/>
+          <a:chOff x="0" y="0"/>
+          <a:chExt cx="0" cy="0"/>
+        </a:xfrm>
+      </p:grpSpPr>
+      <p:sp>
+        <p:nvSpPr>
+          <p:cNvPr id="2" name="Retângulo 1">
+            <a:extLst>
+              <a:ext uri="{FF2B5EF4-FFF2-40B4-BE49-F238E27FC236}">
+                <a16:creationId xmlns:a16="http://schemas.microsoft.com/office/drawing/2014/main" id="{D87D94E4-F82A-1338-FBD4-CDE90BB1FC1E}"/>
+              </a:ext>
+            </a:extLst>
+          </p:cNvPr>
+          <p:cNvSpPr/>
+          <p:nvPr/>
+        </p:nvSpPr>
+        <p:spPr>
+          <a:xfrm>
+            <a:off x="0" y="0"/>
+            <a:ext cx="2841812" cy="6858000"/>
+          </a:xfrm>
+          <a:prstGeom prst="rect">
+            <a:avLst/>
+          </a:prstGeom>
+          <a:solidFill>
+            <a:srgbClr val="FFC06D"/>
+          </a:solidFill>
+          <a:ln>
+            <a:solidFill>
+              <a:srgbClr val="FFC06D"/>
+            </a:solidFill>
+          </a:ln>
+        </p:spPr>
+        <p:style>
+          <a:lnRef idx="2">
+            <a:schemeClr val="accent1">
+              <a:shade val="15000"/>
+            </a:schemeClr>
+          </a:lnRef>
+          <a:fillRef idx="1">
+            <a:schemeClr val="accent1"/>
+          </a:fillRef>
+          <a:effectRef idx="0">
+            <a:schemeClr val="accent1"/>
+          </a:effectRef>
+          <a:fontRef idx="minor">
+            <a:schemeClr val="lt1"/>
+          </a:fontRef>
+        </p:style>
+        <p:txBody>
+          <a:bodyPr rtlCol="0" anchor="ctr"/>
+          <a:lstStyle/>
+          <a:p>
+            <a:pPr algn="ctr"/>
+            <a:endParaRPr lang="pt-PT"/>
+          </a:p>
+        </p:txBody>
+      </p:sp>
+      <p:sp>
+        <p:nvSpPr>
+          <p:cNvPr id="5" name="CaixaDeTexto 4">
+            <a:extLst>
+              <a:ext uri="{FF2B5EF4-FFF2-40B4-BE49-F238E27FC236}">
+                <a16:creationId xmlns:a16="http://schemas.microsoft.com/office/drawing/2014/main" id="{9651D71E-4C7C-AC36-02A6-0855FEBD87EF}"/>
+              </a:ext>
+            </a:extLst>
+          </p:cNvPr>
+          <p:cNvSpPr txBox="1"/>
+          <p:nvPr/>
+        </p:nvSpPr>
+        <p:spPr>
+          <a:xfrm>
+            <a:off x="-52831" y="3198167"/>
+            <a:ext cx="2947474" cy="461665"/>
+          </a:xfrm>
+          <a:prstGeom prst="rect">
+            <a:avLst/>
+          </a:prstGeom>
+          <a:noFill/>
+        </p:spPr>
+        <p:txBody>
+          <a:bodyPr wrap="none" rtlCol="0">
+            <a:spAutoFit/>
+          </a:bodyPr>
+          <a:lstStyle/>
+          <a:p>
+            <a:r>
+              <a:rPr lang="pt-PT" sz="2400" b="1" dirty="0">
+                <a:solidFill>
+                  <a:schemeClr val="bg1"/>
+                </a:solidFill>
+                <a:latin typeface="Times New Roman" panose="02020603050405020304" pitchFamily="18" charset="0"/>
+                <a:cs typeface="Times New Roman" panose="02020603050405020304" pitchFamily="18" charset="0"/>
+              </a:rPr>
+              <a:t>Problemas e soluções</a:t>
+            </a:r>
+          </a:p>
+        </p:txBody>
+      </p:sp>
+      <p:graphicFrame>
+        <p:nvGraphicFramePr>
+          <p:cNvPr id="3" name="Tabela 2">
+            <a:extLst>
+              <a:ext uri="{FF2B5EF4-FFF2-40B4-BE49-F238E27FC236}">
+                <a16:creationId xmlns:a16="http://schemas.microsoft.com/office/drawing/2014/main" id="{874CF23D-30A9-FE77-838F-8998D33D60C9}"/>
+              </a:ext>
+            </a:extLst>
+          </p:cNvPr>
+          <p:cNvGraphicFramePr>
+            <a:graphicFrameLocks noGrp="1"/>
+          </p:cNvGraphicFramePr>
+          <p:nvPr>
+            <p:extLst>
+              <p:ext uri="{D42A27DB-BD31-4B8C-83A1-F6EECF244321}">
+                <p14:modId xmlns:p14="http://schemas.microsoft.com/office/powerpoint/2010/main" val="3713696022"/>
+              </p:ext>
+            </p:extLst>
+          </p:nvPr>
+        </p:nvGraphicFramePr>
+        <p:xfrm>
+          <a:off x="3457388" y="2190377"/>
+          <a:ext cx="8128000" cy="3205480"/>
+        </p:xfrm>
+        <a:graphic>
+          <a:graphicData uri="http://schemas.openxmlformats.org/drawingml/2006/table">
+            <a:tbl>
+              <a:tblPr firstRow="1" bandRow="1">
+                <a:tableStyleId>{5C22544A-7EE6-4342-B048-85BDC9FD1C3A}</a:tableStyleId>
+              </a:tblPr>
+              <a:tblGrid>
+                <a:gridCol w="4064000">
+                  <a:extLst>
+                    <a:ext uri="{9D8B030D-6E8A-4147-A177-3AD203B41FA5}">
+                      <a16:colId xmlns:a16="http://schemas.microsoft.com/office/drawing/2014/main" val="3626579494"/>
+                    </a:ext>
+                  </a:extLst>
+                </a:gridCol>
+                <a:gridCol w="4064000">
+                  <a:extLst>
+                    <a:ext uri="{9D8B030D-6E8A-4147-A177-3AD203B41FA5}">
+                      <a16:colId xmlns:a16="http://schemas.microsoft.com/office/drawing/2014/main" val="1331635365"/>
+                    </a:ext>
+                  </a:extLst>
+                </a:gridCol>
+              </a:tblGrid>
+              <a:tr h="370840">
+                <a:tc>
+                  <a:txBody>
+                    <a:bodyPr/>
+                    <a:lstStyle/>
+                    <a:p>
+                      <a:pPr algn="ctr"/>
+                      <a:r>
+                        <a:rPr lang="pt-PT" b="0" u="sng" dirty="0">
+                          <a:solidFill>
+                            <a:schemeClr val="tx1"/>
+                          </a:solidFill>
+                          <a:latin typeface="Times New Roman" panose="02020603050405020304" pitchFamily="18" charset="0"/>
+                          <a:cs typeface="Times New Roman" panose="02020603050405020304" pitchFamily="18" charset="0"/>
+                        </a:rPr>
+                        <a:t>Dificuldades esperadas</a:t>
+                      </a:r>
+                    </a:p>
+                  </a:txBody>
+                  <a:tcPr>
+                    <a:lnL w="12700" cap="flat" cmpd="sng" algn="ctr">
+                      <a:solidFill>
+                        <a:schemeClr val="tx1"/>
+                      </a:solidFill>
+                      <a:prstDash val="solid"/>
+                      <a:round/>
+                      <a:headEnd type="none" w="med" len="med"/>
+                      <a:tailEnd type="none" w="med" len="med"/>
+                    </a:lnL>
+                    <a:lnR w="12700" cap="flat" cmpd="sng" algn="ctr">
+                      <a:solidFill>
+                        <a:schemeClr val="tx1"/>
+                      </a:solidFill>
+                      <a:prstDash val="solid"/>
+                      <a:round/>
+                      <a:headEnd type="none" w="med" len="med"/>
+                      <a:tailEnd type="none" w="med" len="med"/>
+                    </a:lnR>
+                    <a:lnT w="12700" cap="flat" cmpd="sng" algn="ctr">
+                      <a:solidFill>
+                        <a:schemeClr val="tx1"/>
+                      </a:solidFill>
+                      <a:prstDash val="solid"/>
+                      <a:round/>
+                      <a:headEnd type="none" w="med" len="med"/>
+                      <a:tailEnd type="none" w="med" len="med"/>
+                    </a:lnT>
+                    <a:lnB w="12700" cap="flat" cmpd="sng" algn="ctr">
+                      <a:solidFill>
+                        <a:schemeClr val="tx1"/>
+                      </a:solidFill>
+                      <a:prstDash val="solid"/>
+                      <a:round/>
+                      <a:headEnd type="none" w="med" len="med"/>
+                      <a:tailEnd type="none" w="med" len="med"/>
+                    </a:lnB>
+                    <a:solidFill>
+                      <a:schemeClr val="bg1"/>
+                    </a:solidFill>
+                  </a:tcPr>
+                </a:tc>
+                <a:tc>
+                  <a:txBody>
+                    <a:bodyPr/>
+                    <a:lstStyle/>
+                    <a:p>
+                      <a:pPr algn="ctr"/>
+                      <a:r>
+                        <a:rPr lang="pt-PT" b="0" u="sng" dirty="0">
+                          <a:solidFill>
+                            <a:schemeClr val="tx1"/>
+                          </a:solidFill>
+                          <a:latin typeface="Times New Roman" panose="02020603050405020304" pitchFamily="18" charset="0"/>
+                          <a:cs typeface="Times New Roman" panose="02020603050405020304" pitchFamily="18" charset="0"/>
+                        </a:rPr>
+                        <a:t>Possíveis soluções</a:t>
+                      </a:r>
+                    </a:p>
+                  </a:txBody>
+                  <a:tcPr>
+                    <a:lnL w="12700" cap="flat" cmpd="sng" algn="ctr">
+                      <a:solidFill>
+                        <a:schemeClr val="tx1"/>
+                      </a:solidFill>
+                      <a:prstDash val="solid"/>
+                      <a:round/>
+                      <a:headEnd type="none" w="med" len="med"/>
+                      <a:tailEnd type="none" w="med" len="med"/>
+                    </a:lnL>
+                    <a:lnR w="12700" cap="flat" cmpd="sng" algn="ctr">
+                      <a:solidFill>
+                        <a:schemeClr val="tx1"/>
+                      </a:solidFill>
+                      <a:prstDash val="solid"/>
+                      <a:round/>
+                      <a:headEnd type="none" w="med" len="med"/>
+                      <a:tailEnd type="none" w="med" len="med"/>
+                    </a:lnR>
+                    <a:lnT w="12700" cap="flat" cmpd="sng" algn="ctr">
+                      <a:solidFill>
+                        <a:schemeClr val="tx1"/>
+                      </a:solidFill>
+                      <a:prstDash val="solid"/>
+                      <a:round/>
+                      <a:headEnd type="none" w="med" len="med"/>
+                      <a:tailEnd type="none" w="med" len="med"/>
+                    </a:lnT>
+                    <a:lnB w="12700" cap="flat" cmpd="sng" algn="ctr">
+                      <a:solidFill>
+                        <a:schemeClr val="tx1"/>
+                      </a:solidFill>
+                      <a:prstDash val="solid"/>
+                      <a:round/>
+                      <a:headEnd type="none" w="med" len="med"/>
+                      <a:tailEnd type="none" w="med" len="med"/>
+                    </a:lnB>
+                    <a:solidFill>
+                      <a:schemeClr val="bg1"/>
+                    </a:solidFill>
+                  </a:tcPr>
+                </a:tc>
+                <a:extLst>
+                  <a:ext uri="{0D108BD9-81ED-4DB2-BD59-A6C34878D82A}">
+                    <a16:rowId xmlns:a16="http://schemas.microsoft.com/office/drawing/2014/main" val="556529404"/>
+                  </a:ext>
+                </a:extLst>
+              </a:tr>
+              <a:tr h="370840">
+                <a:tc>
+                  <a:txBody>
+                    <a:bodyPr/>
+                    <a:lstStyle/>
+                    <a:p>
+                      <a:pPr algn="ctr"/>
+                      <a:endParaRPr lang="pt-PT" dirty="0"/>
+                    </a:p>
+                    <a:p>
+                      <a:pPr algn="ctr"/>
+                      <a:r>
+                        <a:rPr lang="pt-PT" dirty="0">
+                          <a:latin typeface="Times New Roman" panose="02020603050405020304" pitchFamily="18" charset="0"/>
+                          <a:cs typeface="Times New Roman" panose="02020603050405020304" pitchFamily="18" charset="0"/>
+                        </a:rPr>
+                        <a:t>Implementação geral da aplicação</a:t>
+                      </a:r>
+                    </a:p>
+                  </a:txBody>
+                  <a:tcPr>
+                    <a:lnL w="12700" cap="flat" cmpd="sng" algn="ctr">
+                      <a:solidFill>
+                        <a:schemeClr val="tx1"/>
+                      </a:solidFill>
+                      <a:prstDash val="solid"/>
+                      <a:round/>
+                      <a:headEnd type="none" w="med" len="med"/>
+                      <a:tailEnd type="none" w="med" len="med"/>
+                    </a:lnL>
+                    <a:lnR w="12700" cap="flat" cmpd="sng" algn="ctr">
+                      <a:solidFill>
+                        <a:schemeClr val="tx1"/>
+                      </a:solidFill>
+                      <a:prstDash val="solid"/>
+                      <a:round/>
+                      <a:headEnd type="none" w="med" len="med"/>
+                      <a:tailEnd type="none" w="med" len="med"/>
+                    </a:lnR>
+                    <a:lnT w="12700" cap="flat" cmpd="sng" algn="ctr">
+                      <a:solidFill>
+                        <a:schemeClr val="tx1"/>
+                      </a:solidFill>
+                      <a:prstDash val="solid"/>
+                      <a:round/>
+                      <a:headEnd type="none" w="med" len="med"/>
+                      <a:tailEnd type="none" w="med" len="med"/>
+                    </a:lnT>
+                    <a:lnB w="12700" cap="flat" cmpd="sng" algn="ctr">
+                      <a:solidFill>
+                        <a:schemeClr val="tx1"/>
+                      </a:solidFill>
+                      <a:prstDash val="solid"/>
+                      <a:round/>
+                      <a:headEnd type="none" w="med" len="med"/>
+                      <a:tailEnd type="none" w="med" len="med"/>
+                    </a:lnB>
+                    <a:solidFill>
+                      <a:schemeClr val="bg1"/>
+                    </a:solidFill>
+                  </a:tcPr>
+                </a:tc>
+                <a:tc>
+                  <a:txBody>
+                    <a:bodyPr/>
+                    <a:lstStyle/>
+                    <a:p>
+                      <a:pPr algn="ctr"/>
+                      <a:r>
+                        <a:rPr lang="pt-PT" dirty="0">
+                          <a:latin typeface="Times New Roman" panose="02020603050405020304" pitchFamily="18" charset="0"/>
+                          <a:cs typeface="Times New Roman" panose="02020603050405020304" pitchFamily="18" charset="0"/>
+                        </a:rPr>
+                        <a:t>Treino e consulta de exemplos realizados em período letivo e/ou consulta na internet.</a:t>
+                      </a:r>
+                    </a:p>
+                  </a:txBody>
+                  <a:tcPr>
+                    <a:lnL w="12700" cap="flat" cmpd="sng" algn="ctr">
+                      <a:solidFill>
+                        <a:schemeClr val="tx1"/>
+                      </a:solidFill>
+                      <a:prstDash val="solid"/>
+                      <a:round/>
+                      <a:headEnd type="none" w="med" len="med"/>
+                      <a:tailEnd type="none" w="med" len="med"/>
+                    </a:lnL>
+                    <a:lnR w="12700" cap="flat" cmpd="sng" algn="ctr">
+                      <a:solidFill>
+                        <a:schemeClr val="tx1"/>
+                      </a:solidFill>
+                      <a:prstDash val="solid"/>
+                      <a:round/>
+                      <a:headEnd type="none" w="med" len="med"/>
+                      <a:tailEnd type="none" w="med" len="med"/>
+                    </a:lnR>
+                    <a:lnT w="12700" cap="flat" cmpd="sng" algn="ctr">
+                      <a:solidFill>
+                        <a:schemeClr val="tx1"/>
+                      </a:solidFill>
+                      <a:prstDash val="solid"/>
+                      <a:round/>
+                      <a:headEnd type="none" w="med" len="med"/>
+                      <a:tailEnd type="none" w="med" len="med"/>
+                    </a:lnT>
+                    <a:lnB w="12700" cap="flat" cmpd="sng" algn="ctr">
+                      <a:solidFill>
+                        <a:schemeClr val="tx1"/>
+                      </a:solidFill>
+                      <a:prstDash val="solid"/>
+                      <a:round/>
+                      <a:headEnd type="none" w="med" len="med"/>
+                      <a:tailEnd type="none" w="med" len="med"/>
+                    </a:lnB>
+                    <a:solidFill>
+                      <a:schemeClr val="bg1"/>
+                    </a:solidFill>
+                  </a:tcPr>
+                </a:tc>
+                <a:extLst>
+                  <a:ext uri="{0D108BD9-81ED-4DB2-BD59-A6C34878D82A}">
+                    <a16:rowId xmlns:a16="http://schemas.microsoft.com/office/drawing/2014/main" val="700809732"/>
+                  </a:ext>
+                </a:extLst>
+              </a:tr>
+              <a:tr h="370840">
+                <a:tc>
+                  <a:txBody>
+                    <a:bodyPr/>
+                    <a:lstStyle/>
+                    <a:p>
+                      <a:pPr algn="ctr"/>
+                      <a:r>
+                        <a:rPr lang="pt-PT" dirty="0">
+                          <a:latin typeface="Times New Roman" panose="02020603050405020304" pitchFamily="18" charset="0"/>
+                          <a:cs typeface="Times New Roman" panose="02020603050405020304" pitchFamily="18" charset="0"/>
+                        </a:rPr>
+                        <a:t>Ligação da API </a:t>
+                      </a:r>
+                    </a:p>
+                  </a:txBody>
+                  <a:tcPr>
+                    <a:lnL w="12700" cap="flat" cmpd="sng" algn="ctr">
+                      <a:solidFill>
+                        <a:schemeClr val="tx1"/>
+                      </a:solidFill>
+                      <a:prstDash val="solid"/>
+                      <a:round/>
+                      <a:headEnd type="none" w="med" len="med"/>
+                      <a:tailEnd type="none" w="med" len="med"/>
+                    </a:lnL>
+                    <a:lnR w="12700" cap="flat" cmpd="sng" algn="ctr">
+                      <a:solidFill>
+                        <a:schemeClr val="tx1"/>
+                      </a:solidFill>
+                      <a:prstDash val="solid"/>
+                      <a:round/>
+                      <a:headEnd type="none" w="med" len="med"/>
+                      <a:tailEnd type="none" w="med" len="med"/>
+                    </a:lnR>
+                    <a:lnT w="12700" cap="flat" cmpd="sng" algn="ctr">
+                      <a:solidFill>
+                        <a:schemeClr val="tx1"/>
+                      </a:solidFill>
+                      <a:prstDash val="solid"/>
+                      <a:round/>
+                      <a:headEnd type="none" w="med" len="med"/>
+                      <a:tailEnd type="none" w="med" len="med"/>
+                    </a:lnT>
+                    <a:lnB w="12700" cap="flat" cmpd="sng" algn="ctr">
+                      <a:solidFill>
+                        <a:schemeClr val="tx1"/>
+                      </a:solidFill>
+                      <a:prstDash val="solid"/>
+                      <a:round/>
+                      <a:headEnd type="none" w="med" len="med"/>
+                      <a:tailEnd type="none" w="med" len="med"/>
+                    </a:lnB>
+                    <a:solidFill>
+                      <a:schemeClr val="bg1"/>
+                    </a:solidFill>
+                  </a:tcPr>
+                </a:tc>
+                <a:tc>
+                  <a:txBody>
+                    <a:bodyPr/>
+                    <a:lstStyle/>
+                    <a:p>
+                      <a:pPr algn="ctr"/>
+                      <a:r>
+                        <a:rPr lang="pt-PT" dirty="0">
+                          <a:latin typeface="Times New Roman" panose="02020603050405020304" pitchFamily="18" charset="0"/>
+                          <a:cs typeface="Times New Roman" panose="02020603050405020304" pitchFamily="18" charset="0"/>
+                        </a:rPr>
+                        <a:t>Treino e consulta de exemplos realizados sobre a API</a:t>
+                      </a:r>
+                    </a:p>
+                  </a:txBody>
+                  <a:tcPr>
+                    <a:lnL w="12700" cap="flat" cmpd="sng" algn="ctr">
+                      <a:solidFill>
+                        <a:schemeClr val="tx1"/>
+                      </a:solidFill>
+                      <a:prstDash val="solid"/>
+                      <a:round/>
+                      <a:headEnd type="none" w="med" len="med"/>
+                      <a:tailEnd type="none" w="med" len="med"/>
+                    </a:lnL>
+                    <a:lnR w="12700" cap="flat" cmpd="sng" algn="ctr">
+                      <a:solidFill>
+                        <a:schemeClr val="tx1"/>
+                      </a:solidFill>
+                      <a:prstDash val="solid"/>
+                      <a:round/>
+                      <a:headEnd type="none" w="med" len="med"/>
+                      <a:tailEnd type="none" w="med" len="med"/>
+                    </a:lnR>
+                    <a:lnT w="12700" cap="flat" cmpd="sng" algn="ctr">
+                      <a:solidFill>
+                        <a:schemeClr val="tx1"/>
+                      </a:solidFill>
+                      <a:prstDash val="solid"/>
+                      <a:round/>
+                      <a:headEnd type="none" w="med" len="med"/>
+                      <a:tailEnd type="none" w="med" len="med"/>
+                    </a:lnT>
+                    <a:lnB w="12700" cap="flat" cmpd="sng" algn="ctr">
+                      <a:solidFill>
+                        <a:schemeClr val="tx1"/>
+                      </a:solidFill>
+                      <a:prstDash val="solid"/>
+                      <a:round/>
+                      <a:headEnd type="none" w="med" len="med"/>
+                      <a:tailEnd type="none" w="med" len="med"/>
+                    </a:lnB>
+                    <a:solidFill>
+                      <a:schemeClr val="bg1"/>
+                    </a:solidFill>
+                  </a:tcPr>
+                </a:tc>
+                <a:extLst>
+                  <a:ext uri="{0D108BD9-81ED-4DB2-BD59-A6C34878D82A}">
+                    <a16:rowId xmlns:a16="http://schemas.microsoft.com/office/drawing/2014/main" val="3636893808"/>
+                  </a:ext>
+                </a:extLst>
+              </a:tr>
+              <a:tr h="370840">
+                <a:tc>
+                  <a:txBody>
+                    <a:bodyPr/>
+                    <a:lstStyle/>
+                    <a:p>
+                      <a:pPr algn="ctr"/>
+                      <a:r>
+                        <a:rPr lang="pt-PT" dirty="0">
+                          <a:latin typeface="Times New Roman" panose="02020603050405020304" pitchFamily="18" charset="0"/>
+                          <a:cs typeface="Times New Roman" panose="02020603050405020304" pitchFamily="18" charset="0"/>
+                        </a:rPr>
+                        <a:t>Bom funcionamento das 3 componentes</a:t>
+                      </a:r>
+                    </a:p>
+                  </a:txBody>
+                  <a:tcPr>
+                    <a:lnL w="12700" cap="flat" cmpd="sng" algn="ctr">
+                      <a:solidFill>
+                        <a:schemeClr val="tx1"/>
+                      </a:solidFill>
+                      <a:prstDash val="solid"/>
+                      <a:round/>
+                      <a:headEnd type="none" w="med" len="med"/>
+                      <a:tailEnd type="none" w="med" len="med"/>
+                    </a:lnL>
+                    <a:lnR w="12700" cap="flat" cmpd="sng" algn="ctr">
+                      <a:solidFill>
+                        <a:schemeClr val="tx1"/>
+                      </a:solidFill>
+                      <a:prstDash val="solid"/>
+                      <a:round/>
+                      <a:headEnd type="none" w="med" len="med"/>
+                      <a:tailEnd type="none" w="med" len="med"/>
+                    </a:lnR>
+                    <a:lnT w="12700" cap="flat" cmpd="sng" algn="ctr">
+                      <a:solidFill>
+                        <a:schemeClr val="tx1"/>
+                      </a:solidFill>
+                      <a:prstDash val="solid"/>
+                      <a:round/>
+                      <a:headEnd type="none" w="med" len="med"/>
+                      <a:tailEnd type="none" w="med" len="med"/>
+                    </a:lnT>
+                    <a:lnB w="12700" cap="flat" cmpd="sng" algn="ctr">
+                      <a:solidFill>
+                        <a:schemeClr val="tx1"/>
+                      </a:solidFill>
+                      <a:prstDash val="solid"/>
+                      <a:round/>
+                      <a:headEnd type="none" w="med" len="med"/>
+                      <a:tailEnd type="none" w="med" len="med"/>
+                    </a:lnB>
+                    <a:solidFill>
+                      <a:schemeClr val="bg1"/>
+                    </a:solidFill>
+                  </a:tcPr>
+                </a:tc>
+                <a:tc>
+                  <a:txBody>
+                    <a:bodyPr/>
+                    <a:lstStyle/>
+                    <a:p>
+                      <a:pPr algn="ctr"/>
+                      <a:r>
+                        <a:rPr lang="pt-PT" dirty="0">
+                          <a:latin typeface="Times New Roman" panose="02020603050405020304" pitchFamily="18" charset="0"/>
+                          <a:cs typeface="Times New Roman" panose="02020603050405020304" pitchFamily="18" charset="0"/>
+                        </a:rPr>
+                        <a:t>Monitoramento das componentes e colaboração efetiva</a:t>
+                      </a:r>
+                    </a:p>
+                  </a:txBody>
+                  <a:tcPr>
+                    <a:lnL w="12700" cap="flat" cmpd="sng" algn="ctr">
+                      <a:solidFill>
+                        <a:schemeClr val="tx1"/>
+                      </a:solidFill>
+                      <a:prstDash val="solid"/>
+                      <a:round/>
+                      <a:headEnd type="none" w="med" len="med"/>
+                      <a:tailEnd type="none" w="med" len="med"/>
+                    </a:lnL>
+                    <a:lnR w="12700" cap="flat" cmpd="sng" algn="ctr">
+                      <a:solidFill>
+                        <a:schemeClr val="tx1"/>
+                      </a:solidFill>
+                      <a:prstDash val="solid"/>
+                      <a:round/>
+                      <a:headEnd type="none" w="med" len="med"/>
+                      <a:tailEnd type="none" w="med" len="med"/>
+                    </a:lnR>
+                    <a:lnT w="12700" cap="flat" cmpd="sng" algn="ctr">
+                      <a:solidFill>
+                        <a:schemeClr val="tx1"/>
+                      </a:solidFill>
+                      <a:prstDash val="solid"/>
+                      <a:round/>
+                      <a:headEnd type="none" w="med" len="med"/>
+                      <a:tailEnd type="none" w="med" len="med"/>
+                    </a:lnT>
+                    <a:lnB w="12700" cap="flat" cmpd="sng" algn="ctr">
+                      <a:solidFill>
+                        <a:schemeClr val="tx1"/>
+                      </a:solidFill>
+                      <a:prstDash val="solid"/>
+                      <a:round/>
+                      <a:headEnd type="none" w="med" len="med"/>
+                      <a:tailEnd type="none" w="med" len="med"/>
+                    </a:lnB>
+                    <a:solidFill>
+                      <a:schemeClr val="bg1"/>
+                    </a:solidFill>
+                  </a:tcPr>
+                </a:tc>
+                <a:extLst>
+                  <a:ext uri="{0D108BD9-81ED-4DB2-BD59-A6C34878D82A}">
+                    <a16:rowId xmlns:a16="http://schemas.microsoft.com/office/drawing/2014/main" val="2416201739"/>
+                  </a:ext>
+                </a:extLst>
+              </a:tr>
+              <a:tr h="370840">
+                <a:tc>
+                  <a:txBody>
+                    <a:bodyPr/>
+                    <a:lstStyle/>
+                    <a:p>
+                      <a:pPr algn="ctr"/>
+                      <a:r>
+                        <a:rPr lang="pt-PT" dirty="0">
+                          <a:latin typeface="Times New Roman" panose="02020603050405020304" pitchFamily="18" charset="0"/>
+                          <a:cs typeface="Times New Roman" panose="02020603050405020304" pitchFamily="18" charset="0"/>
+                        </a:rPr>
+                        <a:t>Gestão do tempo (na implementação)</a:t>
+                      </a:r>
+                    </a:p>
+                  </a:txBody>
+                  <a:tcPr>
+                    <a:lnL w="12700" cap="flat" cmpd="sng" algn="ctr">
+                      <a:solidFill>
+                        <a:schemeClr val="tx1"/>
+                      </a:solidFill>
+                      <a:prstDash val="solid"/>
+                      <a:round/>
+                      <a:headEnd type="none" w="med" len="med"/>
+                      <a:tailEnd type="none" w="med" len="med"/>
+                    </a:lnL>
+                    <a:lnR w="12700" cap="flat" cmpd="sng" algn="ctr">
+                      <a:solidFill>
+                        <a:schemeClr val="tx1"/>
+                      </a:solidFill>
+                      <a:prstDash val="solid"/>
+                      <a:round/>
+                      <a:headEnd type="none" w="med" len="med"/>
+                      <a:tailEnd type="none" w="med" len="med"/>
+                    </a:lnR>
+                    <a:lnT w="12700" cap="flat" cmpd="sng" algn="ctr">
+                      <a:solidFill>
+                        <a:schemeClr val="tx1"/>
+                      </a:solidFill>
+                      <a:prstDash val="solid"/>
+                      <a:round/>
+                      <a:headEnd type="none" w="med" len="med"/>
+                      <a:tailEnd type="none" w="med" len="med"/>
+                    </a:lnT>
+                    <a:lnB w="12700" cap="flat" cmpd="sng" algn="ctr">
+                      <a:solidFill>
+                        <a:schemeClr val="tx1"/>
+                      </a:solidFill>
+                      <a:prstDash val="solid"/>
+                      <a:round/>
+                      <a:headEnd type="none" w="med" len="med"/>
+                      <a:tailEnd type="none" w="med" len="med"/>
+                    </a:lnB>
+                    <a:solidFill>
+                      <a:schemeClr val="bg1"/>
+                    </a:solidFill>
+                  </a:tcPr>
+                </a:tc>
+                <a:tc>
+                  <a:txBody>
+                    <a:bodyPr/>
+                    <a:lstStyle/>
+                    <a:p>
+                      <a:pPr algn="ctr"/>
+                      <a:r>
+                        <a:rPr lang="pt-PT" dirty="0">
+                          <a:latin typeface="Times New Roman" panose="02020603050405020304" pitchFamily="18" charset="0"/>
+                          <a:cs typeface="Times New Roman" panose="02020603050405020304" pitchFamily="18" charset="0"/>
+                        </a:rPr>
+                        <a:t>Desenvolvimento à medida que os tópicos são lecionados.</a:t>
+                      </a:r>
+                    </a:p>
+                  </a:txBody>
+                  <a:tcPr>
+                    <a:lnL w="12700" cap="flat" cmpd="sng" algn="ctr">
+                      <a:solidFill>
+                        <a:schemeClr val="tx1"/>
+                      </a:solidFill>
+                      <a:prstDash val="solid"/>
+                      <a:round/>
+                      <a:headEnd type="none" w="med" len="med"/>
+                      <a:tailEnd type="none" w="med" len="med"/>
+                    </a:lnL>
+                    <a:lnR w="12700" cap="flat" cmpd="sng" algn="ctr">
+                      <a:solidFill>
+                        <a:schemeClr val="tx1"/>
+                      </a:solidFill>
+                      <a:prstDash val="solid"/>
+                      <a:round/>
+                      <a:headEnd type="none" w="med" len="med"/>
+                      <a:tailEnd type="none" w="med" len="med"/>
+                    </a:lnR>
+                    <a:lnT w="12700" cap="flat" cmpd="sng" algn="ctr">
+                      <a:solidFill>
+                        <a:schemeClr val="tx1"/>
+                      </a:solidFill>
+                      <a:prstDash val="solid"/>
+                      <a:round/>
+                      <a:headEnd type="none" w="med" len="med"/>
+                      <a:tailEnd type="none" w="med" len="med"/>
+                    </a:lnT>
+                    <a:lnB w="12700" cap="flat" cmpd="sng" algn="ctr">
+                      <a:solidFill>
+                        <a:schemeClr val="tx1"/>
+                      </a:solidFill>
+                      <a:prstDash val="solid"/>
+                      <a:round/>
+                      <a:headEnd type="none" w="med" len="med"/>
+                      <a:tailEnd type="none" w="med" len="med"/>
+                    </a:lnB>
+                    <a:solidFill>
+                      <a:schemeClr val="bg1"/>
+                    </a:solidFill>
+                  </a:tcPr>
+                </a:tc>
+                <a:extLst>
+                  <a:ext uri="{0D108BD9-81ED-4DB2-BD59-A6C34878D82A}">
+                    <a16:rowId xmlns:a16="http://schemas.microsoft.com/office/drawing/2014/main" val="1261382594"/>
+                  </a:ext>
+                </a:extLst>
+              </a:tr>
+            </a:tbl>
+          </a:graphicData>
+        </a:graphic>
+      </p:graphicFrame>
+      <p:sp>
+        <p:nvSpPr>
+          <p:cNvPr id="4" name="CaixaDeTexto 3">
+            <a:extLst>
+              <a:ext uri="{FF2B5EF4-FFF2-40B4-BE49-F238E27FC236}">
+                <a16:creationId xmlns:a16="http://schemas.microsoft.com/office/drawing/2014/main" id="{F0715834-B270-1857-8A7D-A39CE0F0301F}"/>
+              </a:ext>
+            </a:extLst>
+          </p:cNvPr>
+          <p:cNvSpPr txBox="1"/>
+          <p:nvPr/>
+        </p:nvSpPr>
+        <p:spPr>
+          <a:xfrm>
+            <a:off x="4186517" y="1277477"/>
+            <a:ext cx="6418729" cy="369332"/>
+          </a:xfrm>
+          <a:prstGeom prst="rect">
+            <a:avLst/>
+          </a:prstGeom>
+          <a:noFill/>
+        </p:spPr>
+        <p:txBody>
+          <a:bodyPr wrap="square" rtlCol="0">
+            <a:spAutoFit/>
+          </a:bodyPr>
+          <a:lstStyle/>
+          <a:p>
+            <a:pPr algn="ctr"/>
+            <a:r>
+              <a:rPr lang="pt-PT" dirty="0">
+                <a:latin typeface="Times New Roman" panose="02020603050405020304" pitchFamily="18" charset="0"/>
+                <a:cs typeface="Times New Roman" panose="02020603050405020304" pitchFamily="18" charset="0"/>
+              </a:rPr>
+              <a:t>Tabela relativa à 1ª fase</a:t>
+            </a:r>
+          </a:p>
+        </p:txBody>
+      </p:sp>
+      <p:sp>
+        <p:nvSpPr>
+          <p:cNvPr id="6" name="Marcador de Posição do Número do Diapositivo 5">
+            <a:extLst>
+              <a:ext uri="{FF2B5EF4-FFF2-40B4-BE49-F238E27FC236}">
+                <a16:creationId xmlns:a16="http://schemas.microsoft.com/office/drawing/2014/main" id="{0B822E79-1A7A-38EC-6C67-850A1D6DE43F}"/>
+              </a:ext>
+            </a:extLst>
+          </p:cNvPr>
+          <p:cNvSpPr>
+            <a:spLocks noGrp="1"/>
+          </p:cNvSpPr>
+          <p:nvPr>
+            <p:ph type="sldNum" sz="quarter" idx="12"/>
+          </p:nvPr>
+        </p:nvSpPr>
+        <p:spPr/>
+        <p:txBody>
+          <a:bodyPr/>
+          <a:lstStyle/>
+          <a:p>
+            <a:fld id="{F01DDC52-AADE-4553-A598-2BD136811E32}" type="slidenum">
+              <a:rPr lang="pt-PT" smtClean="0"/>
+              <a:t>7</a:t>
+            </a:fld>
+            <a:endParaRPr lang="pt-PT"/>
+          </a:p>
+        </p:txBody>
+      </p:sp>
+    </p:spTree>
+    <p:extLst>
+      <p:ext uri="{BB962C8B-B14F-4D97-AF65-F5344CB8AC3E}">
+        <p14:creationId xmlns:p14="http://schemas.microsoft.com/office/powerpoint/2010/main" val="1454471338"/>
+      </p:ext>
+    </p:extLst>
+  </p:cSld>
+  <p:clrMapOvr>
+    <a:masterClrMapping/>
+  </p:clrMapOvr>
+</p:sld>
+</file>
+
+<file path=ppt/slides/slide8.xml><?xml version="1.0" encoding="utf-8"?>
+<p:sld xmlns:a="http://schemas.openxmlformats.org/drawingml/2006/main" xmlns:r="http://schemas.openxmlformats.org/officeDocument/2006/relationships" xmlns:p="http://schemas.openxmlformats.org/presentationml/2006/main">
+  <p:cSld>
+    <p:spTree>
+      <p:nvGrpSpPr>
+        <p:cNvPr id="1" name=""/>
+        <p:cNvGrpSpPr/>
+        <p:nvPr/>
+      </p:nvGrpSpPr>
+      <p:grpSpPr>
+        <a:xfrm>
+          <a:off x="0" y="0"/>
+          <a:ext cx="0" cy="0"/>
+          <a:chOff x="0" y="0"/>
+          <a:chExt cx="0" cy="0"/>
+        </a:xfrm>
+      </p:grpSpPr>
+      <p:sp>
+        <p:nvSpPr>
+          <p:cNvPr id="2" name="Retângulo 1">
+            <a:extLst>
+              <a:ext uri="{FF2B5EF4-FFF2-40B4-BE49-F238E27FC236}">
+                <a16:creationId xmlns:a16="http://schemas.microsoft.com/office/drawing/2014/main" id="{D87D94E4-F82A-1338-FBD4-CDE90BB1FC1E}"/>
+              </a:ext>
+            </a:extLst>
+          </p:cNvPr>
+          <p:cNvSpPr/>
+          <p:nvPr/>
+        </p:nvSpPr>
+        <p:spPr>
+          <a:xfrm>
+            <a:off x="0" y="0"/>
+            <a:ext cx="2841812" cy="6858000"/>
+          </a:xfrm>
+          <a:prstGeom prst="rect">
+            <a:avLst/>
+          </a:prstGeom>
+          <a:solidFill>
+            <a:srgbClr val="FFC06D"/>
+          </a:solidFill>
+          <a:ln>
+            <a:solidFill>
+              <a:srgbClr val="FFC06D"/>
+            </a:solidFill>
+          </a:ln>
+        </p:spPr>
+        <p:style>
+          <a:lnRef idx="2">
+            <a:schemeClr val="accent1">
+              <a:shade val="15000"/>
+            </a:schemeClr>
+          </a:lnRef>
+          <a:fillRef idx="1">
+            <a:schemeClr val="accent1"/>
+          </a:fillRef>
+          <a:effectRef idx="0">
+            <a:schemeClr val="accent1"/>
+          </a:effectRef>
+          <a:fontRef idx="minor">
+            <a:schemeClr val="lt1"/>
+          </a:fontRef>
+        </p:style>
+        <p:txBody>
+          <a:bodyPr rtlCol="0" anchor="ctr"/>
+          <a:lstStyle/>
+          <a:p>
+            <a:pPr algn="ctr"/>
+            <a:endParaRPr lang="pt-PT"/>
+          </a:p>
+        </p:txBody>
+      </p:sp>
+      <p:sp>
+        <p:nvSpPr>
+          <p:cNvPr id="5" name="CaixaDeTexto 4">
+            <a:extLst>
+              <a:ext uri="{FF2B5EF4-FFF2-40B4-BE49-F238E27FC236}">
+                <a16:creationId xmlns:a16="http://schemas.microsoft.com/office/drawing/2014/main" id="{9651D71E-4C7C-AC36-02A6-0855FEBD87EF}"/>
+              </a:ext>
+            </a:extLst>
+          </p:cNvPr>
+          <p:cNvSpPr txBox="1"/>
+          <p:nvPr/>
+        </p:nvSpPr>
+        <p:spPr>
+          <a:xfrm>
+            <a:off x="-52831" y="3198166"/>
+            <a:ext cx="2947474" cy="461665"/>
+          </a:xfrm>
+          <a:prstGeom prst="rect">
+            <a:avLst/>
+          </a:prstGeom>
+          <a:noFill/>
+        </p:spPr>
+        <p:txBody>
+          <a:bodyPr wrap="none" rtlCol="0">
+            <a:spAutoFit/>
+          </a:bodyPr>
+          <a:lstStyle/>
+          <a:p>
+            <a:r>
+              <a:rPr lang="pt-PT" sz="2400" b="1" dirty="0">
+                <a:solidFill>
+                  <a:schemeClr val="bg1"/>
+                </a:solidFill>
+                <a:latin typeface="Times New Roman" panose="02020603050405020304" pitchFamily="18" charset="0"/>
+                <a:cs typeface="Times New Roman" panose="02020603050405020304" pitchFamily="18" charset="0"/>
+              </a:rPr>
+              <a:t>Problemas e soluções</a:t>
+            </a:r>
+          </a:p>
+        </p:txBody>
+      </p:sp>
+      <p:graphicFrame>
+        <p:nvGraphicFramePr>
+          <p:cNvPr id="3" name="Tabela 2">
+            <a:extLst>
+              <a:ext uri="{FF2B5EF4-FFF2-40B4-BE49-F238E27FC236}">
+                <a16:creationId xmlns:a16="http://schemas.microsoft.com/office/drawing/2014/main" id="{874CF23D-30A9-FE77-838F-8998D33D60C9}"/>
+              </a:ext>
+            </a:extLst>
+          </p:cNvPr>
+          <p:cNvGraphicFramePr>
+            <a:graphicFrameLocks noGrp="1"/>
+          </p:cNvGraphicFramePr>
+          <p:nvPr>
+            <p:extLst>
+              <p:ext uri="{D42A27DB-BD31-4B8C-83A1-F6EECF244321}">
+                <p14:modId xmlns:p14="http://schemas.microsoft.com/office/powerpoint/2010/main" val="290477531"/>
+              </p:ext>
+            </p:extLst>
+          </p:nvPr>
+        </p:nvGraphicFramePr>
+        <p:xfrm>
+          <a:off x="3457388" y="2418079"/>
+          <a:ext cx="8128000" cy="2021840"/>
+        </p:xfrm>
+        <a:graphic>
+          <a:graphicData uri="http://schemas.openxmlformats.org/drawingml/2006/table">
+            <a:tbl>
+              <a:tblPr firstRow="1" bandRow="1">
+                <a:tableStyleId>{5C22544A-7EE6-4342-B048-85BDC9FD1C3A}</a:tableStyleId>
+              </a:tblPr>
+              <a:tblGrid>
+                <a:gridCol w="4064000">
+                  <a:extLst>
+                    <a:ext uri="{9D8B030D-6E8A-4147-A177-3AD203B41FA5}">
+                      <a16:colId xmlns:a16="http://schemas.microsoft.com/office/drawing/2014/main" val="3626579494"/>
+                    </a:ext>
+                  </a:extLst>
+                </a:gridCol>
+                <a:gridCol w="4064000">
+                  <a:extLst>
+                    <a:ext uri="{9D8B030D-6E8A-4147-A177-3AD203B41FA5}">
+                      <a16:colId xmlns:a16="http://schemas.microsoft.com/office/drawing/2014/main" val="1331635365"/>
+                    </a:ext>
+                  </a:extLst>
+                </a:gridCol>
+              </a:tblGrid>
+              <a:tr h="370840">
+                <a:tc>
+                  <a:txBody>
+                    <a:bodyPr/>
+                    <a:lstStyle/>
+                    <a:p>
+                      <a:pPr algn="ctr"/>
+                      <a:r>
+                        <a:rPr lang="pt-PT" b="0" u="sng" dirty="0">
+                          <a:solidFill>
+                            <a:schemeClr val="tx1"/>
+                          </a:solidFill>
+                          <a:latin typeface="Times New Roman" panose="02020603050405020304" pitchFamily="18" charset="0"/>
+                          <a:cs typeface="Times New Roman" panose="02020603050405020304" pitchFamily="18" charset="0"/>
+                        </a:rPr>
+                        <a:t>Dificuldades</a:t>
+                      </a:r>
+                    </a:p>
+                  </a:txBody>
+                  <a:tcPr>
+                    <a:lnL w="12700" cap="flat" cmpd="sng" algn="ctr">
+                      <a:solidFill>
+                        <a:schemeClr val="tx1"/>
+                      </a:solidFill>
+                      <a:prstDash val="solid"/>
+                      <a:round/>
+                      <a:headEnd type="none" w="med" len="med"/>
+                      <a:tailEnd type="none" w="med" len="med"/>
+                    </a:lnL>
+                    <a:lnR w="12700" cap="flat" cmpd="sng" algn="ctr">
+                      <a:solidFill>
+                        <a:schemeClr val="tx1"/>
+                      </a:solidFill>
+                      <a:prstDash val="solid"/>
+                      <a:round/>
+                      <a:headEnd type="none" w="med" len="med"/>
+                      <a:tailEnd type="none" w="med" len="med"/>
+                    </a:lnR>
+                    <a:lnT w="12700" cap="flat" cmpd="sng" algn="ctr">
+                      <a:solidFill>
+                        <a:schemeClr val="tx1"/>
+                      </a:solidFill>
+                      <a:prstDash val="solid"/>
+                      <a:round/>
+                      <a:headEnd type="none" w="med" len="med"/>
+                      <a:tailEnd type="none" w="med" len="med"/>
+                    </a:lnT>
+                    <a:lnB w="12700" cap="flat" cmpd="sng" algn="ctr">
+                      <a:solidFill>
+                        <a:schemeClr val="tx1"/>
+                      </a:solidFill>
+                      <a:prstDash val="solid"/>
+                      <a:round/>
+                      <a:headEnd type="none" w="med" len="med"/>
+                      <a:tailEnd type="none" w="med" len="med"/>
+                    </a:lnB>
+                    <a:solidFill>
+                      <a:schemeClr val="bg1"/>
+                    </a:solidFill>
+                  </a:tcPr>
+                </a:tc>
+                <a:tc>
+                  <a:txBody>
+                    <a:bodyPr/>
+                    <a:lstStyle/>
+                    <a:p>
+                      <a:pPr algn="ctr"/>
+                      <a:r>
+                        <a:rPr lang="pt-PT" b="0" u="sng" dirty="0">
+                          <a:solidFill>
+                            <a:schemeClr val="tx1"/>
+                          </a:solidFill>
+                          <a:latin typeface="Times New Roman" panose="02020603050405020304" pitchFamily="18" charset="0"/>
+                          <a:cs typeface="Times New Roman" panose="02020603050405020304" pitchFamily="18" charset="0"/>
+                        </a:rPr>
+                        <a:t>Soluções</a:t>
+                      </a:r>
+                    </a:p>
+                  </a:txBody>
+                  <a:tcPr>
+                    <a:lnL w="12700" cap="flat" cmpd="sng" algn="ctr">
+                      <a:solidFill>
+                        <a:schemeClr val="tx1"/>
+                      </a:solidFill>
+                      <a:prstDash val="solid"/>
+                      <a:round/>
+                      <a:headEnd type="none" w="med" len="med"/>
+                      <a:tailEnd type="none" w="med" len="med"/>
+                    </a:lnL>
+                    <a:lnR w="12700" cap="flat" cmpd="sng" algn="ctr">
+                      <a:solidFill>
+                        <a:schemeClr val="tx1"/>
+                      </a:solidFill>
+                      <a:prstDash val="solid"/>
+                      <a:round/>
+                      <a:headEnd type="none" w="med" len="med"/>
+                      <a:tailEnd type="none" w="med" len="med"/>
+                    </a:lnR>
+                    <a:lnT w="12700" cap="flat" cmpd="sng" algn="ctr">
+                      <a:solidFill>
+                        <a:schemeClr val="tx1"/>
+                      </a:solidFill>
+                      <a:prstDash val="solid"/>
+                      <a:round/>
+                      <a:headEnd type="none" w="med" len="med"/>
+                      <a:tailEnd type="none" w="med" len="med"/>
+                    </a:lnT>
+                    <a:lnB w="12700" cap="flat" cmpd="sng" algn="ctr">
+                      <a:solidFill>
+                        <a:schemeClr val="tx1"/>
+                      </a:solidFill>
+                      <a:prstDash val="solid"/>
+                      <a:round/>
+                      <a:headEnd type="none" w="med" len="med"/>
+                      <a:tailEnd type="none" w="med" len="med"/>
+                    </a:lnB>
+                    <a:solidFill>
+                      <a:schemeClr val="bg1"/>
+                    </a:solidFill>
+                  </a:tcPr>
+                </a:tc>
+                <a:extLst>
+                  <a:ext uri="{0D108BD9-81ED-4DB2-BD59-A6C34878D82A}">
+                    <a16:rowId xmlns:a16="http://schemas.microsoft.com/office/drawing/2014/main" val="556529404"/>
+                  </a:ext>
+                </a:extLst>
+              </a:tr>
+              <a:tr h="370840">
+                <a:tc>
+                  <a:txBody>
+                    <a:bodyPr/>
+                    <a:lstStyle/>
+                    <a:p>
+                      <a:pPr algn="ctr"/>
+                      <a:endParaRPr lang="pt-PT" dirty="0"/>
+                    </a:p>
+                    <a:p>
+                      <a:pPr algn="ctr"/>
+                      <a:r>
+                        <a:rPr lang="pt-PT" dirty="0">
+                          <a:latin typeface="Times New Roman" panose="02020603050405020304" pitchFamily="18" charset="0"/>
+                          <a:cs typeface="Times New Roman" panose="02020603050405020304" pitchFamily="18" charset="0"/>
+                        </a:rPr>
+                        <a:t>Implementação geral da aplicação</a:t>
+                      </a:r>
+                    </a:p>
+                  </a:txBody>
+                  <a:tcPr>
+                    <a:lnL w="12700" cap="flat" cmpd="sng" algn="ctr">
+                      <a:solidFill>
+                        <a:schemeClr val="tx1"/>
+                      </a:solidFill>
+                      <a:prstDash val="solid"/>
+                      <a:round/>
+                      <a:headEnd type="none" w="med" len="med"/>
+                      <a:tailEnd type="none" w="med" len="med"/>
+                    </a:lnL>
+                    <a:lnR w="12700" cap="flat" cmpd="sng" algn="ctr">
+                      <a:solidFill>
+                        <a:schemeClr val="tx1"/>
+                      </a:solidFill>
+                      <a:prstDash val="solid"/>
+                      <a:round/>
+                      <a:headEnd type="none" w="med" len="med"/>
+                      <a:tailEnd type="none" w="med" len="med"/>
+                    </a:lnR>
+                    <a:lnT w="12700" cap="flat" cmpd="sng" algn="ctr">
+                      <a:solidFill>
+                        <a:schemeClr val="tx1"/>
+                      </a:solidFill>
+                      <a:prstDash val="solid"/>
+                      <a:round/>
+                      <a:headEnd type="none" w="med" len="med"/>
+                      <a:tailEnd type="none" w="med" len="med"/>
+                    </a:lnT>
+                    <a:lnB w="12700" cap="flat" cmpd="sng" algn="ctr">
+                      <a:solidFill>
+                        <a:schemeClr val="tx1"/>
+                      </a:solidFill>
+                      <a:prstDash val="solid"/>
+                      <a:round/>
+                      <a:headEnd type="none" w="med" len="med"/>
+                      <a:tailEnd type="none" w="med" len="med"/>
+                    </a:lnB>
+                    <a:solidFill>
+                      <a:schemeClr val="bg1"/>
+                    </a:solidFill>
+                  </a:tcPr>
+                </a:tc>
+                <a:tc>
+                  <a:txBody>
+                    <a:bodyPr/>
+                    <a:lstStyle/>
+                    <a:p>
+                      <a:pPr algn="ctr"/>
+                      <a:r>
+                        <a:rPr lang="pt-PT" dirty="0">
+                          <a:latin typeface="Times New Roman" panose="02020603050405020304" pitchFamily="18" charset="0"/>
+                          <a:cs typeface="Times New Roman" panose="02020603050405020304" pitchFamily="18" charset="0"/>
+                        </a:rPr>
+                        <a:t>Consulta de materiais lecionados e resolvidos em aula.</a:t>
+                      </a:r>
+                    </a:p>
+                  </a:txBody>
+                  <a:tcPr>
+                    <a:lnL w="12700" cap="flat" cmpd="sng" algn="ctr">
+                      <a:solidFill>
+                        <a:schemeClr val="tx1"/>
+                      </a:solidFill>
+                      <a:prstDash val="solid"/>
+                      <a:round/>
+                      <a:headEnd type="none" w="med" len="med"/>
+                      <a:tailEnd type="none" w="med" len="med"/>
+                    </a:lnL>
+                    <a:lnR w="12700" cap="flat" cmpd="sng" algn="ctr">
+                      <a:solidFill>
+                        <a:schemeClr val="tx1"/>
+                      </a:solidFill>
+                      <a:prstDash val="solid"/>
+                      <a:round/>
+                      <a:headEnd type="none" w="med" len="med"/>
+                      <a:tailEnd type="none" w="med" len="med"/>
+                    </a:lnR>
+                    <a:lnT w="12700" cap="flat" cmpd="sng" algn="ctr">
+                      <a:solidFill>
+                        <a:schemeClr val="tx1"/>
+                      </a:solidFill>
+                      <a:prstDash val="solid"/>
+                      <a:round/>
+                      <a:headEnd type="none" w="med" len="med"/>
+                      <a:tailEnd type="none" w="med" len="med"/>
+                    </a:lnT>
+                    <a:lnB w="12700" cap="flat" cmpd="sng" algn="ctr">
+                      <a:solidFill>
+                        <a:schemeClr val="tx1"/>
+                      </a:solidFill>
+                      <a:prstDash val="solid"/>
+                      <a:round/>
+                      <a:headEnd type="none" w="med" len="med"/>
+                      <a:tailEnd type="none" w="med" len="med"/>
+                    </a:lnB>
+                    <a:solidFill>
+                      <a:schemeClr val="bg1"/>
+                    </a:solidFill>
+                  </a:tcPr>
+                </a:tc>
+                <a:extLst>
+                  <a:ext uri="{0D108BD9-81ED-4DB2-BD59-A6C34878D82A}">
+                    <a16:rowId xmlns:a16="http://schemas.microsoft.com/office/drawing/2014/main" val="700809732"/>
+                  </a:ext>
+                </a:extLst>
+              </a:tr>
+              <a:tr h="370840">
+                <a:tc>
+                  <a:txBody>
+                    <a:bodyPr/>
+                    <a:lstStyle/>
+                    <a:p>
+                      <a:pPr algn="ctr"/>
+                      <a:r>
+                        <a:rPr lang="pt-PT" dirty="0">
+                          <a:latin typeface="Times New Roman" panose="02020603050405020304" pitchFamily="18" charset="0"/>
+                          <a:cs typeface="Times New Roman" panose="02020603050405020304" pitchFamily="18" charset="0"/>
+                        </a:rPr>
+                        <a:t>Ligação da API </a:t>
+                      </a:r>
+                    </a:p>
+                  </a:txBody>
+                  <a:tcPr>
+                    <a:lnL w="12700" cap="flat" cmpd="sng" algn="ctr">
+                      <a:solidFill>
+                        <a:schemeClr val="tx1"/>
+                      </a:solidFill>
+                      <a:prstDash val="solid"/>
+                      <a:round/>
+                      <a:headEnd type="none" w="med" len="med"/>
+                      <a:tailEnd type="none" w="med" len="med"/>
+                    </a:lnL>
+                    <a:lnR w="12700" cap="flat" cmpd="sng" algn="ctr">
+                      <a:solidFill>
+                        <a:schemeClr val="tx1"/>
+                      </a:solidFill>
+                      <a:prstDash val="solid"/>
+                      <a:round/>
+                      <a:headEnd type="none" w="med" len="med"/>
+                      <a:tailEnd type="none" w="med" len="med"/>
+                    </a:lnR>
+                    <a:lnT w="12700" cap="flat" cmpd="sng" algn="ctr">
+                      <a:solidFill>
+                        <a:schemeClr val="tx1"/>
+                      </a:solidFill>
+                      <a:prstDash val="solid"/>
+                      <a:round/>
+                      <a:headEnd type="none" w="med" len="med"/>
+                      <a:tailEnd type="none" w="med" len="med"/>
+                    </a:lnT>
+                    <a:lnB w="12700" cap="flat" cmpd="sng" algn="ctr">
+                      <a:solidFill>
+                        <a:schemeClr val="tx1"/>
+                      </a:solidFill>
+                      <a:prstDash val="solid"/>
+                      <a:round/>
+                      <a:headEnd type="none" w="med" len="med"/>
+                      <a:tailEnd type="none" w="med" len="med"/>
+                    </a:lnB>
+                    <a:solidFill>
+                      <a:schemeClr val="bg1"/>
+                    </a:solidFill>
+                  </a:tcPr>
+                </a:tc>
+                <a:tc>
+                  <a:txBody>
+                    <a:bodyPr/>
+                    <a:lstStyle/>
+                    <a:p>
+                      <a:pPr algn="ctr"/>
+                      <a:r>
+                        <a:rPr lang="pt-PT" dirty="0">
+                          <a:latin typeface="Times New Roman" panose="02020603050405020304" pitchFamily="18" charset="0"/>
+                          <a:cs typeface="Times New Roman" panose="02020603050405020304" pitchFamily="18" charset="0"/>
+                        </a:rPr>
+                        <a:t>Treino e consulta de exemplos realizados sobre a API e pesquisa na internet.</a:t>
+                      </a:r>
+                    </a:p>
+                  </a:txBody>
+                  <a:tcPr>
+                    <a:lnL w="12700" cap="flat" cmpd="sng" algn="ctr">
+                      <a:solidFill>
+                        <a:schemeClr val="tx1"/>
+                      </a:solidFill>
+                      <a:prstDash val="solid"/>
+                      <a:round/>
+                      <a:headEnd type="none" w="med" len="med"/>
+                      <a:tailEnd type="none" w="med" len="med"/>
+                    </a:lnL>
+                    <a:lnR w="12700" cap="flat" cmpd="sng" algn="ctr">
+                      <a:solidFill>
+                        <a:schemeClr val="tx1"/>
+                      </a:solidFill>
+                      <a:prstDash val="solid"/>
+                      <a:round/>
+                      <a:headEnd type="none" w="med" len="med"/>
+                      <a:tailEnd type="none" w="med" len="med"/>
+                    </a:lnR>
+                    <a:lnT w="12700" cap="flat" cmpd="sng" algn="ctr">
+                      <a:solidFill>
+                        <a:schemeClr val="tx1"/>
+                      </a:solidFill>
+                      <a:prstDash val="solid"/>
+                      <a:round/>
+                      <a:headEnd type="none" w="med" len="med"/>
+                      <a:tailEnd type="none" w="med" len="med"/>
+                    </a:lnT>
+                    <a:lnB w="12700" cap="flat" cmpd="sng" algn="ctr">
+                      <a:solidFill>
+                        <a:schemeClr val="tx1"/>
+                      </a:solidFill>
+                      <a:prstDash val="solid"/>
+                      <a:round/>
+                      <a:headEnd type="none" w="med" len="med"/>
+                      <a:tailEnd type="none" w="med" len="med"/>
+                    </a:lnB>
+                    <a:solidFill>
+                      <a:schemeClr val="bg1"/>
+                    </a:solidFill>
+                  </a:tcPr>
+                </a:tc>
+                <a:extLst>
+                  <a:ext uri="{0D108BD9-81ED-4DB2-BD59-A6C34878D82A}">
+                    <a16:rowId xmlns:a16="http://schemas.microsoft.com/office/drawing/2014/main" val="3636893808"/>
+                  </a:ext>
+                </a:extLst>
+              </a:tr>
+              <a:tr h="370840">
+                <a:tc>
+                  <a:txBody>
+                    <a:bodyPr/>
+                    <a:lstStyle/>
+                    <a:p>
+                      <a:pPr algn="ctr"/>
+                      <a:r>
+                        <a:rPr lang="pt-PT" dirty="0">
+                          <a:latin typeface="Times New Roman" panose="02020603050405020304" pitchFamily="18" charset="0"/>
+                          <a:cs typeface="Times New Roman" panose="02020603050405020304" pitchFamily="18" charset="0"/>
+                        </a:rPr>
+                        <a:t>Gestão do tempo </a:t>
+                      </a:r>
+                    </a:p>
+                  </a:txBody>
+                  <a:tcPr>
+                    <a:lnL w="12700" cap="flat" cmpd="sng" algn="ctr">
+                      <a:solidFill>
+                        <a:schemeClr val="tx1"/>
+                      </a:solidFill>
+                      <a:prstDash val="solid"/>
+                      <a:round/>
+                      <a:headEnd type="none" w="med" len="med"/>
+                      <a:tailEnd type="none" w="med" len="med"/>
+                    </a:lnL>
+                    <a:lnR w="12700" cap="flat" cmpd="sng" algn="ctr">
+                      <a:solidFill>
+                        <a:schemeClr val="tx1"/>
+                      </a:solidFill>
+                      <a:prstDash val="solid"/>
+                      <a:round/>
+                      <a:headEnd type="none" w="med" len="med"/>
+                      <a:tailEnd type="none" w="med" len="med"/>
+                    </a:lnR>
+                    <a:lnT w="12700" cap="flat" cmpd="sng" algn="ctr">
+                      <a:solidFill>
+                        <a:schemeClr val="tx1"/>
+                      </a:solidFill>
+                      <a:prstDash val="solid"/>
+                      <a:round/>
+                      <a:headEnd type="none" w="med" len="med"/>
+                      <a:tailEnd type="none" w="med" len="med"/>
+                    </a:lnT>
+                    <a:lnB w="12700" cap="flat" cmpd="sng" algn="ctr">
+                      <a:solidFill>
+                        <a:schemeClr val="tx1"/>
+                      </a:solidFill>
+                      <a:prstDash val="solid"/>
+                      <a:round/>
+                      <a:headEnd type="none" w="med" len="med"/>
+                      <a:tailEnd type="none" w="med" len="med"/>
+                    </a:lnB>
+                    <a:solidFill>
+                      <a:schemeClr val="bg1"/>
+                    </a:solidFill>
+                  </a:tcPr>
+                </a:tc>
+                <a:tc>
+                  <a:txBody>
+                    <a:bodyPr/>
+                    <a:lstStyle/>
+                    <a:p>
+                      <a:pPr algn="ctr"/>
+                      <a:endParaRPr lang="pt-PT" dirty="0">
+                        <a:latin typeface="Times New Roman" panose="02020603050405020304" pitchFamily="18" charset="0"/>
+                        <a:cs typeface="Times New Roman" panose="02020603050405020304" pitchFamily="18" charset="0"/>
+                      </a:endParaRPr>
+                    </a:p>
+                  </a:txBody>
+                  <a:tcPr>
+                    <a:lnL w="12700" cap="flat" cmpd="sng" algn="ctr">
+                      <a:solidFill>
+                        <a:schemeClr val="tx1"/>
+                      </a:solidFill>
+                      <a:prstDash val="solid"/>
+                      <a:round/>
+                      <a:headEnd type="none" w="med" len="med"/>
+                      <a:tailEnd type="none" w="med" len="med"/>
+                    </a:lnL>
+                    <a:lnR w="12700" cap="flat" cmpd="sng" algn="ctr">
+                      <a:solidFill>
+                        <a:schemeClr val="tx1"/>
+                      </a:solidFill>
+                      <a:prstDash val="solid"/>
+                      <a:round/>
+                      <a:headEnd type="none" w="med" len="med"/>
+                      <a:tailEnd type="none" w="med" len="med"/>
+                    </a:lnR>
+                    <a:lnT w="12700" cap="flat" cmpd="sng" algn="ctr">
+                      <a:solidFill>
+                        <a:schemeClr val="tx1"/>
+                      </a:solidFill>
+                      <a:prstDash val="solid"/>
+                      <a:round/>
+                      <a:headEnd type="none" w="med" len="med"/>
+                      <a:tailEnd type="none" w="med" len="med"/>
+                    </a:lnT>
+                    <a:lnB w="12700" cap="flat" cmpd="sng" algn="ctr">
+                      <a:solidFill>
+                        <a:schemeClr val="tx1"/>
+                      </a:solidFill>
+                      <a:prstDash val="solid"/>
+                      <a:round/>
+                      <a:headEnd type="none" w="med" len="med"/>
+                      <a:tailEnd type="none" w="med" len="med"/>
+                    </a:lnB>
+                    <a:solidFill>
+                      <a:schemeClr val="bg1"/>
+                    </a:solidFill>
+                  </a:tcPr>
+                </a:tc>
+                <a:extLst>
+                  <a:ext uri="{0D108BD9-81ED-4DB2-BD59-A6C34878D82A}">
+                    <a16:rowId xmlns:a16="http://schemas.microsoft.com/office/drawing/2014/main" val="1261382594"/>
+                  </a:ext>
+                </a:extLst>
+              </a:tr>
+            </a:tbl>
+          </a:graphicData>
+        </a:graphic>
+      </p:graphicFrame>
+      <p:sp>
+        <p:nvSpPr>
+          <p:cNvPr id="4" name="CaixaDeTexto 3">
+            <a:extLst>
+              <a:ext uri="{FF2B5EF4-FFF2-40B4-BE49-F238E27FC236}">
+                <a16:creationId xmlns:a16="http://schemas.microsoft.com/office/drawing/2014/main" id="{F0715834-B270-1857-8A7D-A39CE0F0301F}"/>
+              </a:ext>
+            </a:extLst>
+          </p:cNvPr>
+          <p:cNvSpPr txBox="1"/>
+          <p:nvPr/>
+        </p:nvSpPr>
+        <p:spPr>
+          <a:xfrm>
+            <a:off x="4186517" y="1465736"/>
+            <a:ext cx="6418729" cy="369332"/>
+          </a:xfrm>
+          <a:prstGeom prst="rect">
+            <a:avLst/>
+          </a:prstGeom>
+          <a:noFill/>
+        </p:spPr>
+        <p:txBody>
+          <a:bodyPr wrap="square" rtlCol="0">
+            <a:spAutoFit/>
+          </a:bodyPr>
+          <a:lstStyle/>
+          <a:p>
+            <a:pPr algn="ctr"/>
+            <a:r>
+              <a:rPr lang="pt-PT" dirty="0">
+                <a:latin typeface="Times New Roman" panose="02020603050405020304" pitchFamily="18" charset="0"/>
+                <a:cs typeface="Times New Roman" panose="02020603050405020304" pitchFamily="18" charset="0"/>
+              </a:rPr>
+              <a:t>Tabela real</a:t>
+            </a:r>
+          </a:p>
+        </p:txBody>
+      </p:sp>
+      <p:sp>
+        <p:nvSpPr>
+          <p:cNvPr id="6" name="Marcador de Posição do Número do Diapositivo 5">
+            <a:extLst>
+              <a:ext uri="{FF2B5EF4-FFF2-40B4-BE49-F238E27FC236}">
+                <a16:creationId xmlns:a16="http://schemas.microsoft.com/office/drawing/2014/main" id="{5C908F52-852A-75B0-DA1E-B13DCF515E8B}"/>
+              </a:ext>
+            </a:extLst>
+          </p:cNvPr>
+          <p:cNvSpPr>
+            <a:spLocks noGrp="1"/>
+          </p:cNvSpPr>
+          <p:nvPr>
+            <p:ph type="sldNum" sz="quarter" idx="12"/>
+          </p:nvPr>
+        </p:nvSpPr>
+        <p:spPr/>
+        <p:txBody>
+          <a:bodyPr/>
+          <a:lstStyle/>
+          <a:p>
+            <a:fld id="{F01DDC52-AADE-4553-A598-2BD136811E32}" type="slidenum">
+              <a:rPr lang="pt-PT" smtClean="0"/>
+              <a:t>8</a:t>
+            </a:fld>
+            <a:endParaRPr lang="pt-PT"/>
+          </a:p>
+        </p:txBody>
+      </p:sp>
+    </p:spTree>
+    <p:extLst>
+      <p:ext uri="{BB962C8B-B14F-4D97-AF65-F5344CB8AC3E}">
+        <p14:creationId xmlns:p14="http://schemas.microsoft.com/office/powerpoint/2010/main" val="1886089820"/>
+      </p:ext>
+    </p:extLst>
+  </p:cSld>
+  <p:clrMapOvr>
+    <a:masterClrMapping/>
+  </p:clrMapOvr>
+</p:sld>
+</file>
+
+<file path=ppt/slides/slide9.xml><?xml version="1.0" encoding="utf-8"?>
+<p:sld xmlns:a="http://schemas.openxmlformats.org/drawingml/2006/main" xmlns:r="http://schemas.openxmlformats.org/officeDocument/2006/relationships" xmlns:p="http://schemas.openxmlformats.org/presentationml/2006/main">
+  <p:cSld>
+    <p:spTree>
+      <p:nvGrpSpPr>
+        <p:cNvPr id="1" name=""/>
+        <p:cNvGrpSpPr/>
+        <p:nvPr/>
+      </p:nvGrpSpPr>
+      <p:grpSpPr>
+        <a:xfrm>
+          <a:off x="0" y="0"/>
+          <a:ext cx="0" cy="0"/>
+          <a:chOff x="0" y="0"/>
+          <a:chExt cx="0" cy="0"/>
+        </a:xfrm>
+      </p:grpSpPr>
+      <p:sp>
+        <p:nvSpPr>
+          <p:cNvPr id="2" name="Retângulo 1">
+            <a:extLst>
+              <a:ext uri="{FF2B5EF4-FFF2-40B4-BE49-F238E27FC236}">
+                <a16:creationId xmlns:a16="http://schemas.microsoft.com/office/drawing/2014/main" id="{D87D94E4-F82A-1338-FBD4-CDE90BB1FC1E}"/>
+              </a:ext>
+            </a:extLst>
+          </p:cNvPr>
+          <p:cNvSpPr/>
+          <p:nvPr/>
+        </p:nvSpPr>
+        <p:spPr>
+          <a:xfrm>
+            <a:off x="0" y="0"/>
+            <a:ext cx="2841812" cy="6858000"/>
+          </a:xfrm>
+          <a:prstGeom prst="rect">
+            <a:avLst/>
+          </a:prstGeom>
+          <a:solidFill>
+            <a:srgbClr val="FFC06D"/>
+          </a:solidFill>
+          <a:ln>
+            <a:solidFill>
+              <a:srgbClr val="FFC06D"/>
+            </a:solidFill>
+          </a:ln>
+        </p:spPr>
+        <p:style>
+          <a:lnRef idx="2">
+            <a:schemeClr val="accent1">
+              <a:shade val="15000"/>
+            </a:schemeClr>
+          </a:lnRef>
+          <a:fillRef idx="1">
+            <a:schemeClr val="accent1"/>
+          </a:fillRef>
+          <a:effectRef idx="0">
+            <a:schemeClr val="accent1"/>
+          </a:effectRef>
+          <a:fontRef idx="minor">
+            <a:schemeClr val="lt1"/>
+          </a:fontRef>
+        </p:style>
+        <p:txBody>
+          <a:bodyPr rtlCol="0" anchor="ctr"/>
+          <a:lstStyle/>
+          <a:p>
+            <a:pPr algn="ctr"/>
+            <a:endParaRPr lang="pt-PT"/>
+          </a:p>
+        </p:txBody>
+      </p:sp>
+      <p:sp>
+        <p:nvSpPr>
+          <p:cNvPr id="5" name="CaixaDeTexto 4">
+            <a:extLst>
+              <a:ext uri="{FF2B5EF4-FFF2-40B4-BE49-F238E27FC236}">
+                <a16:creationId xmlns:a16="http://schemas.microsoft.com/office/drawing/2014/main" id="{9651D71E-4C7C-AC36-02A6-0855FEBD87EF}"/>
+              </a:ext>
+            </a:extLst>
+          </p:cNvPr>
+          <p:cNvSpPr txBox="1"/>
+          <p:nvPr/>
+        </p:nvSpPr>
+        <p:spPr>
+          <a:xfrm>
+            <a:off x="508637" y="3198167"/>
+            <a:ext cx="1824538" cy="461665"/>
+          </a:xfrm>
+          <a:prstGeom prst="rect">
+            <a:avLst/>
+          </a:prstGeom>
+          <a:noFill/>
+        </p:spPr>
+        <p:txBody>
+          <a:bodyPr wrap="none" rtlCol="0">
+            <a:spAutoFit/>
+          </a:bodyPr>
+          <a:lstStyle/>
+          <a:p>
+            <a:r>
+              <a:rPr lang="pt-PT" sz="2400" b="1" dirty="0">
+                <a:solidFill>
+                  <a:schemeClr val="bg1"/>
+                </a:solidFill>
+                <a:latin typeface="Times New Roman" panose="02020603050405020304" pitchFamily="18" charset="0"/>
+                <a:cs typeface="Times New Roman" panose="02020603050405020304" pitchFamily="18" charset="0"/>
+              </a:rPr>
+              <a:t>Metodologia</a:t>
+            </a:r>
+          </a:p>
+        </p:txBody>
+      </p:sp>
+      <p:pic>
+        <p:nvPicPr>
+          <p:cNvPr id="3" name="Imagem 2">
+            <a:extLst>
+              <a:ext uri="{FF2B5EF4-FFF2-40B4-BE49-F238E27FC236}">
+                <a16:creationId xmlns:a16="http://schemas.microsoft.com/office/drawing/2014/main" id="{1B9C6C27-CB53-77BD-6882-AC7841355682}"/>
+              </a:ext>
+            </a:extLst>
+          </p:cNvPr>
+          <p:cNvPicPr>
+            <a:picLocks noChangeAspect="1"/>
+          </p:cNvPicPr>
+          <p:nvPr/>
+        </p:nvPicPr>
+        <p:blipFill>
+          <a:blip r:embed="rId2"/>
+          <a:stretch>
+            <a:fillRect/>
+          </a:stretch>
+        </p:blipFill>
+        <p:spPr>
+          <a:xfrm>
+            <a:off x="3350449" y="793375"/>
+            <a:ext cx="8382000" cy="3962400"/>
+          </a:xfrm>
+          <a:prstGeom prst="rect">
+            <a:avLst/>
+          </a:prstGeom>
+        </p:spPr>
+      </p:pic>
+      <p:sp>
+        <p:nvSpPr>
+          <p:cNvPr id="4" name="CaixaDeTexto 3">
+            <a:extLst>
+              <a:ext uri="{FF2B5EF4-FFF2-40B4-BE49-F238E27FC236}">
+                <a16:creationId xmlns:a16="http://schemas.microsoft.com/office/drawing/2014/main" id="{CE3D1F36-1E1B-F94E-75C9-D585CE12C766}"/>
+              </a:ext>
+            </a:extLst>
+          </p:cNvPr>
+          <p:cNvSpPr txBox="1"/>
+          <p:nvPr/>
+        </p:nvSpPr>
+        <p:spPr>
+          <a:xfrm>
+            <a:off x="3363896" y="5217460"/>
+            <a:ext cx="8355106" cy="923330"/>
+          </a:xfrm>
+          <a:prstGeom prst="rect">
+            <a:avLst/>
+          </a:prstGeom>
+          <a:noFill/>
+        </p:spPr>
+        <p:txBody>
+          <a:bodyPr wrap="square" rtlCol="0">
+            <a:spAutoFit/>
+          </a:bodyPr>
+          <a:lstStyle/>
+          <a:p>
+            <a:pPr marL="285750" indent="-285750" algn="ctr">
+              <a:buFont typeface="Wingdings" panose="05000000000000000000" pitchFamily="2" charset="2"/>
+              <a:buChar char="ü"/>
+            </a:pPr>
+            <a:r>
+              <a:rPr lang="pt-PT" dirty="0">
+                <a:latin typeface="Times New Roman" panose="02020603050405020304" pitchFamily="18" charset="0"/>
+                <a:cs typeface="Times New Roman" panose="02020603050405020304" pitchFamily="18" charset="0"/>
+              </a:rPr>
+              <a:t>Nº total de sprints: 10;</a:t>
+            </a:r>
+          </a:p>
+          <a:p>
+            <a:pPr marL="285750" indent="-285750" algn="ctr">
+              <a:buFont typeface="Wingdings" panose="05000000000000000000" pitchFamily="2" charset="2"/>
+              <a:buChar char="ü"/>
+            </a:pPr>
+            <a:r>
+              <a:rPr lang="pt-PT" dirty="0">
+                <a:latin typeface="Times New Roman" panose="02020603050405020304" pitchFamily="18" charset="0"/>
+                <a:cs typeface="Times New Roman" panose="02020603050405020304" pitchFamily="18" charset="0"/>
+              </a:rPr>
+              <a:t>Duração: 2 semanas;</a:t>
+            </a:r>
+          </a:p>
+          <a:p>
+            <a:pPr marL="285750" indent="-285750" algn="ctr">
+              <a:buFont typeface="Wingdings" panose="05000000000000000000" pitchFamily="2" charset="2"/>
+              <a:buChar char="ü"/>
+            </a:pPr>
+            <a:endParaRPr lang="pt-PT" dirty="0"/>
+          </a:p>
+        </p:txBody>
+      </p:sp>
+      <p:sp>
+        <p:nvSpPr>
+          <p:cNvPr id="6" name="Marcador de Posição do Número do Diapositivo 5">
+            <a:extLst>
+              <a:ext uri="{FF2B5EF4-FFF2-40B4-BE49-F238E27FC236}">
+                <a16:creationId xmlns:a16="http://schemas.microsoft.com/office/drawing/2014/main" id="{ABC66BAD-A85D-2E19-24F7-4923A962B1F7}"/>
+              </a:ext>
+            </a:extLst>
+          </p:cNvPr>
+          <p:cNvSpPr>
+            <a:spLocks noGrp="1"/>
+          </p:cNvSpPr>
+          <p:nvPr>
+            <p:ph type="sldNum" sz="quarter" idx="12"/>
+          </p:nvPr>
+        </p:nvSpPr>
+        <p:spPr/>
+        <p:txBody>
+          <a:bodyPr/>
+          <a:lstStyle/>
+          <a:p>
+            <a:fld id="{F01DDC52-AADE-4553-A598-2BD136811E32}" type="slidenum">
+              <a:rPr lang="pt-PT" smtClean="0"/>
+              <a:t>9</a:t>
+            </a:fld>
+            <a:endParaRPr lang="pt-PT"/>
+          </a:p>
+        </p:txBody>
+      </p:sp>
+    </p:spTree>
+    <p:extLst>
+      <p:ext uri="{BB962C8B-B14F-4D97-AF65-F5344CB8AC3E}">
+        <p14:creationId xmlns:p14="http://schemas.microsoft.com/office/powerpoint/2010/main" val="2709795112"/>
       </p:ext>
     </p:extLst>
   </p:cSld>
@@ -4282,4 +12745,342 @@
     </a:ext>
   </a:extLst>
 </a:theme>
+</file>
+
+<file path=ppt/theme/theme2.xml><?xml version="1.0" encoding="utf-8"?>
+<a:theme xmlns:a="http://schemas.openxmlformats.org/drawingml/2006/main" name="Tema do Office">
+  <a:themeElements>
+    <a:clrScheme name="Office">
+      <a:dk1>
+        <a:sysClr val="windowText" lastClr="000000"/>
+      </a:dk1>
+      <a:lt1>
+        <a:sysClr val="window" lastClr="FFFFFF"/>
+      </a:lt1>
+      <a:dk2>
+        <a:srgbClr val="44546A"/>
+      </a:dk2>
+      <a:lt2>
+        <a:srgbClr val="E7E6E6"/>
+      </a:lt2>
+      <a:accent1>
+        <a:srgbClr val="4472C4"/>
+      </a:accent1>
+      <a:accent2>
+        <a:srgbClr val="ED7D31"/>
+      </a:accent2>
+      <a:accent3>
+        <a:srgbClr val="A5A5A5"/>
+      </a:accent3>
+      <a:accent4>
+        <a:srgbClr val="FFC000"/>
+      </a:accent4>
+      <a:accent5>
+        <a:srgbClr val="5B9BD5"/>
+      </a:accent5>
+      <a:accent6>
+        <a:srgbClr val="70AD47"/>
+      </a:accent6>
+      <a:hlink>
+        <a:srgbClr val="0563C1"/>
+      </a:hlink>
+      <a:folHlink>
+        <a:srgbClr val="954F72"/>
+      </a:folHlink>
+    </a:clrScheme>
+    <a:fontScheme name="Office">
+      <a:majorFont>
+        <a:latin typeface="Calibri Light" panose="020F0302020204030204"/>
+        <a:ea typeface=""/>
+        <a:cs typeface=""/>
+        <a:font script="Jpan" typeface="游ゴシック Light"/>
+        <a:font script="Hang" typeface="맑은 고딕"/>
+        <a:font script="Hans" typeface="等线 Light"/>
+        <a:font script="Hant" typeface="新細明體"/>
+        <a:font script="Arab" typeface="Times New Roman"/>
+        <a:font script="Hebr" typeface="Times New Roman"/>
+        <a:font script="Thai" typeface="Angsana New"/>
+        <a:font script="Ethi" typeface="Nyala"/>
+        <a:font script="Beng" typeface="Vrinda"/>
+        <a:font script="Gujr" typeface="Shruti"/>
+        <a:font script="Khmr" typeface="MoolBoran"/>
+        <a:font script="Knda" typeface="Tunga"/>
+        <a:font script="Guru" typeface="Raavi"/>
+        <a:font script="Cans" typeface="Euphemia"/>
+        <a:font script="Cher" typeface="Plantagenet Cherokee"/>
+        <a:font script="Yiii" typeface="Microsoft Yi Baiti"/>
+        <a:font script="Tibt" typeface="Microsoft Himalaya"/>
+        <a:font script="Thaa" typeface="MV Boli"/>
+        <a:font script="Deva" typeface="Mangal"/>
+        <a:font script="Telu" typeface="Gautami"/>
+        <a:font script="Taml" typeface="Latha"/>
+        <a:font script="Syrc" typeface="Estrangelo Edessa"/>
+        <a:font script="Orya" typeface="Kalinga"/>
+        <a:font script="Mlym" typeface="Kartika"/>
+        <a:font script="Laoo" typeface="DokChampa"/>
+        <a:font script="Sinh" typeface="Iskoola Pota"/>
+        <a:font script="Mong" typeface="Mongolian Baiti"/>
+        <a:font script="Viet" typeface="Times New Roman"/>
+        <a:font script="Uigh" typeface="Microsoft Uighur"/>
+        <a:font script="Geor" typeface="Sylfaen"/>
+        <a:font script="Armn" typeface="Arial"/>
+        <a:font script="Bugi" typeface="Leelawadee UI"/>
+        <a:font script="Bopo" typeface="Microsoft JhengHei"/>
+        <a:font script="Java" typeface="Javanese Text"/>
+        <a:font script="Lisu" typeface="Segoe UI"/>
+        <a:font script="Mymr" typeface="Myanmar Text"/>
+        <a:font script="Nkoo" typeface="Ebrima"/>
+        <a:font script="Olck" typeface="Nirmala UI"/>
+        <a:font script="Osma" typeface="Ebrima"/>
+        <a:font script="Phag" typeface="Phagspa"/>
+        <a:font script="Syrn" typeface="Estrangelo Edessa"/>
+        <a:font script="Syrj" typeface="Estrangelo Edessa"/>
+        <a:font script="Syre" typeface="Estrangelo Edessa"/>
+        <a:font script="Sora" typeface="Nirmala UI"/>
+        <a:font script="Tale" typeface="Microsoft Tai Le"/>
+        <a:font script="Talu" typeface="Microsoft New Tai Lue"/>
+        <a:font script="Tfng" typeface="Ebrima"/>
+      </a:majorFont>
+      <a:minorFont>
+        <a:latin typeface="Calibri" panose="020F0502020204030204"/>
+        <a:ea typeface=""/>
+        <a:cs typeface=""/>
+        <a:font script="Jpan" typeface="游ゴシック"/>
+        <a:font script="Hang" typeface="맑은 고딕"/>
+        <a:font script="Hans" typeface="等线"/>
+        <a:font script="Hant" typeface="新細明體"/>
+        <a:font script="Arab" typeface="Arial"/>
+        <a:font script="Hebr" typeface="Arial"/>
+        <a:font script="Thai" typeface="Cordia New"/>
+        <a:font script="Ethi" typeface="Nyala"/>
+        <a:font script="Beng" typeface="Vrinda"/>
+        <a:font script="Gujr" typeface="Shruti"/>
+        <a:font script="Khmr" typeface="DaunPenh"/>
+        <a:font script="Knda" typeface="Tunga"/>
+        <a:font script="Guru" typeface="Raavi"/>
+        <a:font script="Cans" typeface="Euphemia"/>
+        <a:font script="Cher" typeface="Plantagenet Cherokee"/>
+        <a:font script="Yiii" typeface="Microsoft Yi Baiti"/>
+        <a:font script="Tibt" typeface="Microsoft Himalaya"/>
+        <a:font script="Thaa" typeface="MV Boli"/>
+        <a:font script="Deva" typeface="Mangal"/>
+        <a:font script="Telu" typeface="Gautami"/>
+        <a:font script="Taml" typeface="Latha"/>
+        <a:font script="Syrc" typeface="Estrangelo Edessa"/>
+        <a:font script="Orya" typeface="Kalinga"/>
+        <a:font script="Mlym" typeface="Kartika"/>
+        <a:font script="Laoo" typeface="DokChampa"/>
+        <a:font script="Sinh" typeface="Iskoola Pota"/>
+        <a:font script="Mong" typeface="Mongolian Baiti"/>
+        <a:font script="Viet" typeface="Arial"/>
+        <a:font script="Uigh" typeface="Microsoft Uighur"/>
+        <a:font script="Geor" typeface="Sylfaen"/>
+        <a:font script="Armn" typeface="Arial"/>
+        <a:font script="Bugi" typeface="Leelawadee UI"/>
+        <a:font script="Bopo" typeface="Microsoft JhengHei"/>
+        <a:font script="Java" typeface="Javanese Text"/>
+        <a:font script="Lisu" typeface="Segoe UI"/>
+        <a:font script="Mymr" typeface="Myanmar Text"/>
+        <a:font script="Nkoo" typeface="Ebrima"/>
+        <a:font script="Olck" typeface="Nirmala UI"/>
+        <a:font script="Osma" typeface="Ebrima"/>
+        <a:font script="Phag" typeface="Phagspa"/>
+        <a:font script="Syrn" typeface="Estrangelo Edessa"/>
+        <a:font script="Syrj" typeface="Estrangelo Edessa"/>
+        <a:font script="Syre" typeface="Estrangelo Edessa"/>
+        <a:font script="Sora" typeface="Nirmala UI"/>
+        <a:font script="Tale" typeface="Microsoft Tai Le"/>
+        <a:font script="Talu" typeface="Microsoft New Tai Lue"/>
+        <a:font script="Tfng" typeface="Ebrima"/>
+      </a:minorFont>
+    </a:fontScheme>
+    <a:fmtScheme name="Office">
+      <a:fillStyleLst>
+        <a:solidFill>
+          <a:schemeClr val="phClr"/>
+        </a:solidFill>
+        <a:gradFill rotWithShape="1">
+          <a:gsLst>
+            <a:gs pos="0">
+              <a:schemeClr val="phClr">
+                <a:lumMod val="110000"/>
+                <a:satMod val="105000"/>
+                <a:tint val="67000"/>
+              </a:schemeClr>
+            </a:gs>
+            <a:gs pos="50000">
+              <a:schemeClr val="phClr">
+                <a:lumMod val="105000"/>
+                <a:satMod val="103000"/>
+                <a:tint val="73000"/>
+              </a:schemeClr>
+            </a:gs>
+            <a:gs pos="100000">
+              <a:schemeClr val="phClr">
+                <a:lumMod val="105000"/>
+                <a:satMod val="109000"/>
+                <a:tint val="81000"/>
+              </a:schemeClr>
+            </a:gs>
+          </a:gsLst>
+          <a:lin ang="5400000" scaled="0"/>
+        </a:gradFill>
+        <a:gradFill rotWithShape="1">
+          <a:gsLst>
+            <a:gs pos="0">
+              <a:schemeClr val="phClr">
+                <a:satMod val="103000"/>
+                <a:lumMod val="102000"/>
+                <a:tint val="94000"/>
+              </a:schemeClr>
+            </a:gs>
+            <a:gs pos="50000">
+              <a:schemeClr val="phClr">
+                <a:satMod val="110000"/>
+                <a:lumMod val="100000"/>
+                <a:shade val="100000"/>
+              </a:schemeClr>
+            </a:gs>
+            <a:gs pos="100000">
+              <a:schemeClr val="phClr">
+                <a:lumMod val="99000"/>
+                <a:satMod val="120000"/>
+                <a:shade val="78000"/>
+              </a:schemeClr>
+            </a:gs>
+          </a:gsLst>
+          <a:lin ang="5400000" scaled="0"/>
+        </a:gradFill>
+      </a:fillStyleLst>
+      <a:lnStyleLst>
+        <a:ln w="6350" cap="flat" cmpd="sng" algn="ctr">
+          <a:solidFill>
+            <a:schemeClr val="phClr"/>
+          </a:solidFill>
+          <a:prstDash val="solid"/>
+          <a:miter lim="800000"/>
+        </a:ln>
+        <a:ln w="12700" cap="flat" cmpd="sng" algn="ctr">
+          <a:solidFill>
+            <a:schemeClr val="phClr"/>
+          </a:solidFill>
+          <a:prstDash val="solid"/>
+          <a:miter lim="800000"/>
+        </a:ln>
+        <a:ln w="19050" cap="flat" cmpd="sng" algn="ctr">
+          <a:solidFill>
+            <a:schemeClr val="phClr"/>
+          </a:solidFill>
+          <a:prstDash val="solid"/>
+          <a:miter lim="800000"/>
+        </a:ln>
+      </a:lnStyleLst>
+      <a:effectStyleLst>
+        <a:effectStyle>
+          <a:effectLst/>
+        </a:effectStyle>
+        <a:effectStyle>
+          <a:effectLst/>
+        </a:effectStyle>
+        <a:effectStyle>
+          <a:effectLst>
+            <a:outerShdw blurRad="57150" dist="19050" dir="5400000" algn="ctr" rotWithShape="0">
+              <a:srgbClr val="000000">
+                <a:alpha val="63000"/>
+              </a:srgbClr>
+            </a:outerShdw>
+          </a:effectLst>
+        </a:effectStyle>
+      </a:effectStyleLst>
+      <a:bgFillStyleLst>
+        <a:solidFill>
+          <a:schemeClr val="phClr"/>
+        </a:solidFill>
+        <a:solidFill>
+          <a:schemeClr val="phClr">
+            <a:tint val="95000"/>
+            <a:satMod val="170000"/>
+          </a:schemeClr>
+        </a:solidFill>
+        <a:gradFill rotWithShape="1">
+          <a:gsLst>
+            <a:gs pos="0">
+              <a:schemeClr val="phClr">
+                <a:tint val="93000"/>
+                <a:satMod val="150000"/>
+                <a:shade val="98000"/>
+                <a:lumMod val="102000"/>
+              </a:schemeClr>
+            </a:gs>
+            <a:gs pos="50000">
+              <a:schemeClr val="phClr">
+                <a:tint val="98000"/>
+                <a:satMod val="130000"/>
+                <a:shade val="90000"/>
+                <a:lumMod val="103000"/>
+              </a:schemeClr>
+            </a:gs>
+            <a:gs pos="100000">
+              <a:schemeClr val="phClr">
+                <a:shade val="63000"/>
+                <a:satMod val="120000"/>
+              </a:schemeClr>
+            </a:gs>
+          </a:gsLst>
+          <a:lin ang="5400000" scaled="0"/>
+        </a:gradFill>
+      </a:bgFillStyleLst>
+    </a:fmtScheme>
+  </a:themeElements>
+  <a:objectDefaults/>
+  <a:extraClrSchemeLst/>
+  <a:extLst>
+    <a:ext uri="{05A4C25C-085E-4340-85A3-A5531E510DB2}">
+      <thm15:themeFamily xmlns:thm15="http://schemas.microsoft.com/office/thememl/2012/main" name="Office Theme" id="{62F939B6-93AF-4DB8-9C6B-D6C7DFDC589F}" vid="{4A3C46E8-61CC-4603-A589-7422A47A8E4A}"/>
+    </a:ext>
+  </a:extLst>
+</a:theme>
+</file>
+
+<file path=ppt/theme/themeOverride1.xml><?xml version="1.0" encoding="utf-8"?>
+<a:themeOverride xmlns:a="http://schemas.openxmlformats.org/drawingml/2006/main">
+  <a:clrScheme name="Office">
+    <a:dk1>
+      <a:sysClr val="windowText" lastClr="000000"/>
+    </a:dk1>
+    <a:lt1>
+      <a:sysClr val="window" lastClr="FFFFFF"/>
+    </a:lt1>
+    <a:dk2>
+      <a:srgbClr val="44546A"/>
+    </a:dk2>
+    <a:lt2>
+      <a:srgbClr val="E7E6E6"/>
+    </a:lt2>
+    <a:accent1>
+      <a:srgbClr val="4472C4"/>
+    </a:accent1>
+    <a:accent2>
+      <a:srgbClr val="ED7D31"/>
+    </a:accent2>
+    <a:accent3>
+      <a:srgbClr val="A5A5A5"/>
+    </a:accent3>
+    <a:accent4>
+      <a:srgbClr val="FFC000"/>
+    </a:accent4>
+    <a:accent5>
+      <a:srgbClr val="5B9BD5"/>
+    </a:accent5>
+    <a:accent6>
+      <a:srgbClr val="70AD47"/>
+    </a:accent6>
+    <a:hlink>
+      <a:srgbClr val="0563C1"/>
+    </a:hlink>
+    <a:folHlink>
+      <a:srgbClr val="954F72"/>
+    </a:folHlink>
+  </a:clrScheme>
+</a:themeOverride>
 </file>
--- a/doc/Apresentação 2ª Fase.pptx
+++ b/doc/Apresentação 2ª Fase.pptx
@@ -209,7 +209,7 @@
           <a:p>
             <a:fld id="{844F53DF-735B-4EC3-B627-85AD901AFB21}" type="datetimeFigureOut">
               <a:rPr lang="pt-PT" smtClean="0"/>
-              <a:t>19/01/2024</a:t>
+              <a:t>23/01/2024</a:t>
             </a:fld>
             <a:endParaRPr lang="pt-PT"/>
           </a:p>
@@ -623,7 +623,7 @@
           <a:p>
             <a:fld id="{221E7299-7F99-4B4B-827E-07BBC69CD153}" type="datetime1">
               <a:rPr lang="pt-PT" smtClean="0"/>
-              <a:t>19/01/2024</a:t>
+              <a:t>23/01/2024</a:t>
             </a:fld>
             <a:endParaRPr lang="pt-PT"/>
           </a:p>
@@ -821,7 +821,7 @@
           <a:p>
             <a:fld id="{F632DB7D-677C-4C0E-A753-0ACD6F2C005C}" type="datetime1">
               <a:rPr lang="pt-PT" smtClean="0"/>
-              <a:t>19/01/2024</a:t>
+              <a:t>23/01/2024</a:t>
             </a:fld>
             <a:endParaRPr lang="pt-PT"/>
           </a:p>
@@ -1029,7 +1029,7 @@
           <a:p>
             <a:fld id="{9C4A0A45-FCEB-4239-AA01-FA382F820F46}" type="datetime1">
               <a:rPr lang="pt-PT" smtClean="0"/>
-              <a:t>19/01/2024</a:t>
+              <a:t>23/01/2024</a:t>
             </a:fld>
             <a:endParaRPr lang="pt-PT"/>
           </a:p>
@@ -1227,7 +1227,7 @@
           <a:p>
             <a:fld id="{F7075558-C7AE-480F-9E4C-A3708F65EDBA}" type="datetime1">
               <a:rPr lang="pt-PT" smtClean="0"/>
-              <a:t>19/01/2024</a:t>
+              <a:t>23/01/2024</a:t>
             </a:fld>
             <a:endParaRPr lang="pt-PT"/>
           </a:p>
@@ -1502,7 +1502,7 @@
           <a:p>
             <a:fld id="{16F04FE1-4597-438D-9DAE-E620ACDC3535}" type="datetime1">
               <a:rPr lang="pt-PT" smtClean="0"/>
-              <a:t>19/01/2024</a:t>
+              <a:t>23/01/2024</a:t>
             </a:fld>
             <a:endParaRPr lang="pt-PT"/>
           </a:p>
@@ -1767,7 +1767,7 @@
           <a:p>
             <a:fld id="{F5675167-F22A-4F27-B860-7009257E6E19}" type="datetime1">
               <a:rPr lang="pt-PT" smtClean="0"/>
-              <a:t>19/01/2024</a:t>
+              <a:t>23/01/2024</a:t>
             </a:fld>
             <a:endParaRPr lang="pt-PT"/>
           </a:p>
@@ -2179,7 +2179,7 @@
           <a:p>
             <a:fld id="{BB18D4E9-9FC1-4946-B393-B93BCF00B9C4}" type="datetime1">
               <a:rPr lang="pt-PT" smtClean="0"/>
-              <a:t>19/01/2024</a:t>
+              <a:t>23/01/2024</a:t>
             </a:fld>
             <a:endParaRPr lang="pt-PT"/>
           </a:p>
@@ -2320,7 +2320,7 @@
           <a:p>
             <a:fld id="{03506BD6-F539-41B9-8AFF-EC5BE7FB4A5A}" type="datetime1">
               <a:rPr lang="pt-PT" smtClean="0"/>
-              <a:t>19/01/2024</a:t>
+              <a:t>23/01/2024</a:t>
             </a:fld>
             <a:endParaRPr lang="pt-PT"/>
           </a:p>
@@ -2433,7 +2433,7 @@
           <a:p>
             <a:fld id="{427E6FE0-31E6-49C1-9CD6-511961926312}" type="datetime1">
               <a:rPr lang="pt-PT" smtClean="0"/>
-              <a:t>19/01/2024</a:t>
+              <a:t>23/01/2024</a:t>
             </a:fld>
             <a:endParaRPr lang="pt-PT"/>
           </a:p>
@@ -2744,7 +2744,7 @@
           <a:p>
             <a:fld id="{EF30E89A-981E-4BDF-A30B-0D6A21C5C259}" type="datetime1">
               <a:rPr lang="pt-PT" smtClean="0"/>
-              <a:t>19/01/2024</a:t>
+              <a:t>23/01/2024</a:t>
             </a:fld>
             <a:endParaRPr lang="pt-PT"/>
           </a:p>
@@ -3032,7 +3032,7 @@
           <a:p>
             <a:fld id="{F604E209-465E-4045-A878-BD2602519B9B}" type="datetime1">
               <a:rPr lang="pt-PT" smtClean="0"/>
-              <a:t>19/01/2024</a:t>
+              <a:t>23/01/2024</a:t>
             </a:fld>
             <a:endParaRPr lang="pt-PT"/>
           </a:p>
@@ -3273,7 +3273,7 @@
           <a:p>
             <a:fld id="{892D1CFD-EF93-4985-A286-46F020B51F52}" type="datetime1">
               <a:rPr lang="pt-PT" smtClean="0"/>
-              <a:t>19/01/2024</a:t>
+              <a:t>23/01/2024</a:t>
             </a:fld>
             <a:endParaRPr lang="pt-PT"/>
           </a:p>
@@ -9891,7 +9891,7 @@
           <p:nvPr>
             <p:extLst>
               <p:ext uri="{D42A27DB-BD31-4B8C-83A1-F6EECF244321}">
-                <p14:modId xmlns:p14="http://schemas.microsoft.com/office/powerpoint/2010/main" val="3799568381"/>
+                <p14:modId xmlns:p14="http://schemas.microsoft.com/office/powerpoint/2010/main" val="3956999382"/>
               </p:ext>
             </p:extLst>
           </p:nvPr>
@@ -10977,7 +10977,7 @@
                           <a:latin typeface="Times New Roman" panose="02020603050405020304" pitchFamily="18" charset="0"/>
                           <a:cs typeface="Times New Roman" panose="02020603050405020304" pitchFamily="18" charset="0"/>
                         </a:rPr>
-                        <a:t>5h</a:t>
+                        <a:t>-</a:t>
                       </a:r>
                     </a:p>
                     <a:p>
@@ -10987,7 +10987,7 @@
                           <a:latin typeface="Times New Roman" panose="02020603050405020304" pitchFamily="18" charset="0"/>
                           <a:cs typeface="Times New Roman" panose="02020603050405020304" pitchFamily="18" charset="0"/>
                         </a:rPr>
-                        <a:t>6h</a:t>
+                        <a:t>-</a:t>
                       </a:r>
                     </a:p>
                   </a:txBody>
@@ -11292,7 +11292,7 @@
                           <a:latin typeface="Times New Roman" panose="02020603050405020304" pitchFamily="18" charset="0"/>
                           <a:cs typeface="Times New Roman" panose="02020603050405020304" pitchFamily="18" charset="0"/>
                         </a:rPr>
-                        <a:t>131h</a:t>
+                        <a:t>120h</a:t>
                       </a:r>
                     </a:p>
                   </a:txBody>
